--- a/docs/images/armory-architecture.pptx
+++ b/docs/images/armory-architecture.pptx
@@ -3,24 +3,25 @@
 <p:presentation xmlns:a="http://schemas.openxmlformats.org/drawingml/2006/main" xmlns:r="http://schemas.openxmlformats.org/officeDocument/2006/relationships" xmlns:p="http://schemas.openxmlformats.org/presentationml/2006/main" saveSubsetFonts="1" autoCompressPictures="0">
   <p:sldMasterIdLst>
     <p:sldMasterId id="2147483692" r:id="rId1"/>
+    <p:sldMasterId id="2147483698" r:id="rId2"/>
   </p:sldMasterIdLst>
   <p:notesMasterIdLst>
-    <p:notesMasterId r:id="rId3"/>
+    <p:notesMasterId r:id="rId4"/>
   </p:notesMasterIdLst>
   <p:handoutMasterIdLst>
-    <p:handoutMasterId r:id="rId4"/>
+    <p:handoutMasterId r:id="rId5"/>
   </p:handoutMasterIdLst>
   <p:sldIdLst>
-    <p:sldId id="260" r:id="rId2"/>
+    <p:sldId id="260" r:id="rId3"/>
   </p:sldIdLst>
-  <p:sldSz cx="12192000" cy="6858000"/>
+  <p:sldSz cx="14630400" cy="10972800"/>
   <p:notesSz cx="6858000" cy="9144000"/>
   <p:defaultTextStyle>
     <a:defPPr>
       <a:defRPr lang="en-US"/>
     </a:defPPr>
-    <a:lvl1pPr marL="0" algn="l" defTabSz="914400" rtl="0" eaLnBrk="1" latinLnBrk="0" hangingPunct="1">
-      <a:defRPr sz="1800" kern="1200">
+    <a:lvl1pPr marL="0" algn="l" defTabSz="1228954" rtl="0" eaLnBrk="1" latinLnBrk="0" hangingPunct="1">
+      <a:defRPr sz="2419" kern="1200">
         <a:solidFill>
           <a:schemeClr val="tx1"/>
         </a:solidFill>
@@ -29,8 +30,8 @@
         <a:cs typeface="+mn-cs"/>
       </a:defRPr>
     </a:lvl1pPr>
-    <a:lvl2pPr marL="457200" algn="l" defTabSz="914400" rtl="0" eaLnBrk="1" latinLnBrk="0" hangingPunct="1">
-      <a:defRPr sz="1800" kern="1200">
+    <a:lvl2pPr marL="614477" algn="l" defTabSz="1228954" rtl="0" eaLnBrk="1" latinLnBrk="0" hangingPunct="1">
+      <a:defRPr sz="2419" kern="1200">
         <a:solidFill>
           <a:schemeClr val="tx1"/>
         </a:solidFill>
@@ -39,8 +40,8 @@
         <a:cs typeface="+mn-cs"/>
       </a:defRPr>
     </a:lvl2pPr>
-    <a:lvl3pPr marL="914400" algn="l" defTabSz="914400" rtl="0" eaLnBrk="1" latinLnBrk="0" hangingPunct="1">
-      <a:defRPr sz="1800" kern="1200">
+    <a:lvl3pPr marL="1228954" algn="l" defTabSz="1228954" rtl="0" eaLnBrk="1" latinLnBrk="0" hangingPunct="1">
+      <a:defRPr sz="2419" kern="1200">
         <a:solidFill>
           <a:schemeClr val="tx1"/>
         </a:solidFill>
@@ -49,8 +50,8 @@
         <a:cs typeface="+mn-cs"/>
       </a:defRPr>
     </a:lvl3pPr>
-    <a:lvl4pPr marL="1371600" algn="l" defTabSz="914400" rtl="0" eaLnBrk="1" latinLnBrk="0" hangingPunct="1">
-      <a:defRPr sz="1800" kern="1200">
+    <a:lvl4pPr marL="1843430" algn="l" defTabSz="1228954" rtl="0" eaLnBrk="1" latinLnBrk="0" hangingPunct="1">
+      <a:defRPr sz="2419" kern="1200">
         <a:solidFill>
           <a:schemeClr val="tx1"/>
         </a:solidFill>
@@ -59,8 +60,8 @@
         <a:cs typeface="+mn-cs"/>
       </a:defRPr>
     </a:lvl4pPr>
-    <a:lvl5pPr marL="1828800" algn="l" defTabSz="914400" rtl="0" eaLnBrk="1" latinLnBrk="0" hangingPunct="1">
-      <a:defRPr sz="1800" kern="1200">
+    <a:lvl5pPr marL="2457907" algn="l" defTabSz="1228954" rtl="0" eaLnBrk="1" latinLnBrk="0" hangingPunct="1">
+      <a:defRPr sz="2419" kern="1200">
         <a:solidFill>
           <a:schemeClr val="tx1"/>
         </a:solidFill>
@@ -69,8 +70,8 @@
         <a:cs typeface="+mn-cs"/>
       </a:defRPr>
     </a:lvl5pPr>
-    <a:lvl6pPr marL="2286000" algn="l" defTabSz="914400" rtl="0" eaLnBrk="1" latinLnBrk="0" hangingPunct="1">
-      <a:defRPr sz="1800" kern="1200">
+    <a:lvl6pPr marL="3072384" algn="l" defTabSz="1228954" rtl="0" eaLnBrk="1" latinLnBrk="0" hangingPunct="1">
+      <a:defRPr sz="2419" kern="1200">
         <a:solidFill>
           <a:schemeClr val="tx1"/>
         </a:solidFill>
@@ -79,8 +80,8 @@
         <a:cs typeface="+mn-cs"/>
       </a:defRPr>
     </a:lvl6pPr>
-    <a:lvl7pPr marL="2743200" algn="l" defTabSz="914400" rtl="0" eaLnBrk="1" latinLnBrk="0" hangingPunct="1">
-      <a:defRPr sz="1800" kern="1200">
+    <a:lvl7pPr marL="3686861" algn="l" defTabSz="1228954" rtl="0" eaLnBrk="1" latinLnBrk="0" hangingPunct="1">
+      <a:defRPr sz="2419" kern="1200">
         <a:solidFill>
           <a:schemeClr val="tx1"/>
         </a:solidFill>
@@ -89,8 +90,8 @@
         <a:cs typeface="+mn-cs"/>
       </a:defRPr>
     </a:lvl7pPr>
-    <a:lvl8pPr marL="3200400" algn="l" defTabSz="914400" rtl="0" eaLnBrk="1" latinLnBrk="0" hangingPunct="1">
-      <a:defRPr sz="1800" kern="1200">
+    <a:lvl8pPr marL="4301338" algn="l" defTabSz="1228954" rtl="0" eaLnBrk="1" latinLnBrk="0" hangingPunct="1">
+      <a:defRPr sz="2419" kern="1200">
         <a:solidFill>
           <a:schemeClr val="tx1"/>
         </a:solidFill>
@@ -99,8 +100,8 @@
         <a:cs typeface="+mn-cs"/>
       </a:defRPr>
     </a:lvl8pPr>
-    <a:lvl9pPr marL="3657600" algn="l" defTabSz="914400" rtl="0" eaLnBrk="1" latinLnBrk="0" hangingPunct="1">
-      <a:defRPr sz="1800" kern="1200">
+    <a:lvl9pPr marL="4915814" algn="l" defTabSz="1228954" rtl="0" eaLnBrk="1" latinLnBrk="0" hangingPunct="1">
+      <a:defRPr sz="2419" kern="1200">
         <a:solidFill>
           <a:schemeClr val="tx1"/>
         </a:solidFill>
@@ -113,12 +114,12 @@
   <p:extLst>
     <p:ext uri="{EFAFB233-063F-42B5-8137-9DF3F51BA10A}">
       <p15:sldGuideLst xmlns:p15="http://schemas.microsoft.com/office/powerpoint/2012/main">
-        <p15:guide id="2" pos="24" userDrawn="1">
+        <p15:guide id="2" pos="29" userDrawn="1">
           <p15:clr>
             <a:srgbClr val="A4A3A4"/>
           </p15:clr>
         </p15:guide>
-        <p15:guide id="3" orient="horz" pos="2160">
+        <p15:guide id="3" orient="horz" pos="3456" userDrawn="1">
           <p15:clr>
             <a:srgbClr val="A4A3A4"/>
           </p15:clr>
@@ -223,7 +224,7 @@
           <a:p>
             <a:fld id="{49A7721D-1176-A640-AC48-B82F78C92D56}" type="datetimeFigureOut">
               <a:rPr lang="en-US" smtClean="0"/>
-              <a:t>6/6/21</a:t>
+              <a:t>6/28/2021</a:t>
             </a:fld>
             <a:endParaRPr lang="en-US" dirty="0"/>
           </a:p>
@@ -400,7 +401,7 @@
           <a:p>
             <a:fld id="{C884A089-FB25-6D46-9D21-F0F04A18BCA8}" type="datetimeFigureOut">
               <a:rPr lang="en-US" smtClean="0"/>
-              <a:t>6/6/21</a:t>
+              <a:t>6/28/2021</a:t>
             </a:fld>
             <a:endParaRPr lang="en-US" dirty="0"/>
           </a:p>
@@ -418,8 +419,8 @@
         </p:nvSpPr>
         <p:spPr>
           <a:xfrm>
-            <a:off x="685800" y="1143000"/>
-            <a:ext cx="5486400" cy="3086100"/>
+            <a:off x="1371600" y="1143000"/>
+            <a:ext cx="4114800" cy="3086100"/>
           </a:xfrm>
           <a:prstGeom prst="rect">
             <a:avLst/>
@@ -573,8 +574,8 @@
   </p:cSld>
   <p:clrMap bg1="lt1" tx1="dk1" bg2="lt2" tx2="dk2" accent1="accent1" accent2="accent2" accent3="accent3" accent4="accent4" accent5="accent5" accent6="accent6" hlink="hlink" folHlink="folHlink"/>
   <p:notesStyle>
-    <a:lvl1pPr marL="0" algn="l" defTabSz="914400" rtl="0" eaLnBrk="1" latinLnBrk="0" hangingPunct="1">
-      <a:defRPr sz="1200" kern="1200">
+    <a:lvl1pPr marL="0" algn="l" defTabSz="1228954" rtl="0" eaLnBrk="1" latinLnBrk="0" hangingPunct="1">
+      <a:defRPr sz="1613" kern="1200">
         <a:solidFill>
           <a:schemeClr val="tx1"/>
         </a:solidFill>
@@ -583,8 +584,8 @@
         <a:cs typeface="+mn-cs"/>
       </a:defRPr>
     </a:lvl1pPr>
-    <a:lvl2pPr marL="457200" algn="l" defTabSz="914400" rtl="0" eaLnBrk="1" latinLnBrk="0" hangingPunct="1">
-      <a:defRPr sz="1200" kern="1200">
+    <a:lvl2pPr marL="614477" algn="l" defTabSz="1228954" rtl="0" eaLnBrk="1" latinLnBrk="0" hangingPunct="1">
+      <a:defRPr sz="1613" kern="1200">
         <a:solidFill>
           <a:schemeClr val="tx1"/>
         </a:solidFill>
@@ -593,8 +594,8 @@
         <a:cs typeface="+mn-cs"/>
       </a:defRPr>
     </a:lvl2pPr>
-    <a:lvl3pPr marL="914400" algn="l" defTabSz="914400" rtl="0" eaLnBrk="1" latinLnBrk="0" hangingPunct="1">
-      <a:defRPr sz="1200" kern="1200">
+    <a:lvl3pPr marL="1228954" algn="l" defTabSz="1228954" rtl="0" eaLnBrk="1" latinLnBrk="0" hangingPunct="1">
+      <a:defRPr sz="1613" kern="1200">
         <a:solidFill>
           <a:schemeClr val="tx1"/>
         </a:solidFill>
@@ -603,8 +604,8 @@
         <a:cs typeface="+mn-cs"/>
       </a:defRPr>
     </a:lvl3pPr>
-    <a:lvl4pPr marL="1371600" algn="l" defTabSz="914400" rtl="0" eaLnBrk="1" latinLnBrk="0" hangingPunct="1">
-      <a:defRPr sz="1200" kern="1200">
+    <a:lvl4pPr marL="1843430" algn="l" defTabSz="1228954" rtl="0" eaLnBrk="1" latinLnBrk="0" hangingPunct="1">
+      <a:defRPr sz="1613" kern="1200">
         <a:solidFill>
           <a:schemeClr val="tx1"/>
         </a:solidFill>
@@ -613,8 +614,8 @@
         <a:cs typeface="+mn-cs"/>
       </a:defRPr>
     </a:lvl4pPr>
-    <a:lvl5pPr marL="1828800" algn="l" defTabSz="914400" rtl="0" eaLnBrk="1" latinLnBrk="0" hangingPunct="1">
-      <a:defRPr sz="1200" kern="1200">
+    <a:lvl5pPr marL="2457907" algn="l" defTabSz="1228954" rtl="0" eaLnBrk="1" latinLnBrk="0" hangingPunct="1">
+      <a:defRPr sz="1613" kern="1200">
         <a:solidFill>
           <a:schemeClr val="tx1"/>
         </a:solidFill>
@@ -623,8 +624,8 @@
         <a:cs typeface="+mn-cs"/>
       </a:defRPr>
     </a:lvl5pPr>
-    <a:lvl6pPr marL="2286000" algn="l" defTabSz="914400" rtl="0" eaLnBrk="1" latinLnBrk="0" hangingPunct="1">
-      <a:defRPr sz="1200" kern="1200">
+    <a:lvl6pPr marL="3072384" algn="l" defTabSz="1228954" rtl="0" eaLnBrk="1" latinLnBrk="0" hangingPunct="1">
+      <a:defRPr sz="1613" kern="1200">
         <a:solidFill>
           <a:schemeClr val="tx1"/>
         </a:solidFill>
@@ -633,8 +634,8 @@
         <a:cs typeface="+mn-cs"/>
       </a:defRPr>
     </a:lvl6pPr>
-    <a:lvl7pPr marL="2743200" algn="l" defTabSz="914400" rtl="0" eaLnBrk="1" latinLnBrk="0" hangingPunct="1">
-      <a:defRPr sz="1200" kern="1200">
+    <a:lvl7pPr marL="3686861" algn="l" defTabSz="1228954" rtl="0" eaLnBrk="1" latinLnBrk="0" hangingPunct="1">
+      <a:defRPr sz="1613" kern="1200">
         <a:solidFill>
           <a:schemeClr val="tx1"/>
         </a:solidFill>
@@ -643,8 +644,8 @@
         <a:cs typeface="+mn-cs"/>
       </a:defRPr>
     </a:lvl7pPr>
-    <a:lvl8pPr marL="3200400" algn="l" defTabSz="914400" rtl="0" eaLnBrk="1" latinLnBrk="0" hangingPunct="1">
-      <a:defRPr sz="1200" kern="1200">
+    <a:lvl8pPr marL="4301338" algn="l" defTabSz="1228954" rtl="0" eaLnBrk="1" latinLnBrk="0" hangingPunct="1">
+      <a:defRPr sz="1613" kern="1200">
         <a:solidFill>
           <a:schemeClr val="tx1"/>
         </a:solidFill>
@@ -653,8 +654,8 @@
         <a:cs typeface="+mn-cs"/>
       </a:defRPr>
     </a:lvl8pPr>
-    <a:lvl9pPr marL="3657600" algn="l" defTabSz="914400" rtl="0" eaLnBrk="1" latinLnBrk="0" hangingPunct="1">
-      <a:defRPr sz="1200" kern="1200">
+    <a:lvl9pPr marL="4915814" algn="l" defTabSz="1228954" rtl="0" eaLnBrk="1" latinLnBrk="0" hangingPunct="1">
+      <a:defRPr sz="1613" kern="1200">
         <a:solidFill>
           <a:schemeClr val="tx1"/>
         </a:solidFill>
@@ -744,6 +745,2314 @@
   <p:clrMapOvr>
     <a:masterClrMapping/>
   </p:clrMapOvr>
+</p:sldLayout>
+</file>
+
+<file path=ppt/slideLayouts/slideLayout10.xml><?xml version="1.0" encoding="utf-8"?>
+<p:sldLayout xmlns:a="http://schemas.openxmlformats.org/drawingml/2006/main" xmlns:r="http://schemas.openxmlformats.org/officeDocument/2006/relationships" xmlns:p="http://schemas.openxmlformats.org/presentationml/2006/main" type="picTx" preserve="1">
+  <p:cSld name="Picture with Caption">
+    <p:spTree>
+      <p:nvGrpSpPr>
+        <p:cNvPr id="1" name=""/>
+        <p:cNvGrpSpPr/>
+        <p:nvPr/>
+      </p:nvGrpSpPr>
+      <p:grpSpPr>
+        <a:xfrm>
+          <a:off x="0" y="0"/>
+          <a:ext cx="0" cy="0"/>
+          <a:chOff x="0" y="0"/>
+          <a:chExt cx="0" cy="0"/>
+        </a:xfrm>
+      </p:grpSpPr>
+      <p:sp>
+        <p:nvSpPr>
+          <p:cNvPr id="2" name="Title 1"/>
+          <p:cNvSpPr>
+            <a:spLocks noGrp="1"/>
+          </p:cNvSpPr>
+          <p:nvPr>
+            <p:ph type="title"/>
+          </p:nvPr>
+        </p:nvSpPr>
+        <p:spPr>
+          <a:xfrm>
+            <a:off x="1007746" y="731520"/>
+            <a:ext cx="4718685" cy="2560320"/>
+          </a:xfrm>
+        </p:spPr>
+        <p:txBody>
+          <a:bodyPr anchor="b"/>
+          <a:lstStyle>
+            <a:lvl1pPr>
+              <a:defRPr sz="5120"/>
+            </a:lvl1pPr>
+          </a:lstStyle>
+          <a:p>
+            <a:r>
+              <a:rPr lang="en-US" smtClean="0"/>
+              <a:t>Click to edit Master title style</a:t>
+            </a:r>
+            <a:endParaRPr lang="en-US" dirty="0"/>
+          </a:p>
+        </p:txBody>
+      </p:sp>
+      <p:sp>
+        <p:nvSpPr>
+          <p:cNvPr id="3" name="Picture Placeholder 2"/>
+          <p:cNvSpPr>
+            <a:spLocks noGrp="1" noChangeAspect="1"/>
+          </p:cNvSpPr>
+          <p:nvPr>
+            <p:ph type="pic" idx="1"/>
+          </p:nvPr>
+        </p:nvSpPr>
+        <p:spPr>
+          <a:xfrm>
+            <a:off x="6219826" y="1579882"/>
+            <a:ext cx="7406640" cy="7797800"/>
+          </a:xfrm>
+        </p:spPr>
+        <p:txBody>
+          <a:bodyPr anchor="t"/>
+          <a:lstStyle>
+            <a:lvl1pPr marL="0" indent="0">
+              <a:buNone/>
+              <a:defRPr sz="5120"/>
+            </a:lvl1pPr>
+            <a:lvl2pPr marL="731520" indent="0">
+              <a:buNone/>
+              <a:defRPr sz="4480"/>
+            </a:lvl2pPr>
+            <a:lvl3pPr marL="1463040" indent="0">
+              <a:buNone/>
+              <a:defRPr sz="3840"/>
+            </a:lvl3pPr>
+            <a:lvl4pPr marL="2194560" indent="0">
+              <a:buNone/>
+              <a:defRPr sz="3200"/>
+            </a:lvl4pPr>
+            <a:lvl5pPr marL="2926080" indent="0">
+              <a:buNone/>
+              <a:defRPr sz="3200"/>
+            </a:lvl5pPr>
+            <a:lvl6pPr marL="3657600" indent="0">
+              <a:buNone/>
+              <a:defRPr sz="3200"/>
+            </a:lvl6pPr>
+            <a:lvl7pPr marL="4389120" indent="0">
+              <a:buNone/>
+              <a:defRPr sz="3200"/>
+            </a:lvl7pPr>
+            <a:lvl8pPr marL="5120640" indent="0">
+              <a:buNone/>
+              <a:defRPr sz="3200"/>
+            </a:lvl8pPr>
+            <a:lvl9pPr marL="5852160" indent="0">
+              <a:buNone/>
+              <a:defRPr sz="3200"/>
+            </a:lvl9pPr>
+          </a:lstStyle>
+          <a:p>
+            <a:r>
+              <a:rPr lang="en-US" smtClean="0"/>
+              <a:t>Click icon to add picture</a:t>
+            </a:r>
+            <a:endParaRPr lang="en-US" dirty="0"/>
+          </a:p>
+        </p:txBody>
+      </p:sp>
+      <p:sp>
+        <p:nvSpPr>
+          <p:cNvPr id="4" name="Text Placeholder 3"/>
+          <p:cNvSpPr>
+            <a:spLocks noGrp="1"/>
+          </p:cNvSpPr>
+          <p:nvPr>
+            <p:ph type="body" sz="half" idx="2"/>
+          </p:nvPr>
+        </p:nvSpPr>
+        <p:spPr>
+          <a:xfrm>
+            <a:off x="1007746" y="3291840"/>
+            <a:ext cx="4718685" cy="6098541"/>
+          </a:xfrm>
+        </p:spPr>
+        <p:txBody>
+          <a:bodyPr/>
+          <a:lstStyle>
+            <a:lvl1pPr marL="0" indent="0">
+              <a:buNone/>
+              <a:defRPr sz="2560"/>
+            </a:lvl1pPr>
+            <a:lvl2pPr marL="731520" indent="0">
+              <a:buNone/>
+              <a:defRPr sz="2240"/>
+            </a:lvl2pPr>
+            <a:lvl3pPr marL="1463040" indent="0">
+              <a:buNone/>
+              <a:defRPr sz="1920"/>
+            </a:lvl3pPr>
+            <a:lvl4pPr marL="2194560" indent="0">
+              <a:buNone/>
+              <a:defRPr sz="1600"/>
+            </a:lvl4pPr>
+            <a:lvl5pPr marL="2926080" indent="0">
+              <a:buNone/>
+              <a:defRPr sz="1600"/>
+            </a:lvl5pPr>
+            <a:lvl6pPr marL="3657600" indent="0">
+              <a:buNone/>
+              <a:defRPr sz="1600"/>
+            </a:lvl6pPr>
+            <a:lvl7pPr marL="4389120" indent="0">
+              <a:buNone/>
+              <a:defRPr sz="1600"/>
+            </a:lvl7pPr>
+            <a:lvl8pPr marL="5120640" indent="0">
+              <a:buNone/>
+              <a:defRPr sz="1600"/>
+            </a:lvl8pPr>
+            <a:lvl9pPr marL="5852160" indent="0">
+              <a:buNone/>
+              <a:defRPr sz="1600"/>
+            </a:lvl9pPr>
+          </a:lstStyle>
+          <a:p>
+            <a:pPr lvl="0"/>
+            <a:r>
+              <a:rPr lang="en-US" smtClean="0"/>
+              <a:t>Edit Master text styles</a:t>
+            </a:r>
+          </a:p>
+        </p:txBody>
+      </p:sp>
+      <p:sp>
+        <p:nvSpPr>
+          <p:cNvPr id="5" name="Date Placeholder 4"/>
+          <p:cNvSpPr>
+            <a:spLocks noGrp="1"/>
+          </p:cNvSpPr>
+          <p:nvPr>
+            <p:ph type="dt" sz="half" idx="10"/>
+          </p:nvPr>
+        </p:nvSpPr>
+        <p:spPr/>
+        <p:txBody>
+          <a:bodyPr/>
+          <a:lstStyle/>
+          <a:p>
+            <a:fld id="{C764DE79-268F-4C1A-8933-263129D2AF90}" type="datetimeFigureOut">
+              <a:rPr lang="en-US" dirty="0"/>
+              <a:t>6/28/2021</a:t>
+            </a:fld>
+            <a:endParaRPr lang="en-US" dirty="0"/>
+          </a:p>
+        </p:txBody>
+      </p:sp>
+      <p:sp>
+        <p:nvSpPr>
+          <p:cNvPr id="6" name="Footer Placeholder 5"/>
+          <p:cNvSpPr>
+            <a:spLocks noGrp="1"/>
+          </p:cNvSpPr>
+          <p:nvPr>
+            <p:ph type="ftr" sz="quarter" idx="11"/>
+          </p:nvPr>
+        </p:nvSpPr>
+        <p:spPr/>
+        <p:txBody>
+          <a:bodyPr/>
+          <a:lstStyle/>
+          <a:p>
+            <a:endParaRPr lang="en-US" dirty="0"/>
+          </a:p>
+        </p:txBody>
+      </p:sp>
+      <p:sp>
+        <p:nvSpPr>
+          <p:cNvPr id="7" name="Slide Number Placeholder 6"/>
+          <p:cNvSpPr>
+            <a:spLocks noGrp="1"/>
+          </p:cNvSpPr>
+          <p:nvPr>
+            <p:ph type="sldNum" sz="quarter" idx="12"/>
+          </p:nvPr>
+        </p:nvSpPr>
+        <p:spPr/>
+        <p:txBody>
+          <a:bodyPr/>
+          <a:lstStyle/>
+          <a:p>
+            <a:fld id="{48F63A3B-78C7-47BE-AE5E-E10140E04643}" type="slidenum">
+              <a:rPr lang="en-US" dirty="0"/>
+              <a:t>‹#›</a:t>
+            </a:fld>
+            <a:endParaRPr lang="en-US" dirty="0"/>
+          </a:p>
+        </p:txBody>
+      </p:sp>
+    </p:spTree>
+    <p:extLst>
+      <p:ext uri="{BB962C8B-B14F-4D97-AF65-F5344CB8AC3E}">
+        <p14:creationId xmlns:p14="http://schemas.microsoft.com/office/powerpoint/2010/main" val="497157128"/>
+      </p:ext>
+    </p:extLst>
+  </p:cSld>
+  <p:clrMapOvr>
+    <a:masterClrMapping/>
+  </p:clrMapOvr>
+  <p:hf sldNum="0" hdr="0" ftr="0" dt="0"/>
+</p:sldLayout>
+</file>
+
+<file path=ppt/slideLayouts/slideLayout11.xml><?xml version="1.0" encoding="utf-8"?>
+<p:sldLayout xmlns:a="http://schemas.openxmlformats.org/drawingml/2006/main" xmlns:r="http://schemas.openxmlformats.org/officeDocument/2006/relationships" xmlns:p="http://schemas.openxmlformats.org/presentationml/2006/main" type="vertTx" preserve="1">
+  <p:cSld name="Title and Vertical Text">
+    <p:spTree>
+      <p:nvGrpSpPr>
+        <p:cNvPr id="1" name=""/>
+        <p:cNvGrpSpPr/>
+        <p:nvPr/>
+      </p:nvGrpSpPr>
+      <p:grpSpPr>
+        <a:xfrm>
+          <a:off x="0" y="0"/>
+          <a:ext cx="0" cy="0"/>
+          <a:chOff x="0" y="0"/>
+          <a:chExt cx="0" cy="0"/>
+        </a:xfrm>
+      </p:grpSpPr>
+      <p:sp>
+        <p:nvSpPr>
+          <p:cNvPr id="2" name="Title 1"/>
+          <p:cNvSpPr>
+            <a:spLocks noGrp="1"/>
+          </p:cNvSpPr>
+          <p:nvPr>
+            <p:ph type="title"/>
+          </p:nvPr>
+        </p:nvSpPr>
+        <p:spPr/>
+        <p:txBody>
+          <a:bodyPr/>
+          <a:lstStyle/>
+          <a:p>
+            <a:r>
+              <a:rPr lang="en-US" smtClean="0"/>
+              <a:t>Click to edit Master title style</a:t>
+            </a:r>
+            <a:endParaRPr lang="en-US" dirty="0"/>
+          </a:p>
+        </p:txBody>
+      </p:sp>
+      <p:sp>
+        <p:nvSpPr>
+          <p:cNvPr id="3" name="Vertical Text Placeholder 2"/>
+          <p:cNvSpPr>
+            <a:spLocks noGrp="1"/>
+          </p:cNvSpPr>
+          <p:nvPr>
+            <p:ph type="body" orient="vert" idx="1"/>
+          </p:nvPr>
+        </p:nvSpPr>
+        <p:spPr/>
+        <p:txBody>
+          <a:bodyPr vert="eaVert"/>
+          <a:lstStyle/>
+          <a:p>
+            <a:pPr lvl="0"/>
+            <a:r>
+              <a:rPr lang="en-US" smtClean="0"/>
+              <a:t>Edit Master text styles</a:t>
+            </a:r>
+          </a:p>
+          <a:p>
+            <a:pPr lvl="1"/>
+            <a:r>
+              <a:rPr lang="en-US" smtClean="0"/>
+              <a:t>Second level</a:t>
+            </a:r>
+          </a:p>
+          <a:p>
+            <a:pPr lvl="2"/>
+            <a:r>
+              <a:rPr lang="en-US" smtClean="0"/>
+              <a:t>Third level</a:t>
+            </a:r>
+          </a:p>
+          <a:p>
+            <a:pPr lvl="3"/>
+            <a:r>
+              <a:rPr lang="en-US" smtClean="0"/>
+              <a:t>Fourth level</a:t>
+            </a:r>
+          </a:p>
+          <a:p>
+            <a:pPr lvl="4"/>
+            <a:r>
+              <a:rPr lang="en-US" smtClean="0"/>
+              <a:t>Fifth level</a:t>
+            </a:r>
+            <a:endParaRPr lang="en-US" dirty="0"/>
+          </a:p>
+        </p:txBody>
+      </p:sp>
+      <p:sp>
+        <p:nvSpPr>
+          <p:cNvPr id="4" name="Date Placeholder 3"/>
+          <p:cNvSpPr>
+            <a:spLocks noGrp="1"/>
+          </p:cNvSpPr>
+          <p:nvPr>
+            <p:ph type="dt" sz="half" idx="10"/>
+          </p:nvPr>
+        </p:nvSpPr>
+        <p:spPr/>
+        <p:txBody>
+          <a:bodyPr/>
+          <a:lstStyle/>
+          <a:p>
+            <a:fld id="{C764DE79-268F-4C1A-8933-263129D2AF90}" type="datetimeFigureOut">
+              <a:rPr lang="en-US" dirty="0"/>
+              <a:t>6/28/2021</a:t>
+            </a:fld>
+            <a:endParaRPr lang="en-US" dirty="0"/>
+          </a:p>
+        </p:txBody>
+      </p:sp>
+      <p:sp>
+        <p:nvSpPr>
+          <p:cNvPr id="5" name="Footer Placeholder 4"/>
+          <p:cNvSpPr>
+            <a:spLocks noGrp="1"/>
+          </p:cNvSpPr>
+          <p:nvPr>
+            <p:ph type="ftr" sz="quarter" idx="11"/>
+          </p:nvPr>
+        </p:nvSpPr>
+        <p:spPr/>
+        <p:txBody>
+          <a:bodyPr/>
+          <a:lstStyle/>
+          <a:p>
+            <a:endParaRPr lang="en-US" dirty="0"/>
+          </a:p>
+        </p:txBody>
+      </p:sp>
+      <p:sp>
+        <p:nvSpPr>
+          <p:cNvPr id="6" name="Slide Number Placeholder 5"/>
+          <p:cNvSpPr>
+            <a:spLocks noGrp="1"/>
+          </p:cNvSpPr>
+          <p:nvPr>
+            <p:ph type="sldNum" sz="quarter" idx="12"/>
+          </p:nvPr>
+        </p:nvSpPr>
+        <p:spPr/>
+        <p:txBody>
+          <a:bodyPr/>
+          <a:lstStyle/>
+          <a:p>
+            <a:fld id="{48F63A3B-78C7-47BE-AE5E-E10140E04643}" type="slidenum">
+              <a:rPr lang="en-US" dirty="0"/>
+              <a:t>‹#›</a:t>
+            </a:fld>
+            <a:endParaRPr lang="en-US" dirty="0"/>
+          </a:p>
+        </p:txBody>
+      </p:sp>
+    </p:spTree>
+    <p:extLst>
+      <p:ext uri="{BB962C8B-B14F-4D97-AF65-F5344CB8AC3E}">
+        <p14:creationId xmlns:p14="http://schemas.microsoft.com/office/powerpoint/2010/main" val="1503070971"/>
+      </p:ext>
+    </p:extLst>
+  </p:cSld>
+  <p:clrMapOvr>
+    <a:masterClrMapping/>
+  </p:clrMapOvr>
+  <p:hf sldNum="0" hdr="0" ftr="0" dt="0"/>
+</p:sldLayout>
+</file>
+
+<file path=ppt/slideLayouts/slideLayout12.xml><?xml version="1.0" encoding="utf-8"?>
+<p:sldLayout xmlns:a="http://schemas.openxmlformats.org/drawingml/2006/main" xmlns:r="http://schemas.openxmlformats.org/officeDocument/2006/relationships" xmlns:p="http://schemas.openxmlformats.org/presentationml/2006/main" type="vertTitleAndTx" preserve="1">
+  <p:cSld name="Vertical Title and Text">
+    <p:spTree>
+      <p:nvGrpSpPr>
+        <p:cNvPr id="1" name=""/>
+        <p:cNvGrpSpPr/>
+        <p:nvPr/>
+      </p:nvGrpSpPr>
+      <p:grpSpPr>
+        <a:xfrm>
+          <a:off x="0" y="0"/>
+          <a:ext cx="0" cy="0"/>
+          <a:chOff x="0" y="0"/>
+          <a:chExt cx="0" cy="0"/>
+        </a:xfrm>
+      </p:grpSpPr>
+      <p:sp>
+        <p:nvSpPr>
+          <p:cNvPr id="2" name="Vertical Title 1"/>
+          <p:cNvSpPr>
+            <a:spLocks noGrp="1"/>
+          </p:cNvSpPr>
+          <p:nvPr>
+            <p:ph type="title" orient="vert"/>
+          </p:nvPr>
+        </p:nvSpPr>
+        <p:spPr>
+          <a:xfrm>
+            <a:off x="10469881" y="584200"/>
+            <a:ext cx="3154680" cy="9298941"/>
+          </a:xfrm>
+        </p:spPr>
+        <p:txBody>
+          <a:bodyPr vert="eaVert"/>
+          <a:lstStyle/>
+          <a:p>
+            <a:r>
+              <a:rPr lang="en-US" smtClean="0"/>
+              <a:t>Click to edit Master title style</a:t>
+            </a:r>
+            <a:endParaRPr lang="en-US" dirty="0"/>
+          </a:p>
+        </p:txBody>
+      </p:sp>
+      <p:sp>
+        <p:nvSpPr>
+          <p:cNvPr id="3" name="Vertical Text Placeholder 2"/>
+          <p:cNvSpPr>
+            <a:spLocks noGrp="1"/>
+          </p:cNvSpPr>
+          <p:nvPr>
+            <p:ph type="body" orient="vert" idx="1"/>
+          </p:nvPr>
+        </p:nvSpPr>
+        <p:spPr>
+          <a:xfrm>
+            <a:off x="1005841" y="584200"/>
+            <a:ext cx="9281160" cy="9298941"/>
+          </a:xfrm>
+        </p:spPr>
+        <p:txBody>
+          <a:bodyPr vert="eaVert"/>
+          <a:lstStyle/>
+          <a:p>
+            <a:pPr lvl="0"/>
+            <a:r>
+              <a:rPr lang="en-US" smtClean="0"/>
+              <a:t>Edit Master text styles</a:t>
+            </a:r>
+          </a:p>
+          <a:p>
+            <a:pPr lvl="1"/>
+            <a:r>
+              <a:rPr lang="en-US" smtClean="0"/>
+              <a:t>Second level</a:t>
+            </a:r>
+          </a:p>
+          <a:p>
+            <a:pPr lvl="2"/>
+            <a:r>
+              <a:rPr lang="en-US" smtClean="0"/>
+              <a:t>Third level</a:t>
+            </a:r>
+          </a:p>
+          <a:p>
+            <a:pPr lvl="3"/>
+            <a:r>
+              <a:rPr lang="en-US" smtClean="0"/>
+              <a:t>Fourth level</a:t>
+            </a:r>
+          </a:p>
+          <a:p>
+            <a:pPr lvl="4"/>
+            <a:r>
+              <a:rPr lang="en-US" smtClean="0"/>
+              <a:t>Fifth level</a:t>
+            </a:r>
+            <a:endParaRPr lang="en-US" dirty="0"/>
+          </a:p>
+        </p:txBody>
+      </p:sp>
+      <p:sp>
+        <p:nvSpPr>
+          <p:cNvPr id="4" name="Date Placeholder 3"/>
+          <p:cNvSpPr>
+            <a:spLocks noGrp="1"/>
+          </p:cNvSpPr>
+          <p:nvPr>
+            <p:ph type="dt" sz="half" idx="10"/>
+          </p:nvPr>
+        </p:nvSpPr>
+        <p:spPr/>
+        <p:txBody>
+          <a:bodyPr/>
+          <a:lstStyle/>
+          <a:p>
+            <a:fld id="{C764DE79-268F-4C1A-8933-263129D2AF90}" type="datetimeFigureOut">
+              <a:rPr lang="en-US" dirty="0"/>
+              <a:t>6/28/2021</a:t>
+            </a:fld>
+            <a:endParaRPr lang="en-US" dirty="0"/>
+          </a:p>
+        </p:txBody>
+      </p:sp>
+      <p:sp>
+        <p:nvSpPr>
+          <p:cNvPr id="5" name="Footer Placeholder 4"/>
+          <p:cNvSpPr>
+            <a:spLocks noGrp="1"/>
+          </p:cNvSpPr>
+          <p:nvPr>
+            <p:ph type="ftr" sz="quarter" idx="11"/>
+          </p:nvPr>
+        </p:nvSpPr>
+        <p:spPr/>
+        <p:txBody>
+          <a:bodyPr/>
+          <a:lstStyle/>
+          <a:p>
+            <a:endParaRPr lang="en-US" dirty="0"/>
+          </a:p>
+        </p:txBody>
+      </p:sp>
+      <p:sp>
+        <p:nvSpPr>
+          <p:cNvPr id="6" name="Slide Number Placeholder 5"/>
+          <p:cNvSpPr>
+            <a:spLocks noGrp="1"/>
+          </p:cNvSpPr>
+          <p:nvPr>
+            <p:ph type="sldNum" sz="quarter" idx="12"/>
+          </p:nvPr>
+        </p:nvSpPr>
+        <p:spPr/>
+        <p:txBody>
+          <a:bodyPr/>
+          <a:lstStyle/>
+          <a:p>
+            <a:fld id="{48F63A3B-78C7-47BE-AE5E-E10140E04643}" type="slidenum">
+              <a:rPr lang="en-US" dirty="0"/>
+              <a:t>‹#›</a:t>
+            </a:fld>
+            <a:endParaRPr lang="en-US" dirty="0"/>
+          </a:p>
+        </p:txBody>
+      </p:sp>
+    </p:spTree>
+    <p:extLst>
+      <p:ext uri="{BB962C8B-B14F-4D97-AF65-F5344CB8AC3E}">
+        <p14:creationId xmlns:p14="http://schemas.microsoft.com/office/powerpoint/2010/main" val="1153130337"/>
+      </p:ext>
+    </p:extLst>
+  </p:cSld>
+  <p:clrMapOvr>
+    <a:masterClrMapping/>
+  </p:clrMapOvr>
+  <p:hf sldNum="0" hdr="0" ftr="0" dt="0"/>
+</p:sldLayout>
+</file>
+
+<file path=ppt/slideLayouts/slideLayout2.xml><?xml version="1.0" encoding="utf-8"?>
+<p:sldLayout xmlns:a="http://schemas.openxmlformats.org/drawingml/2006/main" xmlns:r="http://schemas.openxmlformats.org/officeDocument/2006/relationships" xmlns:p="http://schemas.openxmlformats.org/presentationml/2006/main" type="title" preserve="1">
+  <p:cSld name="Title Slide">
+    <p:spTree>
+      <p:nvGrpSpPr>
+        <p:cNvPr id="1" name=""/>
+        <p:cNvGrpSpPr/>
+        <p:nvPr/>
+      </p:nvGrpSpPr>
+      <p:grpSpPr>
+        <a:xfrm>
+          <a:off x="0" y="0"/>
+          <a:ext cx="0" cy="0"/>
+          <a:chOff x="0" y="0"/>
+          <a:chExt cx="0" cy="0"/>
+        </a:xfrm>
+      </p:grpSpPr>
+      <p:sp>
+        <p:nvSpPr>
+          <p:cNvPr id="2" name="Title 1"/>
+          <p:cNvSpPr>
+            <a:spLocks noGrp="1"/>
+          </p:cNvSpPr>
+          <p:nvPr>
+            <p:ph type="ctrTitle"/>
+          </p:nvPr>
+        </p:nvSpPr>
+        <p:spPr>
+          <a:xfrm>
+            <a:off x="1097280" y="1795781"/>
+            <a:ext cx="12435840" cy="3820160"/>
+          </a:xfrm>
+        </p:spPr>
+        <p:txBody>
+          <a:bodyPr anchor="b"/>
+          <a:lstStyle>
+            <a:lvl1pPr algn="ctr">
+              <a:defRPr sz="9600"/>
+            </a:lvl1pPr>
+          </a:lstStyle>
+          <a:p>
+            <a:r>
+              <a:rPr lang="en-US" smtClean="0"/>
+              <a:t>Click to edit Master title style</a:t>
+            </a:r>
+            <a:endParaRPr lang="en-US" dirty="0"/>
+          </a:p>
+        </p:txBody>
+      </p:sp>
+      <p:sp>
+        <p:nvSpPr>
+          <p:cNvPr id="3" name="Subtitle 2"/>
+          <p:cNvSpPr>
+            <a:spLocks noGrp="1"/>
+          </p:cNvSpPr>
+          <p:nvPr>
+            <p:ph type="subTitle" idx="1"/>
+          </p:nvPr>
+        </p:nvSpPr>
+        <p:spPr>
+          <a:xfrm>
+            <a:off x="1828800" y="5763261"/>
+            <a:ext cx="10972800" cy="2649219"/>
+          </a:xfrm>
+        </p:spPr>
+        <p:txBody>
+          <a:bodyPr/>
+          <a:lstStyle>
+            <a:lvl1pPr marL="0" indent="0" algn="ctr">
+              <a:buNone/>
+              <a:defRPr sz="3840"/>
+            </a:lvl1pPr>
+            <a:lvl2pPr marL="731520" indent="0" algn="ctr">
+              <a:buNone/>
+              <a:defRPr sz="3200"/>
+            </a:lvl2pPr>
+            <a:lvl3pPr marL="1463040" indent="0" algn="ctr">
+              <a:buNone/>
+              <a:defRPr sz="2880"/>
+            </a:lvl3pPr>
+            <a:lvl4pPr marL="2194560" indent="0" algn="ctr">
+              <a:buNone/>
+              <a:defRPr sz="2560"/>
+            </a:lvl4pPr>
+            <a:lvl5pPr marL="2926080" indent="0" algn="ctr">
+              <a:buNone/>
+              <a:defRPr sz="2560"/>
+            </a:lvl5pPr>
+            <a:lvl6pPr marL="3657600" indent="0" algn="ctr">
+              <a:buNone/>
+              <a:defRPr sz="2560"/>
+            </a:lvl6pPr>
+            <a:lvl7pPr marL="4389120" indent="0" algn="ctr">
+              <a:buNone/>
+              <a:defRPr sz="2560"/>
+            </a:lvl7pPr>
+            <a:lvl8pPr marL="5120640" indent="0" algn="ctr">
+              <a:buNone/>
+              <a:defRPr sz="2560"/>
+            </a:lvl8pPr>
+            <a:lvl9pPr marL="5852160" indent="0" algn="ctr">
+              <a:buNone/>
+              <a:defRPr sz="2560"/>
+            </a:lvl9pPr>
+          </a:lstStyle>
+          <a:p>
+            <a:r>
+              <a:rPr lang="en-US" smtClean="0"/>
+              <a:t>Click to edit Master subtitle style</a:t>
+            </a:r>
+            <a:endParaRPr lang="en-US" dirty="0"/>
+          </a:p>
+        </p:txBody>
+      </p:sp>
+      <p:sp>
+        <p:nvSpPr>
+          <p:cNvPr id="4" name="Date Placeholder 3"/>
+          <p:cNvSpPr>
+            <a:spLocks noGrp="1"/>
+          </p:cNvSpPr>
+          <p:nvPr>
+            <p:ph type="dt" sz="half" idx="10"/>
+          </p:nvPr>
+        </p:nvSpPr>
+        <p:spPr/>
+        <p:txBody>
+          <a:bodyPr/>
+          <a:lstStyle/>
+          <a:p>
+            <a:fld id="{C764DE79-268F-4C1A-8933-263129D2AF90}" type="datetimeFigureOut">
+              <a:rPr lang="en-US" dirty="0"/>
+              <a:t>6/28/2021</a:t>
+            </a:fld>
+            <a:endParaRPr lang="en-US" dirty="0"/>
+          </a:p>
+        </p:txBody>
+      </p:sp>
+      <p:sp>
+        <p:nvSpPr>
+          <p:cNvPr id="5" name="Footer Placeholder 4"/>
+          <p:cNvSpPr>
+            <a:spLocks noGrp="1"/>
+          </p:cNvSpPr>
+          <p:nvPr>
+            <p:ph type="ftr" sz="quarter" idx="11"/>
+          </p:nvPr>
+        </p:nvSpPr>
+        <p:spPr/>
+        <p:txBody>
+          <a:bodyPr/>
+          <a:lstStyle/>
+          <a:p>
+            <a:endParaRPr lang="en-US" dirty="0"/>
+          </a:p>
+        </p:txBody>
+      </p:sp>
+      <p:sp>
+        <p:nvSpPr>
+          <p:cNvPr id="6" name="Slide Number Placeholder 5"/>
+          <p:cNvSpPr>
+            <a:spLocks noGrp="1"/>
+          </p:cNvSpPr>
+          <p:nvPr>
+            <p:ph type="sldNum" sz="quarter" idx="12"/>
+          </p:nvPr>
+        </p:nvSpPr>
+        <p:spPr/>
+        <p:txBody>
+          <a:bodyPr/>
+          <a:lstStyle/>
+          <a:p>
+            <a:fld id="{48F63A3B-78C7-47BE-AE5E-E10140E04643}" type="slidenum">
+              <a:rPr lang="en-US" dirty="0"/>
+              <a:t>‹#›</a:t>
+            </a:fld>
+            <a:endParaRPr lang="en-US" dirty="0"/>
+          </a:p>
+        </p:txBody>
+      </p:sp>
+    </p:spTree>
+    <p:extLst>
+      <p:ext uri="{BB962C8B-B14F-4D97-AF65-F5344CB8AC3E}">
+        <p14:creationId xmlns:p14="http://schemas.microsoft.com/office/powerpoint/2010/main" val="1364550517"/>
+      </p:ext>
+    </p:extLst>
+  </p:cSld>
+  <p:clrMapOvr>
+    <a:masterClrMapping/>
+  </p:clrMapOvr>
+  <p:hf sldNum="0" hdr="0" ftr="0" dt="0"/>
+</p:sldLayout>
+</file>
+
+<file path=ppt/slideLayouts/slideLayout3.xml><?xml version="1.0" encoding="utf-8"?>
+<p:sldLayout xmlns:a="http://schemas.openxmlformats.org/drawingml/2006/main" xmlns:r="http://schemas.openxmlformats.org/officeDocument/2006/relationships" xmlns:p="http://schemas.openxmlformats.org/presentationml/2006/main" type="obj" preserve="1">
+  <p:cSld name="Title and Content">
+    <p:spTree>
+      <p:nvGrpSpPr>
+        <p:cNvPr id="1" name=""/>
+        <p:cNvGrpSpPr/>
+        <p:nvPr/>
+      </p:nvGrpSpPr>
+      <p:grpSpPr>
+        <a:xfrm>
+          <a:off x="0" y="0"/>
+          <a:ext cx="0" cy="0"/>
+          <a:chOff x="0" y="0"/>
+          <a:chExt cx="0" cy="0"/>
+        </a:xfrm>
+      </p:grpSpPr>
+      <p:sp>
+        <p:nvSpPr>
+          <p:cNvPr id="2" name="Title 1"/>
+          <p:cNvSpPr>
+            <a:spLocks noGrp="1"/>
+          </p:cNvSpPr>
+          <p:nvPr>
+            <p:ph type="title"/>
+          </p:nvPr>
+        </p:nvSpPr>
+        <p:spPr/>
+        <p:txBody>
+          <a:bodyPr/>
+          <a:lstStyle/>
+          <a:p>
+            <a:r>
+              <a:rPr lang="en-US" smtClean="0"/>
+              <a:t>Click to edit Master title style</a:t>
+            </a:r>
+            <a:endParaRPr lang="en-US" dirty="0"/>
+          </a:p>
+        </p:txBody>
+      </p:sp>
+      <p:sp>
+        <p:nvSpPr>
+          <p:cNvPr id="3" name="Content Placeholder 2"/>
+          <p:cNvSpPr>
+            <a:spLocks noGrp="1"/>
+          </p:cNvSpPr>
+          <p:nvPr>
+            <p:ph idx="1"/>
+          </p:nvPr>
+        </p:nvSpPr>
+        <p:spPr/>
+        <p:txBody>
+          <a:bodyPr/>
+          <a:lstStyle/>
+          <a:p>
+            <a:pPr lvl="0"/>
+            <a:r>
+              <a:rPr lang="en-US" smtClean="0"/>
+              <a:t>Edit Master text styles</a:t>
+            </a:r>
+          </a:p>
+          <a:p>
+            <a:pPr lvl="1"/>
+            <a:r>
+              <a:rPr lang="en-US" smtClean="0"/>
+              <a:t>Second level</a:t>
+            </a:r>
+          </a:p>
+          <a:p>
+            <a:pPr lvl="2"/>
+            <a:r>
+              <a:rPr lang="en-US" smtClean="0"/>
+              <a:t>Third level</a:t>
+            </a:r>
+          </a:p>
+          <a:p>
+            <a:pPr lvl="3"/>
+            <a:r>
+              <a:rPr lang="en-US" smtClean="0"/>
+              <a:t>Fourth level</a:t>
+            </a:r>
+          </a:p>
+          <a:p>
+            <a:pPr lvl="4"/>
+            <a:r>
+              <a:rPr lang="en-US" smtClean="0"/>
+              <a:t>Fifth level</a:t>
+            </a:r>
+            <a:endParaRPr lang="en-US" dirty="0"/>
+          </a:p>
+        </p:txBody>
+      </p:sp>
+      <p:sp>
+        <p:nvSpPr>
+          <p:cNvPr id="4" name="Date Placeholder 3"/>
+          <p:cNvSpPr>
+            <a:spLocks noGrp="1"/>
+          </p:cNvSpPr>
+          <p:nvPr>
+            <p:ph type="dt" sz="half" idx="10"/>
+          </p:nvPr>
+        </p:nvSpPr>
+        <p:spPr/>
+        <p:txBody>
+          <a:bodyPr/>
+          <a:lstStyle/>
+          <a:p>
+            <a:fld id="{C764DE79-268F-4C1A-8933-263129D2AF90}" type="datetimeFigureOut">
+              <a:rPr lang="en-US" dirty="0"/>
+              <a:t>6/28/2021</a:t>
+            </a:fld>
+            <a:endParaRPr lang="en-US" dirty="0"/>
+          </a:p>
+        </p:txBody>
+      </p:sp>
+      <p:sp>
+        <p:nvSpPr>
+          <p:cNvPr id="5" name="Footer Placeholder 4"/>
+          <p:cNvSpPr>
+            <a:spLocks noGrp="1"/>
+          </p:cNvSpPr>
+          <p:nvPr>
+            <p:ph type="ftr" sz="quarter" idx="11"/>
+          </p:nvPr>
+        </p:nvSpPr>
+        <p:spPr/>
+        <p:txBody>
+          <a:bodyPr/>
+          <a:lstStyle/>
+          <a:p>
+            <a:endParaRPr lang="en-US" dirty="0"/>
+          </a:p>
+        </p:txBody>
+      </p:sp>
+      <p:sp>
+        <p:nvSpPr>
+          <p:cNvPr id="6" name="Slide Number Placeholder 5"/>
+          <p:cNvSpPr>
+            <a:spLocks noGrp="1"/>
+          </p:cNvSpPr>
+          <p:nvPr>
+            <p:ph type="sldNum" sz="quarter" idx="12"/>
+          </p:nvPr>
+        </p:nvSpPr>
+        <p:spPr/>
+        <p:txBody>
+          <a:bodyPr/>
+          <a:lstStyle/>
+          <a:p>
+            <a:fld id="{48F63A3B-78C7-47BE-AE5E-E10140E04643}" type="slidenum">
+              <a:rPr lang="en-US" dirty="0"/>
+              <a:t>‹#›</a:t>
+            </a:fld>
+            <a:endParaRPr lang="en-US" dirty="0"/>
+          </a:p>
+        </p:txBody>
+      </p:sp>
+    </p:spTree>
+    <p:extLst>
+      <p:ext uri="{BB962C8B-B14F-4D97-AF65-F5344CB8AC3E}">
+        <p14:creationId xmlns:p14="http://schemas.microsoft.com/office/powerpoint/2010/main" val="2177062186"/>
+      </p:ext>
+    </p:extLst>
+  </p:cSld>
+  <p:clrMapOvr>
+    <a:masterClrMapping/>
+  </p:clrMapOvr>
+  <p:hf sldNum="0" hdr="0" ftr="0" dt="0"/>
+</p:sldLayout>
+</file>
+
+<file path=ppt/slideLayouts/slideLayout4.xml><?xml version="1.0" encoding="utf-8"?>
+<p:sldLayout xmlns:a="http://schemas.openxmlformats.org/drawingml/2006/main" xmlns:r="http://schemas.openxmlformats.org/officeDocument/2006/relationships" xmlns:p="http://schemas.openxmlformats.org/presentationml/2006/main" type="secHead" preserve="1">
+  <p:cSld name="Section Header">
+    <p:spTree>
+      <p:nvGrpSpPr>
+        <p:cNvPr id="1" name=""/>
+        <p:cNvGrpSpPr/>
+        <p:nvPr/>
+      </p:nvGrpSpPr>
+      <p:grpSpPr>
+        <a:xfrm>
+          <a:off x="0" y="0"/>
+          <a:ext cx="0" cy="0"/>
+          <a:chOff x="0" y="0"/>
+          <a:chExt cx="0" cy="0"/>
+        </a:xfrm>
+      </p:grpSpPr>
+      <p:sp>
+        <p:nvSpPr>
+          <p:cNvPr id="2" name="Title 1"/>
+          <p:cNvSpPr>
+            <a:spLocks noGrp="1"/>
+          </p:cNvSpPr>
+          <p:nvPr>
+            <p:ph type="title"/>
+          </p:nvPr>
+        </p:nvSpPr>
+        <p:spPr>
+          <a:xfrm>
+            <a:off x="998221" y="2735583"/>
+            <a:ext cx="12618720" cy="4564379"/>
+          </a:xfrm>
+        </p:spPr>
+        <p:txBody>
+          <a:bodyPr anchor="b"/>
+          <a:lstStyle>
+            <a:lvl1pPr>
+              <a:defRPr sz="9600"/>
+            </a:lvl1pPr>
+          </a:lstStyle>
+          <a:p>
+            <a:r>
+              <a:rPr lang="en-US" smtClean="0"/>
+              <a:t>Click to edit Master title style</a:t>
+            </a:r>
+            <a:endParaRPr lang="en-US" dirty="0"/>
+          </a:p>
+        </p:txBody>
+      </p:sp>
+      <p:sp>
+        <p:nvSpPr>
+          <p:cNvPr id="3" name="Text Placeholder 2"/>
+          <p:cNvSpPr>
+            <a:spLocks noGrp="1"/>
+          </p:cNvSpPr>
+          <p:nvPr>
+            <p:ph type="body" idx="1"/>
+          </p:nvPr>
+        </p:nvSpPr>
+        <p:spPr>
+          <a:xfrm>
+            <a:off x="998221" y="7343143"/>
+            <a:ext cx="12618720" cy="2400299"/>
+          </a:xfrm>
+        </p:spPr>
+        <p:txBody>
+          <a:bodyPr/>
+          <a:lstStyle>
+            <a:lvl1pPr marL="0" indent="0">
+              <a:buNone/>
+              <a:defRPr sz="3840">
+                <a:solidFill>
+                  <a:schemeClr val="tx1"/>
+                </a:solidFill>
+              </a:defRPr>
+            </a:lvl1pPr>
+            <a:lvl2pPr marL="731520" indent="0">
+              <a:buNone/>
+              <a:defRPr sz="3200">
+                <a:solidFill>
+                  <a:schemeClr val="tx1">
+                    <a:tint val="75000"/>
+                  </a:schemeClr>
+                </a:solidFill>
+              </a:defRPr>
+            </a:lvl2pPr>
+            <a:lvl3pPr marL="1463040" indent="0">
+              <a:buNone/>
+              <a:defRPr sz="2880">
+                <a:solidFill>
+                  <a:schemeClr val="tx1">
+                    <a:tint val="75000"/>
+                  </a:schemeClr>
+                </a:solidFill>
+              </a:defRPr>
+            </a:lvl3pPr>
+            <a:lvl4pPr marL="2194560" indent="0">
+              <a:buNone/>
+              <a:defRPr sz="2560">
+                <a:solidFill>
+                  <a:schemeClr val="tx1">
+                    <a:tint val="75000"/>
+                  </a:schemeClr>
+                </a:solidFill>
+              </a:defRPr>
+            </a:lvl4pPr>
+            <a:lvl5pPr marL="2926080" indent="0">
+              <a:buNone/>
+              <a:defRPr sz="2560">
+                <a:solidFill>
+                  <a:schemeClr val="tx1">
+                    <a:tint val="75000"/>
+                  </a:schemeClr>
+                </a:solidFill>
+              </a:defRPr>
+            </a:lvl5pPr>
+            <a:lvl6pPr marL="3657600" indent="0">
+              <a:buNone/>
+              <a:defRPr sz="2560">
+                <a:solidFill>
+                  <a:schemeClr val="tx1">
+                    <a:tint val="75000"/>
+                  </a:schemeClr>
+                </a:solidFill>
+              </a:defRPr>
+            </a:lvl6pPr>
+            <a:lvl7pPr marL="4389120" indent="0">
+              <a:buNone/>
+              <a:defRPr sz="2560">
+                <a:solidFill>
+                  <a:schemeClr val="tx1">
+                    <a:tint val="75000"/>
+                  </a:schemeClr>
+                </a:solidFill>
+              </a:defRPr>
+            </a:lvl7pPr>
+            <a:lvl8pPr marL="5120640" indent="0">
+              <a:buNone/>
+              <a:defRPr sz="2560">
+                <a:solidFill>
+                  <a:schemeClr val="tx1">
+                    <a:tint val="75000"/>
+                  </a:schemeClr>
+                </a:solidFill>
+              </a:defRPr>
+            </a:lvl8pPr>
+            <a:lvl9pPr marL="5852160" indent="0">
+              <a:buNone/>
+              <a:defRPr sz="2560">
+                <a:solidFill>
+                  <a:schemeClr val="tx1">
+                    <a:tint val="75000"/>
+                  </a:schemeClr>
+                </a:solidFill>
+              </a:defRPr>
+            </a:lvl9pPr>
+          </a:lstStyle>
+          <a:p>
+            <a:pPr lvl="0"/>
+            <a:r>
+              <a:rPr lang="en-US" smtClean="0"/>
+              <a:t>Edit Master text styles</a:t>
+            </a:r>
+          </a:p>
+        </p:txBody>
+      </p:sp>
+      <p:sp>
+        <p:nvSpPr>
+          <p:cNvPr id="4" name="Date Placeholder 3"/>
+          <p:cNvSpPr>
+            <a:spLocks noGrp="1"/>
+          </p:cNvSpPr>
+          <p:nvPr>
+            <p:ph type="dt" sz="half" idx="10"/>
+          </p:nvPr>
+        </p:nvSpPr>
+        <p:spPr/>
+        <p:txBody>
+          <a:bodyPr/>
+          <a:lstStyle/>
+          <a:p>
+            <a:fld id="{C764DE79-268F-4C1A-8933-263129D2AF90}" type="datetimeFigureOut">
+              <a:rPr lang="en-US" dirty="0"/>
+              <a:t>6/28/2021</a:t>
+            </a:fld>
+            <a:endParaRPr lang="en-US" dirty="0"/>
+          </a:p>
+        </p:txBody>
+      </p:sp>
+      <p:sp>
+        <p:nvSpPr>
+          <p:cNvPr id="5" name="Footer Placeholder 4"/>
+          <p:cNvSpPr>
+            <a:spLocks noGrp="1"/>
+          </p:cNvSpPr>
+          <p:nvPr>
+            <p:ph type="ftr" sz="quarter" idx="11"/>
+          </p:nvPr>
+        </p:nvSpPr>
+        <p:spPr/>
+        <p:txBody>
+          <a:bodyPr/>
+          <a:lstStyle/>
+          <a:p>
+            <a:endParaRPr lang="en-US" dirty="0"/>
+          </a:p>
+        </p:txBody>
+      </p:sp>
+      <p:sp>
+        <p:nvSpPr>
+          <p:cNvPr id="6" name="Slide Number Placeholder 5"/>
+          <p:cNvSpPr>
+            <a:spLocks noGrp="1"/>
+          </p:cNvSpPr>
+          <p:nvPr>
+            <p:ph type="sldNum" sz="quarter" idx="12"/>
+          </p:nvPr>
+        </p:nvSpPr>
+        <p:spPr/>
+        <p:txBody>
+          <a:bodyPr/>
+          <a:lstStyle/>
+          <a:p>
+            <a:fld id="{48F63A3B-78C7-47BE-AE5E-E10140E04643}" type="slidenum">
+              <a:rPr lang="en-US" dirty="0"/>
+              <a:t>‹#›</a:t>
+            </a:fld>
+            <a:endParaRPr lang="en-US" dirty="0"/>
+          </a:p>
+        </p:txBody>
+      </p:sp>
+    </p:spTree>
+    <p:extLst>
+      <p:ext uri="{BB962C8B-B14F-4D97-AF65-F5344CB8AC3E}">
+        <p14:creationId xmlns:p14="http://schemas.microsoft.com/office/powerpoint/2010/main" val="182147205"/>
+      </p:ext>
+    </p:extLst>
+  </p:cSld>
+  <p:clrMapOvr>
+    <a:masterClrMapping/>
+  </p:clrMapOvr>
+  <p:hf sldNum="0" hdr="0" ftr="0" dt="0"/>
+</p:sldLayout>
+</file>
+
+<file path=ppt/slideLayouts/slideLayout5.xml><?xml version="1.0" encoding="utf-8"?>
+<p:sldLayout xmlns:a="http://schemas.openxmlformats.org/drawingml/2006/main" xmlns:r="http://schemas.openxmlformats.org/officeDocument/2006/relationships" xmlns:p="http://schemas.openxmlformats.org/presentationml/2006/main" type="twoObj" preserve="1">
+  <p:cSld name="Two Content">
+    <p:spTree>
+      <p:nvGrpSpPr>
+        <p:cNvPr id="1" name=""/>
+        <p:cNvGrpSpPr/>
+        <p:nvPr/>
+      </p:nvGrpSpPr>
+      <p:grpSpPr>
+        <a:xfrm>
+          <a:off x="0" y="0"/>
+          <a:ext cx="0" cy="0"/>
+          <a:chOff x="0" y="0"/>
+          <a:chExt cx="0" cy="0"/>
+        </a:xfrm>
+      </p:grpSpPr>
+      <p:sp>
+        <p:nvSpPr>
+          <p:cNvPr id="2" name="Title 1"/>
+          <p:cNvSpPr>
+            <a:spLocks noGrp="1"/>
+          </p:cNvSpPr>
+          <p:nvPr>
+            <p:ph type="title"/>
+          </p:nvPr>
+        </p:nvSpPr>
+        <p:spPr/>
+        <p:txBody>
+          <a:bodyPr/>
+          <a:lstStyle/>
+          <a:p>
+            <a:r>
+              <a:rPr lang="en-US" smtClean="0"/>
+              <a:t>Click to edit Master title style</a:t>
+            </a:r>
+            <a:endParaRPr lang="en-US" dirty="0"/>
+          </a:p>
+        </p:txBody>
+      </p:sp>
+      <p:sp>
+        <p:nvSpPr>
+          <p:cNvPr id="3" name="Content Placeholder 2"/>
+          <p:cNvSpPr>
+            <a:spLocks noGrp="1"/>
+          </p:cNvSpPr>
+          <p:nvPr>
+            <p:ph sz="half" idx="1"/>
+          </p:nvPr>
+        </p:nvSpPr>
+        <p:spPr>
+          <a:xfrm>
+            <a:off x="1005840" y="2921000"/>
+            <a:ext cx="6217920" cy="6962141"/>
+          </a:xfrm>
+        </p:spPr>
+        <p:txBody>
+          <a:bodyPr/>
+          <a:lstStyle/>
+          <a:p>
+            <a:pPr lvl="0"/>
+            <a:r>
+              <a:rPr lang="en-US" smtClean="0"/>
+              <a:t>Edit Master text styles</a:t>
+            </a:r>
+          </a:p>
+          <a:p>
+            <a:pPr lvl="1"/>
+            <a:r>
+              <a:rPr lang="en-US" smtClean="0"/>
+              <a:t>Second level</a:t>
+            </a:r>
+          </a:p>
+          <a:p>
+            <a:pPr lvl="2"/>
+            <a:r>
+              <a:rPr lang="en-US" smtClean="0"/>
+              <a:t>Third level</a:t>
+            </a:r>
+          </a:p>
+          <a:p>
+            <a:pPr lvl="3"/>
+            <a:r>
+              <a:rPr lang="en-US" smtClean="0"/>
+              <a:t>Fourth level</a:t>
+            </a:r>
+          </a:p>
+          <a:p>
+            <a:pPr lvl="4"/>
+            <a:r>
+              <a:rPr lang="en-US" smtClean="0"/>
+              <a:t>Fifth level</a:t>
+            </a:r>
+            <a:endParaRPr lang="en-US" dirty="0"/>
+          </a:p>
+        </p:txBody>
+      </p:sp>
+      <p:sp>
+        <p:nvSpPr>
+          <p:cNvPr id="4" name="Content Placeholder 3"/>
+          <p:cNvSpPr>
+            <a:spLocks noGrp="1"/>
+          </p:cNvSpPr>
+          <p:nvPr>
+            <p:ph sz="half" idx="2"/>
+          </p:nvPr>
+        </p:nvSpPr>
+        <p:spPr>
+          <a:xfrm>
+            <a:off x="7406640" y="2921000"/>
+            <a:ext cx="6217920" cy="6962141"/>
+          </a:xfrm>
+        </p:spPr>
+        <p:txBody>
+          <a:bodyPr/>
+          <a:lstStyle/>
+          <a:p>
+            <a:pPr lvl="0"/>
+            <a:r>
+              <a:rPr lang="en-US" smtClean="0"/>
+              <a:t>Edit Master text styles</a:t>
+            </a:r>
+          </a:p>
+          <a:p>
+            <a:pPr lvl="1"/>
+            <a:r>
+              <a:rPr lang="en-US" smtClean="0"/>
+              <a:t>Second level</a:t>
+            </a:r>
+          </a:p>
+          <a:p>
+            <a:pPr lvl="2"/>
+            <a:r>
+              <a:rPr lang="en-US" smtClean="0"/>
+              <a:t>Third level</a:t>
+            </a:r>
+          </a:p>
+          <a:p>
+            <a:pPr lvl="3"/>
+            <a:r>
+              <a:rPr lang="en-US" smtClean="0"/>
+              <a:t>Fourth level</a:t>
+            </a:r>
+          </a:p>
+          <a:p>
+            <a:pPr lvl="4"/>
+            <a:r>
+              <a:rPr lang="en-US" smtClean="0"/>
+              <a:t>Fifth level</a:t>
+            </a:r>
+            <a:endParaRPr lang="en-US" dirty="0"/>
+          </a:p>
+        </p:txBody>
+      </p:sp>
+      <p:sp>
+        <p:nvSpPr>
+          <p:cNvPr id="5" name="Date Placeholder 4"/>
+          <p:cNvSpPr>
+            <a:spLocks noGrp="1"/>
+          </p:cNvSpPr>
+          <p:nvPr>
+            <p:ph type="dt" sz="half" idx="10"/>
+          </p:nvPr>
+        </p:nvSpPr>
+        <p:spPr/>
+        <p:txBody>
+          <a:bodyPr/>
+          <a:lstStyle/>
+          <a:p>
+            <a:fld id="{C764DE79-268F-4C1A-8933-263129D2AF90}" type="datetimeFigureOut">
+              <a:rPr lang="en-US" dirty="0"/>
+              <a:t>6/28/2021</a:t>
+            </a:fld>
+            <a:endParaRPr lang="en-US" dirty="0"/>
+          </a:p>
+        </p:txBody>
+      </p:sp>
+      <p:sp>
+        <p:nvSpPr>
+          <p:cNvPr id="6" name="Footer Placeholder 5"/>
+          <p:cNvSpPr>
+            <a:spLocks noGrp="1"/>
+          </p:cNvSpPr>
+          <p:nvPr>
+            <p:ph type="ftr" sz="quarter" idx="11"/>
+          </p:nvPr>
+        </p:nvSpPr>
+        <p:spPr/>
+        <p:txBody>
+          <a:bodyPr/>
+          <a:lstStyle/>
+          <a:p>
+            <a:endParaRPr lang="en-US" dirty="0"/>
+          </a:p>
+        </p:txBody>
+      </p:sp>
+      <p:sp>
+        <p:nvSpPr>
+          <p:cNvPr id="7" name="Slide Number Placeholder 6"/>
+          <p:cNvSpPr>
+            <a:spLocks noGrp="1"/>
+          </p:cNvSpPr>
+          <p:nvPr>
+            <p:ph type="sldNum" sz="quarter" idx="12"/>
+          </p:nvPr>
+        </p:nvSpPr>
+        <p:spPr/>
+        <p:txBody>
+          <a:bodyPr/>
+          <a:lstStyle/>
+          <a:p>
+            <a:fld id="{48F63A3B-78C7-47BE-AE5E-E10140E04643}" type="slidenum">
+              <a:rPr lang="en-US" dirty="0"/>
+              <a:t>‹#›</a:t>
+            </a:fld>
+            <a:endParaRPr lang="en-US" dirty="0"/>
+          </a:p>
+        </p:txBody>
+      </p:sp>
+    </p:spTree>
+    <p:extLst>
+      <p:ext uri="{BB962C8B-B14F-4D97-AF65-F5344CB8AC3E}">
+        <p14:creationId xmlns:p14="http://schemas.microsoft.com/office/powerpoint/2010/main" val="1468911269"/>
+      </p:ext>
+    </p:extLst>
+  </p:cSld>
+  <p:clrMapOvr>
+    <a:masterClrMapping/>
+  </p:clrMapOvr>
+  <p:hf sldNum="0" hdr="0" ftr="0" dt="0"/>
+</p:sldLayout>
+</file>
+
+<file path=ppt/slideLayouts/slideLayout6.xml><?xml version="1.0" encoding="utf-8"?>
+<p:sldLayout xmlns:a="http://schemas.openxmlformats.org/drawingml/2006/main" xmlns:r="http://schemas.openxmlformats.org/officeDocument/2006/relationships" xmlns:p="http://schemas.openxmlformats.org/presentationml/2006/main" type="twoTxTwoObj" preserve="1">
+  <p:cSld name="Comparison">
+    <p:spTree>
+      <p:nvGrpSpPr>
+        <p:cNvPr id="1" name=""/>
+        <p:cNvGrpSpPr/>
+        <p:nvPr/>
+      </p:nvGrpSpPr>
+      <p:grpSpPr>
+        <a:xfrm>
+          <a:off x="0" y="0"/>
+          <a:ext cx="0" cy="0"/>
+          <a:chOff x="0" y="0"/>
+          <a:chExt cx="0" cy="0"/>
+        </a:xfrm>
+      </p:grpSpPr>
+      <p:sp>
+        <p:nvSpPr>
+          <p:cNvPr id="2" name="Title 1"/>
+          <p:cNvSpPr>
+            <a:spLocks noGrp="1"/>
+          </p:cNvSpPr>
+          <p:nvPr>
+            <p:ph type="title"/>
+          </p:nvPr>
+        </p:nvSpPr>
+        <p:spPr>
+          <a:xfrm>
+            <a:off x="1007746" y="584202"/>
+            <a:ext cx="12618720" cy="2120901"/>
+          </a:xfrm>
+        </p:spPr>
+        <p:txBody>
+          <a:bodyPr/>
+          <a:lstStyle/>
+          <a:p>
+            <a:r>
+              <a:rPr lang="en-US" smtClean="0"/>
+              <a:t>Click to edit Master title style</a:t>
+            </a:r>
+            <a:endParaRPr lang="en-US" dirty="0"/>
+          </a:p>
+        </p:txBody>
+      </p:sp>
+      <p:sp>
+        <p:nvSpPr>
+          <p:cNvPr id="3" name="Text Placeholder 2"/>
+          <p:cNvSpPr>
+            <a:spLocks noGrp="1"/>
+          </p:cNvSpPr>
+          <p:nvPr>
+            <p:ph type="body" idx="1"/>
+          </p:nvPr>
+        </p:nvSpPr>
+        <p:spPr>
+          <a:xfrm>
+            <a:off x="1007747" y="2689861"/>
+            <a:ext cx="6189344" cy="1318259"/>
+          </a:xfrm>
+        </p:spPr>
+        <p:txBody>
+          <a:bodyPr anchor="b"/>
+          <a:lstStyle>
+            <a:lvl1pPr marL="0" indent="0">
+              <a:buNone/>
+              <a:defRPr sz="3840" b="1"/>
+            </a:lvl1pPr>
+            <a:lvl2pPr marL="731520" indent="0">
+              <a:buNone/>
+              <a:defRPr sz="3200" b="1"/>
+            </a:lvl2pPr>
+            <a:lvl3pPr marL="1463040" indent="0">
+              <a:buNone/>
+              <a:defRPr sz="2880" b="1"/>
+            </a:lvl3pPr>
+            <a:lvl4pPr marL="2194560" indent="0">
+              <a:buNone/>
+              <a:defRPr sz="2560" b="1"/>
+            </a:lvl4pPr>
+            <a:lvl5pPr marL="2926080" indent="0">
+              <a:buNone/>
+              <a:defRPr sz="2560" b="1"/>
+            </a:lvl5pPr>
+            <a:lvl6pPr marL="3657600" indent="0">
+              <a:buNone/>
+              <a:defRPr sz="2560" b="1"/>
+            </a:lvl6pPr>
+            <a:lvl7pPr marL="4389120" indent="0">
+              <a:buNone/>
+              <a:defRPr sz="2560" b="1"/>
+            </a:lvl7pPr>
+            <a:lvl8pPr marL="5120640" indent="0">
+              <a:buNone/>
+              <a:defRPr sz="2560" b="1"/>
+            </a:lvl8pPr>
+            <a:lvl9pPr marL="5852160" indent="0">
+              <a:buNone/>
+              <a:defRPr sz="2560" b="1"/>
+            </a:lvl9pPr>
+          </a:lstStyle>
+          <a:p>
+            <a:pPr lvl="0"/>
+            <a:r>
+              <a:rPr lang="en-US" smtClean="0"/>
+              <a:t>Edit Master text styles</a:t>
+            </a:r>
+          </a:p>
+        </p:txBody>
+      </p:sp>
+      <p:sp>
+        <p:nvSpPr>
+          <p:cNvPr id="4" name="Content Placeholder 3"/>
+          <p:cNvSpPr>
+            <a:spLocks noGrp="1"/>
+          </p:cNvSpPr>
+          <p:nvPr>
+            <p:ph sz="half" idx="2"/>
+          </p:nvPr>
+        </p:nvSpPr>
+        <p:spPr>
+          <a:xfrm>
+            <a:off x="1007747" y="4008120"/>
+            <a:ext cx="6189344" cy="5895341"/>
+          </a:xfrm>
+        </p:spPr>
+        <p:txBody>
+          <a:bodyPr/>
+          <a:lstStyle/>
+          <a:p>
+            <a:pPr lvl="0"/>
+            <a:r>
+              <a:rPr lang="en-US" smtClean="0"/>
+              <a:t>Edit Master text styles</a:t>
+            </a:r>
+          </a:p>
+          <a:p>
+            <a:pPr lvl="1"/>
+            <a:r>
+              <a:rPr lang="en-US" smtClean="0"/>
+              <a:t>Second level</a:t>
+            </a:r>
+          </a:p>
+          <a:p>
+            <a:pPr lvl="2"/>
+            <a:r>
+              <a:rPr lang="en-US" smtClean="0"/>
+              <a:t>Third level</a:t>
+            </a:r>
+          </a:p>
+          <a:p>
+            <a:pPr lvl="3"/>
+            <a:r>
+              <a:rPr lang="en-US" smtClean="0"/>
+              <a:t>Fourth level</a:t>
+            </a:r>
+          </a:p>
+          <a:p>
+            <a:pPr lvl="4"/>
+            <a:r>
+              <a:rPr lang="en-US" smtClean="0"/>
+              <a:t>Fifth level</a:t>
+            </a:r>
+            <a:endParaRPr lang="en-US" dirty="0"/>
+          </a:p>
+        </p:txBody>
+      </p:sp>
+      <p:sp>
+        <p:nvSpPr>
+          <p:cNvPr id="5" name="Text Placeholder 4"/>
+          <p:cNvSpPr>
+            <a:spLocks noGrp="1"/>
+          </p:cNvSpPr>
+          <p:nvPr>
+            <p:ph type="body" sz="quarter" idx="3"/>
+          </p:nvPr>
+        </p:nvSpPr>
+        <p:spPr>
+          <a:xfrm>
+            <a:off x="7406641" y="2689861"/>
+            <a:ext cx="6219826" cy="1318259"/>
+          </a:xfrm>
+        </p:spPr>
+        <p:txBody>
+          <a:bodyPr anchor="b"/>
+          <a:lstStyle>
+            <a:lvl1pPr marL="0" indent="0">
+              <a:buNone/>
+              <a:defRPr sz="3840" b="1"/>
+            </a:lvl1pPr>
+            <a:lvl2pPr marL="731520" indent="0">
+              <a:buNone/>
+              <a:defRPr sz="3200" b="1"/>
+            </a:lvl2pPr>
+            <a:lvl3pPr marL="1463040" indent="0">
+              <a:buNone/>
+              <a:defRPr sz="2880" b="1"/>
+            </a:lvl3pPr>
+            <a:lvl4pPr marL="2194560" indent="0">
+              <a:buNone/>
+              <a:defRPr sz="2560" b="1"/>
+            </a:lvl4pPr>
+            <a:lvl5pPr marL="2926080" indent="0">
+              <a:buNone/>
+              <a:defRPr sz="2560" b="1"/>
+            </a:lvl5pPr>
+            <a:lvl6pPr marL="3657600" indent="0">
+              <a:buNone/>
+              <a:defRPr sz="2560" b="1"/>
+            </a:lvl6pPr>
+            <a:lvl7pPr marL="4389120" indent="0">
+              <a:buNone/>
+              <a:defRPr sz="2560" b="1"/>
+            </a:lvl7pPr>
+            <a:lvl8pPr marL="5120640" indent="0">
+              <a:buNone/>
+              <a:defRPr sz="2560" b="1"/>
+            </a:lvl8pPr>
+            <a:lvl9pPr marL="5852160" indent="0">
+              <a:buNone/>
+              <a:defRPr sz="2560" b="1"/>
+            </a:lvl9pPr>
+          </a:lstStyle>
+          <a:p>
+            <a:pPr lvl="0"/>
+            <a:r>
+              <a:rPr lang="en-US" smtClean="0"/>
+              <a:t>Edit Master text styles</a:t>
+            </a:r>
+          </a:p>
+        </p:txBody>
+      </p:sp>
+      <p:sp>
+        <p:nvSpPr>
+          <p:cNvPr id="6" name="Content Placeholder 5"/>
+          <p:cNvSpPr>
+            <a:spLocks noGrp="1"/>
+          </p:cNvSpPr>
+          <p:nvPr>
+            <p:ph sz="quarter" idx="4"/>
+          </p:nvPr>
+        </p:nvSpPr>
+        <p:spPr>
+          <a:xfrm>
+            <a:off x="7406641" y="4008120"/>
+            <a:ext cx="6219826" cy="5895341"/>
+          </a:xfrm>
+        </p:spPr>
+        <p:txBody>
+          <a:bodyPr/>
+          <a:lstStyle/>
+          <a:p>
+            <a:pPr lvl="0"/>
+            <a:r>
+              <a:rPr lang="en-US" smtClean="0"/>
+              <a:t>Edit Master text styles</a:t>
+            </a:r>
+          </a:p>
+          <a:p>
+            <a:pPr lvl="1"/>
+            <a:r>
+              <a:rPr lang="en-US" smtClean="0"/>
+              <a:t>Second level</a:t>
+            </a:r>
+          </a:p>
+          <a:p>
+            <a:pPr lvl="2"/>
+            <a:r>
+              <a:rPr lang="en-US" smtClean="0"/>
+              <a:t>Third level</a:t>
+            </a:r>
+          </a:p>
+          <a:p>
+            <a:pPr lvl="3"/>
+            <a:r>
+              <a:rPr lang="en-US" smtClean="0"/>
+              <a:t>Fourth level</a:t>
+            </a:r>
+          </a:p>
+          <a:p>
+            <a:pPr lvl="4"/>
+            <a:r>
+              <a:rPr lang="en-US" smtClean="0"/>
+              <a:t>Fifth level</a:t>
+            </a:r>
+            <a:endParaRPr lang="en-US" dirty="0"/>
+          </a:p>
+        </p:txBody>
+      </p:sp>
+      <p:sp>
+        <p:nvSpPr>
+          <p:cNvPr id="7" name="Date Placeholder 6"/>
+          <p:cNvSpPr>
+            <a:spLocks noGrp="1"/>
+          </p:cNvSpPr>
+          <p:nvPr>
+            <p:ph type="dt" sz="half" idx="10"/>
+          </p:nvPr>
+        </p:nvSpPr>
+        <p:spPr/>
+        <p:txBody>
+          <a:bodyPr/>
+          <a:lstStyle/>
+          <a:p>
+            <a:fld id="{C764DE79-268F-4C1A-8933-263129D2AF90}" type="datetimeFigureOut">
+              <a:rPr lang="en-US" dirty="0"/>
+              <a:t>6/28/2021</a:t>
+            </a:fld>
+            <a:endParaRPr lang="en-US" dirty="0"/>
+          </a:p>
+        </p:txBody>
+      </p:sp>
+      <p:sp>
+        <p:nvSpPr>
+          <p:cNvPr id="8" name="Footer Placeholder 7"/>
+          <p:cNvSpPr>
+            <a:spLocks noGrp="1"/>
+          </p:cNvSpPr>
+          <p:nvPr>
+            <p:ph type="ftr" sz="quarter" idx="11"/>
+          </p:nvPr>
+        </p:nvSpPr>
+        <p:spPr/>
+        <p:txBody>
+          <a:bodyPr/>
+          <a:lstStyle/>
+          <a:p>
+            <a:endParaRPr lang="en-US" dirty="0"/>
+          </a:p>
+        </p:txBody>
+      </p:sp>
+      <p:sp>
+        <p:nvSpPr>
+          <p:cNvPr id="9" name="Slide Number Placeholder 8"/>
+          <p:cNvSpPr>
+            <a:spLocks noGrp="1"/>
+          </p:cNvSpPr>
+          <p:nvPr>
+            <p:ph type="sldNum" sz="quarter" idx="12"/>
+          </p:nvPr>
+        </p:nvSpPr>
+        <p:spPr/>
+        <p:txBody>
+          <a:bodyPr/>
+          <a:lstStyle/>
+          <a:p>
+            <a:fld id="{48F63A3B-78C7-47BE-AE5E-E10140E04643}" type="slidenum">
+              <a:rPr lang="en-US" dirty="0"/>
+              <a:t>‹#›</a:t>
+            </a:fld>
+            <a:endParaRPr lang="en-US" dirty="0"/>
+          </a:p>
+        </p:txBody>
+      </p:sp>
+    </p:spTree>
+    <p:extLst>
+      <p:ext uri="{BB962C8B-B14F-4D97-AF65-F5344CB8AC3E}">
+        <p14:creationId xmlns:p14="http://schemas.microsoft.com/office/powerpoint/2010/main" val="3289010002"/>
+      </p:ext>
+    </p:extLst>
+  </p:cSld>
+  <p:clrMapOvr>
+    <a:masterClrMapping/>
+  </p:clrMapOvr>
+  <p:hf sldNum="0" hdr="0" ftr="0" dt="0"/>
+</p:sldLayout>
+</file>
+
+<file path=ppt/slideLayouts/slideLayout7.xml><?xml version="1.0" encoding="utf-8"?>
+<p:sldLayout xmlns:a="http://schemas.openxmlformats.org/drawingml/2006/main" xmlns:r="http://schemas.openxmlformats.org/officeDocument/2006/relationships" xmlns:p="http://schemas.openxmlformats.org/presentationml/2006/main" type="titleOnly" preserve="1">
+  <p:cSld name="Title Only">
+    <p:spTree>
+      <p:nvGrpSpPr>
+        <p:cNvPr id="1" name=""/>
+        <p:cNvGrpSpPr/>
+        <p:nvPr/>
+      </p:nvGrpSpPr>
+      <p:grpSpPr>
+        <a:xfrm>
+          <a:off x="0" y="0"/>
+          <a:ext cx="0" cy="0"/>
+          <a:chOff x="0" y="0"/>
+          <a:chExt cx="0" cy="0"/>
+        </a:xfrm>
+      </p:grpSpPr>
+      <p:sp>
+        <p:nvSpPr>
+          <p:cNvPr id="2" name="Title 1"/>
+          <p:cNvSpPr>
+            <a:spLocks noGrp="1"/>
+          </p:cNvSpPr>
+          <p:nvPr>
+            <p:ph type="title"/>
+          </p:nvPr>
+        </p:nvSpPr>
+        <p:spPr/>
+        <p:txBody>
+          <a:bodyPr/>
+          <a:lstStyle/>
+          <a:p>
+            <a:r>
+              <a:rPr lang="en-US" smtClean="0"/>
+              <a:t>Click to edit Master title style</a:t>
+            </a:r>
+            <a:endParaRPr lang="en-US" dirty="0"/>
+          </a:p>
+        </p:txBody>
+      </p:sp>
+      <p:sp>
+        <p:nvSpPr>
+          <p:cNvPr id="3" name="Date Placeholder 2"/>
+          <p:cNvSpPr>
+            <a:spLocks noGrp="1"/>
+          </p:cNvSpPr>
+          <p:nvPr>
+            <p:ph type="dt" sz="half" idx="10"/>
+          </p:nvPr>
+        </p:nvSpPr>
+        <p:spPr/>
+        <p:txBody>
+          <a:bodyPr/>
+          <a:lstStyle/>
+          <a:p>
+            <a:fld id="{C764DE79-268F-4C1A-8933-263129D2AF90}" type="datetimeFigureOut">
+              <a:rPr lang="en-US" dirty="0"/>
+              <a:t>6/28/2021</a:t>
+            </a:fld>
+            <a:endParaRPr lang="en-US" dirty="0"/>
+          </a:p>
+        </p:txBody>
+      </p:sp>
+      <p:sp>
+        <p:nvSpPr>
+          <p:cNvPr id="4" name="Footer Placeholder 3"/>
+          <p:cNvSpPr>
+            <a:spLocks noGrp="1"/>
+          </p:cNvSpPr>
+          <p:nvPr>
+            <p:ph type="ftr" sz="quarter" idx="11"/>
+          </p:nvPr>
+        </p:nvSpPr>
+        <p:spPr/>
+        <p:txBody>
+          <a:bodyPr/>
+          <a:lstStyle/>
+          <a:p>
+            <a:endParaRPr lang="en-US" dirty="0"/>
+          </a:p>
+        </p:txBody>
+      </p:sp>
+      <p:sp>
+        <p:nvSpPr>
+          <p:cNvPr id="5" name="Slide Number Placeholder 4"/>
+          <p:cNvSpPr>
+            <a:spLocks noGrp="1"/>
+          </p:cNvSpPr>
+          <p:nvPr>
+            <p:ph type="sldNum" sz="quarter" idx="12"/>
+          </p:nvPr>
+        </p:nvSpPr>
+        <p:spPr/>
+        <p:txBody>
+          <a:bodyPr/>
+          <a:lstStyle/>
+          <a:p>
+            <a:fld id="{48F63A3B-78C7-47BE-AE5E-E10140E04643}" type="slidenum">
+              <a:rPr lang="en-US" dirty="0"/>
+              <a:t>‹#›</a:t>
+            </a:fld>
+            <a:endParaRPr lang="en-US" dirty="0"/>
+          </a:p>
+        </p:txBody>
+      </p:sp>
+    </p:spTree>
+    <p:extLst>
+      <p:ext uri="{BB962C8B-B14F-4D97-AF65-F5344CB8AC3E}">
+        <p14:creationId xmlns:p14="http://schemas.microsoft.com/office/powerpoint/2010/main" val="2983208711"/>
+      </p:ext>
+    </p:extLst>
+  </p:cSld>
+  <p:clrMapOvr>
+    <a:masterClrMapping/>
+  </p:clrMapOvr>
+  <p:hf sldNum="0" hdr="0" ftr="0" dt="0"/>
+</p:sldLayout>
+</file>
+
+<file path=ppt/slideLayouts/slideLayout8.xml><?xml version="1.0" encoding="utf-8"?>
+<p:sldLayout xmlns:a="http://schemas.openxmlformats.org/drawingml/2006/main" xmlns:r="http://schemas.openxmlformats.org/officeDocument/2006/relationships" xmlns:p="http://schemas.openxmlformats.org/presentationml/2006/main" type="blank" preserve="1">
+  <p:cSld name="Blank">
+    <p:spTree>
+      <p:nvGrpSpPr>
+        <p:cNvPr id="1" name=""/>
+        <p:cNvGrpSpPr/>
+        <p:nvPr/>
+      </p:nvGrpSpPr>
+      <p:grpSpPr>
+        <a:xfrm>
+          <a:off x="0" y="0"/>
+          <a:ext cx="0" cy="0"/>
+          <a:chOff x="0" y="0"/>
+          <a:chExt cx="0" cy="0"/>
+        </a:xfrm>
+      </p:grpSpPr>
+      <p:sp>
+        <p:nvSpPr>
+          <p:cNvPr id="2" name="Date Placeholder 1"/>
+          <p:cNvSpPr>
+            <a:spLocks noGrp="1"/>
+          </p:cNvSpPr>
+          <p:nvPr>
+            <p:ph type="dt" sz="half" idx="10"/>
+          </p:nvPr>
+        </p:nvSpPr>
+        <p:spPr/>
+        <p:txBody>
+          <a:bodyPr/>
+          <a:lstStyle/>
+          <a:p>
+            <a:endParaRPr lang="en-US" dirty="0"/>
+          </a:p>
+        </p:txBody>
+      </p:sp>
+      <p:sp>
+        <p:nvSpPr>
+          <p:cNvPr id="3" name="Footer Placeholder 2"/>
+          <p:cNvSpPr>
+            <a:spLocks noGrp="1"/>
+          </p:cNvSpPr>
+          <p:nvPr>
+            <p:ph type="ftr" sz="quarter" idx="11"/>
+          </p:nvPr>
+        </p:nvSpPr>
+        <p:spPr/>
+        <p:txBody>
+          <a:bodyPr/>
+          <a:lstStyle/>
+          <a:p>
+            <a:endParaRPr lang="en-US" dirty="0"/>
+          </a:p>
+        </p:txBody>
+      </p:sp>
+      <p:sp>
+        <p:nvSpPr>
+          <p:cNvPr id="4" name="Slide Number Placeholder 3"/>
+          <p:cNvSpPr>
+            <a:spLocks noGrp="1"/>
+          </p:cNvSpPr>
+          <p:nvPr>
+            <p:ph type="sldNum" sz="quarter" idx="12"/>
+          </p:nvPr>
+        </p:nvSpPr>
+        <p:spPr/>
+        <p:txBody>
+          <a:bodyPr/>
+          <a:lstStyle/>
+          <a:p>
+            <a:fld id="{48F63A3B-78C7-47BE-AE5E-E10140E04643}" type="slidenum">
+              <a:rPr lang="en-US" dirty="0"/>
+              <a:t>‹#›</a:t>
+            </a:fld>
+            <a:endParaRPr lang="en-US" dirty="0"/>
+          </a:p>
+        </p:txBody>
+      </p:sp>
+    </p:spTree>
+    <p:extLst>
+      <p:ext uri="{BB962C8B-B14F-4D97-AF65-F5344CB8AC3E}">
+        <p14:creationId xmlns:p14="http://schemas.microsoft.com/office/powerpoint/2010/main" val="605644497"/>
+      </p:ext>
+    </p:extLst>
+  </p:cSld>
+  <p:clrMapOvr>
+    <a:masterClrMapping/>
+  </p:clrMapOvr>
+</p:sldLayout>
+</file>
+
+<file path=ppt/slideLayouts/slideLayout9.xml><?xml version="1.0" encoding="utf-8"?>
+<p:sldLayout xmlns:a="http://schemas.openxmlformats.org/drawingml/2006/main" xmlns:r="http://schemas.openxmlformats.org/officeDocument/2006/relationships" xmlns:p="http://schemas.openxmlformats.org/presentationml/2006/main" type="objTx" preserve="1">
+  <p:cSld name="Content with Caption">
+    <p:spTree>
+      <p:nvGrpSpPr>
+        <p:cNvPr id="1" name=""/>
+        <p:cNvGrpSpPr/>
+        <p:nvPr/>
+      </p:nvGrpSpPr>
+      <p:grpSpPr>
+        <a:xfrm>
+          <a:off x="0" y="0"/>
+          <a:ext cx="0" cy="0"/>
+          <a:chOff x="0" y="0"/>
+          <a:chExt cx="0" cy="0"/>
+        </a:xfrm>
+      </p:grpSpPr>
+      <p:sp>
+        <p:nvSpPr>
+          <p:cNvPr id="2" name="Title 1"/>
+          <p:cNvSpPr>
+            <a:spLocks noGrp="1"/>
+          </p:cNvSpPr>
+          <p:nvPr>
+            <p:ph type="title"/>
+          </p:nvPr>
+        </p:nvSpPr>
+        <p:spPr>
+          <a:xfrm>
+            <a:off x="1007746" y="731520"/>
+            <a:ext cx="4718685" cy="2560320"/>
+          </a:xfrm>
+        </p:spPr>
+        <p:txBody>
+          <a:bodyPr anchor="b"/>
+          <a:lstStyle>
+            <a:lvl1pPr>
+              <a:defRPr sz="5120"/>
+            </a:lvl1pPr>
+          </a:lstStyle>
+          <a:p>
+            <a:r>
+              <a:rPr lang="en-US" smtClean="0"/>
+              <a:t>Click to edit Master title style</a:t>
+            </a:r>
+            <a:endParaRPr lang="en-US" dirty="0"/>
+          </a:p>
+        </p:txBody>
+      </p:sp>
+      <p:sp>
+        <p:nvSpPr>
+          <p:cNvPr id="3" name="Content Placeholder 2"/>
+          <p:cNvSpPr>
+            <a:spLocks noGrp="1"/>
+          </p:cNvSpPr>
+          <p:nvPr>
+            <p:ph idx="1"/>
+          </p:nvPr>
+        </p:nvSpPr>
+        <p:spPr>
+          <a:xfrm>
+            <a:off x="6219826" y="1579882"/>
+            <a:ext cx="7406640" cy="7797800"/>
+          </a:xfrm>
+        </p:spPr>
+        <p:txBody>
+          <a:bodyPr/>
+          <a:lstStyle>
+            <a:lvl1pPr>
+              <a:defRPr sz="5120"/>
+            </a:lvl1pPr>
+            <a:lvl2pPr>
+              <a:defRPr sz="4480"/>
+            </a:lvl2pPr>
+            <a:lvl3pPr>
+              <a:defRPr sz="3840"/>
+            </a:lvl3pPr>
+            <a:lvl4pPr>
+              <a:defRPr sz="3200"/>
+            </a:lvl4pPr>
+            <a:lvl5pPr>
+              <a:defRPr sz="3200"/>
+            </a:lvl5pPr>
+            <a:lvl6pPr>
+              <a:defRPr sz="3200"/>
+            </a:lvl6pPr>
+            <a:lvl7pPr>
+              <a:defRPr sz="3200"/>
+            </a:lvl7pPr>
+            <a:lvl8pPr>
+              <a:defRPr sz="3200"/>
+            </a:lvl8pPr>
+            <a:lvl9pPr>
+              <a:defRPr sz="3200"/>
+            </a:lvl9pPr>
+          </a:lstStyle>
+          <a:p>
+            <a:pPr lvl="0"/>
+            <a:r>
+              <a:rPr lang="en-US" smtClean="0"/>
+              <a:t>Edit Master text styles</a:t>
+            </a:r>
+          </a:p>
+          <a:p>
+            <a:pPr lvl="1"/>
+            <a:r>
+              <a:rPr lang="en-US" smtClean="0"/>
+              <a:t>Second level</a:t>
+            </a:r>
+          </a:p>
+          <a:p>
+            <a:pPr lvl="2"/>
+            <a:r>
+              <a:rPr lang="en-US" smtClean="0"/>
+              <a:t>Third level</a:t>
+            </a:r>
+          </a:p>
+          <a:p>
+            <a:pPr lvl="3"/>
+            <a:r>
+              <a:rPr lang="en-US" smtClean="0"/>
+              <a:t>Fourth level</a:t>
+            </a:r>
+          </a:p>
+          <a:p>
+            <a:pPr lvl="4"/>
+            <a:r>
+              <a:rPr lang="en-US" smtClean="0"/>
+              <a:t>Fifth level</a:t>
+            </a:r>
+            <a:endParaRPr lang="en-US" dirty="0"/>
+          </a:p>
+        </p:txBody>
+      </p:sp>
+      <p:sp>
+        <p:nvSpPr>
+          <p:cNvPr id="4" name="Text Placeholder 3"/>
+          <p:cNvSpPr>
+            <a:spLocks noGrp="1"/>
+          </p:cNvSpPr>
+          <p:nvPr>
+            <p:ph type="body" sz="half" idx="2"/>
+          </p:nvPr>
+        </p:nvSpPr>
+        <p:spPr>
+          <a:xfrm>
+            <a:off x="1007746" y="3291840"/>
+            <a:ext cx="4718685" cy="6098541"/>
+          </a:xfrm>
+        </p:spPr>
+        <p:txBody>
+          <a:bodyPr/>
+          <a:lstStyle>
+            <a:lvl1pPr marL="0" indent="0">
+              <a:buNone/>
+              <a:defRPr sz="2560"/>
+            </a:lvl1pPr>
+            <a:lvl2pPr marL="731520" indent="0">
+              <a:buNone/>
+              <a:defRPr sz="2240"/>
+            </a:lvl2pPr>
+            <a:lvl3pPr marL="1463040" indent="0">
+              <a:buNone/>
+              <a:defRPr sz="1920"/>
+            </a:lvl3pPr>
+            <a:lvl4pPr marL="2194560" indent="0">
+              <a:buNone/>
+              <a:defRPr sz="1600"/>
+            </a:lvl4pPr>
+            <a:lvl5pPr marL="2926080" indent="0">
+              <a:buNone/>
+              <a:defRPr sz="1600"/>
+            </a:lvl5pPr>
+            <a:lvl6pPr marL="3657600" indent="0">
+              <a:buNone/>
+              <a:defRPr sz="1600"/>
+            </a:lvl6pPr>
+            <a:lvl7pPr marL="4389120" indent="0">
+              <a:buNone/>
+              <a:defRPr sz="1600"/>
+            </a:lvl7pPr>
+            <a:lvl8pPr marL="5120640" indent="0">
+              <a:buNone/>
+              <a:defRPr sz="1600"/>
+            </a:lvl8pPr>
+            <a:lvl9pPr marL="5852160" indent="0">
+              <a:buNone/>
+              <a:defRPr sz="1600"/>
+            </a:lvl9pPr>
+          </a:lstStyle>
+          <a:p>
+            <a:pPr lvl="0"/>
+            <a:r>
+              <a:rPr lang="en-US" smtClean="0"/>
+              <a:t>Edit Master text styles</a:t>
+            </a:r>
+          </a:p>
+        </p:txBody>
+      </p:sp>
+      <p:sp>
+        <p:nvSpPr>
+          <p:cNvPr id="5" name="Date Placeholder 4"/>
+          <p:cNvSpPr>
+            <a:spLocks noGrp="1"/>
+          </p:cNvSpPr>
+          <p:nvPr>
+            <p:ph type="dt" sz="half" idx="10"/>
+          </p:nvPr>
+        </p:nvSpPr>
+        <p:spPr/>
+        <p:txBody>
+          <a:bodyPr/>
+          <a:lstStyle/>
+          <a:p>
+            <a:fld id="{C764DE79-268F-4C1A-8933-263129D2AF90}" type="datetimeFigureOut">
+              <a:rPr lang="en-US" dirty="0"/>
+              <a:t>6/28/2021</a:t>
+            </a:fld>
+            <a:endParaRPr lang="en-US" dirty="0"/>
+          </a:p>
+        </p:txBody>
+      </p:sp>
+      <p:sp>
+        <p:nvSpPr>
+          <p:cNvPr id="6" name="Footer Placeholder 5"/>
+          <p:cNvSpPr>
+            <a:spLocks noGrp="1"/>
+          </p:cNvSpPr>
+          <p:nvPr>
+            <p:ph type="ftr" sz="quarter" idx="11"/>
+          </p:nvPr>
+        </p:nvSpPr>
+        <p:spPr/>
+        <p:txBody>
+          <a:bodyPr/>
+          <a:lstStyle/>
+          <a:p>
+            <a:endParaRPr lang="en-US" dirty="0"/>
+          </a:p>
+        </p:txBody>
+      </p:sp>
+      <p:sp>
+        <p:nvSpPr>
+          <p:cNvPr id="7" name="Slide Number Placeholder 6"/>
+          <p:cNvSpPr>
+            <a:spLocks noGrp="1"/>
+          </p:cNvSpPr>
+          <p:nvPr>
+            <p:ph type="sldNum" sz="quarter" idx="12"/>
+          </p:nvPr>
+        </p:nvSpPr>
+        <p:spPr/>
+        <p:txBody>
+          <a:bodyPr/>
+          <a:lstStyle/>
+          <a:p>
+            <a:fld id="{48F63A3B-78C7-47BE-AE5E-E10140E04643}" type="slidenum">
+              <a:rPr lang="en-US" dirty="0"/>
+              <a:t>‹#›</a:t>
+            </a:fld>
+            <a:endParaRPr lang="en-US" dirty="0"/>
+          </a:p>
+        </p:txBody>
+      </p:sp>
+    </p:spTree>
+    <p:extLst>
+      <p:ext uri="{BB962C8B-B14F-4D97-AF65-F5344CB8AC3E}">
+        <p14:creationId xmlns:p14="http://schemas.microsoft.com/office/powerpoint/2010/main" val="2453489457"/>
+      </p:ext>
+    </p:extLst>
+  </p:cSld>
+  <p:clrMapOvr>
+    <a:masterClrMapping/>
+  </p:clrMapOvr>
+  <p:hf sldNum="0" hdr="0" ftr="0" dt="0"/>
 </p:sldLayout>
 </file>
 
@@ -1067,6 +3376,547 @@
 </p:sldMaster>
 </file>
 
+<file path=ppt/slideMasters/slideMaster2.xml><?xml version="1.0" encoding="utf-8"?>
+<p:sldMaster xmlns:a="http://schemas.openxmlformats.org/drawingml/2006/main" xmlns:r="http://schemas.openxmlformats.org/officeDocument/2006/relationships" xmlns:p="http://schemas.openxmlformats.org/presentationml/2006/main">
+  <p:cSld>
+    <p:bg>
+      <p:bgRef idx="1001">
+        <a:schemeClr val="bg1"/>
+      </p:bgRef>
+    </p:bg>
+    <p:spTree>
+      <p:nvGrpSpPr>
+        <p:cNvPr id="1" name=""/>
+        <p:cNvGrpSpPr/>
+        <p:nvPr/>
+      </p:nvGrpSpPr>
+      <p:grpSpPr>
+        <a:xfrm>
+          <a:off x="0" y="0"/>
+          <a:ext cx="0" cy="0"/>
+          <a:chOff x="0" y="0"/>
+          <a:chExt cx="0" cy="0"/>
+        </a:xfrm>
+      </p:grpSpPr>
+      <p:sp>
+        <p:nvSpPr>
+          <p:cNvPr id="2" name="Title Placeholder 1"/>
+          <p:cNvSpPr>
+            <a:spLocks noGrp="1"/>
+          </p:cNvSpPr>
+          <p:nvPr>
+            <p:ph type="title"/>
+          </p:nvPr>
+        </p:nvSpPr>
+        <p:spPr>
+          <a:xfrm>
+            <a:off x="1005840" y="584202"/>
+            <a:ext cx="12618720" cy="2120901"/>
+          </a:xfrm>
+          <a:prstGeom prst="rect">
+            <a:avLst/>
+          </a:prstGeom>
+        </p:spPr>
+        <p:txBody>
+          <a:bodyPr vert="horz" lIns="91440" tIns="45720" rIns="91440" bIns="45720" rtlCol="0" anchor="ctr">
+            <a:normAutofit/>
+          </a:bodyPr>
+          <a:lstStyle/>
+          <a:p>
+            <a:r>
+              <a:rPr lang="en-US" smtClean="0"/>
+              <a:t>Click to edit Master title style</a:t>
+            </a:r>
+            <a:endParaRPr lang="en-US" dirty="0"/>
+          </a:p>
+        </p:txBody>
+      </p:sp>
+      <p:sp>
+        <p:nvSpPr>
+          <p:cNvPr id="3" name="Text Placeholder 2"/>
+          <p:cNvSpPr>
+            <a:spLocks noGrp="1"/>
+          </p:cNvSpPr>
+          <p:nvPr>
+            <p:ph type="body" idx="1"/>
+          </p:nvPr>
+        </p:nvSpPr>
+        <p:spPr>
+          <a:xfrm>
+            <a:off x="1005840" y="2921000"/>
+            <a:ext cx="12618720" cy="6962141"/>
+          </a:xfrm>
+          <a:prstGeom prst="rect">
+            <a:avLst/>
+          </a:prstGeom>
+        </p:spPr>
+        <p:txBody>
+          <a:bodyPr vert="horz" lIns="91440" tIns="45720" rIns="91440" bIns="45720" rtlCol="0">
+            <a:normAutofit/>
+          </a:bodyPr>
+          <a:lstStyle/>
+          <a:p>
+            <a:pPr lvl="0"/>
+            <a:r>
+              <a:rPr lang="en-US" smtClean="0"/>
+              <a:t>Edit Master text styles</a:t>
+            </a:r>
+          </a:p>
+          <a:p>
+            <a:pPr lvl="1"/>
+            <a:r>
+              <a:rPr lang="en-US" smtClean="0"/>
+              <a:t>Second level</a:t>
+            </a:r>
+          </a:p>
+          <a:p>
+            <a:pPr lvl="2"/>
+            <a:r>
+              <a:rPr lang="en-US" smtClean="0"/>
+              <a:t>Third level</a:t>
+            </a:r>
+          </a:p>
+          <a:p>
+            <a:pPr lvl="3"/>
+            <a:r>
+              <a:rPr lang="en-US" smtClean="0"/>
+              <a:t>Fourth level</a:t>
+            </a:r>
+          </a:p>
+          <a:p>
+            <a:pPr lvl="4"/>
+            <a:r>
+              <a:rPr lang="en-US" smtClean="0"/>
+              <a:t>Fifth level</a:t>
+            </a:r>
+            <a:endParaRPr lang="en-US" dirty="0"/>
+          </a:p>
+        </p:txBody>
+      </p:sp>
+      <p:sp>
+        <p:nvSpPr>
+          <p:cNvPr id="4" name="Date Placeholder 3"/>
+          <p:cNvSpPr>
+            <a:spLocks noGrp="1"/>
+          </p:cNvSpPr>
+          <p:nvPr>
+            <p:ph type="dt" sz="half" idx="2"/>
+          </p:nvPr>
+        </p:nvSpPr>
+        <p:spPr>
+          <a:xfrm>
+            <a:off x="1005840" y="10170162"/>
+            <a:ext cx="3291840" cy="584200"/>
+          </a:xfrm>
+          <a:prstGeom prst="rect">
+            <a:avLst/>
+          </a:prstGeom>
+        </p:spPr>
+        <p:txBody>
+          <a:bodyPr vert="horz" lIns="91440" tIns="45720" rIns="91440" bIns="45720" rtlCol="0" anchor="ctr"/>
+          <a:lstStyle>
+            <a:lvl1pPr algn="l">
+              <a:defRPr sz="1920">
+                <a:solidFill>
+                  <a:schemeClr val="tx1">
+                    <a:tint val="75000"/>
+                  </a:schemeClr>
+                </a:solidFill>
+              </a:defRPr>
+            </a:lvl1pPr>
+          </a:lstStyle>
+          <a:p>
+            <a:fld id="{C764DE79-268F-4C1A-8933-263129D2AF90}" type="datetimeFigureOut">
+              <a:rPr lang="en-US" dirty="0"/>
+              <a:t>6/28/2021</a:t>
+            </a:fld>
+            <a:endParaRPr lang="en-US" dirty="0"/>
+          </a:p>
+        </p:txBody>
+      </p:sp>
+      <p:sp>
+        <p:nvSpPr>
+          <p:cNvPr id="5" name="Footer Placeholder 4"/>
+          <p:cNvSpPr>
+            <a:spLocks noGrp="1"/>
+          </p:cNvSpPr>
+          <p:nvPr>
+            <p:ph type="ftr" sz="quarter" idx="3"/>
+          </p:nvPr>
+        </p:nvSpPr>
+        <p:spPr>
+          <a:xfrm>
+            <a:off x="4846320" y="10170162"/>
+            <a:ext cx="4937760" cy="584200"/>
+          </a:xfrm>
+          <a:prstGeom prst="rect">
+            <a:avLst/>
+          </a:prstGeom>
+        </p:spPr>
+        <p:txBody>
+          <a:bodyPr vert="horz" lIns="91440" tIns="45720" rIns="91440" bIns="45720" rtlCol="0" anchor="ctr"/>
+          <a:lstStyle>
+            <a:lvl1pPr algn="ctr">
+              <a:defRPr sz="1920">
+                <a:solidFill>
+                  <a:schemeClr val="tx1">
+                    <a:tint val="75000"/>
+                  </a:schemeClr>
+                </a:solidFill>
+              </a:defRPr>
+            </a:lvl1pPr>
+          </a:lstStyle>
+          <a:p>
+            <a:endParaRPr lang="en-US" dirty="0"/>
+          </a:p>
+        </p:txBody>
+      </p:sp>
+      <p:sp>
+        <p:nvSpPr>
+          <p:cNvPr id="6" name="Slide Number Placeholder 5"/>
+          <p:cNvSpPr>
+            <a:spLocks noGrp="1"/>
+          </p:cNvSpPr>
+          <p:nvPr>
+            <p:ph type="sldNum" sz="quarter" idx="4"/>
+          </p:nvPr>
+        </p:nvSpPr>
+        <p:spPr>
+          <a:xfrm>
+            <a:off x="10332720" y="10170162"/>
+            <a:ext cx="3291840" cy="584200"/>
+          </a:xfrm>
+          <a:prstGeom prst="rect">
+            <a:avLst/>
+          </a:prstGeom>
+        </p:spPr>
+        <p:txBody>
+          <a:bodyPr vert="horz" lIns="91440" tIns="45720" rIns="91440" bIns="45720" rtlCol="0" anchor="ctr"/>
+          <a:lstStyle>
+            <a:lvl1pPr algn="r">
+              <a:defRPr sz="1920">
+                <a:solidFill>
+                  <a:schemeClr val="tx1">
+                    <a:tint val="75000"/>
+                  </a:schemeClr>
+                </a:solidFill>
+              </a:defRPr>
+            </a:lvl1pPr>
+          </a:lstStyle>
+          <a:p>
+            <a:fld id="{48F63A3B-78C7-47BE-AE5E-E10140E04643}" type="slidenum">
+              <a:rPr lang="en-US" dirty="0"/>
+              <a:t>‹#›</a:t>
+            </a:fld>
+            <a:endParaRPr lang="en-US" dirty="0"/>
+          </a:p>
+        </p:txBody>
+      </p:sp>
+    </p:spTree>
+    <p:extLst>
+      <p:ext uri="{BB962C8B-B14F-4D97-AF65-F5344CB8AC3E}">
+        <p14:creationId xmlns:p14="http://schemas.microsoft.com/office/powerpoint/2010/main" val="4076440350"/>
+      </p:ext>
+    </p:extLst>
+  </p:cSld>
+  <p:clrMap bg1="lt1" tx1="dk1" bg2="lt2" tx2="dk2" accent1="accent1" accent2="accent2" accent3="accent3" accent4="accent4" accent5="accent5" accent6="accent6" hlink="hlink" folHlink="folHlink"/>
+  <p:sldLayoutIdLst>
+    <p:sldLayoutId id="2147483699" r:id="rId1"/>
+    <p:sldLayoutId id="2147483700" r:id="rId2"/>
+    <p:sldLayoutId id="2147483701" r:id="rId3"/>
+    <p:sldLayoutId id="2147483702" r:id="rId4"/>
+    <p:sldLayoutId id="2147483703" r:id="rId5"/>
+    <p:sldLayoutId id="2147483704" r:id="rId6"/>
+    <p:sldLayoutId id="2147483705" r:id="rId7"/>
+    <p:sldLayoutId id="2147483706" r:id="rId8"/>
+    <p:sldLayoutId id="2147483707" r:id="rId9"/>
+    <p:sldLayoutId id="2147483708" r:id="rId10"/>
+    <p:sldLayoutId id="2147483709" r:id="rId11"/>
+  </p:sldLayoutIdLst>
+  <p:hf sldNum="0" hdr="0" ftr="0" dt="0"/>
+  <p:txStyles>
+    <p:titleStyle>
+      <a:lvl1pPr algn="l" defTabSz="1463040" rtl="0" eaLnBrk="1" latinLnBrk="0" hangingPunct="1">
+        <a:lnSpc>
+          <a:spcPct val="90000"/>
+        </a:lnSpc>
+        <a:spcBef>
+          <a:spcPct val="0"/>
+        </a:spcBef>
+        <a:buNone/>
+        <a:defRPr sz="7040" kern="1200">
+          <a:solidFill>
+            <a:schemeClr val="tx1"/>
+          </a:solidFill>
+          <a:latin typeface="+mj-lt"/>
+          <a:ea typeface="+mj-ea"/>
+          <a:cs typeface="+mj-cs"/>
+        </a:defRPr>
+      </a:lvl1pPr>
+    </p:titleStyle>
+    <p:bodyStyle>
+      <a:lvl1pPr marL="365760" indent="-365760" algn="l" defTabSz="1463040" rtl="0" eaLnBrk="1" latinLnBrk="0" hangingPunct="1">
+        <a:lnSpc>
+          <a:spcPct val="90000"/>
+        </a:lnSpc>
+        <a:spcBef>
+          <a:spcPts val="1600"/>
+        </a:spcBef>
+        <a:buFont typeface="Arial" panose="020B0604020202020204" pitchFamily="34" charset="0"/>
+        <a:buChar char="•"/>
+        <a:defRPr sz="4480" kern="1200">
+          <a:solidFill>
+            <a:schemeClr val="tx1"/>
+          </a:solidFill>
+          <a:latin typeface="+mn-lt"/>
+          <a:ea typeface="+mn-ea"/>
+          <a:cs typeface="+mn-cs"/>
+        </a:defRPr>
+      </a:lvl1pPr>
+      <a:lvl2pPr marL="1097280" indent="-365760" algn="l" defTabSz="1463040" rtl="0" eaLnBrk="1" latinLnBrk="0" hangingPunct="1">
+        <a:lnSpc>
+          <a:spcPct val="90000"/>
+        </a:lnSpc>
+        <a:spcBef>
+          <a:spcPts val="800"/>
+        </a:spcBef>
+        <a:buFont typeface="Arial" panose="020B0604020202020204" pitchFamily="34" charset="0"/>
+        <a:buChar char="•"/>
+        <a:defRPr sz="3840" kern="1200">
+          <a:solidFill>
+            <a:schemeClr val="tx1"/>
+          </a:solidFill>
+          <a:latin typeface="+mn-lt"/>
+          <a:ea typeface="+mn-ea"/>
+          <a:cs typeface="+mn-cs"/>
+        </a:defRPr>
+      </a:lvl2pPr>
+      <a:lvl3pPr marL="1828800" indent="-365760" algn="l" defTabSz="1463040" rtl="0" eaLnBrk="1" latinLnBrk="0" hangingPunct="1">
+        <a:lnSpc>
+          <a:spcPct val="90000"/>
+        </a:lnSpc>
+        <a:spcBef>
+          <a:spcPts val="800"/>
+        </a:spcBef>
+        <a:buFont typeface="Arial" panose="020B0604020202020204" pitchFamily="34" charset="0"/>
+        <a:buChar char="•"/>
+        <a:defRPr sz="3200" kern="1200">
+          <a:solidFill>
+            <a:schemeClr val="tx1"/>
+          </a:solidFill>
+          <a:latin typeface="+mn-lt"/>
+          <a:ea typeface="+mn-ea"/>
+          <a:cs typeface="+mn-cs"/>
+        </a:defRPr>
+      </a:lvl3pPr>
+      <a:lvl4pPr marL="2560320" indent="-365760" algn="l" defTabSz="1463040" rtl="0" eaLnBrk="1" latinLnBrk="0" hangingPunct="1">
+        <a:lnSpc>
+          <a:spcPct val="90000"/>
+        </a:lnSpc>
+        <a:spcBef>
+          <a:spcPts val="800"/>
+        </a:spcBef>
+        <a:buFont typeface="Arial" panose="020B0604020202020204" pitchFamily="34" charset="0"/>
+        <a:buChar char="•"/>
+        <a:defRPr sz="2880" kern="1200">
+          <a:solidFill>
+            <a:schemeClr val="tx1"/>
+          </a:solidFill>
+          <a:latin typeface="+mn-lt"/>
+          <a:ea typeface="+mn-ea"/>
+          <a:cs typeface="+mn-cs"/>
+        </a:defRPr>
+      </a:lvl4pPr>
+      <a:lvl5pPr marL="3291840" indent="-365760" algn="l" defTabSz="1463040" rtl="0" eaLnBrk="1" latinLnBrk="0" hangingPunct="1">
+        <a:lnSpc>
+          <a:spcPct val="90000"/>
+        </a:lnSpc>
+        <a:spcBef>
+          <a:spcPts val="800"/>
+        </a:spcBef>
+        <a:buFont typeface="Arial" panose="020B0604020202020204" pitchFamily="34" charset="0"/>
+        <a:buChar char="•"/>
+        <a:defRPr sz="2880" kern="1200">
+          <a:solidFill>
+            <a:schemeClr val="tx1"/>
+          </a:solidFill>
+          <a:latin typeface="+mn-lt"/>
+          <a:ea typeface="+mn-ea"/>
+          <a:cs typeface="+mn-cs"/>
+        </a:defRPr>
+      </a:lvl5pPr>
+      <a:lvl6pPr marL="4023360" indent="-365760" algn="l" defTabSz="1463040" rtl="0" eaLnBrk="1" latinLnBrk="0" hangingPunct="1">
+        <a:lnSpc>
+          <a:spcPct val="90000"/>
+        </a:lnSpc>
+        <a:spcBef>
+          <a:spcPts val="800"/>
+        </a:spcBef>
+        <a:buFont typeface="Arial" panose="020B0604020202020204" pitchFamily="34" charset="0"/>
+        <a:buChar char="•"/>
+        <a:defRPr sz="2880" kern="1200">
+          <a:solidFill>
+            <a:schemeClr val="tx1"/>
+          </a:solidFill>
+          <a:latin typeface="+mn-lt"/>
+          <a:ea typeface="+mn-ea"/>
+          <a:cs typeface="+mn-cs"/>
+        </a:defRPr>
+      </a:lvl6pPr>
+      <a:lvl7pPr marL="4754880" indent="-365760" algn="l" defTabSz="1463040" rtl="0" eaLnBrk="1" latinLnBrk="0" hangingPunct="1">
+        <a:lnSpc>
+          <a:spcPct val="90000"/>
+        </a:lnSpc>
+        <a:spcBef>
+          <a:spcPts val="800"/>
+        </a:spcBef>
+        <a:buFont typeface="Arial" panose="020B0604020202020204" pitchFamily="34" charset="0"/>
+        <a:buChar char="•"/>
+        <a:defRPr sz="2880" kern="1200">
+          <a:solidFill>
+            <a:schemeClr val="tx1"/>
+          </a:solidFill>
+          <a:latin typeface="+mn-lt"/>
+          <a:ea typeface="+mn-ea"/>
+          <a:cs typeface="+mn-cs"/>
+        </a:defRPr>
+      </a:lvl7pPr>
+      <a:lvl8pPr marL="5486400" indent="-365760" algn="l" defTabSz="1463040" rtl="0" eaLnBrk="1" latinLnBrk="0" hangingPunct="1">
+        <a:lnSpc>
+          <a:spcPct val="90000"/>
+        </a:lnSpc>
+        <a:spcBef>
+          <a:spcPts val="800"/>
+        </a:spcBef>
+        <a:buFont typeface="Arial" panose="020B0604020202020204" pitchFamily="34" charset="0"/>
+        <a:buChar char="•"/>
+        <a:defRPr sz="2880" kern="1200">
+          <a:solidFill>
+            <a:schemeClr val="tx1"/>
+          </a:solidFill>
+          <a:latin typeface="+mn-lt"/>
+          <a:ea typeface="+mn-ea"/>
+          <a:cs typeface="+mn-cs"/>
+        </a:defRPr>
+      </a:lvl8pPr>
+      <a:lvl9pPr marL="6217920" indent="-365760" algn="l" defTabSz="1463040" rtl="0" eaLnBrk="1" latinLnBrk="0" hangingPunct="1">
+        <a:lnSpc>
+          <a:spcPct val="90000"/>
+        </a:lnSpc>
+        <a:spcBef>
+          <a:spcPts val="800"/>
+        </a:spcBef>
+        <a:buFont typeface="Arial" panose="020B0604020202020204" pitchFamily="34" charset="0"/>
+        <a:buChar char="•"/>
+        <a:defRPr sz="2880" kern="1200">
+          <a:solidFill>
+            <a:schemeClr val="tx1"/>
+          </a:solidFill>
+          <a:latin typeface="+mn-lt"/>
+          <a:ea typeface="+mn-ea"/>
+          <a:cs typeface="+mn-cs"/>
+        </a:defRPr>
+      </a:lvl9pPr>
+    </p:bodyStyle>
+    <p:otherStyle>
+      <a:defPPr>
+        <a:defRPr lang="en-US"/>
+      </a:defPPr>
+      <a:lvl1pPr marL="0" algn="l" defTabSz="1463040" rtl="0" eaLnBrk="1" latinLnBrk="0" hangingPunct="1">
+        <a:defRPr sz="2880" kern="1200">
+          <a:solidFill>
+            <a:schemeClr val="tx1"/>
+          </a:solidFill>
+          <a:latin typeface="+mn-lt"/>
+          <a:ea typeface="+mn-ea"/>
+          <a:cs typeface="+mn-cs"/>
+        </a:defRPr>
+      </a:lvl1pPr>
+      <a:lvl2pPr marL="731520" algn="l" defTabSz="1463040" rtl="0" eaLnBrk="1" latinLnBrk="0" hangingPunct="1">
+        <a:defRPr sz="2880" kern="1200">
+          <a:solidFill>
+            <a:schemeClr val="tx1"/>
+          </a:solidFill>
+          <a:latin typeface="+mn-lt"/>
+          <a:ea typeface="+mn-ea"/>
+          <a:cs typeface="+mn-cs"/>
+        </a:defRPr>
+      </a:lvl2pPr>
+      <a:lvl3pPr marL="1463040" algn="l" defTabSz="1463040" rtl="0" eaLnBrk="1" latinLnBrk="0" hangingPunct="1">
+        <a:defRPr sz="2880" kern="1200">
+          <a:solidFill>
+            <a:schemeClr val="tx1"/>
+          </a:solidFill>
+          <a:latin typeface="+mn-lt"/>
+          <a:ea typeface="+mn-ea"/>
+          <a:cs typeface="+mn-cs"/>
+        </a:defRPr>
+      </a:lvl3pPr>
+      <a:lvl4pPr marL="2194560" algn="l" defTabSz="1463040" rtl="0" eaLnBrk="1" latinLnBrk="0" hangingPunct="1">
+        <a:defRPr sz="2880" kern="1200">
+          <a:solidFill>
+            <a:schemeClr val="tx1"/>
+          </a:solidFill>
+          <a:latin typeface="+mn-lt"/>
+          <a:ea typeface="+mn-ea"/>
+          <a:cs typeface="+mn-cs"/>
+        </a:defRPr>
+      </a:lvl4pPr>
+      <a:lvl5pPr marL="2926080" algn="l" defTabSz="1463040" rtl="0" eaLnBrk="1" latinLnBrk="0" hangingPunct="1">
+        <a:defRPr sz="2880" kern="1200">
+          <a:solidFill>
+            <a:schemeClr val="tx1"/>
+          </a:solidFill>
+          <a:latin typeface="+mn-lt"/>
+          <a:ea typeface="+mn-ea"/>
+          <a:cs typeface="+mn-cs"/>
+        </a:defRPr>
+      </a:lvl5pPr>
+      <a:lvl6pPr marL="3657600" algn="l" defTabSz="1463040" rtl="0" eaLnBrk="1" latinLnBrk="0" hangingPunct="1">
+        <a:defRPr sz="2880" kern="1200">
+          <a:solidFill>
+            <a:schemeClr val="tx1"/>
+          </a:solidFill>
+          <a:latin typeface="+mn-lt"/>
+          <a:ea typeface="+mn-ea"/>
+          <a:cs typeface="+mn-cs"/>
+        </a:defRPr>
+      </a:lvl6pPr>
+      <a:lvl7pPr marL="4389120" algn="l" defTabSz="1463040" rtl="0" eaLnBrk="1" latinLnBrk="0" hangingPunct="1">
+        <a:defRPr sz="2880" kern="1200">
+          <a:solidFill>
+            <a:schemeClr val="tx1"/>
+          </a:solidFill>
+          <a:latin typeface="+mn-lt"/>
+          <a:ea typeface="+mn-ea"/>
+          <a:cs typeface="+mn-cs"/>
+        </a:defRPr>
+      </a:lvl7pPr>
+      <a:lvl8pPr marL="5120640" algn="l" defTabSz="1463040" rtl="0" eaLnBrk="1" latinLnBrk="0" hangingPunct="1">
+        <a:defRPr sz="2880" kern="1200">
+          <a:solidFill>
+            <a:schemeClr val="tx1"/>
+          </a:solidFill>
+          <a:latin typeface="+mn-lt"/>
+          <a:ea typeface="+mn-ea"/>
+          <a:cs typeface="+mn-cs"/>
+        </a:defRPr>
+      </a:lvl8pPr>
+      <a:lvl9pPr marL="5852160" algn="l" defTabSz="1463040" rtl="0" eaLnBrk="1" latinLnBrk="0" hangingPunct="1">
+        <a:defRPr sz="2880" kern="1200">
+          <a:solidFill>
+            <a:schemeClr val="tx1"/>
+          </a:solidFill>
+          <a:latin typeface="+mn-lt"/>
+          <a:ea typeface="+mn-ea"/>
+          <a:cs typeface="+mn-cs"/>
+        </a:defRPr>
+      </a:lvl9pPr>
+    </p:otherStyle>
+  </p:txStyles>
+</p:sldMaster>
+</file>
+
 <file path=ppt/slides/slide1.xml><?xml version="1.0" encoding="utf-8"?>
 <p:sld xmlns:a="http://schemas.openxmlformats.org/drawingml/2006/main" xmlns:r="http://schemas.openxmlformats.org/officeDocument/2006/relationships" xmlns:p="http://schemas.openxmlformats.org/presentationml/2006/main">
   <p:cSld>
@@ -1086,10 +3936,10 @@
       </p:grpSpPr>
       <p:sp>
         <p:nvSpPr>
-          <p:cNvPr id="53" name="Rectangle 52">
+          <p:cNvPr id="40" name="Rectangle 39">
             <a:extLst>
               <a:ext uri="{FF2B5EF4-FFF2-40B4-BE49-F238E27FC236}">
-                <a16:creationId xmlns:a16="http://schemas.microsoft.com/office/drawing/2014/main" id="{B2229856-53BE-4544-BF16-865F190EA5EB}"/>
+                <a16:creationId xmlns:a16="http://schemas.microsoft.com/office/drawing/2014/main" id="{96147FCF-8ACD-B443-94B7-B81D45E2AEEC}"/>
               </a:ext>
             </a:extLst>
           </p:cNvPr>
@@ -1098,8 +3948,8 @@
         </p:nvSpPr>
         <p:spPr>
           <a:xfrm>
-            <a:off x="4835377" y="1735245"/>
-            <a:ext cx="2043605" cy="1552587"/>
+            <a:off x="8138160" y="1828800"/>
+            <a:ext cx="1737360" cy="2377440"/>
           </a:xfrm>
           <a:prstGeom prst="rect">
             <a:avLst/>
@@ -1153,90 +4003,6 @@
           </a:p>
         </p:txBody>
       </p:sp>
-      <p:pic>
-        <p:nvPicPr>
-          <p:cNvPr id="54" name="Graphic 36">
-            <a:extLst>
-              <a:ext uri="{FF2B5EF4-FFF2-40B4-BE49-F238E27FC236}">
-                <a16:creationId xmlns:a16="http://schemas.microsoft.com/office/drawing/2014/main" id="{2FEAF0B5-3330-184C-AE88-A8058CB50B78}"/>
-              </a:ext>
-            </a:extLst>
-          </p:cNvPr>
-          <p:cNvPicPr>
-            <a:picLocks noChangeAspect="1"/>
-          </p:cNvPicPr>
-          <p:nvPr/>
-        </p:nvPicPr>
-        <p:blipFill>
-          <a:blip r:embed="rId2">
-            <a:extLst>
-              <a:ext uri="{BEBA8EAE-BF5A-486C-A8C5-ECC9F3942E4B}">
-                <a14:imgProps xmlns:a14="http://schemas.microsoft.com/office/drawing/2010/main">
-                  <a14:imgLayer r:embed="rId3">
-                    <a14:imgEffect>
-                      <a14:artisticBlur/>
-                    </a14:imgEffect>
-                  </a14:imgLayer>
-                </a14:imgProps>
-              </a:ext>
-            </a:extLst>
-          </a:blip>
-          <a:stretch>
-            <a:fillRect/>
-          </a:stretch>
-        </p:blipFill>
-        <p:spPr>
-          <a:xfrm>
-            <a:off x="5200172" y="2366789"/>
-            <a:ext cx="388007" cy="408160"/>
-          </a:xfrm>
-          <a:prstGeom prst="rect">
-            <a:avLst/>
-          </a:prstGeom>
-          <a:effectLst>
-            <a:softEdge rad="0"/>
-          </a:effectLst>
-        </p:spPr>
-      </p:pic>
-      <p:sp>
-        <p:nvSpPr>
-          <p:cNvPr id="55" name="TextBox 54">
-            <a:extLst>
-              <a:ext uri="{FF2B5EF4-FFF2-40B4-BE49-F238E27FC236}">
-                <a16:creationId xmlns:a16="http://schemas.microsoft.com/office/drawing/2014/main" id="{C8AACC3F-AAED-A249-8AD2-D71F2C19591E}"/>
-              </a:ext>
-            </a:extLst>
-          </p:cNvPr>
-          <p:cNvSpPr txBox="1"/>
-          <p:nvPr/>
-        </p:nvSpPr>
-        <p:spPr>
-          <a:xfrm>
-            <a:off x="4936900" y="2756788"/>
-            <a:ext cx="921984" cy="240604"/>
-          </a:xfrm>
-          <a:prstGeom prst="rect">
-            <a:avLst/>
-          </a:prstGeom>
-          <a:noFill/>
-        </p:spPr>
-        <p:txBody>
-          <a:bodyPr wrap="square" rtlCol="0" anchor="t">
-            <a:spAutoFit/>
-          </a:bodyPr>
-          <a:lstStyle/>
-          <a:p>
-            <a:pPr algn="ctr"/>
-            <a:r>
-              <a:rPr lang="en-US" sz="1200" dirty="0">
-                <a:latin typeface="Arial" panose="020B0604020202020204" pitchFamily="34" charset="0"/>
-                <a:cs typeface="Arial" panose="020B0604020202020204" pitchFamily="34" charset="0"/>
-              </a:rPr>
-              <a:t>Bastion host</a:t>
-            </a:r>
-          </a:p>
-        </p:txBody>
-      </p:sp>
       <p:sp>
         <p:nvSpPr>
           <p:cNvPr id="56" name="Rectangle 55">
@@ -1251,8 +4017,8 @@
         </p:nvSpPr>
         <p:spPr>
           <a:xfrm>
-            <a:off x="2052368" y="1851648"/>
-            <a:ext cx="1731087" cy="1447691"/>
+            <a:off x="2743200" y="1828800"/>
+            <a:ext cx="1737360" cy="2377440"/>
           </a:xfrm>
           <a:prstGeom prst="rect">
             <a:avLst/>
@@ -1308,10 +4074,10 @@
       </p:sp>
       <p:sp>
         <p:nvSpPr>
-          <p:cNvPr id="57" name="Rectangle 56">
+          <p:cNvPr id="53" name="Rectangle 52">
             <a:extLst>
               <a:ext uri="{FF2B5EF4-FFF2-40B4-BE49-F238E27FC236}">
-                <a16:creationId xmlns:a16="http://schemas.microsoft.com/office/drawing/2014/main" id="{37703C61-09E8-4049-8248-F9AB232E14C1}"/>
+                <a16:creationId xmlns:a16="http://schemas.microsoft.com/office/drawing/2014/main" id="{B2229856-53BE-4544-BF16-865F190EA5EB}"/>
               </a:ext>
             </a:extLst>
           </p:cNvPr>
@@ -1320,17 +4086,20 @@
         </p:nvSpPr>
         <p:spPr>
           <a:xfrm>
-            <a:off x="1607268" y="1439471"/>
-            <a:ext cx="9150428" cy="4340099"/>
+            <a:off x="5852160" y="1828800"/>
+            <a:ext cx="1737360" cy="2377440"/>
           </a:xfrm>
           <a:prstGeom prst="rect">
             <a:avLst/>
           </a:prstGeom>
-          <a:noFill/>
+          <a:solidFill>
+            <a:srgbClr val="1D8900">
+              <a:alpha val="9804"/>
+            </a:srgbClr>
+          </a:solidFill>
           <a:ln w="12700">
-            <a:solidFill>
-              <a:srgbClr val="1E8900"/>
-            </a:solidFill>
+            <a:noFill/>
+            <a:prstDash val="solid"/>
           </a:ln>
         </p:spPr>
         <p:style>
@@ -1350,7 +4119,7 @@
           </a:fontRef>
         </p:style>
         <p:txBody>
-          <a:bodyPr rot="0" spcFirstLastPara="0" vertOverflow="overflow" horzOverflow="overflow" vert="horz" wrap="square" lIns="457200" tIns="91440" rIns="91440" bIns="45720" numCol="1" spcCol="0" rtlCol="0" fromWordArt="0" anchor="t" anchorCtr="0" forceAA="0" compatLnSpc="1">
+          <a:bodyPr rot="0" spcFirstLastPara="0" vertOverflow="overflow" horzOverflow="overflow" vert="horz" wrap="square" lIns="338328" tIns="45720" rIns="91440" bIns="45720" numCol="1" spcCol="0" rtlCol="0" fromWordArt="0" anchor="t" anchorCtr="0" forceAA="0" compatLnSpc="1">
             <a:prstTxWarp prst="textNoShape">
               <a:avLst/>
             </a:prstTxWarp>
@@ -1361,24 +4130,62 @@
             <a:pPr algn="l"/>
             <a:r>
               <a:rPr lang="en-US" sz="1200" dirty="0">
-                <a:ln w="0"/>
                 <a:solidFill>
                   <a:srgbClr val="1E8900"/>
                 </a:solidFill>
                 <a:latin typeface="Arial" panose="020B0604020202020204" pitchFamily="34" charset="0"/>
                 <a:cs typeface="Arial" panose="020B0604020202020204" pitchFamily="34" charset="0"/>
               </a:rPr>
-              <a:t>VPC</a:t>
-            </a:r>
-          </a:p>
-        </p:txBody>
-      </p:sp>
-      <p:sp>
-        <p:nvSpPr>
-          <p:cNvPr id="58" name="Rectangle 57">
+              <a:t>Public subnet</a:t>
+            </a:r>
+          </a:p>
+        </p:txBody>
+      </p:sp>
+      <p:sp>
+        <p:nvSpPr>
+          <p:cNvPr id="55" name="TextBox 54">
             <a:extLst>
               <a:ext uri="{FF2B5EF4-FFF2-40B4-BE49-F238E27FC236}">
-                <a16:creationId xmlns:a16="http://schemas.microsoft.com/office/drawing/2014/main" id="{CA9FC015-58A6-074B-8C1E-732DA3337466}"/>
+                <a16:creationId xmlns:a16="http://schemas.microsoft.com/office/drawing/2014/main" id="{C8AACC3F-AAED-A249-8AD2-D71F2C19591E}"/>
+              </a:ext>
+            </a:extLst>
+          </p:cNvPr>
+          <p:cNvSpPr txBox="1"/>
+          <p:nvPr/>
+        </p:nvSpPr>
+        <p:spPr>
+          <a:xfrm>
+            <a:off x="6178683" y="2837688"/>
+            <a:ext cx="1085967" cy="276999"/>
+          </a:xfrm>
+          <a:prstGeom prst="rect">
+            <a:avLst/>
+          </a:prstGeom>
+          <a:noFill/>
+        </p:spPr>
+        <p:txBody>
+          <a:bodyPr wrap="square" rtlCol="0" anchor="t">
+            <a:spAutoFit/>
+          </a:bodyPr>
+          <a:lstStyle/>
+          <a:p>
+            <a:pPr algn="ctr"/>
+            <a:r>
+              <a:rPr lang="en-US" sz="1200" dirty="0">
+                <a:latin typeface="Arial" panose="020B0604020202020204" pitchFamily="34" charset="0"/>
+                <a:cs typeface="Arial" panose="020B0604020202020204" pitchFamily="34" charset="0"/>
+              </a:rPr>
+              <a:t>Bastion host</a:t>
+            </a:r>
+          </a:p>
+        </p:txBody>
+      </p:sp>
+      <p:sp>
+        <p:nvSpPr>
+          <p:cNvPr id="57" name="Rectangle 56">
+            <a:extLst>
+              <a:ext uri="{FF2B5EF4-FFF2-40B4-BE49-F238E27FC236}">
+                <a16:creationId xmlns:a16="http://schemas.microsoft.com/office/drawing/2014/main" id="{37703C61-09E8-4049-8248-F9AB232E14C1}"/>
               </a:ext>
             </a:extLst>
           </p:cNvPr>
@@ -1387,20 +4194,17 @@
         </p:nvSpPr>
         <p:spPr>
           <a:xfrm>
-            <a:off x="2054003" y="3620470"/>
-            <a:ext cx="1726108" cy="1556447"/>
+            <a:off x="1737360" y="1645920"/>
+            <a:ext cx="10149840" cy="4480560"/>
           </a:xfrm>
           <a:prstGeom prst="rect">
             <a:avLst/>
           </a:prstGeom>
-          <a:solidFill>
-            <a:srgbClr val="007CBC">
-              <a:alpha val="9804"/>
-            </a:srgbClr>
-          </a:solidFill>
+          <a:noFill/>
           <a:ln w="12700">
-            <a:noFill/>
-            <a:prstDash val="solid"/>
+            <a:solidFill>
+              <a:srgbClr val="1E8900"/>
+            </a:solidFill>
           </a:ln>
         </p:spPr>
         <p:style>
@@ -1420,7 +4224,7 @@
           </a:fontRef>
         </p:style>
         <p:txBody>
-          <a:bodyPr rot="0" spcFirstLastPara="0" vertOverflow="overflow" horzOverflow="overflow" vert="horz" wrap="square" lIns="338328" tIns="45720" rIns="91440" bIns="45720" numCol="1" spcCol="0" rtlCol="0" fromWordArt="0" anchor="t" anchorCtr="0" forceAA="0" compatLnSpc="1">
+          <a:bodyPr rot="0" spcFirstLastPara="0" vertOverflow="overflow" horzOverflow="overflow" vert="horz" wrap="square" lIns="457200" tIns="91440" rIns="91440" bIns="45720" numCol="1" spcCol="0" rtlCol="0" fromWordArt="0" anchor="t" anchorCtr="0" forceAA="0" compatLnSpc="1">
             <a:prstTxWarp prst="textNoShape">
               <a:avLst/>
             </a:prstTxWarp>
@@ -1431,23 +4235,24 @@
             <a:pPr algn="l"/>
             <a:r>
               <a:rPr lang="en-US" sz="1200" dirty="0">
-                <a:solidFill>
-                  <a:srgbClr val="007DBC"/>
+                <a:ln w="0"/>
+                <a:solidFill>
+                  <a:srgbClr val="1E8900"/>
                 </a:solidFill>
                 <a:latin typeface="Arial" panose="020B0604020202020204" pitchFamily="34" charset="0"/>
                 <a:cs typeface="Arial" panose="020B0604020202020204" pitchFamily="34" charset="0"/>
               </a:rPr>
-              <a:t>Private subnet</a:t>
-            </a:r>
-          </a:p>
-        </p:txBody>
-      </p:sp>
-      <p:sp>
-        <p:nvSpPr>
-          <p:cNvPr id="60" name="Rectangle 59">
+              <a:t>VPC</a:t>
+            </a:r>
+          </a:p>
+        </p:txBody>
+      </p:sp>
+      <p:sp>
+        <p:nvSpPr>
+          <p:cNvPr id="58" name="Rectangle 57">
             <a:extLst>
               <a:ext uri="{FF2B5EF4-FFF2-40B4-BE49-F238E27FC236}">
-                <a16:creationId xmlns:a16="http://schemas.microsoft.com/office/drawing/2014/main" id="{07D7109E-BEF0-324E-9A5A-67C32AFB3027}"/>
+                <a16:creationId xmlns:a16="http://schemas.microsoft.com/office/drawing/2014/main" id="{CA9FC015-58A6-074B-8C1E-732DA3337466}"/>
               </a:ext>
             </a:extLst>
           </p:cNvPr>
@@ -1456,18 +4261,20 @@
         </p:nvSpPr>
         <p:spPr>
           <a:xfrm>
-            <a:off x="1916230" y="1078430"/>
-            <a:ext cx="2008931" cy="4332659"/>
+            <a:off x="2743200" y="4389120"/>
+            <a:ext cx="1737360" cy="1554480"/>
           </a:xfrm>
           <a:prstGeom prst="rect">
             <a:avLst/>
           </a:prstGeom>
-          <a:noFill/>
+          <a:solidFill>
+            <a:srgbClr val="007CBC">
+              <a:alpha val="9804"/>
+            </a:srgbClr>
+          </a:solidFill>
           <a:ln w="12700">
-            <a:solidFill>
-              <a:srgbClr val="007DBC"/>
-            </a:solidFill>
-            <a:prstDash val="dash"/>
+            <a:noFill/>
+            <a:prstDash val="solid"/>
           </a:ln>
         </p:spPr>
         <p:style>
@@ -1487,7 +4294,7 @@
           </a:fontRef>
         </p:style>
         <p:txBody>
-          <a:bodyPr rot="0" spcFirstLastPara="0" vertOverflow="overflow" horzOverflow="overflow" vert="horz" wrap="square" lIns="91440" tIns="91440" rIns="91440" bIns="45720" numCol="1" spcCol="0" rtlCol="0" fromWordArt="0" anchor="t" anchorCtr="0" forceAA="0" compatLnSpc="1">
+          <a:bodyPr rot="0" spcFirstLastPara="0" vertOverflow="overflow" horzOverflow="overflow" vert="horz" wrap="square" lIns="338328" tIns="45720" rIns="91440" bIns="45720" numCol="1" spcCol="0" rtlCol="0" fromWordArt="0" anchor="t" anchorCtr="0" forceAA="0" compatLnSpc="1">
             <a:prstTxWarp prst="textNoShape">
               <a:avLst/>
             </a:prstTxWarp>
@@ -1495,7 +4302,7 @@
           </a:bodyPr>
           <a:lstStyle/>
           <a:p>
-            <a:pPr algn="ctr"/>
+            <a:pPr algn="l"/>
             <a:r>
               <a:rPr lang="en-US" sz="1200" dirty="0">
                 <a:solidFill>
@@ -1504,434 +4311,17 @@
                 <a:latin typeface="Arial" panose="020B0604020202020204" pitchFamily="34" charset="0"/>
                 <a:cs typeface="Arial" panose="020B0604020202020204" pitchFamily="34" charset="0"/>
               </a:rPr>
-              <a:t>Availability Zone 1</a:t>
-            </a:r>
-          </a:p>
-        </p:txBody>
-      </p:sp>
-      <p:pic>
-        <p:nvPicPr>
-          <p:cNvPr id="61" name="Graphic 60">
+              <a:t>Private subnet</a:t>
+            </a:r>
+          </a:p>
+        </p:txBody>
+      </p:sp>
+      <p:sp>
+        <p:nvSpPr>
+          <p:cNvPr id="60" name="Rectangle 59">
             <a:extLst>
               <a:ext uri="{FF2B5EF4-FFF2-40B4-BE49-F238E27FC236}">
-                <a16:creationId xmlns:a16="http://schemas.microsoft.com/office/drawing/2014/main" id="{A3C1AC7C-AF13-3046-A016-16841DAF17C6}"/>
-              </a:ext>
-            </a:extLst>
-          </p:cNvPr>
-          <p:cNvPicPr>
-            <a:picLocks noChangeAspect="1"/>
-          </p:cNvPicPr>
-          <p:nvPr/>
-        </p:nvPicPr>
-        <p:blipFill>
-          <a:blip r:embed="rId4">
-            <a:extLst>
-              <a:ext uri="{96DAC541-7B7A-43D3-8B79-37D633B846F1}">
-                <asvg:svgBlip xmlns:asvg="http://schemas.microsoft.com/office/drawing/2016/SVG/main" r:embed="rId5"/>
-              </a:ext>
-            </a:extLst>
-          </a:blip>
-          <a:stretch>
-            <a:fillRect/>
-          </a:stretch>
-        </p:blipFill>
-        <p:spPr>
-          <a:xfrm>
-            <a:off x="4095959" y="2307548"/>
-            <a:ext cx="272654" cy="286815"/>
-          </a:xfrm>
-          <a:prstGeom prst="rect">
-            <a:avLst/>
-          </a:prstGeom>
-        </p:spPr>
-      </p:pic>
-      <p:grpSp>
-        <p:nvGrpSpPr>
-          <p:cNvPr id="4" name="Group 3">
-            <a:extLst>
-              <a:ext uri="{FF2B5EF4-FFF2-40B4-BE49-F238E27FC236}">
-                <a16:creationId xmlns:a16="http://schemas.microsoft.com/office/drawing/2014/main" id="{8394E669-8D91-2E4D-87EB-6D6B0C58E11C}"/>
-              </a:ext>
-            </a:extLst>
-          </p:cNvPr>
-          <p:cNvGrpSpPr/>
-          <p:nvPr/>
-        </p:nvGrpSpPr>
-        <p:grpSpPr>
-          <a:xfrm>
-            <a:off x="558140" y="368136"/>
-            <a:ext cx="10836234" cy="5973288"/>
-            <a:chOff x="1425989" y="673698"/>
-            <a:chExt cx="9340022" cy="5252089"/>
-          </a:xfrm>
-        </p:grpSpPr>
-        <p:sp>
-          <p:nvSpPr>
-            <p:cNvPr id="59" name="Rectangle 58">
-              <a:extLst>
-                <a:ext uri="{FF2B5EF4-FFF2-40B4-BE49-F238E27FC236}">
-                  <a16:creationId xmlns:a16="http://schemas.microsoft.com/office/drawing/2014/main" id="{540B6412-6E5D-B24E-8630-AD02E15A85EC}"/>
-                </a:ext>
-              </a:extLst>
-            </p:cNvPr>
-            <p:cNvSpPr/>
-            <p:nvPr/>
-          </p:nvSpPr>
-          <p:spPr>
-            <a:xfrm>
-              <a:off x="1425989" y="673698"/>
-              <a:ext cx="9340022" cy="5252089"/>
-            </a:xfrm>
-            <a:prstGeom prst="rect">
-              <a:avLst/>
-            </a:prstGeom>
-            <a:noFill/>
-            <a:ln w="12700">
-              <a:solidFill>
-                <a:schemeClr val="tx1"/>
-              </a:solidFill>
-            </a:ln>
-          </p:spPr>
-          <p:style>
-            <a:lnRef idx="2">
-              <a:schemeClr val="accent1">
-                <a:shade val="50000"/>
-              </a:schemeClr>
-            </a:lnRef>
-            <a:fillRef idx="1">
-              <a:schemeClr val="accent1"/>
-            </a:fillRef>
-            <a:effectRef idx="0">
-              <a:schemeClr val="accent1"/>
-            </a:effectRef>
-            <a:fontRef idx="minor">
-              <a:schemeClr val="lt1"/>
-            </a:fontRef>
-          </p:style>
-          <p:txBody>
-            <a:bodyPr rot="0" spcFirstLastPara="0" vertOverflow="overflow" horzOverflow="overflow" vert="horz" wrap="square" lIns="457200" tIns="91440" rIns="91440" bIns="45720" numCol="1" spcCol="0" rtlCol="0" fromWordArt="0" anchor="t" anchorCtr="0" forceAA="0" compatLnSpc="1">
-              <a:prstTxWarp prst="textNoShape">
-                <a:avLst/>
-              </a:prstTxWarp>
-              <a:noAutofit/>
-            </a:bodyPr>
-            <a:lstStyle/>
-            <a:p>
-              <a:pPr algn="l"/>
-              <a:r>
-                <a:rPr lang="en-US" sz="1200" dirty="0">
-                  <a:solidFill>
-                    <a:sysClr val="windowText" lastClr="000000"/>
-                  </a:solidFill>
-                  <a:latin typeface="Arial" panose="020B0604020202020204" pitchFamily="34" charset="0"/>
-                  <a:cs typeface="Arial" panose="020B0604020202020204" pitchFamily="34" charset="0"/>
-                </a:rPr>
-                <a:t>AWS Cloud</a:t>
-              </a:r>
-            </a:p>
-          </p:txBody>
-        </p:sp>
-        <p:pic>
-          <p:nvPicPr>
-            <p:cNvPr id="62" name="Graphic 61">
-              <a:extLst>
-                <a:ext uri="{FF2B5EF4-FFF2-40B4-BE49-F238E27FC236}">
-                  <a16:creationId xmlns:a16="http://schemas.microsoft.com/office/drawing/2014/main" id="{89490AF9-EFA6-8440-9A79-E963D0EE7295}"/>
-                </a:ext>
-              </a:extLst>
-            </p:cNvPr>
-            <p:cNvPicPr>
-              <a:picLocks noChangeAspect="1"/>
-            </p:cNvPicPr>
-            <p:nvPr/>
-          </p:nvPicPr>
-          <p:blipFill>
-            <a:blip r:embed="rId6">
-              <a:extLst>
-                <a:ext uri="{96DAC541-7B7A-43D3-8B79-37D633B846F1}">
-                  <asvg:svgBlip xmlns:asvg="http://schemas.microsoft.com/office/drawing/2016/SVG/main" r:embed="rId7"/>
-                </a:ext>
-              </a:extLst>
-            </a:blip>
-            <a:stretch>
-              <a:fillRect/>
-            </a:stretch>
-          </p:blipFill>
-          <p:spPr>
-            <a:xfrm>
-              <a:off x="1425990" y="673698"/>
-              <a:ext cx="272654" cy="286815"/>
-            </a:xfrm>
-            <a:prstGeom prst="rect">
-              <a:avLst/>
-            </a:prstGeom>
-          </p:spPr>
-        </p:pic>
-      </p:grpSp>
-      <p:pic>
-        <p:nvPicPr>
-          <p:cNvPr id="63" name="Graphic 62">
-            <a:extLst>
-              <a:ext uri="{FF2B5EF4-FFF2-40B4-BE49-F238E27FC236}">
-                <a16:creationId xmlns:a16="http://schemas.microsoft.com/office/drawing/2014/main" id="{1FB42D1C-3EBE-4F44-AEEF-747AE0502066}"/>
-              </a:ext>
-            </a:extLst>
-          </p:cNvPr>
-          <p:cNvPicPr>
-            <a:picLocks noChangeAspect="1"/>
-          </p:cNvPicPr>
-          <p:nvPr/>
-        </p:nvPicPr>
-        <p:blipFill>
-          <a:blip r:embed="rId8">
-            <a:extLst>
-              <a:ext uri="{96DAC541-7B7A-43D3-8B79-37D633B846F1}">
-                <asvg:svgBlip xmlns:asvg="http://schemas.microsoft.com/office/drawing/2016/SVG/main" r:embed="rId9"/>
-              </a:ext>
-            </a:extLst>
-          </a:blip>
-          <a:stretch>
-            <a:fillRect/>
-          </a:stretch>
-        </p:blipFill>
-        <p:spPr>
-          <a:xfrm>
-            <a:off x="1607269" y="1439472"/>
-            <a:ext cx="272654" cy="286815"/>
-          </a:xfrm>
-          <a:prstGeom prst="rect">
-            <a:avLst/>
-          </a:prstGeom>
-        </p:spPr>
-      </p:pic>
-      <p:pic>
-        <p:nvPicPr>
-          <p:cNvPr id="64" name="Graphic 63">
-            <a:extLst>
-              <a:ext uri="{FF2B5EF4-FFF2-40B4-BE49-F238E27FC236}">
-                <a16:creationId xmlns:a16="http://schemas.microsoft.com/office/drawing/2014/main" id="{EF801B6A-5039-A74B-9F9A-63AABA56CBE2}"/>
-              </a:ext>
-            </a:extLst>
-          </p:cNvPr>
-          <p:cNvPicPr>
-            <a:picLocks noChangeAspect="1"/>
-          </p:cNvPicPr>
-          <p:nvPr/>
-        </p:nvPicPr>
-        <p:blipFill>
-          <a:blip r:embed="rId10">
-            <a:extLst>
-              <a:ext uri="{96DAC541-7B7A-43D3-8B79-37D633B846F1}">
-                <asvg:svgBlip xmlns:asvg="http://schemas.microsoft.com/office/drawing/2016/SVG/main" r:embed="rId11"/>
-              </a:ext>
-            </a:extLst>
-          </a:blip>
-          <a:stretch>
-            <a:fillRect/>
-          </a:stretch>
-        </p:blipFill>
-        <p:spPr>
-          <a:xfrm>
-            <a:off x="2052368" y="1724692"/>
-            <a:ext cx="226512" cy="238277"/>
-          </a:xfrm>
-          <a:prstGeom prst="rect">
-            <a:avLst/>
-          </a:prstGeom>
-        </p:spPr>
-      </p:pic>
-      <p:pic>
-        <p:nvPicPr>
-          <p:cNvPr id="65" name="Graphic 64">
-            <a:extLst>
-              <a:ext uri="{FF2B5EF4-FFF2-40B4-BE49-F238E27FC236}">
-                <a16:creationId xmlns:a16="http://schemas.microsoft.com/office/drawing/2014/main" id="{AC206ECC-58BE-5848-AAD5-D6896DE2C67E}"/>
-              </a:ext>
-            </a:extLst>
-          </p:cNvPr>
-          <p:cNvPicPr>
-            <a:picLocks noChangeAspect="1"/>
-          </p:cNvPicPr>
-          <p:nvPr/>
-        </p:nvPicPr>
-        <p:blipFill>
-          <a:blip r:embed="rId12">
-            <a:extLst>
-              <a:ext uri="{96DAC541-7B7A-43D3-8B79-37D633B846F1}">
-                <asvg:svgBlip xmlns:asvg="http://schemas.microsoft.com/office/drawing/2016/SVG/main" r:embed="rId13"/>
-              </a:ext>
-            </a:extLst>
-          </a:blip>
-          <a:stretch>
-            <a:fillRect/>
-          </a:stretch>
-        </p:blipFill>
-        <p:spPr>
-          <a:xfrm>
-            <a:off x="2055426" y="3546769"/>
-            <a:ext cx="226512" cy="238277"/>
-          </a:xfrm>
-          <a:prstGeom prst="rect">
-            <a:avLst/>
-          </a:prstGeom>
-        </p:spPr>
-      </p:pic>
-      <p:sp>
-        <p:nvSpPr>
-          <p:cNvPr id="66" name="TextBox 65">
-            <a:extLst>
-              <a:ext uri="{FF2B5EF4-FFF2-40B4-BE49-F238E27FC236}">
-                <a16:creationId xmlns:a16="http://schemas.microsoft.com/office/drawing/2014/main" id="{F755BA6A-47A5-CA49-9E9D-545F78B6B1D1}"/>
-              </a:ext>
-            </a:extLst>
-          </p:cNvPr>
-          <p:cNvSpPr txBox="1"/>
-          <p:nvPr/>
-        </p:nvSpPr>
-        <p:spPr>
-          <a:xfrm>
-            <a:off x="2034070" y="2564541"/>
-            <a:ext cx="952206" cy="240604"/>
-          </a:xfrm>
-          <a:prstGeom prst="rect">
-            <a:avLst/>
-          </a:prstGeom>
-          <a:noFill/>
-        </p:spPr>
-        <p:txBody>
-          <a:bodyPr wrap="square" rtlCol="0" anchor="t">
-            <a:spAutoFit/>
-          </a:bodyPr>
-          <a:lstStyle/>
-          <a:p>
-            <a:pPr algn="ctr"/>
-            <a:r>
-              <a:rPr lang="en-US" sz="1200" dirty="0">
-                <a:latin typeface="Arial" panose="020B0604020202020204" pitchFamily="34" charset="0"/>
-                <a:cs typeface="Arial" panose="020B0604020202020204" pitchFamily="34" charset="0"/>
-              </a:rPr>
-              <a:t>NAT gateway</a:t>
-            </a:r>
-          </a:p>
-        </p:txBody>
-      </p:sp>
-      <p:pic>
-        <p:nvPicPr>
-          <p:cNvPr id="67" name="Graphic 66">
-            <a:extLst>
-              <a:ext uri="{FF2B5EF4-FFF2-40B4-BE49-F238E27FC236}">
-                <a16:creationId xmlns:a16="http://schemas.microsoft.com/office/drawing/2014/main" id="{868D4A0F-F764-DA46-843A-2F3933B15B1E}"/>
-              </a:ext>
-            </a:extLst>
-          </p:cNvPr>
-          <p:cNvPicPr>
-            <a:picLocks noChangeAspect="1"/>
-          </p:cNvPicPr>
-          <p:nvPr/>
-        </p:nvPicPr>
-        <p:blipFill>
-          <a:blip r:embed="rId14">
-            <a:extLst>
-              <a:ext uri="{96DAC541-7B7A-43D3-8B79-37D633B846F1}">
-                <asvg:svgBlip xmlns:asvg="http://schemas.microsoft.com/office/drawing/2016/SVG/main" r:embed="rId15"/>
-              </a:ext>
-            </a:extLst>
-          </a:blip>
-          <a:stretch>
-            <a:fillRect/>
-          </a:stretch>
-        </p:blipFill>
-        <p:spPr>
-          <a:xfrm>
-            <a:off x="2328279" y="2111580"/>
-            <a:ext cx="388007" cy="408160"/>
-          </a:xfrm>
-          <a:prstGeom prst="rect">
-            <a:avLst/>
-          </a:prstGeom>
-        </p:spPr>
-      </p:pic>
-      <p:pic>
-        <p:nvPicPr>
-          <p:cNvPr id="68" name="Graphic 67">
-            <a:extLst>
-              <a:ext uri="{FF2B5EF4-FFF2-40B4-BE49-F238E27FC236}">
-                <a16:creationId xmlns:a16="http://schemas.microsoft.com/office/drawing/2014/main" id="{2579B510-E12C-5347-948E-CEB10E127BDC}"/>
-              </a:ext>
-            </a:extLst>
-          </p:cNvPr>
-          <p:cNvPicPr>
-            <a:picLocks noChangeAspect="1"/>
-          </p:cNvPicPr>
-          <p:nvPr/>
-        </p:nvPicPr>
-        <p:blipFill>
-          <a:blip r:embed="rId16">
-            <a:extLst>
-              <a:ext uri="{96DAC541-7B7A-43D3-8B79-37D633B846F1}">
-                <asvg:svgBlip xmlns:asvg="http://schemas.microsoft.com/office/drawing/2016/SVG/main" r:embed="rId17"/>
-              </a:ext>
-            </a:extLst>
-          </a:blip>
-          <a:stretch>
-            <a:fillRect/>
-          </a:stretch>
-        </p:blipFill>
-        <p:spPr>
-          <a:xfrm>
-            <a:off x="3325005" y="2407602"/>
-            <a:ext cx="388007" cy="408160"/>
-          </a:xfrm>
-          <a:prstGeom prst="rect">
-            <a:avLst/>
-          </a:prstGeom>
-        </p:spPr>
-      </p:pic>
-      <p:sp>
-        <p:nvSpPr>
-          <p:cNvPr id="71" name="TextBox 70">
-            <a:extLst>
-              <a:ext uri="{FF2B5EF4-FFF2-40B4-BE49-F238E27FC236}">
-                <a16:creationId xmlns:a16="http://schemas.microsoft.com/office/drawing/2014/main" id="{A38373D4-E4DA-644B-B76B-3BC72F0E1195}"/>
-              </a:ext>
-            </a:extLst>
-          </p:cNvPr>
-          <p:cNvSpPr txBox="1"/>
-          <p:nvPr/>
-        </p:nvSpPr>
-        <p:spPr>
-          <a:xfrm>
-            <a:off x="3043879" y="2756788"/>
-            <a:ext cx="935061" cy="240604"/>
-          </a:xfrm>
-          <a:prstGeom prst="rect">
-            <a:avLst/>
-          </a:prstGeom>
-          <a:noFill/>
-        </p:spPr>
-        <p:txBody>
-          <a:bodyPr wrap="square" rtlCol="0" anchor="t">
-            <a:spAutoFit/>
-          </a:bodyPr>
-          <a:lstStyle/>
-          <a:p>
-            <a:pPr algn="ctr"/>
-            <a:r>
-              <a:rPr lang="en-US" sz="1200" dirty="0">
-                <a:latin typeface="Arial" panose="020B0604020202020204" pitchFamily="34" charset="0"/>
-                <a:cs typeface="Arial" panose="020B0604020202020204" pitchFamily="34" charset="0"/>
-              </a:rPr>
-              <a:t>Bastion host</a:t>
-            </a:r>
-          </a:p>
-        </p:txBody>
-      </p:sp>
-      <p:sp>
-        <p:nvSpPr>
-          <p:cNvPr id="80" name="Rectangle 79">
-            <a:extLst>
-              <a:ext uri="{FF2B5EF4-FFF2-40B4-BE49-F238E27FC236}">
-                <a16:creationId xmlns:a16="http://schemas.microsoft.com/office/drawing/2014/main" id="{E8852DB1-68FE-9F4C-8AAC-F033BE8FB59C}"/>
+                <a16:creationId xmlns:a16="http://schemas.microsoft.com/office/drawing/2014/main" id="{07D7109E-BEF0-324E-9A5A-67C32AFB3027}"/>
               </a:ext>
             </a:extLst>
           </p:cNvPr>
@@ -1940,20 +4330,18 @@
         </p:nvSpPr>
         <p:spPr>
           <a:xfrm>
-            <a:off x="4826387" y="3556417"/>
-            <a:ext cx="2052595" cy="1620500"/>
+            <a:off x="2560319" y="1280160"/>
+            <a:ext cx="2103120" cy="5029200"/>
           </a:xfrm>
           <a:prstGeom prst="rect">
             <a:avLst/>
           </a:prstGeom>
-          <a:solidFill>
-            <a:srgbClr val="007CBC">
-              <a:alpha val="9804"/>
-            </a:srgbClr>
-          </a:solidFill>
+          <a:noFill/>
           <a:ln w="12700">
-            <a:noFill/>
-            <a:prstDash val="solid"/>
+            <a:solidFill>
+              <a:srgbClr val="007DBC"/>
+            </a:solidFill>
+            <a:prstDash val="dash"/>
           </a:ln>
         </p:spPr>
         <p:style>
@@ -1973,7 +4361,7 @@
           </a:fontRef>
         </p:style>
         <p:txBody>
-          <a:bodyPr rot="0" spcFirstLastPara="0" vertOverflow="overflow" horzOverflow="overflow" vert="horz" wrap="square" lIns="338328" tIns="45720" rIns="91440" bIns="45720" numCol="1" spcCol="0" rtlCol="0" fromWordArt="0" anchor="t" anchorCtr="0" forceAA="0" compatLnSpc="1">
+          <a:bodyPr rot="0" spcFirstLastPara="0" vertOverflow="overflow" horzOverflow="overflow" vert="horz" wrap="square" lIns="91440" tIns="91440" rIns="91440" bIns="45720" numCol="1" spcCol="0" rtlCol="0" fromWordArt="0" anchor="t" anchorCtr="0" forceAA="0" compatLnSpc="1">
             <a:prstTxWarp prst="textNoShape">
               <a:avLst/>
             </a:prstTxWarp>
@@ -1981,7 +4369,7 @@
           </a:bodyPr>
           <a:lstStyle/>
           <a:p>
-            <a:pPr algn="l"/>
+            <a:pPr algn="ctr"/>
             <a:r>
               <a:rPr lang="en-US" sz="1200" dirty="0">
                 <a:solidFill>
@@ -1990,17 +4378,17 @@
                 <a:latin typeface="Arial" panose="020B0604020202020204" pitchFamily="34" charset="0"/>
                 <a:cs typeface="Arial" panose="020B0604020202020204" pitchFamily="34" charset="0"/>
               </a:rPr>
-              <a:t>Private subnet</a:t>
-            </a:r>
-          </a:p>
-        </p:txBody>
-      </p:sp>
-      <p:sp>
-        <p:nvSpPr>
-          <p:cNvPr id="81" name="Rectangle 80">
+              <a:t>Availability Zone 1</a:t>
+            </a:r>
+          </a:p>
+        </p:txBody>
+      </p:sp>
+      <p:sp>
+        <p:nvSpPr>
+          <p:cNvPr id="59" name="Rectangle 58">
             <a:extLst>
               <a:ext uri="{FF2B5EF4-FFF2-40B4-BE49-F238E27FC236}">
-                <a16:creationId xmlns:a16="http://schemas.microsoft.com/office/drawing/2014/main" id="{BCFAFE42-3485-8444-ACC9-42B82C4BBC28}"/>
+                <a16:creationId xmlns:a16="http://schemas.microsoft.com/office/drawing/2014/main" id="{540B6412-6E5D-B24E-8630-AD02E15A85EC}"/>
               </a:ext>
             </a:extLst>
           </p:cNvPr>
@@ -2009,8 +4397,8 @@
         </p:nvSpPr>
         <p:spPr>
           <a:xfrm>
-            <a:off x="4699238" y="1070991"/>
-            <a:ext cx="2297243" cy="4340098"/>
+            <a:off x="640080" y="914400"/>
+            <a:ext cx="11704320" cy="5760720"/>
           </a:xfrm>
           <a:prstGeom prst="rect">
             <a:avLst/>
@@ -2018,9 +4406,8 @@
           <a:noFill/>
           <a:ln w="12700">
             <a:solidFill>
-              <a:srgbClr val="007DBC"/>
+              <a:schemeClr val="tx1"/>
             </a:solidFill>
-            <a:prstDash val="dash"/>
           </a:ln>
         </p:spPr>
         <p:style>
@@ -2040,7 +4427,7 @@
           </a:fontRef>
         </p:style>
         <p:txBody>
-          <a:bodyPr rot="0" spcFirstLastPara="0" vertOverflow="overflow" horzOverflow="overflow" vert="horz" wrap="square" lIns="91440" tIns="91440" rIns="91440" bIns="45720" numCol="1" spcCol="0" rtlCol="0" fromWordArt="0" anchor="t" anchorCtr="0" forceAA="0" compatLnSpc="1">
+          <a:bodyPr rot="0" spcFirstLastPara="0" vertOverflow="overflow" horzOverflow="overflow" vert="horz" wrap="square" lIns="457200" tIns="91440" rIns="91440" bIns="45720" numCol="1" spcCol="0" rtlCol="0" fromWordArt="0" anchor="t" anchorCtr="0" forceAA="0" compatLnSpc="1">
             <a:prstTxWarp prst="textNoShape">
               <a:avLst/>
             </a:prstTxWarp>
@@ -2048,98 +4435,26 @@
           </a:bodyPr>
           <a:lstStyle/>
           <a:p>
-            <a:pPr algn="ctr"/>
+            <a:pPr algn="l"/>
             <a:r>
               <a:rPr lang="en-US" sz="1200" dirty="0">
                 <a:solidFill>
-                  <a:srgbClr val="007DBC"/>
+                  <a:sysClr val="windowText" lastClr="000000"/>
                 </a:solidFill>
                 <a:latin typeface="Arial" panose="020B0604020202020204" pitchFamily="34" charset="0"/>
                 <a:cs typeface="Arial" panose="020B0604020202020204" pitchFamily="34" charset="0"/>
               </a:rPr>
-              <a:t>Availability Zone 2</a:t>
-            </a:r>
-          </a:p>
-        </p:txBody>
-      </p:sp>
-      <p:pic>
-        <p:nvPicPr>
-          <p:cNvPr id="82" name="Graphic 81">
+              <a:t>AWS Cloud</a:t>
+            </a:r>
+          </a:p>
+        </p:txBody>
+      </p:sp>
+      <p:sp>
+        <p:nvSpPr>
+          <p:cNvPr id="66" name="TextBox 65">
             <a:extLst>
               <a:ext uri="{FF2B5EF4-FFF2-40B4-BE49-F238E27FC236}">
-                <a16:creationId xmlns:a16="http://schemas.microsoft.com/office/drawing/2014/main" id="{D8C3DF26-3C24-AC44-AFF6-FF217710069A}"/>
-              </a:ext>
-            </a:extLst>
-          </p:cNvPr>
-          <p:cNvPicPr>
-            <a:picLocks noChangeAspect="1"/>
-          </p:cNvPicPr>
-          <p:nvPr/>
-        </p:nvPicPr>
-        <p:blipFill>
-          <a:blip r:embed="rId10">
-            <a:extLst>
-              <a:ext uri="{96DAC541-7B7A-43D3-8B79-37D633B846F1}">
-                <asvg:svgBlip xmlns:asvg="http://schemas.microsoft.com/office/drawing/2016/SVG/main" r:embed="rId11"/>
-              </a:ext>
-            </a:extLst>
-          </a:blip>
-          <a:stretch>
-            <a:fillRect/>
-          </a:stretch>
-        </p:blipFill>
-        <p:spPr>
-          <a:xfrm>
-            <a:off x="4835377" y="1733196"/>
-            <a:ext cx="226512" cy="238277"/>
-          </a:xfrm>
-          <a:prstGeom prst="rect">
-            <a:avLst/>
-          </a:prstGeom>
-        </p:spPr>
-      </p:pic>
-      <p:pic>
-        <p:nvPicPr>
-          <p:cNvPr id="83" name="Graphic 82">
-            <a:extLst>
-              <a:ext uri="{FF2B5EF4-FFF2-40B4-BE49-F238E27FC236}">
-                <a16:creationId xmlns:a16="http://schemas.microsoft.com/office/drawing/2014/main" id="{259CEA8D-E4D3-F14D-ABF2-BB02362161BE}"/>
-              </a:ext>
-            </a:extLst>
-          </p:cNvPr>
-          <p:cNvPicPr>
-            <a:picLocks noChangeAspect="1"/>
-          </p:cNvPicPr>
-          <p:nvPr/>
-        </p:nvPicPr>
-        <p:blipFill>
-          <a:blip r:embed="rId12">
-            <a:extLst>
-              <a:ext uri="{96DAC541-7B7A-43D3-8B79-37D633B846F1}">
-                <asvg:svgBlip xmlns:asvg="http://schemas.microsoft.com/office/drawing/2016/SVG/main" r:embed="rId13"/>
-              </a:ext>
-            </a:extLst>
-          </a:blip>
-          <a:stretch>
-            <a:fillRect/>
-          </a:stretch>
-        </p:blipFill>
-        <p:spPr>
-          <a:xfrm>
-            <a:off x="4827811" y="3551749"/>
-            <a:ext cx="226512" cy="238277"/>
-          </a:xfrm>
-          <a:prstGeom prst="rect">
-            <a:avLst/>
-          </a:prstGeom>
-        </p:spPr>
-      </p:pic>
-      <p:sp>
-        <p:nvSpPr>
-          <p:cNvPr id="84" name="TextBox 83">
-            <a:extLst>
-              <a:ext uri="{FF2B5EF4-FFF2-40B4-BE49-F238E27FC236}">
-                <a16:creationId xmlns:a16="http://schemas.microsoft.com/office/drawing/2014/main" id="{F24B38EC-ED48-EA4A-9904-60EB542CE907}"/>
+                <a16:creationId xmlns:a16="http://schemas.microsoft.com/office/drawing/2014/main" id="{F755BA6A-47A5-CA49-9E9D-545F78B6B1D1}"/>
               </a:ext>
             </a:extLst>
           </p:cNvPr>
@@ -2148,8 +4463,8 @@
         </p:nvSpPr>
         <p:spPr>
           <a:xfrm>
-            <a:off x="5979268" y="2279136"/>
-            <a:ext cx="957199" cy="240604"/>
+            <a:off x="3069461" y="3840480"/>
+            <a:ext cx="1087109" cy="276999"/>
           </a:xfrm>
           <a:prstGeom prst="rect">
             <a:avLst/>
@@ -2173,48 +4488,51 @@
           </a:p>
         </p:txBody>
       </p:sp>
-      <p:pic>
-        <p:nvPicPr>
-          <p:cNvPr id="85" name="Graphic 84">
+      <p:sp>
+        <p:nvSpPr>
+          <p:cNvPr id="71" name="TextBox 70">
             <a:extLst>
               <a:ext uri="{FF2B5EF4-FFF2-40B4-BE49-F238E27FC236}">
-                <a16:creationId xmlns:a16="http://schemas.microsoft.com/office/drawing/2014/main" id="{38512123-C582-BC48-842E-4384BBC38C4B}"/>
+                <a16:creationId xmlns:a16="http://schemas.microsoft.com/office/drawing/2014/main" id="{A38373D4-E4DA-644B-B76B-3BC72F0E1195}"/>
               </a:ext>
             </a:extLst>
           </p:cNvPr>
-          <p:cNvPicPr>
-            <a:picLocks noChangeAspect="1"/>
-          </p:cNvPicPr>
+          <p:cNvSpPr txBox="1"/>
           <p:nvPr/>
-        </p:nvPicPr>
-        <p:blipFill>
-          <a:blip r:embed="rId14">
-            <a:extLst>
-              <a:ext uri="{96DAC541-7B7A-43D3-8B79-37D633B846F1}">
-                <asvg:svgBlip xmlns:asvg="http://schemas.microsoft.com/office/drawing/2016/SVG/main" r:embed="rId15"/>
-              </a:ext>
-            </a:extLst>
-          </a:blip>
-          <a:stretch>
-            <a:fillRect/>
-          </a:stretch>
-        </p:blipFill>
+        </p:nvSpPr>
         <p:spPr>
           <a:xfrm>
-            <a:off x="6240672" y="1916038"/>
-            <a:ext cx="388007" cy="408160"/>
+            <a:off x="3094991" y="2834640"/>
+            <a:ext cx="1036325" cy="276999"/>
           </a:xfrm>
           <a:prstGeom prst="rect">
             <a:avLst/>
           </a:prstGeom>
-        </p:spPr>
-      </p:pic>
-      <p:sp>
-        <p:nvSpPr>
-          <p:cNvPr id="93" name="Rectangle 92">
+          <a:noFill/>
+        </p:spPr>
+        <p:txBody>
+          <a:bodyPr wrap="square" rtlCol="0" anchor="t">
+            <a:spAutoFit/>
+          </a:bodyPr>
+          <a:lstStyle/>
+          <a:p>
+            <a:pPr algn="ctr"/>
+            <a:r>
+              <a:rPr lang="en-US" sz="1200" dirty="0">
+                <a:latin typeface="Arial" panose="020B0604020202020204" pitchFamily="34" charset="0"/>
+                <a:cs typeface="Arial" panose="020B0604020202020204" pitchFamily="34" charset="0"/>
+              </a:rPr>
+              <a:t>Bastion host</a:t>
+            </a:r>
+          </a:p>
+        </p:txBody>
+      </p:sp>
+      <p:sp>
+        <p:nvSpPr>
+          <p:cNvPr id="80" name="Rectangle 79">
             <a:extLst>
               <a:ext uri="{FF2B5EF4-FFF2-40B4-BE49-F238E27FC236}">
-                <a16:creationId xmlns:a16="http://schemas.microsoft.com/office/drawing/2014/main" id="{6CA34C60-F228-5441-A920-DF94CCB804FA}"/>
+                <a16:creationId xmlns:a16="http://schemas.microsoft.com/office/drawing/2014/main" id="{E8852DB1-68FE-9F4C-8AAC-F033BE8FB59C}"/>
               </a:ext>
             </a:extLst>
           </p:cNvPr>
@@ -2223,18 +4541,20 @@
         </p:nvSpPr>
         <p:spPr>
           <a:xfrm>
-            <a:off x="2992197" y="2127339"/>
-            <a:ext cx="5873411" cy="1084578"/>
+            <a:off x="5852160" y="4389120"/>
+            <a:ext cx="1737360" cy="1554480"/>
           </a:xfrm>
           <a:prstGeom prst="rect">
             <a:avLst/>
           </a:prstGeom>
-          <a:noFill/>
+          <a:solidFill>
+            <a:srgbClr val="007CBC">
+              <a:alpha val="9804"/>
+            </a:srgbClr>
+          </a:solidFill>
           <a:ln w="12700">
-            <a:solidFill>
-              <a:srgbClr val="D86613"/>
-            </a:solidFill>
-            <a:prstDash val="dash"/>
+            <a:noFill/>
+            <a:prstDash val="solid"/>
           </a:ln>
         </p:spPr>
         <p:style>
@@ -2254,7 +4574,7 @@
           </a:fontRef>
         </p:style>
         <p:txBody>
-          <a:bodyPr rot="0" spcFirstLastPara="0" vertOverflow="overflow" horzOverflow="overflow" vert="horz" wrap="square" lIns="91440" tIns="91440" rIns="91440" bIns="45720" numCol="1" spcCol="0" rtlCol="0" fromWordArt="0" anchor="t" anchorCtr="0" forceAA="0" compatLnSpc="1">
+          <a:bodyPr rot="0" spcFirstLastPara="0" vertOverflow="overflow" horzOverflow="overflow" vert="horz" wrap="square" lIns="338328" tIns="45720" rIns="91440" bIns="45720" numCol="1" spcCol="0" rtlCol="0" fromWordArt="0" anchor="t" anchorCtr="0" forceAA="0" compatLnSpc="1">
             <a:prstTxWarp prst="textNoShape">
               <a:avLst/>
             </a:prstTxWarp>
@@ -2262,29 +4582,26 @@
           </a:bodyPr>
           <a:lstStyle/>
           <a:p>
-            <a:pPr algn="ctr"/>
-            <a:endParaRPr lang="en-US" sz="1200" dirty="0">
-              <a:solidFill>
-                <a:srgbClr val="D86613"/>
-              </a:solidFill>
-            </a:endParaRPr>
-          </a:p>
-          <a:p>
-            <a:pPr algn="ctr"/>
-            <a:endParaRPr lang="en-US" sz="1200" dirty="0">
-              <a:solidFill>
-                <a:srgbClr val="D86613"/>
-              </a:solidFill>
-            </a:endParaRPr>
-          </a:p>
-        </p:txBody>
-      </p:sp>
-      <p:sp>
-        <p:nvSpPr>
-          <p:cNvPr id="39" name="Rectangle 38">
+            <a:pPr algn="l"/>
+            <a:r>
+              <a:rPr lang="en-US" sz="1200" dirty="0">
+                <a:solidFill>
+                  <a:srgbClr val="007DBC"/>
+                </a:solidFill>
+                <a:latin typeface="Arial" panose="020B0604020202020204" pitchFamily="34" charset="0"/>
+                <a:cs typeface="Arial" panose="020B0604020202020204" pitchFamily="34" charset="0"/>
+              </a:rPr>
+              <a:t>Private subnet</a:t>
+            </a:r>
+          </a:p>
+        </p:txBody>
+      </p:sp>
+      <p:sp>
+        <p:nvSpPr>
+          <p:cNvPr id="81" name="Rectangle 80">
             <a:extLst>
               <a:ext uri="{FF2B5EF4-FFF2-40B4-BE49-F238E27FC236}">
-                <a16:creationId xmlns:a16="http://schemas.microsoft.com/office/drawing/2014/main" id="{AE8F7836-62B6-6049-806B-2A46A78AFD4C}"/>
+                <a16:creationId xmlns:a16="http://schemas.microsoft.com/office/drawing/2014/main" id="{BCFAFE42-3485-8444-ACC9-42B82C4BBC28}"/>
               </a:ext>
             </a:extLst>
           </p:cNvPr>
@@ -2293,8 +4610,8 @@
         </p:nvSpPr>
         <p:spPr>
           <a:xfrm>
-            <a:off x="7349658" y="1070990"/>
-            <a:ext cx="2297243" cy="4340099"/>
+            <a:off x="5669280" y="1280160"/>
+            <a:ext cx="2103120" cy="5029200"/>
           </a:xfrm>
           <a:prstGeom prst="rect">
             <a:avLst/>
@@ -2341,17 +4658,56 @@
                 <a:latin typeface="Arial" panose="020B0604020202020204" pitchFamily="34" charset="0"/>
                 <a:cs typeface="Arial" panose="020B0604020202020204" pitchFamily="34" charset="0"/>
               </a:rPr>
-              <a:t>Availability Zone 3</a:t>
-            </a:r>
-          </a:p>
-        </p:txBody>
-      </p:sp>
-      <p:sp>
-        <p:nvSpPr>
-          <p:cNvPr id="40" name="Rectangle 39">
+              <a:t>Availability Zone 2</a:t>
+            </a:r>
+          </a:p>
+        </p:txBody>
+      </p:sp>
+      <p:sp>
+        <p:nvSpPr>
+          <p:cNvPr id="84" name="TextBox 83">
             <a:extLst>
               <a:ext uri="{FF2B5EF4-FFF2-40B4-BE49-F238E27FC236}">
-                <a16:creationId xmlns:a16="http://schemas.microsoft.com/office/drawing/2014/main" id="{96147FCF-8ACD-B443-94B7-B81D45E2AEEC}"/>
+                <a16:creationId xmlns:a16="http://schemas.microsoft.com/office/drawing/2014/main" id="{F24B38EC-ED48-EA4A-9904-60EB542CE907}"/>
+              </a:ext>
+            </a:extLst>
+          </p:cNvPr>
+          <p:cNvSpPr txBox="1"/>
+          <p:nvPr/>
+        </p:nvSpPr>
+        <p:spPr>
+          <a:xfrm>
+            <a:off x="6129617" y="3840480"/>
+            <a:ext cx="1178501" cy="276999"/>
+          </a:xfrm>
+          <a:prstGeom prst="rect">
+            <a:avLst/>
+          </a:prstGeom>
+          <a:noFill/>
+        </p:spPr>
+        <p:txBody>
+          <a:bodyPr wrap="square" rtlCol="0" anchor="t">
+            <a:spAutoFit/>
+          </a:bodyPr>
+          <a:lstStyle/>
+          <a:p>
+            <a:pPr algn="ctr"/>
+            <a:r>
+              <a:rPr lang="en-US" sz="1200" dirty="0">
+                <a:latin typeface="Arial" panose="020B0604020202020204" pitchFamily="34" charset="0"/>
+                <a:cs typeface="Arial" panose="020B0604020202020204" pitchFamily="34" charset="0"/>
+              </a:rPr>
+              <a:t>NAT gateway</a:t>
+            </a:r>
+          </a:p>
+        </p:txBody>
+      </p:sp>
+      <p:sp>
+        <p:nvSpPr>
+          <p:cNvPr id="93" name="Rectangle 92">
+            <a:extLst>
+              <a:ext uri="{FF2B5EF4-FFF2-40B4-BE49-F238E27FC236}">
+                <a16:creationId xmlns:a16="http://schemas.microsoft.com/office/drawing/2014/main" id="{6CA34C60-F228-5441-A920-DF94CCB804FA}"/>
               </a:ext>
             </a:extLst>
           </p:cNvPr>
@@ -2360,20 +4716,18 @@
         </p:nvSpPr>
         <p:spPr>
           <a:xfrm>
-            <a:off x="7484460" y="1724692"/>
-            <a:ext cx="2043605" cy="1552587"/>
+            <a:off x="2926080" y="2194560"/>
+            <a:ext cx="6766560" cy="1005840"/>
           </a:xfrm>
           <a:prstGeom prst="rect">
             <a:avLst/>
           </a:prstGeom>
-          <a:solidFill>
-            <a:srgbClr val="1D8900">
-              <a:alpha val="9804"/>
-            </a:srgbClr>
-          </a:solidFill>
+          <a:noFill/>
           <a:ln w="12700">
-            <a:noFill/>
-            <a:prstDash val="solid"/>
+            <a:solidFill>
+              <a:srgbClr val="D86613"/>
+            </a:solidFill>
+            <a:prstDash val="dash"/>
           </a:ln>
         </p:spPr>
         <p:style>
@@ -2393,7 +4747,7 @@
           </a:fontRef>
         </p:style>
         <p:txBody>
-          <a:bodyPr rot="0" spcFirstLastPara="0" vertOverflow="overflow" horzOverflow="overflow" vert="horz" wrap="square" lIns="338328" tIns="45720" rIns="91440" bIns="45720" numCol="1" spcCol="0" rtlCol="0" fromWordArt="0" anchor="t" anchorCtr="0" forceAA="0" compatLnSpc="1">
+          <a:bodyPr rot="0" spcFirstLastPara="0" vertOverflow="overflow" horzOverflow="overflow" vert="horz" wrap="square" lIns="91440" tIns="91440" rIns="91440" bIns="45720" numCol="1" spcCol="0" rtlCol="0" fromWordArt="0" anchor="t" anchorCtr="0" forceAA="0" compatLnSpc="1">
             <a:prstTxWarp prst="textNoShape">
               <a:avLst/>
             </a:prstTxWarp>
@@ -2401,26 +4755,29 @@
           </a:bodyPr>
           <a:lstStyle/>
           <a:p>
-            <a:pPr algn="l"/>
-            <a:r>
-              <a:rPr lang="en-US" sz="1200" dirty="0">
-                <a:solidFill>
-                  <a:srgbClr val="1E8900"/>
-                </a:solidFill>
-                <a:latin typeface="Arial" panose="020B0604020202020204" pitchFamily="34" charset="0"/>
-                <a:cs typeface="Arial" panose="020B0604020202020204" pitchFamily="34" charset="0"/>
-              </a:rPr>
-              <a:t>Public subnet</a:t>
-            </a:r>
-          </a:p>
-        </p:txBody>
-      </p:sp>
-      <p:sp>
-        <p:nvSpPr>
-          <p:cNvPr id="41" name="Rectangle 40">
+            <a:pPr algn="ctr"/>
+            <a:endParaRPr lang="en-US" sz="1200" dirty="0">
+              <a:solidFill>
+                <a:srgbClr val="D86613"/>
+              </a:solidFill>
+            </a:endParaRPr>
+          </a:p>
+          <a:p>
+            <a:pPr algn="ctr"/>
+            <a:endParaRPr lang="en-US" sz="1200" dirty="0">
+              <a:solidFill>
+                <a:srgbClr val="D86613"/>
+              </a:solidFill>
+            </a:endParaRPr>
+          </a:p>
+        </p:txBody>
+      </p:sp>
+      <p:sp>
+        <p:nvSpPr>
+          <p:cNvPr id="39" name="Rectangle 38">
             <a:extLst>
               <a:ext uri="{FF2B5EF4-FFF2-40B4-BE49-F238E27FC236}">
-                <a16:creationId xmlns:a16="http://schemas.microsoft.com/office/drawing/2014/main" id="{C864122E-AC93-A24C-8659-4865233C9BBF}"/>
+                <a16:creationId xmlns:a16="http://schemas.microsoft.com/office/drawing/2014/main" id="{AE8F7836-62B6-6049-806B-2A46A78AFD4C}"/>
               </a:ext>
             </a:extLst>
           </p:cNvPr>
@@ -2429,20 +4786,18 @@
         </p:nvSpPr>
         <p:spPr>
           <a:xfrm>
-            <a:off x="7487729" y="3539586"/>
-            <a:ext cx="2040336" cy="1637331"/>
+            <a:off x="7955280" y="1280160"/>
+            <a:ext cx="2103120" cy="5029200"/>
           </a:xfrm>
           <a:prstGeom prst="rect">
             <a:avLst/>
           </a:prstGeom>
-          <a:solidFill>
-            <a:srgbClr val="007CBC">
-              <a:alpha val="9804"/>
-            </a:srgbClr>
-          </a:solidFill>
+          <a:noFill/>
           <a:ln w="12700">
-            <a:noFill/>
-            <a:prstDash val="solid"/>
+            <a:solidFill>
+              <a:srgbClr val="007DBC"/>
+            </a:solidFill>
+            <a:prstDash val="dash"/>
           </a:ln>
         </p:spPr>
         <p:style>
@@ -2462,7 +4817,7 @@
           </a:fontRef>
         </p:style>
         <p:txBody>
-          <a:bodyPr rot="0" spcFirstLastPara="0" vertOverflow="overflow" horzOverflow="overflow" vert="horz" wrap="square" lIns="338328" tIns="45720" rIns="91440" bIns="45720" numCol="1" spcCol="0" rtlCol="0" fromWordArt="0" anchor="t" anchorCtr="0" forceAA="0" compatLnSpc="1">
+          <a:bodyPr rot="0" spcFirstLastPara="0" vertOverflow="overflow" horzOverflow="overflow" vert="horz" wrap="square" lIns="91440" tIns="91440" rIns="91440" bIns="45720" numCol="1" spcCol="0" rtlCol="0" fromWordArt="0" anchor="t" anchorCtr="0" forceAA="0" compatLnSpc="1">
             <a:prstTxWarp prst="textNoShape">
               <a:avLst/>
             </a:prstTxWarp>
@@ -2470,7 +4825,7 @@
           </a:bodyPr>
           <a:lstStyle/>
           <a:p>
-            <a:pPr algn="l"/>
+            <a:pPr algn="ctr"/>
             <a:r>
               <a:rPr lang="en-US" sz="1200" dirty="0">
                 <a:solidFill>
@@ -2479,92 +4834,17 @@
                 <a:latin typeface="Arial" panose="020B0604020202020204" pitchFamily="34" charset="0"/>
                 <a:cs typeface="Arial" panose="020B0604020202020204" pitchFamily="34" charset="0"/>
               </a:rPr>
-              <a:t>Private subnet</a:t>
-            </a:r>
-          </a:p>
-        </p:txBody>
-      </p:sp>
-      <p:pic>
-        <p:nvPicPr>
-          <p:cNvPr id="44" name="Graphic 43">
+              <a:t>Availability Zone 3</a:t>
+            </a:r>
+          </a:p>
+        </p:txBody>
+      </p:sp>
+      <p:sp>
+        <p:nvSpPr>
+          <p:cNvPr id="41" name="Rectangle 40">
             <a:extLst>
               <a:ext uri="{FF2B5EF4-FFF2-40B4-BE49-F238E27FC236}">
-                <a16:creationId xmlns:a16="http://schemas.microsoft.com/office/drawing/2014/main" id="{DBB6A7E2-D6D0-C441-B128-DE9AFF7AD13D}"/>
-              </a:ext>
-            </a:extLst>
-          </p:cNvPr>
-          <p:cNvPicPr>
-            <a:picLocks noChangeAspect="1"/>
-          </p:cNvPicPr>
-          <p:nvPr/>
-        </p:nvPicPr>
-        <p:blipFill>
-          <a:blip r:embed="rId16">
-            <a:extLst>
-              <a:ext uri="{96DAC541-7B7A-43D3-8B79-37D633B846F1}">
-                <asvg:svgBlip xmlns:asvg="http://schemas.microsoft.com/office/drawing/2016/SVG/main" r:embed="rId17"/>
-              </a:ext>
-            </a:extLst>
-          </a:blip>
-          <a:stretch>
-            <a:fillRect/>
-          </a:stretch>
-        </p:blipFill>
-        <p:spPr>
-          <a:xfrm>
-            <a:off x="8015315" y="2385988"/>
-            <a:ext cx="388007" cy="408160"/>
-          </a:xfrm>
-          <a:prstGeom prst="rect">
-            <a:avLst/>
-          </a:prstGeom>
-        </p:spPr>
-      </p:pic>
-      <p:sp>
-        <p:nvSpPr>
-          <p:cNvPr id="46" name="TextBox 45">
-            <a:extLst>
-              <a:ext uri="{FF2B5EF4-FFF2-40B4-BE49-F238E27FC236}">
-                <a16:creationId xmlns:a16="http://schemas.microsoft.com/office/drawing/2014/main" id="{0D0A98FA-9E55-1C43-80D5-A7F34D76D3B8}"/>
-              </a:ext>
-            </a:extLst>
-          </p:cNvPr>
-          <p:cNvSpPr txBox="1"/>
-          <p:nvPr/>
-        </p:nvSpPr>
-        <p:spPr>
-          <a:xfrm>
-            <a:off x="7741787" y="2812193"/>
-            <a:ext cx="935061" cy="240604"/>
-          </a:xfrm>
-          <a:prstGeom prst="rect">
-            <a:avLst/>
-          </a:prstGeom>
-          <a:noFill/>
-        </p:spPr>
-        <p:txBody>
-          <a:bodyPr wrap="square" rtlCol="0" anchor="t">
-            <a:spAutoFit/>
-          </a:bodyPr>
-          <a:lstStyle/>
-          <a:p>
-            <a:pPr algn="ctr"/>
-            <a:r>
-              <a:rPr lang="en-US" sz="1200" dirty="0">
-                <a:latin typeface="Arial" panose="020B0604020202020204" pitchFamily="34" charset="0"/>
-                <a:cs typeface="Arial" panose="020B0604020202020204" pitchFamily="34" charset="0"/>
-              </a:rPr>
-              <a:t>Bastion host</a:t>
-            </a:r>
-          </a:p>
-        </p:txBody>
-      </p:sp>
-      <p:sp>
-        <p:nvSpPr>
-          <p:cNvPr id="2" name="Rectangle 1">
-            <a:extLst>
-              <a:ext uri="{FF2B5EF4-FFF2-40B4-BE49-F238E27FC236}">
-                <a16:creationId xmlns:a16="http://schemas.microsoft.com/office/drawing/2014/main" id="{2E6160C0-4F01-F649-8C80-FFB3B2EBF7FB}"/>
+                <a16:creationId xmlns:a16="http://schemas.microsoft.com/office/drawing/2014/main" id="{C864122E-AC93-A24C-8659-4865233C9BBF}"/>
               </a:ext>
             </a:extLst>
           </p:cNvPr>
@@ -2573,399 +4853,20 @@
         </p:nvSpPr>
         <p:spPr>
           <a:xfrm>
-            <a:off x="3798905" y="2592668"/>
-            <a:ext cx="1221981" cy="240604"/>
+            <a:off x="8138160" y="4389120"/>
+            <a:ext cx="1737360" cy="1554480"/>
           </a:xfrm>
           <a:prstGeom prst="rect">
             <a:avLst/>
           </a:prstGeom>
-        </p:spPr>
-        <p:txBody>
-          <a:bodyPr wrap="none">
-            <a:spAutoFit/>
-          </a:bodyPr>
-          <a:lstStyle/>
-          <a:p>
-            <a:pPr algn="ctr">
-              <a:tabLst>
-                <a:tab pos="3475038" algn="l"/>
-              </a:tabLst>
-            </a:pPr>
-            <a:r>
-              <a:rPr lang="en-US" sz="1200" dirty="0">
-                <a:solidFill>
-                  <a:srgbClr val="D86613"/>
-                </a:solidFill>
-                <a:latin typeface="Arial" panose="020B0604020202020204" pitchFamily="34" charset="0"/>
-                <a:cs typeface="Arial" panose="020B0604020202020204" pitchFamily="34" charset="0"/>
-              </a:rPr>
-              <a:t>Auto Scaling group</a:t>
-            </a:r>
-          </a:p>
-        </p:txBody>
-      </p:sp>
-      <p:pic>
-        <p:nvPicPr>
-          <p:cNvPr id="48" name="Graphic 47">
-            <a:extLst>
-              <a:ext uri="{FF2B5EF4-FFF2-40B4-BE49-F238E27FC236}">
-                <a16:creationId xmlns:a16="http://schemas.microsoft.com/office/drawing/2014/main" id="{AAB52246-520F-4A42-BC45-3EC4A0AF0D82}"/>
-              </a:ext>
-            </a:extLst>
-          </p:cNvPr>
-          <p:cNvPicPr>
-            <a:picLocks noChangeAspect="1"/>
-          </p:cNvPicPr>
-          <p:nvPr/>
-        </p:nvPicPr>
-        <p:blipFill>
-          <a:blip r:embed="rId14">
-            <a:extLst>
-              <a:ext uri="{96DAC541-7B7A-43D3-8B79-37D633B846F1}">
-                <asvg:svgBlip xmlns:asvg="http://schemas.microsoft.com/office/drawing/2016/SVG/main" r:embed="rId15"/>
-              </a:ext>
-            </a:extLst>
-          </a:blip>
-          <a:stretch>
-            <a:fillRect/>
-          </a:stretch>
-        </p:blipFill>
-        <p:spPr>
-          <a:xfrm>
-            <a:off x="9064566" y="1991078"/>
-            <a:ext cx="388007" cy="408160"/>
-          </a:xfrm>
-          <a:prstGeom prst="rect">
-            <a:avLst/>
-          </a:prstGeom>
-        </p:spPr>
-      </p:pic>
-      <p:sp>
-        <p:nvSpPr>
-          <p:cNvPr id="49" name="TextBox 48">
-            <a:extLst>
-              <a:ext uri="{FF2B5EF4-FFF2-40B4-BE49-F238E27FC236}">
-                <a16:creationId xmlns:a16="http://schemas.microsoft.com/office/drawing/2014/main" id="{D641D835-C8CA-384B-8BDE-308E55CAE7A2}"/>
-              </a:ext>
-            </a:extLst>
-          </p:cNvPr>
-          <p:cNvSpPr txBox="1"/>
-          <p:nvPr/>
-        </p:nvSpPr>
-        <p:spPr>
-          <a:xfrm>
-            <a:off x="8686327" y="2411877"/>
-            <a:ext cx="952206" cy="240604"/>
-          </a:xfrm>
-          <a:prstGeom prst="rect">
-            <a:avLst/>
-          </a:prstGeom>
-          <a:noFill/>
-        </p:spPr>
-        <p:txBody>
-          <a:bodyPr wrap="square" rtlCol="0" anchor="t">
-            <a:spAutoFit/>
-          </a:bodyPr>
-          <a:lstStyle/>
-          <a:p>
-            <a:pPr algn="ctr"/>
-            <a:r>
-              <a:rPr lang="en-US" sz="1200" dirty="0">
-                <a:latin typeface="Arial" panose="020B0604020202020204" pitchFamily="34" charset="0"/>
-                <a:cs typeface="Arial" panose="020B0604020202020204" pitchFamily="34" charset="0"/>
-              </a:rPr>
-              <a:t>NAT gateway</a:t>
-            </a:r>
-          </a:p>
-        </p:txBody>
-      </p:sp>
-      <p:pic>
-        <p:nvPicPr>
-          <p:cNvPr id="50" name="Graphic 49">
-            <a:extLst>
-              <a:ext uri="{FF2B5EF4-FFF2-40B4-BE49-F238E27FC236}">
-                <a16:creationId xmlns:a16="http://schemas.microsoft.com/office/drawing/2014/main" id="{CD9EC30C-DA8F-B344-9E9A-FCAA53D78C58}"/>
-              </a:ext>
-            </a:extLst>
-          </p:cNvPr>
-          <p:cNvPicPr>
-            <a:picLocks noChangeAspect="1"/>
-          </p:cNvPicPr>
-          <p:nvPr/>
-        </p:nvPicPr>
-        <p:blipFill>
-          <a:blip r:embed="rId4">
-            <a:extLst>
-              <a:ext uri="{96DAC541-7B7A-43D3-8B79-37D633B846F1}">
-                <asvg:svgBlip xmlns:asvg="http://schemas.microsoft.com/office/drawing/2016/SVG/main" r:embed="rId5"/>
-              </a:ext>
-            </a:extLst>
-          </a:blip>
-          <a:stretch>
-            <a:fillRect/>
-          </a:stretch>
-        </p:blipFill>
-        <p:spPr>
-          <a:xfrm>
-            <a:off x="4140487" y="3977522"/>
-            <a:ext cx="272654" cy="286815"/>
-          </a:xfrm>
-          <a:prstGeom prst="rect">
-            <a:avLst/>
-          </a:prstGeom>
-        </p:spPr>
-      </p:pic>
-      <p:sp>
-        <p:nvSpPr>
-          <p:cNvPr id="51" name="Rectangle 50">
-            <a:extLst>
-              <a:ext uri="{FF2B5EF4-FFF2-40B4-BE49-F238E27FC236}">
-                <a16:creationId xmlns:a16="http://schemas.microsoft.com/office/drawing/2014/main" id="{BF6B48A6-DDE8-D04D-89FD-3DB40E4117A1}"/>
-              </a:ext>
-            </a:extLst>
-          </p:cNvPr>
-          <p:cNvSpPr/>
-          <p:nvPr/>
-        </p:nvSpPr>
-        <p:spPr>
-          <a:xfrm>
-            <a:off x="3691688" y="4308155"/>
-            <a:ext cx="1221981" cy="240604"/>
-          </a:xfrm>
-          <a:prstGeom prst="rect">
-            <a:avLst/>
-          </a:prstGeom>
-        </p:spPr>
-        <p:txBody>
-          <a:bodyPr wrap="none">
-            <a:spAutoFit/>
-          </a:bodyPr>
-          <a:lstStyle/>
-          <a:p>
-            <a:pPr algn="ctr">
-              <a:tabLst>
-                <a:tab pos="3475038" algn="l"/>
-              </a:tabLst>
-            </a:pPr>
-            <a:r>
-              <a:rPr lang="en-US" sz="1200" dirty="0">
-                <a:solidFill>
-                  <a:srgbClr val="D86613"/>
-                </a:solidFill>
-                <a:latin typeface="Arial" panose="020B0604020202020204" pitchFamily="34" charset="0"/>
-                <a:cs typeface="Arial" panose="020B0604020202020204" pitchFamily="34" charset="0"/>
-              </a:rPr>
-              <a:t>Auto Scaling group</a:t>
-            </a:r>
-          </a:p>
-        </p:txBody>
-      </p:sp>
-      <p:pic>
-        <p:nvPicPr>
-          <p:cNvPr id="52" name="Graphic 62">
-            <a:extLst>
-              <a:ext uri="{FF2B5EF4-FFF2-40B4-BE49-F238E27FC236}">
-                <a16:creationId xmlns:a16="http://schemas.microsoft.com/office/drawing/2014/main" id="{6078A5C4-EBF6-474E-8177-30EF0C93E348}"/>
-              </a:ext>
-            </a:extLst>
-          </p:cNvPr>
-          <p:cNvPicPr>
-            <a:picLocks noChangeAspect="1" noChangeArrowheads="1"/>
-          </p:cNvPicPr>
-          <p:nvPr/>
-        </p:nvPicPr>
-        <p:blipFill>
-          <a:blip r:embed="rId18">
-            <a:extLst>
-              <a:ext uri="{28A0092B-C50C-407E-A947-70E740481C1C}">
-                <a14:useLocalDpi xmlns:a14="http://schemas.microsoft.com/office/drawing/2010/main" val="0"/>
-              </a:ext>
-            </a:extLst>
-          </a:blip>
-          <a:srcRect/>
-          <a:stretch>
-            <a:fillRect/>
-          </a:stretch>
-        </p:blipFill>
-        <p:spPr bwMode="auto">
-          <a:xfrm>
-            <a:off x="2986408" y="4041133"/>
-            <a:ext cx="377521" cy="397128"/>
-          </a:xfrm>
-          <a:prstGeom prst="rect">
-            <a:avLst/>
-          </a:prstGeom>
-          <a:noFill/>
-          <a:ln>
+          <a:solidFill>
+            <a:srgbClr val="007CBC">
+              <a:alpha val="9804"/>
+            </a:srgbClr>
+          </a:solidFill>
+          <a:ln w="12700">
             <a:noFill/>
-          </a:ln>
-          <a:extLst>
-            <a:ext uri="{909E8E84-426E-40DD-AFC4-6F175D3DCCD1}">
-              <a14:hiddenFill xmlns:a14="http://schemas.microsoft.com/office/drawing/2010/main">
-                <a:solidFill>
-                  <a:srgbClr val="FFFFFF"/>
-                </a:solidFill>
-              </a14:hiddenFill>
-            </a:ext>
-            <a:ext uri="{91240B29-F687-4F45-9708-019B960494DF}">
-              <a14:hiddenLine xmlns:a14="http://schemas.microsoft.com/office/drawing/2010/main" w="9525">
-                <a:solidFill>
-                  <a:srgbClr val="000000"/>
-                </a:solidFill>
-                <a:miter lim="800000"/>
-                <a:headEnd/>
-                <a:tailEnd/>
-              </a14:hiddenLine>
-            </a:ext>
-          </a:extLst>
-        </p:spPr>
-      </p:pic>
-      <p:pic>
-        <p:nvPicPr>
-          <p:cNvPr id="78" name="Graphic 62">
-            <a:extLst>
-              <a:ext uri="{FF2B5EF4-FFF2-40B4-BE49-F238E27FC236}">
-                <a16:creationId xmlns:a16="http://schemas.microsoft.com/office/drawing/2014/main" id="{BA9FC7BB-B131-614E-BB93-CDC2942685BE}"/>
-              </a:ext>
-            </a:extLst>
-          </p:cNvPr>
-          <p:cNvPicPr>
-            <a:picLocks noChangeAspect="1" noChangeArrowheads="1"/>
-          </p:cNvPicPr>
-          <p:nvPr/>
-        </p:nvPicPr>
-        <p:blipFill>
-          <a:blip r:embed="rId18">
-            <a:extLst>
-              <a:ext uri="{28A0092B-C50C-407E-A947-70E740481C1C}">
-                <a14:useLocalDpi xmlns:a14="http://schemas.microsoft.com/office/drawing/2010/main" val="0"/>
-              </a:ext>
-            </a:extLst>
-          </a:blip>
-          <a:srcRect/>
-          <a:stretch>
-            <a:fillRect/>
-          </a:stretch>
-        </p:blipFill>
-        <p:spPr bwMode="auto">
-          <a:xfrm>
-            <a:off x="5598365" y="4006534"/>
-            <a:ext cx="377521" cy="397128"/>
-          </a:xfrm>
-          <a:prstGeom prst="rect">
-            <a:avLst/>
-          </a:prstGeom>
-          <a:noFill/>
-          <a:ln>
-            <a:noFill/>
-          </a:ln>
-          <a:extLst>
-            <a:ext uri="{909E8E84-426E-40DD-AFC4-6F175D3DCCD1}">
-              <a14:hiddenFill xmlns:a14="http://schemas.microsoft.com/office/drawing/2010/main">
-                <a:solidFill>
-                  <a:srgbClr val="FFFFFF"/>
-                </a:solidFill>
-              </a14:hiddenFill>
-            </a:ext>
-            <a:ext uri="{91240B29-F687-4F45-9708-019B960494DF}">
-              <a14:hiddenLine xmlns:a14="http://schemas.microsoft.com/office/drawing/2010/main" w="9525">
-                <a:solidFill>
-                  <a:srgbClr val="000000"/>
-                </a:solidFill>
-                <a:miter lim="800000"/>
-                <a:headEnd/>
-                <a:tailEnd/>
-              </a14:hiddenLine>
-            </a:ext>
-          </a:extLst>
-        </p:spPr>
-      </p:pic>
-      <p:pic>
-        <p:nvPicPr>
-          <p:cNvPr id="79" name="Graphic 62">
-            <a:extLst>
-              <a:ext uri="{FF2B5EF4-FFF2-40B4-BE49-F238E27FC236}">
-                <a16:creationId xmlns:a16="http://schemas.microsoft.com/office/drawing/2014/main" id="{430BB90F-116E-D440-9E96-2AFDBCC38236}"/>
-              </a:ext>
-            </a:extLst>
-          </p:cNvPr>
-          <p:cNvPicPr>
-            <a:picLocks noChangeAspect="1" noChangeArrowheads="1"/>
-          </p:cNvPicPr>
-          <p:nvPr/>
-        </p:nvPicPr>
-        <p:blipFill>
-          <a:blip r:embed="rId18">
-            <a:extLst>
-              <a:ext uri="{28A0092B-C50C-407E-A947-70E740481C1C}">
-                <a14:useLocalDpi xmlns:a14="http://schemas.microsoft.com/office/drawing/2010/main" val="0"/>
-              </a:ext>
-            </a:extLst>
-          </a:blip>
-          <a:srcRect/>
-          <a:stretch>
-            <a:fillRect/>
-          </a:stretch>
-        </p:blipFill>
-        <p:spPr bwMode="auto">
-          <a:xfrm>
-            <a:off x="8120759" y="4053558"/>
-            <a:ext cx="377521" cy="397128"/>
-          </a:xfrm>
-          <a:prstGeom prst="rect">
-            <a:avLst/>
-          </a:prstGeom>
-          <a:noFill/>
-          <a:ln>
-            <a:noFill/>
-          </a:ln>
-          <a:extLst>
-            <a:ext uri="{909E8E84-426E-40DD-AFC4-6F175D3DCCD1}">
-              <a14:hiddenFill xmlns:a14="http://schemas.microsoft.com/office/drawing/2010/main">
-                <a:solidFill>
-                  <a:srgbClr val="FFFFFF"/>
-                </a:solidFill>
-              </a14:hiddenFill>
-            </a:ext>
-            <a:ext uri="{91240B29-F687-4F45-9708-019B960494DF}">
-              <a14:hiddenLine xmlns:a14="http://schemas.microsoft.com/office/drawing/2010/main" w="9525">
-                <a:solidFill>
-                  <a:srgbClr val="000000"/>
-                </a:solidFill>
-                <a:miter lim="800000"/>
-                <a:headEnd/>
-                <a:tailEnd/>
-              </a14:hiddenLine>
-            </a:ext>
-          </a:extLst>
-        </p:spPr>
-      </p:pic>
-      <p:sp>
-        <p:nvSpPr>
-          <p:cNvPr id="88" name="Rectangle 87">
-            <a:extLst>
-              <a:ext uri="{FF2B5EF4-FFF2-40B4-BE49-F238E27FC236}">
-                <a16:creationId xmlns:a16="http://schemas.microsoft.com/office/drawing/2014/main" id="{9FEC18E7-6FA3-2A4F-A9FA-2CA792661543}"/>
-              </a:ext>
-            </a:extLst>
-          </p:cNvPr>
-          <p:cNvSpPr/>
-          <p:nvPr/>
-        </p:nvSpPr>
-        <p:spPr>
-          <a:xfrm>
-            <a:off x="2655672" y="3878851"/>
-            <a:ext cx="6209936" cy="1177385"/>
-          </a:xfrm>
-          <a:prstGeom prst="rect">
-            <a:avLst/>
-          </a:prstGeom>
-          <a:noFill/>
-          <a:ln w="12700">
-            <a:solidFill>
-              <a:srgbClr val="D86613"/>
-            </a:solidFill>
-            <a:prstDash val="dash"/>
+            <a:prstDash val="solid"/>
           </a:ln>
         </p:spPr>
         <p:style>
@@ -2985,7 +4886,7 @@
           </a:fontRef>
         </p:style>
         <p:txBody>
-          <a:bodyPr rot="0" spcFirstLastPara="0" vertOverflow="overflow" horzOverflow="overflow" vert="horz" wrap="square" lIns="91440" tIns="91440" rIns="91440" bIns="45720" numCol="1" spcCol="0" rtlCol="0" fromWordArt="0" anchor="t" anchorCtr="0" forceAA="0" compatLnSpc="1">
+          <a:bodyPr rot="0" spcFirstLastPara="0" vertOverflow="overflow" horzOverflow="overflow" vert="horz" wrap="square" lIns="338328" tIns="45720" rIns="91440" bIns="45720" numCol="1" spcCol="0" rtlCol="0" fromWordArt="0" anchor="t" anchorCtr="0" forceAA="0" compatLnSpc="1">
             <a:prstTxWarp prst="textNoShape">
               <a:avLst/>
             </a:prstTxWarp>
@@ -2993,89 +4894,65 @@
           </a:bodyPr>
           <a:lstStyle/>
           <a:p>
-            <a:pPr algn="ctr"/>
-            <a:endParaRPr lang="en-US" sz="1200" dirty="0">
-              <a:solidFill>
-                <a:srgbClr val="D86613"/>
-              </a:solidFill>
-            </a:endParaRPr>
-          </a:p>
-          <a:p>
-            <a:pPr algn="ctr"/>
-            <a:endParaRPr lang="en-US" sz="1200" dirty="0">
-              <a:solidFill>
-                <a:srgbClr val="D86613"/>
-              </a:solidFill>
-            </a:endParaRPr>
-          </a:p>
-        </p:txBody>
-      </p:sp>
-      <p:pic>
-        <p:nvPicPr>
-          <p:cNvPr id="89" name="Graphic 23">
+            <a:pPr algn="l"/>
+            <a:r>
+              <a:rPr lang="en-US" sz="1200" dirty="0">
+                <a:solidFill>
+                  <a:srgbClr val="007DBC"/>
+                </a:solidFill>
+                <a:latin typeface="Arial" panose="020B0604020202020204" pitchFamily="34" charset="0"/>
+                <a:cs typeface="Arial" panose="020B0604020202020204" pitchFamily="34" charset="0"/>
+              </a:rPr>
+              <a:t>Private subnet</a:t>
+            </a:r>
+          </a:p>
+        </p:txBody>
+      </p:sp>
+      <p:sp>
+        <p:nvSpPr>
+          <p:cNvPr id="46" name="TextBox 45">
             <a:extLst>
               <a:ext uri="{FF2B5EF4-FFF2-40B4-BE49-F238E27FC236}">
-                <a16:creationId xmlns:a16="http://schemas.microsoft.com/office/drawing/2014/main" id="{5DEC8685-FE57-9145-A7A7-2E77E7346864}"/>
+                <a16:creationId xmlns:a16="http://schemas.microsoft.com/office/drawing/2014/main" id="{0D0A98FA-9E55-1C43-80D5-A7F34D76D3B8}"/>
               </a:ext>
             </a:extLst>
           </p:cNvPr>
-          <p:cNvPicPr>
-            <a:picLocks noChangeAspect="1" noChangeArrowheads="1"/>
-          </p:cNvPicPr>
+          <p:cNvSpPr txBox="1"/>
           <p:nvPr/>
-        </p:nvPicPr>
-        <p:blipFill>
-          <a:blip r:embed="rId19">
-            <a:extLst>
-              <a:ext uri="{28A0092B-C50C-407E-A947-70E740481C1C}">
-                <a14:useLocalDpi xmlns:a14="http://schemas.microsoft.com/office/drawing/2010/main" val="0"/>
-              </a:ext>
-            </a:extLst>
-          </a:blip>
-          <a:srcRect/>
-          <a:stretch>
-            <a:fillRect/>
-          </a:stretch>
-        </p:blipFill>
-        <p:spPr bwMode="auto">
-          <a:xfrm>
-            <a:off x="9843304" y="1617255"/>
-            <a:ext cx="629201" cy="661880"/>
+        </p:nvSpPr>
+        <p:spPr>
+          <a:xfrm>
+            <a:off x="8476145" y="2837688"/>
+            <a:ext cx="1057885" cy="276999"/>
           </a:xfrm>
           <a:prstGeom prst="rect">
             <a:avLst/>
           </a:prstGeom>
           <a:noFill/>
-          <a:ln>
-            <a:noFill/>
-          </a:ln>
-          <a:extLst>
-            <a:ext uri="{909E8E84-426E-40DD-AFC4-6F175D3DCCD1}">
-              <a14:hiddenFill xmlns:a14="http://schemas.microsoft.com/office/drawing/2010/main">
-                <a:solidFill>
-                  <a:srgbClr val="FFFFFF"/>
-                </a:solidFill>
-              </a14:hiddenFill>
-            </a:ext>
-            <a:ext uri="{91240B29-F687-4F45-9708-019B960494DF}">
-              <a14:hiddenLine xmlns:a14="http://schemas.microsoft.com/office/drawing/2010/main" w="9525">
-                <a:solidFill>
-                  <a:srgbClr val="000000"/>
-                </a:solidFill>
-                <a:miter lim="800000"/>
-                <a:headEnd/>
-                <a:tailEnd/>
-              </a14:hiddenLine>
-            </a:ext>
-          </a:extLst>
-        </p:spPr>
-      </p:pic>
-      <p:sp>
-        <p:nvSpPr>
-          <p:cNvPr id="92" name="Rectangle 91">
+        </p:spPr>
+        <p:txBody>
+          <a:bodyPr wrap="square" rtlCol="0" anchor="t">
+            <a:spAutoFit/>
+          </a:bodyPr>
+          <a:lstStyle/>
+          <a:p>
+            <a:pPr algn="ctr"/>
+            <a:r>
+              <a:rPr lang="en-US" sz="1200" dirty="0">
+                <a:latin typeface="Arial" panose="020B0604020202020204" pitchFamily="34" charset="0"/>
+                <a:cs typeface="Arial" panose="020B0604020202020204" pitchFamily="34" charset="0"/>
+              </a:rPr>
+              <a:t>Bastion host</a:t>
+            </a:r>
+          </a:p>
+        </p:txBody>
+      </p:sp>
+      <p:sp>
+        <p:nvSpPr>
+          <p:cNvPr id="2" name="Rectangle 1">
             <a:extLst>
               <a:ext uri="{FF2B5EF4-FFF2-40B4-BE49-F238E27FC236}">
-                <a16:creationId xmlns:a16="http://schemas.microsoft.com/office/drawing/2014/main" id="{B533B09F-6AA7-C24C-9AB7-635B6EBAD3B4}"/>
+                <a16:creationId xmlns:a16="http://schemas.microsoft.com/office/drawing/2014/main" id="{2E6160C0-4F01-F649-8C80-FFB3B2EBF7FB}"/>
               </a:ext>
             </a:extLst>
           </p:cNvPr>
@@ -3084,15 +4961,15 @@
         </p:nvSpPr>
         <p:spPr>
           <a:xfrm>
-            <a:off x="9921537" y="2405834"/>
-            <a:ext cx="406622" cy="240604"/>
+            <a:off x="4645539" y="2533826"/>
+            <a:ext cx="1097280" cy="274320"/>
           </a:xfrm>
           <a:prstGeom prst="rect">
             <a:avLst/>
           </a:prstGeom>
         </p:spPr>
         <p:txBody>
-          <a:bodyPr wrap="none">
+          <a:bodyPr wrap="square">
             <a:spAutoFit/>
           </a:bodyPr>
           <a:lstStyle/>
@@ -3110,497 +4987,56 @@
                 <a:latin typeface="Arial" panose="020B0604020202020204" pitchFamily="34" charset="0"/>
                 <a:cs typeface="Arial" panose="020B0604020202020204" pitchFamily="34" charset="0"/>
               </a:rPr>
-              <a:t>EKS</a:t>
-            </a:r>
-          </a:p>
-        </p:txBody>
-      </p:sp>
-      <p:pic>
-        <p:nvPicPr>
-          <p:cNvPr id="94" name="Graphic 32">
+              <a:t>Auto Scaling group</a:t>
+            </a:r>
+          </a:p>
+        </p:txBody>
+      </p:sp>
+      <p:sp>
+        <p:nvSpPr>
+          <p:cNvPr id="49" name="TextBox 48">
             <a:extLst>
               <a:ext uri="{FF2B5EF4-FFF2-40B4-BE49-F238E27FC236}">
-                <a16:creationId xmlns:a16="http://schemas.microsoft.com/office/drawing/2014/main" id="{19A88E7D-5AD6-9B40-94E2-80BC124ADC16}"/>
+                <a16:creationId xmlns:a16="http://schemas.microsoft.com/office/drawing/2014/main" id="{D641D835-C8CA-384B-8BDE-308E55CAE7A2}"/>
               </a:ext>
             </a:extLst>
           </p:cNvPr>
-          <p:cNvPicPr>
-            <a:picLocks noChangeAspect="1" noChangeArrowheads="1"/>
-          </p:cNvPicPr>
+          <p:cNvSpPr txBox="1"/>
           <p:nvPr/>
-        </p:nvPicPr>
-        <p:blipFill>
-          <a:blip r:embed="rId20">
-            <a:extLst>
-              <a:ext uri="{28A0092B-C50C-407E-A947-70E740481C1C}">
-                <a14:useLocalDpi xmlns:a14="http://schemas.microsoft.com/office/drawing/2010/main" val="0"/>
-              </a:ext>
-            </a:extLst>
-          </a:blip>
-          <a:srcRect/>
-          <a:stretch>
-            <a:fillRect/>
-          </a:stretch>
-        </p:blipFill>
-        <p:spPr bwMode="auto">
-          <a:xfrm>
-            <a:off x="9781703" y="2639096"/>
-            <a:ext cx="377521" cy="397128"/>
+        </p:nvSpPr>
+        <p:spPr>
+          <a:xfrm>
+            <a:off x="8456938" y="3840480"/>
+            <a:ext cx="1105109" cy="276999"/>
           </a:xfrm>
           <a:prstGeom prst="rect">
             <a:avLst/>
           </a:prstGeom>
           <a:noFill/>
-          <a:ln>
-            <a:noFill/>
-          </a:ln>
-          <a:extLst>
-            <a:ext uri="{909E8E84-426E-40DD-AFC4-6F175D3DCCD1}">
-              <a14:hiddenFill xmlns:a14="http://schemas.microsoft.com/office/drawing/2010/main">
-                <a:solidFill>
-                  <a:srgbClr val="FFFFFF"/>
-                </a:solidFill>
-              </a14:hiddenFill>
-            </a:ext>
-            <a:ext uri="{91240B29-F687-4F45-9708-019B960494DF}">
-              <a14:hiddenLine xmlns:a14="http://schemas.microsoft.com/office/drawing/2010/main" w="9525">
-                <a:solidFill>
-                  <a:srgbClr val="000000"/>
-                </a:solidFill>
-                <a:miter lim="800000"/>
-                <a:headEnd/>
-                <a:tailEnd/>
-              </a14:hiddenLine>
-            </a:ext>
-          </a:extLst>
-        </p:spPr>
-      </p:pic>
-      <p:pic>
-        <p:nvPicPr>
-          <p:cNvPr id="98" name="Graphic 32">
+        </p:spPr>
+        <p:txBody>
+          <a:bodyPr wrap="square" rtlCol="0" anchor="t">
+            <a:spAutoFit/>
+          </a:bodyPr>
+          <a:lstStyle/>
+          <a:p>
+            <a:pPr algn="ctr"/>
+            <a:r>
+              <a:rPr lang="en-US" sz="1200" dirty="0">
+                <a:latin typeface="Arial" panose="020B0604020202020204" pitchFamily="34" charset="0"/>
+                <a:cs typeface="Arial" panose="020B0604020202020204" pitchFamily="34" charset="0"/>
+              </a:rPr>
+              <a:t>NAT gateway</a:t>
+            </a:r>
+          </a:p>
+        </p:txBody>
+      </p:sp>
+      <p:sp>
+        <p:nvSpPr>
+          <p:cNvPr id="51" name="Rectangle 50">
             <a:extLst>
               <a:ext uri="{FF2B5EF4-FFF2-40B4-BE49-F238E27FC236}">
-                <a16:creationId xmlns:a16="http://schemas.microsoft.com/office/drawing/2014/main" id="{9B72EE0B-587D-254A-83CC-6A8D9F7BE077}"/>
-              </a:ext>
-            </a:extLst>
-          </p:cNvPr>
-          <p:cNvPicPr>
-            <a:picLocks noChangeAspect="1" noChangeArrowheads="1"/>
-          </p:cNvPicPr>
-          <p:nvPr/>
-        </p:nvPicPr>
-        <p:blipFill>
-          <a:blip r:embed="rId20">
-            <a:extLst>
-              <a:ext uri="{28A0092B-C50C-407E-A947-70E740481C1C}">
-                <a14:useLocalDpi xmlns:a14="http://schemas.microsoft.com/office/drawing/2010/main" val="0"/>
-              </a:ext>
-            </a:extLst>
-          </a:blip>
-          <a:srcRect/>
-          <a:stretch>
-            <a:fillRect/>
-          </a:stretch>
-        </p:blipFill>
-        <p:spPr bwMode="auto">
-          <a:xfrm>
-            <a:off x="9969144" y="2717190"/>
-            <a:ext cx="377521" cy="397128"/>
-          </a:xfrm>
-          <a:prstGeom prst="rect">
-            <a:avLst/>
-          </a:prstGeom>
-          <a:noFill/>
-          <a:ln>
-            <a:noFill/>
-          </a:ln>
-          <a:extLst>
-            <a:ext uri="{909E8E84-426E-40DD-AFC4-6F175D3DCCD1}">
-              <a14:hiddenFill xmlns:a14="http://schemas.microsoft.com/office/drawing/2010/main">
-                <a:solidFill>
-                  <a:srgbClr val="FFFFFF"/>
-                </a:solidFill>
-              </a14:hiddenFill>
-            </a:ext>
-            <a:ext uri="{91240B29-F687-4F45-9708-019B960494DF}">
-              <a14:hiddenLine xmlns:a14="http://schemas.microsoft.com/office/drawing/2010/main" w="9525">
-                <a:solidFill>
-                  <a:srgbClr val="000000"/>
-                </a:solidFill>
-                <a:miter lim="800000"/>
-                <a:headEnd/>
-                <a:tailEnd/>
-              </a14:hiddenLine>
-            </a:ext>
-          </a:extLst>
-        </p:spPr>
-      </p:pic>
-      <p:pic>
-        <p:nvPicPr>
-          <p:cNvPr id="99" name="Graphic 32">
-            <a:extLst>
-              <a:ext uri="{FF2B5EF4-FFF2-40B4-BE49-F238E27FC236}">
-                <a16:creationId xmlns:a16="http://schemas.microsoft.com/office/drawing/2014/main" id="{C56FEE31-2A1D-CB41-A4E2-452C605FFE4E}"/>
-              </a:ext>
-            </a:extLst>
-          </p:cNvPr>
-          <p:cNvPicPr>
-            <a:picLocks noChangeAspect="1" noChangeArrowheads="1"/>
-          </p:cNvPicPr>
-          <p:nvPr/>
-        </p:nvPicPr>
-        <p:blipFill>
-          <a:blip r:embed="rId20">
-            <a:extLst>
-              <a:ext uri="{28A0092B-C50C-407E-A947-70E740481C1C}">
-                <a14:useLocalDpi xmlns:a14="http://schemas.microsoft.com/office/drawing/2010/main" val="0"/>
-              </a:ext>
-            </a:extLst>
-          </a:blip>
-          <a:srcRect/>
-          <a:stretch>
-            <a:fillRect/>
-          </a:stretch>
-        </p:blipFill>
-        <p:spPr bwMode="auto">
-          <a:xfrm>
-            <a:off x="10094984" y="2849566"/>
-            <a:ext cx="377521" cy="397128"/>
-          </a:xfrm>
-          <a:prstGeom prst="rect">
-            <a:avLst/>
-          </a:prstGeom>
-          <a:noFill/>
-          <a:ln>
-            <a:noFill/>
-          </a:ln>
-          <a:extLst>
-            <a:ext uri="{909E8E84-426E-40DD-AFC4-6F175D3DCCD1}">
-              <a14:hiddenFill xmlns:a14="http://schemas.microsoft.com/office/drawing/2010/main">
-                <a:solidFill>
-                  <a:srgbClr val="FFFFFF"/>
-                </a:solidFill>
-              </a14:hiddenFill>
-            </a:ext>
-            <a:ext uri="{91240B29-F687-4F45-9708-019B960494DF}">
-              <a14:hiddenLine xmlns:a14="http://schemas.microsoft.com/office/drawing/2010/main" w="9525">
-                <a:solidFill>
-                  <a:srgbClr val="000000"/>
-                </a:solidFill>
-                <a:miter lim="800000"/>
-                <a:headEnd/>
-                <a:tailEnd/>
-              </a14:hiddenLine>
-            </a:ext>
-          </a:extLst>
-        </p:spPr>
-      </p:pic>
-      <p:pic>
-        <p:nvPicPr>
-          <p:cNvPr id="100" name="Graphic 32">
-            <a:extLst>
-              <a:ext uri="{FF2B5EF4-FFF2-40B4-BE49-F238E27FC236}">
-                <a16:creationId xmlns:a16="http://schemas.microsoft.com/office/drawing/2014/main" id="{48FE7A5B-5098-7B46-9D8F-449B0A13E286}"/>
-              </a:ext>
-            </a:extLst>
-          </p:cNvPr>
-          <p:cNvPicPr>
-            <a:picLocks noChangeAspect="1" noChangeArrowheads="1"/>
-          </p:cNvPicPr>
-          <p:nvPr/>
-        </p:nvPicPr>
-        <p:blipFill>
-          <a:blip r:embed="rId20">
-            <a:extLst>
-              <a:ext uri="{28A0092B-C50C-407E-A947-70E740481C1C}">
-                <a14:useLocalDpi xmlns:a14="http://schemas.microsoft.com/office/drawing/2010/main" val="0"/>
-              </a:ext>
-            </a:extLst>
-          </a:blip>
-          <a:srcRect/>
-          <a:stretch>
-            <a:fillRect/>
-          </a:stretch>
-        </p:blipFill>
-        <p:spPr bwMode="auto">
-          <a:xfrm>
-            <a:off x="10220824" y="2981942"/>
-            <a:ext cx="377521" cy="397128"/>
-          </a:xfrm>
-          <a:prstGeom prst="rect">
-            <a:avLst/>
-          </a:prstGeom>
-          <a:noFill/>
-          <a:ln>
-            <a:noFill/>
-          </a:ln>
-          <a:extLst>
-            <a:ext uri="{909E8E84-426E-40DD-AFC4-6F175D3DCCD1}">
-              <a14:hiddenFill xmlns:a14="http://schemas.microsoft.com/office/drawing/2010/main">
-                <a:solidFill>
-                  <a:srgbClr val="FFFFFF"/>
-                </a:solidFill>
-              </a14:hiddenFill>
-            </a:ext>
-            <a:ext uri="{91240B29-F687-4F45-9708-019B960494DF}">
-              <a14:hiddenLine xmlns:a14="http://schemas.microsoft.com/office/drawing/2010/main" w="9525">
-                <a:solidFill>
-                  <a:srgbClr val="000000"/>
-                </a:solidFill>
-                <a:miter lim="800000"/>
-                <a:headEnd/>
-                <a:tailEnd/>
-              </a14:hiddenLine>
-            </a:ext>
-          </a:extLst>
-        </p:spPr>
-      </p:pic>
-      <p:pic>
-        <p:nvPicPr>
-          <p:cNvPr id="101" name="Graphic 32">
-            <a:extLst>
-              <a:ext uri="{FF2B5EF4-FFF2-40B4-BE49-F238E27FC236}">
-                <a16:creationId xmlns:a16="http://schemas.microsoft.com/office/drawing/2014/main" id="{D4BDA85D-7262-C744-A0BB-96FB9206FE09}"/>
-              </a:ext>
-            </a:extLst>
-          </p:cNvPr>
-          <p:cNvPicPr>
-            <a:picLocks noChangeAspect="1" noChangeArrowheads="1"/>
-          </p:cNvPicPr>
-          <p:nvPr/>
-        </p:nvPicPr>
-        <p:blipFill>
-          <a:blip r:embed="rId20">
-            <a:extLst>
-              <a:ext uri="{28A0092B-C50C-407E-A947-70E740481C1C}">
-                <a14:useLocalDpi xmlns:a14="http://schemas.microsoft.com/office/drawing/2010/main" val="0"/>
-              </a:ext>
-            </a:extLst>
-          </a:blip>
-          <a:srcRect/>
-          <a:stretch>
-            <a:fillRect/>
-          </a:stretch>
-        </p:blipFill>
-        <p:spPr bwMode="auto">
-          <a:xfrm>
-            <a:off x="9753431" y="3379070"/>
-            <a:ext cx="377521" cy="397128"/>
-          </a:xfrm>
-          <a:prstGeom prst="rect">
-            <a:avLst/>
-          </a:prstGeom>
-          <a:noFill/>
-          <a:ln>
-            <a:noFill/>
-          </a:ln>
-          <a:extLst>
-            <a:ext uri="{909E8E84-426E-40DD-AFC4-6F175D3DCCD1}">
-              <a14:hiddenFill xmlns:a14="http://schemas.microsoft.com/office/drawing/2010/main">
-                <a:solidFill>
-                  <a:srgbClr val="FFFFFF"/>
-                </a:solidFill>
-              </a14:hiddenFill>
-            </a:ext>
-            <a:ext uri="{91240B29-F687-4F45-9708-019B960494DF}">
-              <a14:hiddenLine xmlns:a14="http://schemas.microsoft.com/office/drawing/2010/main" w="9525">
-                <a:solidFill>
-                  <a:srgbClr val="000000"/>
-                </a:solidFill>
-                <a:miter lim="800000"/>
-                <a:headEnd/>
-                <a:tailEnd/>
-              </a14:hiddenLine>
-            </a:ext>
-          </a:extLst>
-        </p:spPr>
-      </p:pic>
-      <p:pic>
-        <p:nvPicPr>
-          <p:cNvPr id="102" name="Graphic 32">
-            <a:extLst>
-              <a:ext uri="{FF2B5EF4-FFF2-40B4-BE49-F238E27FC236}">
-                <a16:creationId xmlns:a16="http://schemas.microsoft.com/office/drawing/2014/main" id="{F646A408-15DF-B445-9A13-8C026D55FA4F}"/>
-              </a:ext>
-            </a:extLst>
-          </p:cNvPr>
-          <p:cNvPicPr>
-            <a:picLocks noChangeAspect="1" noChangeArrowheads="1"/>
-          </p:cNvPicPr>
-          <p:nvPr/>
-        </p:nvPicPr>
-        <p:blipFill>
-          <a:blip r:embed="rId20">
-            <a:extLst>
-              <a:ext uri="{28A0092B-C50C-407E-A947-70E740481C1C}">
-                <a14:useLocalDpi xmlns:a14="http://schemas.microsoft.com/office/drawing/2010/main" val="0"/>
-              </a:ext>
-            </a:extLst>
-          </a:blip>
-          <a:srcRect/>
-          <a:stretch>
-            <a:fillRect/>
-          </a:stretch>
-        </p:blipFill>
-        <p:spPr bwMode="auto">
-          <a:xfrm>
-            <a:off x="9859961" y="3488176"/>
-            <a:ext cx="377521" cy="397128"/>
-          </a:xfrm>
-          <a:prstGeom prst="rect">
-            <a:avLst/>
-          </a:prstGeom>
-          <a:noFill/>
-          <a:ln>
-            <a:noFill/>
-          </a:ln>
-          <a:extLst>
-            <a:ext uri="{909E8E84-426E-40DD-AFC4-6F175D3DCCD1}">
-              <a14:hiddenFill xmlns:a14="http://schemas.microsoft.com/office/drawing/2010/main">
-                <a:solidFill>
-                  <a:srgbClr val="FFFFFF"/>
-                </a:solidFill>
-              </a14:hiddenFill>
-            </a:ext>
-            <a:ext uri="{91240B29-F687-4F45-9708-019B960494DF}">
-              <a14:hiddenLine xmlns:a14="http://schemas.microsoft.com/office/drawing/2010/main" w="9525">
-                <a:solidFill>
-                  <a:srgbClr val="000000"/>
-                </a:solidFill>
-                <a:miter lim="800000"/>
-                <a:headEnd/>
-                <a:tailEnd/>
-              </a14:hiddenLine>
-            </a:ext>
-          </a:extLst>
-        </p:spPr>
-      </p:pic>
-      <p:pic>
-        <p:nvPicPr>
-          <p:cNvPr id="103" name="Graphic 32">
-            <a:extLst>
-              <a:ext uri="{FF2B5EF4-FFF2-40B4-BE49-F238E27FC236}">
-                <a16:creationId xmlns:a16="http://schemas.microsoft.com/office/drawing/2014/main" id="{22561D4C-F7F0-4B4A-BB00-6A518A8F9BD3}"/>
-              </a:ext>
-            </a:extLst>
-          </p:cNvPr>
-          <p:cNvPicPr>
-            <a:picLocks noChangeAspect="1" noChangeArrowheads="1"/>
-          </p:cNvPicPr>
-          <p:nvPr/>
-        </p:nvPicPr>
-        <p:blipFill>
-          <a:blip r:embed="rId20">
-            <a:extLst>
-              <a:ext uri="{28A0092B-C50C-407E-A947-70E740481C1C}">
-                <a14:useLocalDpi xmlns:a14="http://schemas.microsoft.com/office/drawing/2010/main" val="0"/>
-              </a:ext>
-            </a:extLst>
-          </a:blip>
-          <a:srcRect/>
-          <a:stretch>
-            <a:fillRect/>
-          </a:stretch>
-        </p:blipFill>
-        <p:spPr bwMode="auto">
-          <a:xfrm>
-            <a:off x="9979202" y="3609521"/>
-            <a:ext cx="377521" cy="397128"/>
-          </a:xfrm>
-          <a:prstGeom prst="rect">
-            <a:avLst/>
-          </a:prstGeom>
-          <a:noFill/>
-          <a:ln>
-            <a:noFill/>
-          </a:ln>
-          <a:extLst>
-            <a:ext uri="{909E8E84-426E-40DD-AFC4-6F175D3DCCD1}">
-              <a14:hiddenFill xmlns:a14="http://schemas.microsoft.com/office/drawing/2010/main">
-                <a:solidFill>
-                  <a:srgbClr val="FFFFFF"/>
-                </a:solidFill>
-              </a14:hiddenFill>
-            </a:ext>
-            <a:ext uri="{91240B29-F687-4F45-9708-019B960494DF}">
-              <a14:hiddenLine xmlns:a14="http://schemas.microsoft.com/office/drawing/2010/main" w="9525">
-                <a:solidFill>
-                  <a:srgbClr val="000000"/>
-                </a:solidFill>
-                <a:miter lim="800000"/>
-                <a:headEnd/>
-                <a:tailEnd/>
-              </a14:hiddenLine>
-            </a:ext>
-          </a:extLst>
-        </p:spPr>
-      </p:pic>
-      <p:pic>
-        <p:nvPicPr>
-          <p:cNvPr id="104" name="Graphic 32">
-            <a:extLst>
-              <a:ext uri="{FF2B5EF4-FFF2-40B4-BE49-F238E27FC236}">
-                <a16:creationId xmlns:a16="http://schemas.microsoft.com/office/drawing/2014/main" id="{237980AF-7A15-614A-959F-EEC8CE239215}"/>
-              </a:ext>
-            </a:extLst>
-          </p:cNvPr>
-          <p:cNvPicPr>
-            <a:picLocks noChangeAspect="1" noChangeArrowheads="1"/>
-          </p:cNvPicPr>
-          <p:nvPr/>
-        </p:nvPicPr>
-        <p:blipFill>
-          <a:blip r:embed="rId20">
-            <a:extLst>
-              <a:ext uri="{28A0092B-C50C-407E-A947-70E740481C1C}">
-                <a14:useLocalDpi xmlns:a14="http://schemas.microsoft.com/office/drawing/2010/main" val="0"/>
-              </a:ext>
-            </a:extLst>
-          </a:blip>
-          <a:srcRect/>
-          <a:stretch>
-            <a:fillRect/>
-          </a:stretch>
-        </p:blipFill>
-        <p:spPr bwMode="auto">
-          <a:xfrm>
-            <a:off x="10207211" y="3673765"/>
-            <a:ext cx="377521" cy="397128"/>
-          </a:xfrm>
-          <a:prstGeom prst="rect">
-            <a:avLst/>
-          </a:prstGeom>
-          <a:noFill/>
-          <a:ln>
-            <a:noFill/>
-          </a:ln>
-          <a:extLst>
-            <a:ext uri="{909E8E84-426E-40DD-AFC4-6F175D3DCCD1}">
-              <a14:hiddenFill xmlns:a14="http://schemas.microsoft.com/office/drawing/2010/main">
-                <a:solidFill>
-                  <a:srgbClr val="FFFFFF"/>
-                </a:solidFill>
-              </a14:hiddenFill>
-            </a:ext>
-            <a:ext uri="{91240B29-F687-4F45-9708-019B960494DF}">
-              <a14:hiddenLine xmlns:a14="http://schemas.microsoft.com/office/drawing/2010/main" w="9525">
-                <a:solidFill>
-                  <a:srgbClr val="000000"/>
-                </a:solidFill>
-                <a:miter lim="800000"/>
-                <a:headEnd/>
-                <a:tailEnd/>
-              </a14:hiddenLine>
-            </a:ext>
-          </a:extLst>
-        </p:spPr>
-      </p:pic>
-      <p:sp>
-        <p:nvSpPr>
-          <p:cNvPr id="105" name="Rectangle 104">
-            <a:extLst>
-              <a:ext uri="{FF2B5EF4-FFF2-40B4-BE49-F238E27FC236}">
-                <a16:creationId xmlns:a16="http://schemas.microsoft.com/office/drawing/2014/main" id="{3CEB77A6-A289-6F40-924C-8EEBF0C89D5C}"/>
+                <a16:creationId xmlns:a16="http://schemas.microsoft.com/office/drawing/2014/main" id="{BF6B48A6-DDE8-D04D-89FD-3DB40E4117A1}"/>
               </a:ext>
             </a:extLst>
           </p:cNvPr>
@@ -3609,8 +5045,53 @@
         </p:nvSpPr>
         <p:spPr>
           <a:xfrm>
-            <a:off x="9736676" y="2652480"/>
-            <a:ext cx="861668" cy="2124535"/>
+            <a:off x="4634656" y="5135056"/>
+            <a:ext cx="1097280" cy="274320"/>
+          </a:xfrm>
+          <a:prstGeom prst="rect">
+            <a:avLst/>
+          </a:prstGeom>
+        </p:spPr>
+        <p:txBody>
+          <a:bodyPr wrap="square">
+            <a:spAutoFit/>
+          </a:bodyPr>
+          <a:lstStyle/>
+          <a:p>
+            <a:pPr algn="ctr">
+              <a:tabLst>
+                <a:tab pos="3475038" algn="l"/>
+              </a:tabLst>
+            </a:pPr>
+            <a:r>
+              <a:rPr lang="en-US" sz="1200" dirty="0">
+                <a:solidFill>
+                  <a:srgbClr val="D86613"/>
+                </a:solidFill>
+                <a:latin typeface="Arial" panose="020B0604020202020204" pitchFamily="34" charset="0"/>
+                <a:cs typeface="Arial" panose="020B0604020202020204" pitchFamily="34" charset="0"/>
+              </a:rPr>
+              <a:t>Auto Scaling group</a:t>
+            </a:r>
+          </a:p>
+        </p:txBody>
+      </p:sp>
+      <p:sp>
+        <p:nvSpPr>
+          <p:cNvPr id="88" name="Rectangle 87">
+            <a:extLst>
+              <a:ext uri="{FF2B5EF4-FFF2-40B4-BE49-F238E27FC236}">
+                <a16:creationId xmlns:a16="http://schemas.microsoft.com/office/drawing/2014/main" id="{9FEC18E7-6FA3-2A4F-A9FA-2CA792661543}"/>
+              </a:ext>
+            </a:extLst>
+          </p:cNvPr>
+          <p:cNvSpPr/>
+          <p:nvPr/>
+        </p:nvSpPr>
+        <p:spPr>
+          <a:xfrm>
+            <a:off x="2926080" y="4754880"/>
+            <a:ext cx="6766560" cy="1005840"/>
           </a:xfrm>
           <a:prstGeom prst="rect">
             <a:avLst/>
@@ -3679,8 +5160,8 @@
         </p:nvSpPr>
         <p:spPr>
           <a:xfrm>
-            <a:off x="9669900" y="4137464"/>
-            <a:ext cx="921984" cy="401007"/>
+            <a:off x="10332720" y="5120640"/>
+            <a:ext cx="921984" cy="461665"/>
           </a:xfrm>
           <a:prstGeom prst="rect">
             <a:avLst/>
@@ -3695,12 +5176,16 @@
           <a:p>
             <a:pPr algn="ctr"/>
             <a:r>
-              <a:rPr lang="en-US" sz="1200" dirty="0">
+              <a:rPr lang="en-US" sz="1200" smtClean="0">
                 <a:latin typeface="Arial" panose="020B0604020202020204" pitchFamily="34" charset="0"/>
                 <a:cs typeface="Arial" panose="020B0604020202020204" pitchFamily="34" charset="0"/>
               </a:rPr>
-              <a:t>Armory Operator</a:t>
-            </a:r>
+              <a:t>Armory container</a:t>
+            </a:r>
+            <a:endParaRPr lang="en-US" sz="1200" dirty="0">
+              <a:latin typeface="Arial" panose="020B0604020202020204" pitchFamily="34" charset="0"/>
+              <a:cs typeface="Arial" panose="020B0604020202020204" pitchFamily="34" charset="0"/>
+            </a:endParaRPr>
           </a:p>
         </p:txBody>
       </p:sp>
@@ -3718,8 +5203,8 @@
         </p:nvSpPr>
         <p:spPr>
           <a:xfrm>
-            <a:off x="2734018" y="4399934"/>
-            <a:ext cx="966992" cy="461665"/>
+            <a:off x="2926080" y="5394960"/>
+            <a:ext cx="1440910" cy="276999"/>
           </a:xfrm>
           <a:prstGeom prst="rect">
             <a:avLst/>
@@ -3757,8 +5242,8 @@
         </p:nvSpPr>
         <p:spPr>
           <a:xfrm>
-            <a:off x="5330061" y="4457633"/>
-            <a:ext cx="988963" cy="461665"/>
+            <a:off x="6035040" y="5394960"/>
+            <a:ext cx="1478121" cy="276999"/>
           </a:xfrm>
           <a:prstGeom prst="rect">
             <a:avLst/>
@@ -3796,8 +5281,8 @@
         </p:nvSpPr>
         <p:spPr>
           <a:xfrm>
-            <a:off x="7790478" y="4457632"/>
-            <a:ext cx="998317" cy="461665"/>
+            <a:off x="8229600" y="5394960"/>
+            <a:ext cx="1526302" cy="276999"/>
           </a:xfrm>
           <a:prstGeom prst="rect">
             <a:avLst/>
@@ -3821,194 +5306,2327 @@
           </a:p>
         </p:txBody>
       </p:sp>
-      <p:grpSp>
-        <p:nvGrpSpPr>
-          <p:cNvPr id="10" name="Group 9">
+      <p:pic>
+        <p:nvPicPr>
+          <p:cNvPr id="72" name="Graphic 8">
             <a:extLst>
               <a:ext uri="{FF2B5EF4-FFF2-40B4-BE49-F238E27FC236}">
-                <a16:creationId xmlns:a16="http://schemas.microsoft.com/office/drawing/2014/main" id="{2664A628-070C-164D-B47F-78537FDEA311}"/>
+                <a16:creationId xmlns:a16="http://schemas.microsoft.com/office/drawing/2014/main" id="{0D4A9B47-8231-EF4D-B9AB-A3D9E4B81350}"/>
               </a:ext>
             </a:extLst>
           </p:cNvPr>
-          <p:cNvGrpSpPr/>
+          <p:cNvPicPr>
+            <a:picLocks noChangeAspect="1" noChangeArrowheads="1"/>
+          </p:cNvPicPr>
           <p:nvPr/>
-        </p:nvGrpSpPr>
-        <p:grpSpPr>
-          <a:xfrm>
-            <a:off x="699858" y="2333779"/>
-            <a:ext cx="546945" cy="480407"/>
-            <a:chOff x="716581" y="2165052"/>
-            <a:chExt cx="546945" cy="480407"/>
-          </a:xfrm>
-        </p:grpSpPr>
-        <p:sp>
-          <p:nvSpPr>
-            <p:cNvPr id="5" name="TextBox 4">
-              <a:extLst>
-                <a:ext uri="{FF2B5EF4-FFF2-40B4-BE49-F238E27FC236}">
-                  <a16:creationId xmlns:a16="http://schemas.microsoft.com/office/drawing/2014/main" id="{FDE6204F-2704-EE4D-97FF-B28D614324A3}"/>
-                </a:ext>
-              </a:extLst>
-            </p:cNvPr>
-            <p:cNvSpPr txBox="1"/>
-            <p:nvPr/>
-          </p:nvSpPr>
-          <p:spPr>
-            <a:xfrm>
-              <a:off x="716581" y="2399238"/>
-              <a:ext cx="546945" cy="246221"/>
-            </a:xfrm>
-            <a:prstGeom prst="rect">
-              <a:avLst/>
-            </a:prstGeom>
+        </p:nvPicPr>
+        <p:blipFill>
+          <a:blip r:embed="rId2">
+            <a:extLst>
+              <a:ext uri="{28A0092B-C50C-407E-A947-70E740481C1C}">
+                <a14:useLocalDpi xmlns:a14="http://schemas.microsoft.com/office/drawing/2010/main" val="0"/>
+              </a:ext>
+            </a:extLst>
+          </a:blip>
+          <a:srcRect/>
+          <a:stretch>
+            <a:fillRect/>
+          </a:stretch>
+        </p:blipFill>
+        <p:spPr bwMode="auto">
+          <a:xfrm>
+            <a:off x="10424160" y="3291840"/>
+            <a:ext cx="762000" cy="762000"/>
+          </a:xfrm>
+          <a:prstGeom prst="rect">
+            <a:avLst/>
+          </a:prstGeom>
+          <a:noFill/>
+          <a:ln>
             <a:noFill/>
-          </p:spPr>
-          <p:txBody>
-            <a:bodyPr wrap="none" rtlCol="0">
-              <a:spAutoFit/>
-            </a:bodyPr>
-            <a:lstStyle/>
-            <a:p>
-              <a:r>
-                <a:rPr lang="en-US" sz="1000" dirty="0"/>
-                <a:t>Admin</a:t>
-              </a:r>
-            </a:p>
-          </p:txBody>
-        </p:sp>
-        <p:pic>
-          <p:nvPicPr>
-            <p:cNvPr id="6" name="Picture 5">
-              <a:extLst>
-                <a:ext uri="{FF2B5EF4-FFF2-40B4-BE49-F238E27FC236}">
-                  <a16:creationId xmlns:a16="http://schemas.microsoft.com/office/drawing/2014/main" id="{55111CB9-9F90-E745-BB6D-3BFF6A5F70BF}"/>
-                </a:ext>
-              </a:extLst>
-            </p:cNvPr>
-            <p:cNvPicPr>
-              <a:picLocks noChangeAspect="1"/>
-            </p:cNvPicPr>
-            <p:nvPr/>
-          </p:nvPicPr>
-          <p:blipFill>
-            <a:blip r:embed="rId21"/>
-            <a:stretch>
-              <a:fillRect/>
-            </a:stretch>
-          </p:blipFill>
-          <p:spPr>
-            <a:xfrm>
-              <a:off x="855388" y="2165052"/>
-              <a:ext cx="279400" cy="241300"/>
-            </a:xfrm>
-            <a:prstGeom prst="rect">
-              <a:avLst/>
-            </a:prstGeom>
-          </p:spPr>
-        </p:pic>
-      </p:grpSp>
-      <p:grpSp>
-        <p:nvGrpSpPr>
-          <p:cNvPr id="11" name="Group 10">
+          </a:ln>
+          <a:extLst>
+            <a:ext uri="{909E8E84-426E-40DD-AFC4-6F175D3DCCD1}">
+              <a14:hiddenFill xmlns:a14="http://schemas.microsoft.com/office/drawing/2010/main">
+                <a:solidFill>
+                  <a:srgbClr val="FFFFFF"/>
+                </a:solidFill>
+              </a14:hiddenFill>
+            </a:ext>
+            <a:ext uri="{91240B29-F687-4F45-9708-019B960494DF}">
+              <a14:hiddenLine xmlns:a14="http://schemas.microsoft.com/office/drawing/2010/main" w="9525">
+                <a:solidFill>
+                  <a:srgbClr val="000000"/>
+                </a:solidFill>
+                <a:miter lim="800000"/>
+                <a:headEnd/>
+                <a:tailEnd/>
+              </a14:hiddenLine>
+            </a:ext>
+          </a:extLst>
+        </p:spPr>
+      </p:pic>
+      <p:sp>
+        <p:nvSpPr>
+          <p:cNvPr id="73" name="TextBox 9">
             <a:extLst>
               <a:ext uri="{FF2B5EF4-FFF2-40B4-BE49-F238E27FC236}">
-                <a16:creationId xmlns:a16="http://schemas.microsoft.com/office/drawing/2014/main" id="{98AA42CD-1B81-A641-91EC-8E0EFA509827}"/>
+                <a16:creationId xmlns:a16="http://schemas.microsoft.com/office/drawing/2014/main" id="{5B6C5DC4-5A01-E14D-BEE5-909FCF8B05F2}"/>
               </a:ext>
             </a:extLst>
           </p:cNvPr>
-          <p:cNvGrpSpPr/>
+          <p:cNvSpPr txBox="1">
+            <a:spLocks noChangeArrowheads="1"/>
+          </p:cNvSpPr>
           <p:nvPr/>
-        </p:nvGrpSpPr>
-        <p:grpSpPr>
-          <a:xfrm>
-            <a:off x="711261" y="4160433"/>
-            <a:ext cx="519694" cy="476520"/>
-            <a:chOff x="743504" y="3431636"/>
-            <a:chExt cx="519694" cy="476520"/>
-          </a:xfrm>
-        </p:grpSpPr>
-        <p:pic>
-          <p:nvPicPr>
-            <p:cNvPr id="7" name="Picture 6">
-              <a:extLst>
-                <a:ext uri="{FF2B5EF4-FFF2-40B4-BE49-F238E27FC236}">
-                  <a16:creationId xmlns:a16="http://schemas.microsoft.com/office/drawing/2014/main" id="{A0D96006-F265-5747-9FAB-E357694A5CFB}"/>
-                </a:ext>
-              </a:extLst>
-            </p:cNvPr>
-            <p:cNvPicPr>
-              <a:picLocks noChangeAspect="1"/>
-            </p:cNvPicPr>
-            <p:nvPr/>
-          </p:nvPicPr>
-          <p:blipFill>
-            <a:blip r:embed="rId22"/>
-            <a:stretch>
-              <a:fillRect/>
-            </a:stretch>
-          </p:blipFill>
-          <p:spPr>
-            <a:xfrm>
-              <a:off x="855388" y="3431636"/>
-              <a:ext cx="254000" cy="215900"/>
-            </a:xfrm>
-            <a:prstGeom prst="rect">
-              <a:avLst/>
-            </a:prstGeom>
-          </p:spPr>
-        </p:pic>
-        <p:sp>
-          <p:nvSpPr>
-            <p:cNvPr id="69" name="TextBox 68">
-              <a:extLst>
-                <a:ext uri="{FF2B5EF4-FFF2-40B4-BE49-F238E27FC236}">
-                  <a16:creationId xmlns:a16="http://schemas.microsoft.com/office/drawing/2014/main" id="{147C68EF-8ECD-FE43-8A2B-2B3C4DDCE9F7}"/>
-                </a:ext>
-              </a:extLst>
-            </p:cNvPr>
-            <p:cNvSpPr txBox="1"/>
-            <p:nvPr/>
-          </p:nvSpPr>
-          <p:spPr>
-            <a:xfrm>
-              <a:off x="743504" y="3661935"/>
-              <a:ext cx="519694" cy="246221"/>
-            </a:xfrm>
-            <a:prstGeom prst="rect">
-              <a:avLst/>
-            </a:prstGeom>
+        </p:nvSpPr>
+        <p:spPr bwMode="auto">
+          <a:xfrm>
+            <a:off x="10259189" y="4114800"/>
+            <a:ext cx="1069991" cy="276999"/>
+          </a:xfrm>
+          <a:prstGeom prst="rect">
+            <a:avLst/>
+          </a:prstGeom>
+          <a:noFill/>
+          <a:ln>
             <a:noFill/>
-          </p:spPr>
-          <p:txBody>
-            <a:bodyPr wrap="none" rtlCol="0">
-              <a:spAutoFit/>
-            </a:bodyPr>
-            <a:lstStyle/>
-            <a:p>
-              <a:r>
-                <a:rPr lang="en-US" sz="1000" dirty="0"/>
-                <a:t>Users</a:t>
-              </a:r>
-            </a:p>
-          </p:txBody>
-        </p:sp>
-      </p:grpSp>
-      <p:cxnSp>
-        <p:nvCxnSpPr>
-          <p:cNvPr id="13" name="Straight Arrow Connector 12">
+          </a:ln>
+          <a:extLst>
+            <a:ext uri="{909E8E84-426E-40DD-AFC4-6F175D3DCCD1}">
+              <a14:hiddenFill xmlns:a14="http://schemas.microsoft.com/office/drawing/2010/main">
+                <a:solidFill>
+                  <a:srgbClr val="FFFFFF"/>
+                </a:solidFill>
+              </a14:hiddenFill>
+            </a:ext>
+            <a:ext uri="{91240B29-F687-4F45-9708-019B960494DF}">
+              <a14:hiddenLine xmlns:a14="http://schemas.microsoft.com/office/drawing/2010/main" w="9525">
+                <a:solidFill>
+                  <a:srgbClr val="000000"/>
+                </a:solidFill>
+                <a:miter lim="800000"/>
+                <a:headEnd/>
+                <a:tailEnd/>
+              </a14:hiddenLine>
+            </a:ext>
+          </a:extLst>
+        </p:spPr>
+        <p:txBody>
+          <a:bodyPr wrap="square">
+            <a:spAutoFit/>
+          </a:bodyPr>
+          <a:lstStyle>
+            <a:lvl1pPr>
+              <a:defRPr>
+                <a:solidFill>
+                  <a:schemeClr val="tx1"/>
+                </a:solidFill>
+                <a:latin typeface="Calibri" panose="020F0502020204030204" pitchFamily="34" charset="0"/>
+              </a:defRPr>
+            </a:lvl1pPr>
+            <a:lvl2pPr marL="742950" indent="-285750">
+              <a:defRPr>
+                <a:solidFill>
+                  <a:schemeClr val="tx1"/>
+                </a:solidFill>
+                <a:latin typeface="Calibri" panose="020F0502020204030204" pitchFamily="34" charset="0"/>
+              </a:defRPr>
+            </a:lvl2pPr>
+            <a:lvl3pPr marL="1143000" indent="-228600">
+              <a:defRPr>
+                <a:solidFill>
+                  <a:schemeClr val="tx1"/>
+                </a:solidFill>
+                <a:latin typeface="Calibri" panose="020F0502020204030204" pitchFamily="34" charset="0"/>
+              </a:defRPr>
+            </a:lvl3pPr>
+            <a:lvl4pPr marL="1600200" indent="-228600">
+              <a:defRPr>
+                <a:solidFill>
+                  <a:schemeClr val="tx1"/>
+                </a:solidFill>
+                <a:latin typeface="Calibri" panose="020F0502020204030204" pitchFamily="34" charset="0"/>
+              </a:defRPr>
+            </a:lvl4pPr>
+            <a:lvl5pPr marL="2057400" indent="-228600">
+              <a:defRPr>
+                <a:solidFill>
+                  <a:schemeClr val="tx1"/>
+                </a:solidFill>
+                <a:latin typeface="Calibri" panose="020F0502020204030204" pitchFamily="34" charset="0"/>
+              </a:defRPr>
+            </a:lvl5pPr>
+            <a:lvl6pPr marL="2514600" indent="-228600" eaLnBrk="0" fontAlgn="base" hangingPunct="0">
+              <a:spcBef>
+                <a:spcPct val="0"/>
+              </a:spcBef>
+              <a:spcAft>
+                <a:spcPct val="0"/>
+              </a:spcAft>
+              <a:defRPr>
+                <a:solidFill>
+                  <a:schemeClr val="tx1"/>
+                </a:solidFill>
+                <a:latin typeface="Calibri" panose="020F0502020204030204" pitchFamily="34" charset="0"/>
+              </a:defRPr>
+            </a:lvl6pPr>
+            <a:lvl7pPr marL="2971800" indent="-228600" eaLnBrk="0" fontAlgn="base" hangingPunct="0">
+              <a:spcBef>
+                <a:spcPct val="0"/>
+              </a:spcBef>
+              <a:spcAft>
+                <a:spcPct val="0"/>
+              </a:spcAft>
+              <a:defRPr>
+                <a:solidFill>
+                  <a:schemeClr val="tx1"/>
+                </a:solidFill>
+                <a:latin typeface="Calibri" panose="020F0502020204030204" pitchFamily="34" charset="0"/>
+              </a:defRPr>
+            </a:lvl7pPr>
+            <a:lvl8pPr marL="3429000" indent="-228600" eaLnBrk="0" fontAlgn="base" hangingPunct="0">
+              <a:spcBef>
+                <a:spcPct val="0"/>
+              </a:spcBef>
+              <a:spcAft>
+                <a:spcPct val="0"/>
+              </a:spcAft>
+              <a:defRPr>
+                <a:solidFill>
+                  <a:schemeClr val="tx1"/>
+                </a:solidFill>
+                <a:latin typeface="Calibri" panose="020F0502020204030204" pitchFamily="34" charset="0"/>
+              </a:defRPr>
+            </a:lvl8pPr>
+            <a:lvl9pPr marL="3886200" indent="-228600" eaLnBrk="0" fontAlgn="base" hangingPunct="0">
+              <a:spcBef>
+                <a:spcPct val="0"/>
+              </a:spcBef>
+              <a:spcAft>
+                <a:spcPct val="0"/>
+              </a:spcAft>
+              <a:defRPr>
+                <a:solidFill>
+                  <a:schemeClr val="tx1"/>
+                </a:solidFill>
+                <a:latin typeface="Calibri" panose="020F0502020204030204" pitchFamily="34" charset="0"/>
+              </a:defRPr>
+            </a:lvl9pPr>
+          </a:lstStyle>
+          <a:p>
+            <a:pPr algn="ctr" eaLnBrk="1" hangingPunct="1"/>
+            <a:r>
+              <a:rPr lang="en-US" altLang="en-US" sz="1200" smtClean="0">
+                <a:latin typeface="Arial" panose="020B0604020202020204" pitchFamily="34" charset="0"/>
+                <a:ea typeface="Amazon Ember" panose="020B0603020204020204" pitchFamily="34" charset="0"/>
+                <a:cs typeface="Arial" panose="020B0604020202020204" pitchFamily="34" charset="0"/>
+              </a:rPr>
+              <a:t>Amazon S3</a:t>
+            </a:r>
+            <a:endParaRPr lang="en-US" altLang="en-US" sz="1200" dirty="0">
+              <a:latin typeface="Arial" panose="020B0604020202020204" pitchFamily="34" charset="0"/>
+              <a:ea typeface="Amazon Ember" panose="020B0603020204020204" pitchFamily="34" charset="0"/>
+              <a:cs typeface="Arial" panose="020B0604020202020204" pitchFamily="34" charset="0"/>
+            </a:endParaRPr>
+          </a:p>
+        </p:txBody>
+      </p:sp>
+      <p:pic>
+        <p:nvPicPr>
+          <p:cNvPr id="74" name="Graphic 22">
             <a:extLst>
               <a:ext uri="{FF2B5EF4-FFF2-40B4-BE49-F238E27FC236}">
-                <a16:creationId xmlns:a16="http://schemas.microsoft.com/office/drawing/2014/main" id="{ACB6FAAD-6254-BF46-A939-C50182ACE927}"/>
+                <a16:creationId xmlns:a16="http://schemas.microsoft.com/office/drawing/2014/main" id="{8ABF4DC3-21DD-F148-976A-E2C78367A386}"/>
               </a:ext>
             </a:extLst>
           </p:cNvPr>
-          <p:cNvCxnSpPr/>
+          <p:cNvPicPr>
+            <a:picLocks noChangeAspect="1" noChangeArrowheads="1"/>
+          </p:cNvPicPr>
+          <p:nvPr/>
+        </p:nvPicPr>
+        <p:blipFill>
+          <a:blip r:embed="rId3">
+            <a:extLst>
+              <a:ext uri="{96DAC541-7B7A-43D3-8B79-37D633B846F1}">
+                <asvg:svgBlip xmlns:asvg="http://schemas.microsoft.com/office/drawing/2016/SVG/main" xmlns="" r:embed="rId20"/>
+              </a:ext>
+            </a:extLst>
+          </a:blip>
+          <a:srcRect/>
+          <a:stretch/>
+        </p:blipFill>
+        <p:spPr bwMode="auto">
+          <a:xfrm>
+            <a:off x="1061030" y="2462103"/>
+            <a:ext cx="469900" cy="469900"/>
+          </a:xfrm>
+          <a:prstGeom prst="rect">
+            <a:avLst/>
+          </a:prstGeom>
+          <a:noFill/>
+          <a:ln>
+            <a:noFill/>
+          </a:ln>
+          <a:extLst>
+            <a:ext uri="{909E8E84-426E-40DD-AFC4-6F175D3DCCD1}">
+              <a14:hiddenFill xmlns:a14="http://schemas.microsoft.com/office/drawing/2010/main">
+                <a:solidFill>
+                  <a:srgbClr val="FFFFFF"/>
+                </a:solidFill>
+              </a14:hiddenFill>
+            </a:ext>
+            <a:ext uri="{91240B29-F687-4F45-9708-019B960494DF}">
+              <a14:hiddenLine xmlns:a14="http://schemas.microsoft.com/office/drawing/2010/main" w="9525">
+                <a:solidFill>
+                  <a:srgbClr val="000000"/>
+                </a:solidFill>
+                <a:miter lim="800000"/>
+                <a:headEnd/>
+                <a:tailEnd/>
+              </a14:hiddenLine>
+            </a:ext>
+          </a:extLst>
+        </p:spPr>
+      </p:pic>
+      <p:pic>
+        <p:nvPicPr>
+          <p:cNvPr id="75" name="Graphic 23">
+            <a:extLst>
+              <a:ext uri="{FF2B5EF4-FFF2-40B4-BE49-F238E27FC236}">
+                <a16:creationId xmlns:a16="http://schemas.microsoft.com/office/drawing/2014/main" id="{E51D7DF0-B100-3848-9343-103AD16633D0}"/>
+              </a:ext>
+            </a:extLst>
+          </p:cNvPr>
+          <p:cNvPicPr>
+            <a:picLocks noChangeAspect="1" noChangeArrowheads="1"/>
+          </p:cNvPicPr>
+          <p:nvPr/>
+        </p:nvPicPr>
+        <p:blipFill>
+          <a:blip r:embed="rId21">
+            <a:extLst>
+              <a:ext uri="{96DAC541-7B7A-43D3-8B79-37D633B846F1}">
+                <asvg:svgBlip xmlns:asvg="http://schemas.microsoft.com/office/drawing/2016/SVG/main" xmlns="" r:embed="rId22"/>
+              </a:ext>
+            </a:extLst>
+          </a:blip>
+          <a:srcRect/>
+          <a:stretch/>
+        </p:blipFill>
+        <p:spPr bwMode="auto">
+          <a:xfrm flipH="1">
+            <a:off x="975676" y="5021202"/>
+            <a:ext cx="469900" cy="469900"/>
+          </a:xfrm>
+          <a:prstGeom prst="rect">
+            <a:avLst/>
+          </a:prstGeom>
+          <a:noFill/>
+          <a:ln>
+            <a:noFill/>
+          </a:ln>
+          <a:extLst>
+            <a:ext uri="{909E8E84-426E-40DD-AFC4-6F175D3DCCD1}">
+              <a14:hiddenFill xmlns:a14="http://schemas.microsoft.com/office/drawing/2010/main">
+                <a:solidFill>
+                  <a:srgbClr val="FFFFFF"/>
+                </a:solidFill>
+              </a14:hiddenFill>
+            </a:ext>
+            <a:ext uri="{91240B29-F687-4F45-9708-019B960494DF}">
+              <a14:hiddenLine xmlns:a14="http://schemas.microsoft.com/office/drawing/2010/main" w="9525">
+                <a:solidFill>
+                  <a:srgbClr val="000000"/>
+                </a:solidFill>
+                <a:miter lim="800000"/>
+                <a:headEnd/>
+                <a:tailEnd/>
+              </a14:hiddenLine>
+            </a:ext>
+          </a:extLst>
+        </p:spPr>
+      </p:pic>
+      <p:sp>
+        <p:nvSpPr>
+          <p:cNvPr id="76" name="TextBox 40">
+            <a:extLst>
+              <a:ext uri="{FF2B5EF4-FFF2-40B4-BE49-F238E27FC236}">
+                <a16:creationId xmlns:a16="http://schemas.microsoft.com/office/drawing/2014/main" id="{1DE0395A-A8FC-1C4D-B0B2-B8432D85D102}"/>
+              </a:ext>
+            </a:extLst>
+          </p:cNvPr>
+          <p:cNvSpPr txBox="1">
+            <a:spLocks noChangeArrowheads="1"/>
+          </p:cNvSpPr>
+          <p:nvPr/>
+        </p:nvSpPr>
+        <p:spPr bwMode="auto">
+          <a:xfrm>
+            <a:off x="673442" y="5494697"/>
+            <a:ext cx="1073150" cy="261610"/>
+          </a:xfrm>
+          <a:prstGeom prst="rect">
+            <a:avLst/>
+          </a:prstGeom>
+          <a:noFill/>
+          <a:ln>
+            <a:noFill/>
+          </a:ln>
+          <a:extLst>
+            <a:ext uri="{909E8E84-426E-40DD-AFC4-6F175D3DCCD1}">
+              <a14:hiddenFill xmlns:a14="http://schemas.microsoft.com/office/drawing/2010/main">
+                <a:solidFill>
+                  <a:srgbClr val="FFFFFF"/>
+                </a:solidFill>
+              </a14:hiddenFill>
+            </a:ext>
+            <a:ext uri="{91240B29-F687-4F45-9708-019B960494DF}">
+              <a14:hiddenLine xmlns:a14="http://schemas.microsoft.com/office/drawing/2010/main" w="9525">
+                <a:solidFill>
+                  <a:srgbClr val="000000"/>
+                </a:solidFill>
+                <a:miter lim="800000"/>
+                <a:headEnd/>
+                <a:tailEnd/>
+              </a14:hiddenLine>
+            </a:ext>
+          </a:extLst>
+        </p:spPr>
+        <p:txBody>
+          <a:bodyPr>
+            <a:spAutoFit/>
+          </a:bodyPr>
+          <a:lstStyle>
+            <a:lvl1pPr>
+              <a:defRPr>
+                <a:solidFill>
+                  <a:schemeClr val="tx1"/>
+                </a:solidFill>
+                <a:latin typeface="Calibri" panose="020F0502020204030204" pitchFamily="34" charset="0"/>
+              </a:defRPr>
+            </a:lvl1pPr>
+            <a:lvl2pPr marL="742950" indent="-285750">
+              <a:defRPr>
+                <a:solidFill>
+                  <a:schemeClr val="tx1"/>
+                </a:solidFill>
+                <a:latin typeface="Calibri" panose="020F0502020204030204" pitchFamily="34" charset="0"/>
+              </a:defRPr>
+            </a:lvl2pPr>
+            <a:lvl3pPr marL="1143000" indent="-228600">
+              <a:defRPr>
+                <a:solidFill>
+                  <a:schemeClr val="tx1"/>
+                </a:solidFill>
+                <a:latin typeface="Calibri" panose="020F0502020204030204" pitchFamily="34" charset="0"/>
+              </a:defRPr>
+            </a:lvl3pPr>
+            <a:lvl4pPr marL="1600200" indent="-228600">
+              <a:defRPr>
+                <a:solidFill>
+                  <a:schemeClr val="tx1"/>
+                </a:solidFill>
+                <a:latin typeface="Calibri" panose="020F0502020204030204" pitchFamily="34" charset="0"/>
+              </a:defRPr>
+            </a:lvl4pPr>
+            <a:lvl5pPr marL="2057400" indent="-228600">
+              <a:defRPr>
+                <a:solidFill>
+                  <a:schemeClr val="tx1"/>
+                </a:solidFill>
+                <a:latin typeface="Calibri" panose="020F0502020204030204" pitchFamily="34" charset="0"/>
+              </a:defRPr>
+            </a:lvl5pPr>
+            <a:lvl6pPr marL="2514600" indent="-228600" eaLnBrk="0" fontAlgn="base" hangingPunct="0">
+              <a:spcBef>
+                <a:spcPct val="0"/>
+              </a:spcBef>
+              <a:spcAft>
+                <a:spcPct val="0"/>
+              </a:spcAft>
+              <a:defRPr>
+                <a:solidFill>
+                  <a:schemeClr val="tx1"/>
+                </a:solidFill>
+                <a:latin typeface="Calibri" panose="020F0502020204030204" pitchFamily="34" charset="0"/>
+              </a:defRPr>
+            </a:lvl6pPr>
+            <a:lvl7pPr marL="2971800" indent="-228600" eaLnBrk="0" fontAlgn="base" hangingPunct="0">
+              <a:spcBef>
+                <a:spcPct val="0"/>
+              </a:spcBef>
+              <a:spcAft>
+                <a:spcPct val="0"/>
+              </a:spcAft>
+              <a:defRPr>
+                <a:solidFill>
+                  <a:schemeClr val="tx1"/>
+                </a:solidFill>
+                <a:latin typeface="Calibri" panose="020F0502020204030204" pitchFamily="34" charset="0"/>
+              </a:defRPr>
+            </a:lvl7pPr>
+            <a:lvl8pPr marL="3429000" indent="-228600" eaLnBrk="0" fontAlgn="base" hangingPunct="0">
+              <a:spcBef>
+                <a:spcPct val="0"/>
+              </a:spcBef>
+              <a:spcAft>
+                <a:spcPct val="0"/>
+              </a:spcAft>
+              <a:defRPr>
+                <a:solidFill>
+                  <a:schemeClr val="tx1"/>
+                </a:solidFill>
+                <a:latin typeface="Calibri" panose="020F0502020204030204" pitchFamily="34" charset="0"/>
+              </a:defRPr>
+            </a:lvl8pPr>
+            <a:lvl9pPr marL="3886200" indent="-228600" eaLnBrk="0" fontAlgn="base" hangingPunct="0">
+              <a:spcBef>
+                <a:spcPct val="0"/>
+              </a:spcBef>
+              <a:spcAft>
+                <a:spcPct val="0"/>
+              </a:spcAft>
+              <a:defRPr>
+                <a:solidFill>
+                  <a:schemeClr val="tx1"/>
+                </a:solidFill>
+                <a:latin typeface="Calibri" panose="020F0502020204030204" pitchFamily="34" charset="0"/>
+              </a:defRPr>
+            </a:lvl9pPr>
+          </a:lstStyle>
+          <a:p>
+            <a:pPr algn="ctr" eaLnBrk="1" hangingPunct="1"/>
+            <a:r>
+              <a:rPr lang="en-US" altLang="en-US" sz="1100" dirty="0">
+                <a:solidFill>
+                  <a:srgbClr val="000000"/>
+                </a:solidFill>
+                <a:latin typeface="Arial" panose="020B0604020202020204" pitchFamily="34" charset="0"/>
+                <a:cs typeface="Arial" panose="020B0604020202020204" pitchFamily="34" charset="0"/>
+              </a:rPr>
+              <a:t>Users</a:t>
+            </a:r>
+          </a:p>
+        </p:txBody>
+      </p:sp>
+      <p:sp>
+        <p:nvSpPr>
+          <p:cNvPr id="77" name="TextBox 40">
+            <a:extLst>
+              <a:ext uri="{FF2B5EF4-FFF2-40B4-BE49-F238E27FC236}">
+                <a16:creationId xmlns:a16="http://schemas.microsoft.com/office/drawing/2014/main" id="{1DE0395A-A8FC-1C4D-B0B2-B8432D85D102}"/>
+              </a:ext>
+            </a:extLst>
+          </p:cNvPr>
+          <p:cNvSpPr txBox="1">
+            <a:spLocks noChangeArrowheads="1"/>
+          </p:cNvSpPr>
+          <p:nvPr/>
+        </p:nvSpPr>
+        <p:spPr bwMode="auto">
+          <a:xfrm>
+            <a:off x="760311" y="2934627"/>
+            <a:ext cx="1073150" cy="261610"/>
+          </a:xfrm>
+          <a:prstGeom prst="rect">
+            <a:avLst/>
+          </a:prstGeom>
+          <a:noFill/>
+          <a:ln>
+            <a:noFill/>
+          </a:ln>
+          <a:extLst>
+            <a:ext uri="{909E8E84-426E-40DD-AFC4-6F175D3DCCD1}">
+              <a14:hiddenFill xmlns:a14="http://schemas.microsoft.com/office/drawing/2010/main">
+                <a:solidFill>
+                  <a:srgbClr val="FFFFFF"/>
+                </a:solidFill>
+              </a14:hiddenFill>
+            </a:ext>
+            <a:ext uri="{91240B29-F687-4F45-9708-019B960494DF}">
+              <a14:hiddenLine xmlns:a14="http://schemas.microsoft.com/office/drawing/2010/main" w="9525">
+                <a:solidFill>
+                  <a:srgbClr val="000000"/>
+                </a:solidFill>
+                <a:miter lim="800000"/>
+                <a:headEnd/>
+                <a:tailEnd/>
+              </a14:hiddenLine>
+            </a:ext>
+          </a:extLst>
+        </p:spPr>
+        <p:txBody>
+          <a:bodyPr>
+            <a:spAutoFit/>
+          </a:bodyPr>
+          <a:lstStyle>
+            <a:lvl1pPr>
+              <a:defRPr>
+                <a:solidFill>
+                  <a:schemeClr val="tx1"/>
+                </a:solidFill>
+                <a:latin typeface="Calibri" panose="020F0502020204030204" pitchFamily="34" charset="0"/>
+              </a:defRPr>
+            </a:lvl1pPr>
+            <a:lvl2pPr marL="742950" indent="-285750">
+              <a:defRPr>
+                <a:solidFill>
+                  <a:schemeClr val="tx1"/>
+                </a:solidFill>
+                <a:latin typeface="Calibri" panose="020F0502020204030204" pitchFamily="34" charset="0"/>
+              </a:defRPr>
+            </a:lvl2pPr>
+            <a:lvl3pPr marL="1143000" indent="-228600">
+              <a:defRPr>
+                <a:solidFill>
+                  <a:schemeClr val="tx1"/>
+                </a:solidFill>
+                <a:latin typeface="Calibri" panose="020F0502020204030204" pitchFamily="34" charset="0"/>
+              </a:defRPr>
+            </a:lvl3pPr>
+            <a:lvl4pPr marL="1600200" indent="-228600">
+              <a:defRPr>
+                <a:solidFill>
+                  <a:schemeClr val="tx1"/>
+                </a:solidFill>
+                <a:latin typeface="Calibri" panose="020F0502020204030204" pitchFamily="34" charset="0"/>
+              </a:defRPr>
+            </a:lvl4pPr>
+            <a:lvl5pPr marL="2057400" indent="-228600">
+              <a:defRPr>
+                <a:solidFill>
+                  <a:schemeClr val="tx1"/>
+                </a:solidFill>
+                <a:latin typeface="Calibri" panose="020F0502020204030204" pitchFamily="34" charset="0"/>
+              </a:defRPr>
+            </a:lvl5pPr>
+            <a:lvl6pPr marL="2514600" indent="-228600" eaLnBrk="0" fontAlgn="base" hangingPunct="0">
+              <a:spcBef>
+                <a:spcPct val="0"/>
+              </a:spcBef>
+              <a:spcAft>
+                <a:spcPct val="0"/>
+              </a:spcAft>
+              <a:defRPr>
+                <a:solidFill>
+                  <a:schemeClr val="tx1"/>
+                </a:solidFill>
+                <a:latin typeface="Calibri" panose="020F0502020204030204" pitchFamily="34" charset="0"/>
+              </a:defRPr>
+            </a:lvl6pPr>
+            <a:lvl7pPr marL="2971800" indent="-228600" eaLnBrk="0" fontAlgn="base" hangingPunct="0">
+              <a:spcBef>
+                <a:spcPct val="0"/>
+              </a:spcBef>
+              <a:spcAft>
+                <a:spcPct val="0"/>
+              </a:spcAft>
+              <a:defRPr>
+                <a:solidFill>
+                  <a:schemeClr val="tx1"/>
+                </a:solidFill>
+                <a:latin typeface="Calibri" panose="020F0502020204030204" pitchFamily="34" charset="0"/>
+              </a:defRPr>
+            </a:lvl7pPr>
+            <a:lvl8pPr marL="3429000" indent="-228600" eaLnBrk="0" fontAlgn="base" hangingPunct="0">
+              <a:spcBef>
+                <a:spcPct val="0"/>
+              </a:spcBef>
+              <a:spcAft>
+                <a:spcPct val="0"/>
+              </a:spcAft>
+              <a:defRPr>
+                <a:solidFill>
+                  <a:schemeClr val="tx1"/>
+                </a:solidFill>
+                <a:latin typeface="Calibri" panose="020F0502020204030204" pitchFamily="34" charset="0"/>
+              </a:defRPr>
+            </a:lvl8pPr>
+            <a:lvl9pPr marL="3886200" indent="-228600" eaLnBrk="0" fontAlgn="base" hangingPunct="0">
+              <a:spcBef>
+                <a:spcPct val="0"/>
+              </a:spcBef>
+              <a:spcAft>
+                <a:spcPct val="0"/>
+              </a:spcAft>
+              <a:defRPr>
+                <a:solidFill>
+                  <a:schemeClr val="tx1"/>
+                </a:solidFill>
+                <a:latin typeface="Calibri" panose="020F0502020204030204" pitchFamily="34" charset="0"/>
+              </a:defRPr>
+            </a:lvl9pPr>
+          </a:lstStyle>
+          <a:p>
+            <a:pPr algn="ctr" eaLnBrk="1" hangingPunct="1"/>
+            <a:r>
+              <a:rPr lang="en-US" altLang="en-US" sz="1100">
+                <a:solidFill>
+                  <a:srgbClr val="000000"/>
+                </a:solidFill>
+                <a:latin typeface="Arial" panose="020B0604020202020204" pitchFamily="34" charset="0"/>
+                <a:cs typeface="Arial" panose="020B0604020202020204" pitchFamily="34" charset="0"/>
+              </a:rPr>
+              <a:t>Administrator</a:t>
+            </a:r>
+          </a:p>
+        </p:txBody>
+      </p:sp>
+      <p:pic>
+        <p:nvPicPr>
+          <p:cNvPr id="86" name="Graphic 35">
+            <a:extLst>
+              <a:ext uri="{FF2B5EF4-FFF2-40B4-BE49-F238E27FC236}">
+                <a16:creationId xmlns:a16="http://schemas.microsoft.com/office/drawing/2014/main" id="{A5BA7256-6A27-CE46-BA90-6D710A383720}"/>
+              </a:ext>
+            </a:extLst>
+          </p:cNvPr>
+          <p:cNvPicPr>
+            <a:picLocks noChangeAspect="1" noChangeArrowheads="1"/>
+          </p:cNvPicPr>
+          <p:nvPr/>
+        </p:nvPicPr>
+        <p:blipFill>
+          <a:blip r:embed="rId23">
+            <a:extLst>
+              <a:ext uri="{28A0092B-C50C-407E-A947-70E740481C1C}">
+                <a14:useLocalDpi xmlns:a14="http://schemas.microsoft.com/office/drawing/2010/main" val="0"/>
+              </a:ext>
+            </a:extLst>
+          </a:blip>
+          <a:srcRect/>
+          <a:stretch>
+            <a:fillRect/>
+          </a:stretch>
+        </p:blipFill>
+        <p:spPr bwMode="auto">
+          <a:xfrm>
+            <a:off x="3383280" y="3383280"/>
+            <a:ext cx="457200" cy="457200"/>
+          </a:xfrm>
+          <a:prstGeom prst="rect">
+            <a:avLst/>
+          </a:prstGeom>
+          <a:noFill/>
+          <a:ln>
+            <a:noFill/>
+          </a:ln>
+          <a:extLst>
+            <a:ext uri="{909E8E84-426E-40DD-AFC4-6F175D3DCCD1}">
+              <a14:hiddenFill xmlns:a14="http://schemas.microsoft.com/office/drawing/2010/main">
+                <a:solidFill>
+                  <a:srgbClr val="FFFFFF"/>
+                </a:solidFill>
+              </a14:hiddenFill>
+            </a:ext>
+            <a:ext uri="{91240B29-F687-4F45-9708-019B960494DF}">
+              <a14:hiddenLine xmlns:a14="http://schemas.microsoft.com/office/drawing/2010/main" w="9525">
+                <a:solidFill>
+                  <a:srgbClr val="000000"/>
+                </a:solidFill>
+                <a:miter lim="800000"/>
+                <a:headEnd/>
+                <a:tailEnd/>
+              </a14:hiddenLine>
+            </a:ext>
+          </a:extLst>
+        </p:spPr>
+      </p:pic>
+      <p:pic>
+        <p:nvPicPr>
+          <p:cNvPr id="90" name="Graphic 35">
+            <a:extLst>
+              <a:ext uri="{FF2B5EF4-FFF2-40B4-BE49-F238E27FC236}">
+                <a16:creationId xmlns:a16="http://schemas.microsoft.com/office/drawing/2014/main" id="{A5BA7256-6A27-CE46-BA90-6D710A383720}"/>
+              </a:ext>
+            </a:extLst>
+          </p:cNvPr>
+          <p:cNvPicPr>
+            <a:picLocks noChangeAspect="1" noChangeArrowheads="1"/>
+          </p:cNvPicPr>
+          <p:nvPr/>
+        </p:nvPicPr>
+        <p:blipFill>
+          <a:blip r:embed="rId23">
+            <a:extLst>
+              <a:ext uri="{28A0092B-C50C-407E-A947-70E740481C1C}">
+                <a14:useLocalDpi xmlns:a14="http://schemas.microsoft.com/office/drawing/2010/main" val="0"/>
+              </a:ext>
+            </a:extLst>
+          </a:blip>
+          <a:srcRect/>
+          <a:stretch>
+            <a:fillRect/>
+          </a:stretch>
+        </p:blipFill>
+        <p:spPr bwMode="auto">
+          <a:xfrm>
+            <a:off x="6492240" y="3383280"/>
+            <a:ext cx="457200" cy="457200"/>
+          </a:xfrm>
+          <a:prstGeom prst="rect">
+            <a:avLst/>
+          </a:prstGeom>
+          <a:noFill/>
+          <a:ln>
+            <a:noFill/>
+          </a:ln>
+          <a:extLst>
+            <a:ext uri="{909E8E84-426E-40DD-AFC4-6F175D3DCCD1}">
+              <a14:hiddenFill xmlns:a14="http://schemas.microsoft.com/office/drawing/2010/main">
+                <a:solidFill>
+                  <a:srgbClr val="FFFFFF"/>
+                </a:solidFill>
+              </a14:hiddenFill>
+            </a:ext>
+            <a:ext uri="{91240B29-F687-4F45-9708-019B960494DF}">
+              <a14:hiddenLine xmlns:a14="http://schemas.microsoft.com/office/drawing/2010/main" w="9525">
+                <a:solidFill>
+                  <a:srgbClr val="000000"/>
+                </a:solidFill>
+                <a:miter lim="800000"/>
+                <a:headEnd/>
+                <a:tailEnd/>
+              </a14:hiddenLine>
+            </a:ext>
+          </a:extLst>
+        </p:spPr>
+      </p:pic>
+      <p:pic>
+        <p:nvPicPr>
+          <p:cNvPr id="91" name="Graphic 35">
+            <a:extLst>
+              <a:ext uri="{FF2B5EF4-FFF2-40B4-BE49-F238E27FC236}">
+                <a16:creationId xmlns:a16="http://schemas.microsoft.com/office/drawing/2014/main" id="{A5BA7256-6A27-CE46-BA90-6D710A383720}"/>
+              </a:ext>
+            </a:extLst>
+          </p:cNvPr>
+          <p:cNvPicPr>
+            <a:picLocks noChangeAspect="1" noChangeArrowheads="1"/>
+          </p:cNvPicPr>
+          <p:nvPr/>
+        </p:nvPicPr>
+        <p:blipFill>
+          <a:blip r:embed="rId23">
+            <a:extLst>
+              <a:ext uri="{28A0092B-C50C-407E-A947-70E740481C1C}">
+                <a14:useLocalDpi xmlns:a14="http://schemas.microsoft.com/office/drawing/2010/main" val="0"/>
+              </a:ext>
+            </a:extLst>
+          </a:blip>
+          <a:srcRect/>
+          <a:stretch>
+            <a:fillRect/>
+          </a:stretch>
+        </p:blipFill>
+        <p:spPr bwMode="auto">
+          <a:xfrm>
+            <a:off x="8778240" y="3383280"/>
+            <a:ext cx="457200" cy="457200"/>
+          </a:xfrm>
+          <a:prstGeom prst="rect">
+            <a:avLst/>
+          </a:prstGeom>
+          <a:noFill/>
+          <a:ln>
+            <a:noFill/>
+          </a:ln>
+          <a:extLst>
+            <a:ext uri="{909E8E84-426E-40DD-AFC4-6F175D3DCCD1}">
+              <a14:hiddenFill xmlns:a14="http://schemas.microsoft.com/office/drawing/2010/main">
+                <a:solidFill>
+                  <a:srgbClr val="FFFFFF"/>
+                </a:solidFill>
+              </a14:hiddenFill>
+            </a:ext>
+            <a:ext uri="{91240B29-F687-4F45-9708-019B960494DF}">
+              <a14:hiddenLine xmlns:a14="http://schemas.microsoft.com/office/drawing/2010/main" w="9525">
+                <a:solidFill>
+                  <a:srgbClr val="000000"/>
+                </a:solidFill>
+                <a:miter lim="800000"/>
+                <a:headEnd/>
+                <a:tailEnd/>
+              </a14:hiddenLine>
+            </a:ext>
+          </a:extLst>
+        </p:spPr>
+      </p:pic>
+      <p:pic>
+        <p:nvPicPr>
+          <p:cNvPr id="95" name="Graphic 60">
+            <a:extLst>
+              <a:ext uri="{FF2B5EF4-FFF2-40B4-BE49-F238E27FC236}">
+                <a16:creationId xmlns:a16="http://schemas.microsoft.com/office/drawing/2014/main" id="{D5F1E014-1AF5-0442-BA6E-37B0D94AA4A6}"/>
+              </a:ext>
+            </a:extLst>
+          </p:cNvPr>
+          <p:cNvPicPr>
+            <a:picLocks noChangeAspect="1" noChangeArrowheads="1"/>
+          </p:cNvPicPr>
+          <p:nvPr/>
+        </p:nvPicPr>
+        <p:blipFill>
+          <a:blip r:embed="rId24">
+            <a:extLst>
+              <a:ext uri="{28A0092B-C50C-407E-A947-70E740481C1C}">
+                <a14:useLocalDpi xmlns:a14="http://schemas.microsoft.com/office/drawing/2010/main" val="0"/>
+              </a:ext>
+            </a:extLst>
+          </a:blip>
+          <a:srcRect/>
+          <a:stretch>
+            <a:fillRect/>
+          </a:stretch>
+        </p:blipFill>
+        <p:spPr bwMode="auto">
+          <a:xfrm>
+            <a:off x="3383280" y="2377440"/>
+            <a:ext cx="457200" cy="457200"/>
+          </a:xfrm>
+          <a:prstGeom prst="rect">
+            <a:avLst/>
+          </a:prstGeom>
+          <a:noFill/>
+          <a:ln>
+            <a:noFill/>
+          </a:ln>
+          <a:extLst>
+            <a:ext uri="{909E8E84-426E-40DD-AFC4-6F175D3DCCD1}">
+              <a14:hiddenFill xmlns:a14="http://schemas.microsoft.com/office/drawing/2010/main">
+                <a:solidFill>
+                  <a:srgbClr val="FFFFFF"/>
+                </a:solidFill>
+              </a14:hiddenFill>
+            </a:ext>
+            <a:ext uri="{91240B29-F687-4F45-9708-019B960494DF}">
+              <a14:hiddenLine xmlns:a14="http://schemas.microsoft.com/office/drawing/2010/main" w="9525">
+                <a:solidFill>
+                  <a:srgbClr val="000000"/>
+                </a:solidFill>
+                <a:miter lim="800000"/>
+                <a:headEnd/>
+                <a:tailEnd/>
+              </a14:hiddenLine>
+            </a:ext>
+          </a:extLst>
+        </p:spPr>
+      </p:pic>
+      <p:pic>
+        <p:nvPicPr>
+          <p:cNvPr id="96" name="Graphic 60">
+            <a:extLst>
+              <a:ext uri="{FF2B5EF4-FFF2-40B4-BE49-F238E27FC236}">
+                <a16:creationId xmlns:a16="http://schemas.microsoft.com/office/drawing/2014/main" id="{D5F1E014-1AF5-0442-BA6E-37B0D94AA4A6}"/>
+              </a:ext>
+            </a:extLst>
+          </p:cNvPr>
+          <p:cNvPicPr>
+            <a:picLocks noChangeAspect="1" noChangeArrowheads="1"/>
+          </p:cNvPicPr>
+          <p:nvPr/>
+        </p:nvPicPr>
+        <p:blipFill>
+          <a:blip r:embed="rId24">
+            <a:extLst>
+              <a:ext uri="{28A0092B-C50C-407E-A947-70E740481C1C}">
+                <a14:useLocalDpi xmlns:a14="http://schemas.microsoft.com/office/drawing/2010/main" val="0"/>
+              </a:ext>
+            </a:extLst>
+          </a:blip>
+          <a:srcRect/>
+          <a:stretch>
+            <a:fillRect/>
+          </a:stretch>
+        </p:blipFill>
+        <p:spPr bwMode="auto">
+          <a:xfrm>
+            <a:off x="6492240" y="2377440"/>
+            <a:ext cx="457200" cy="457200"/>
+          </a:xfrm>
+          <a:prstGeom prst="rect">
+            <a:avLst/>
+          </a:prstGeom>
+          <a:noFill/>
+          <a:ln>
+            <a:noFill/>
+          </a:ln>
+          <a:extLst>
+            <a:ext uri="{909E8E84-426E-40DD-AFC4-6F175D3DCCD1}">
+              <a14:hiddenFill xmlns:a14="http://schemas.microsoft.com/office/drawing/2010/main">
+                <a:solidFill>
+                  <a:srgbClr val="FFFFFF"/>
+                </a:solidFill>
+              </a14:hiddenFill>
+            </a:ext>
+            <a:ext uri="{91240B29-F687-4F45-9708-019B960494DF}">
+              <a14:hiddenLine xmlns:a14="http://schemas.microsoft.com/office/drawing/2010/main" w="9525">
+                <a:solidFill>
+                  <a:srgbClr val="000000"/>
+                </a:solidFill>
+                <a:miter lim="800000"/>
+                <a:headEnd/>
+                <a:tailEnd/>
+              </a14:hiddenLine>
+            </a:ext>
+          </a:extLst>
+        </p:spPr>
+      </p:pic>
+      <p:pic>
+        <p:nvPicPr>
+          <p:cNvPr id="97" name="Graphic 60">
+            <a:extLst>
+              <a:ext uri="{FF2B5EF4-FFF2-40B4-BE49-F238E27FC236}">
+                <a16:creationId xmlns:a16="http://schemas.microsoft.com/office/drawing/2014/main" id="{D5F1E014-1AF5-0442-BA6E-37B0D94AA4A6}"/>
+              </a:ext>
+            </a:extLst>
+          </p:cNvPr>
+          <p:cNvPicPr>
+            <a:picLocks noChangeAspect="1" noChangeArrowheads="1"/>
+          </p:cNvPicPr>
+          <p:nvPr/>
+        </p:nvPicPr>
+        <p:blipFill>
+          <a:blip r:embed="rId24">
+            <a:extLst>
+              <a:ext uri="{28A0092B-C50C-407E-A947-70E740481C1C}">
+                <a14:useLocalDpi xmlns:a14="http://schemas.microsoft.com/office/drawing/2010/main" val="0"/>
+              </a:ext>
+            </a:extLst>
+          </a:blip>
+          <a:srcRect/>
+          <a:stretch>
+            <a:fillRect/>
+          </a:stretch>
+        </p:blipFill>
+        <p:spPr bwMode="auto">
+          <a:xfrm>
+            <a:off x="8778240" y="2377440"/>
+            <a:ext cx="457200" cy="457200"/>
+          </a:xfrm>
+          <a:prstGeom prst="rect">
+            <a:avLst/>
+          </a:prstGeom>
+          <a:noFill/>
+          <a:ln>
+            <a:noFill/>
+          </a:ln>
+          <a:extLst>
+            <a:ext uri="{909E8E84-426E-40DD-AFC4-6F175D3DCCD1}">
+              <a14:hiddenFill xmlns:a14="http://schemas.microsoft.com/office/drawing/2010/main">
+                <a:solidFill>
+                  <a:srgbClr val="FFFFFF"/>
+                </a:solidFill>
+              </a14:hiddenFill>
+            </a:ext>
+            <a:ext uri="{91240B29-F687-4F45-9708-019B960494DF}">
+              <a14:hiddenLine xmlns:a14="http://schemas.microsoft.com/office/drawing/2010/main" w="9525">
+                <a:solidFill>
+                  <a:srgbClr val="000000"/>
+                </a:solidFill>
+                <a:miter lim="800000"/>
+                <a:headEnd/>
+                <a:tailEnd/>
+              </a14:hiddenLine>
+            </a:ext>
+          </a:extLst>
+        </p:spPr>
+      </p:pic>
+      <p:pic>
+        <p:nvPicPr>
+          <p:cNvPr id="108" name="Picture 2" descr="C:\Users\handans\AppData\Local\Temp\SNAGHTML2968f5c3.PNG"/>
+          <p:cNvPicPr>
+            <a:picLocks noChangeAspect="1" noChangeArrowheads="1"/>
+          </p:cNvPicPr>
+          <p:nvPr/>
+        </p:nvPicPr>
+        <p:blipFill>
+          <a:blip r:embed="rId25">
+            <a:extLst>
+              <a:ext uri="{28A0092B-C50C-407E-A947-70E740481C1C}">
+                <a14:useLocalDpi xmlns:a14="http://schemas.microsoft.com/office/drawing/2010/main" val="0"/>
+              </a:ext>
+            </a:extLst>
+          </a:blip>
+          <a:srcRect/>
+          <a:stretch>
+            <a:fillRect/>
+          </a:stretch>
+        </p:blipFill>
+        <p:spPr bwMode="auto">
+          <a:xfrm>
+            <a:off x="12618720" y="4415790"/>
+            <a:ext cx="1143000" cy="952500"/>
+          </a:xfrm>
+          <a:prstGeom prst="rect">
+            <a:avLst/>
+          </a:prstGeom>
+          <a:noFill/>
+          <a:extLst>
+            <a:ext uri="{909E8E84-426E-40DD-AFC4-6F175D3DCCD1}">
+              <a14:hiddenFill xmlns:a14="http://schemas.microsoft.com/office/drawing/2010/main">
+                <a:solidFill>
+                  <a:srgbClr val="FFFFFF"/>
+                </a:solidFill>
+              </a14:hiddenFill>
+            </a:ext>
+          </a:extLst>
+        </p:spPr>
+      </p:pic>
+      <p:sp>
+        <p:nvSpPr>
+          <p:cNvPr id="111" name="TextBox 9">
+            <a:extLst>
+              <a:ext uri="{FF2B5EF4-FFF2-40B4-BE49-F238E27FC236}">
+                <a16:creationId xmlns:a16="http://schemas.microsoft.com/office/drawing/2014/main" id="{5B6C5DC4-5A01-E14D-BEE5-909FCF8B05F2}"/>
+              </a:ext>
+            </a:extLst>
+          </p:cNvPr>
+          <p:cNvSpPr txBox="1">
+            <a:spLocks noChangeArrowheads="1"/>
+          </p:cNvSpPr>
+          <p:nvPr/>
+        </p:nvSpPr>
+        <p:spPr bwMode="auto">
+          <a:xfrm>
+            <a:off x="12692530" y="5376032"/>
+            <a:ext cx="995379" cy="461665"/>
+          </a:xfrm>
+          <a:prstGeom prst="rect">
+            <a:avLst/>
+          </a:prstGeom>
+          <a:noFill/>
+          <a:ln>
+            <a:noFill/>
+          </a:ln>
+          <a:extLst>
+            <a:ext uri="{909E8E84-426E-40DD-AFC4-6F175D3DCCD1}">
+              <a14:hiddenFill xmlns:a14="http://schemas.microsoft.com/office/drawing/2010/main">
+                <a:solidFill>
+                  <a:srgbClr val="FFFFFF"/>
+                </a:solidFill>
+              </a14:hiddenFill>
+            </a:ext>
+            <a:ext uri="{91240B29-F687-4F45-9708-019B960494DF}">
+              <a14:hiddenLine xmlns:a14="http://schemas.microsoft.com/office/drawing/2010/main" w="9525">
+                <a:solidFill>
+                  <a:srgbClr val="000000"/>
+                </a:solidFill>
+                <a:miter lim="800000"/>
+                <a:headEnd/>
+                <a:tailEnd/>
+              </a14:hiddenLine>
+            </a:ext>
+          </a:extLst>
+        </p:spPr>
+        <p:txBody>
+          <a:bodyPr wrap="square">
+            <a:spAutoFit/>
+          </a:bodyPr>
+          <a:lstStyle>
+            <a:lvl1pPr>
+              <a:defRPr>
+                <a:solidFill>
+                  <a:schemeClr val="tx1"/>
+                </a:solidFill>
+                <a:latin typeface="Calibri" panose="020F0502020204030204" pitchFamily="34" charset="0"/>
+              </a:defRPr>
+            </a:lvl1pPr>
+            <a:lvl2pPr marL="742950" indent="-285750">
+              <a:defRPr>
+                <a:solidFill>
+                  <a:schemeClr val="tx1"/>
+                </a:solidFill>
+                <a:latin typeface="Calibri" panose="020F0502020204030204" pitchFamily="34" charset="0"/>
+              </a:defRPr>
+            </a:lvl2pPr>
+            <a:lvl3pPr marL="1143000" indent="-228600">
+              <a:defRPr>
+                <a:solidFill>
+                  <a:schemeClr val="tx1"/>
+                </a:solidFill>
+                <a:latin typeface="Calibri" panose="020F0502020204030204" pitchFamily="34" charset="0"/>
+              </a:defRPr>
+            </a:lvl3pPr>
+            <a:lvl4pPr marL="1600200" indent="-228600">
+              <a:defRPr>
+                <a:solidFill>
+                  <a:schemeClr val="tx1"/>
+                </a:solidFill>
+                <a:latin typeface="Calibri" panose="020F0502020204030204" pitchFamily="34" charset="0"/>
+              </a:defRPr>
+            </a:lvl4pPr>
+            <a:lvl5pPr marL="2057400" indent="-228600">
+              <a:defRPr>
+                <a:solidFill>
+                  <a:schemeClr val="tx1"/>
+                </a:solidFill>
+                <a:latin typeface="Calibri" panose="020F0502020204030204" pitchFamily="34" charset="0"/>
+              </a:defRPr>
+            </a:lvl5pPr>
+            <a:lvl6pPr marL="2514600" indent="-228600" eaLnBrk="0" fontAlgn="base" hangingPunct="0">
+              <a:spcBef>
+                <a:spcPct val="0"/>
+              </a:spcBef>
+              <a:spcAft>
+                <a:spcPct val="0"/>
+              </a:spcAft>
+              <a:defRPr>
+                <a:solidFill>
+                  <a:schemeClr val="tx1"/>
+                </a:solidFill>
+                <a:latin typeface="Calibri" panose="020F0502020204030204" pitchFamily="34" charset="0"/>
+              </a:defRPr>
+            </a:lvl6pPr>
+            <a:lvl7pPr marL="2971800" indent="-228600" eaLnBrk="0" fontAlgn="base" hangingPunct="0">
+              <a:spcBef>
+                <a:spcPct val="0"/>
+              </a:spcBef>
+              <a:spcAft>
+                <a:spcPct val="0"/>
+              </a:spcAft>
+              <a:defRPr>
+                <a:solidFill>
+                  <a:schemeClr val="tx1"/>
+                </a:solidFill>
+                <a:latin typeface="Calibri" panose="020F0502020204030204" pitchFamily="34" charset="0"/>
+              </a:defRPr>
+            </a:lvl7pPr>
+            <a:lvl8pPr marL="3429000" indent="-228600" eaLnBrk="0" fontAlgn="base" hangingPunct="0">
+              <a:spcBef>
+                <a:spcPct val="0"/>
+              </a:spcBef>
+              <a:spcAft>
+                <a:spcPct val="0"/>
+              </a:spcAft>
+              <a:defRPr>
+                <a:solidFill>
+                  <a:schemeClr val="tx1"/>
+                </a:solidFill>
+                <a:latin typeface="Calibri" panose="020F0502020204030204" pitchFamily="34" charset="0"/>
+              </a:defRPr>
+            </a:lvl8pPr>
+            <a:lvl9pPr marL="3886200" indent="-228600" eaLnBrk="0" fontAlgn="base" hangingPunct="0">
+              <a:spcBef>
+                <a:spcPct val="0"/>
+              </a:spcBef>
+              <a:spcAft>
+                <a:spcPct val="0"/>
+              </a:spcAft>
+              <a:defRPr>
+                <a:solidFill>
+                  <a:schemeClr val="tx1"/>
+                </a:solidFill>
+                <a:latin typeface="Calibri" panose="020F0502020204030204" pitchFamily="34" charset="0"/>
+              </a:defRPr>
+            </a:lvl9pPr>
+          </a:lstStyle>
+          <a:p>
+            <a:pPr algn="ctr" eaLnBrk="1" hangingPunct="1"/>
+            <a:r>
+              <a:rPr lang="en-US" altLang="en-US" sz="1200">
+                <a:latin typeface="Arial" panose="020B0604020202020204" pitchFamily="34" charset="0"/>
+                <a:ea typeface="Amazon Ember" panose="020B0603020204020204" pitchFamily="34" charset="0"/>
+                <a:cs typeface="Arial" panose="020B0604020202020204" pitchFamily="34" charset="0"/>
+              </a:rPr>
+              <a:t>GitHub respository</a:t>
+            </a:r>
+            <a:endParaRPr lang="en-US" altLang="en-US" sz="1200" dirty="0">
+              <a:latin typeface="Arial" panose="020B0604020202020204" pitchFamily="34" charset="0"/>
+              <a:ea typeface="Amazon Ember" panose="020B0603020204020204" pitchFamily="34" charset="0"/>
+              <a:cs typeface="Arial" panose="020B0604020202020204" pitchFamily="34" charset="0"/>
+            </a:endParaRPr>
+          </a:p>
+        </p:txBody>
+      </p:sp>
+      <p:pic>
+        <p:nvPicPr>
+          <p:cNvPr id="112" name="Graphic 20">
+            <a:extLst>
+              <a:ext uri="{FF2B5EF4-FFF2-40B4-BE49-F238E27FC236}">
+                <a16:creationId xmlns:a16="http://schemas.microsoft.com/office/drawing/2014/main" id="{3E9996A6-6D01-9B42-8D2D-8C63B84FF81B}"/>
+              </a:ext>
+            </a:extLst>
+          </p:cNvPr>
+          <p:cNvPicPr>
+            <a:picLocks noChangeAspect="1" noChangeArrowheads="1"/>
+          </p:cNvPicPr>
+          <p:nvPr/>
+        </p:nvPicPr>
+        <p:blipFill>
+          <a:blip r:embed="rId26">
+            <a:extLst>
+              <a:ext uri="{28A0092B-C50C-407E-A947-70E740481C1C}">
+                <a14:useLocalDpi xmlns:a14="http://schemas.microsoft.com/office/drawing/2010/main" val="0"/>
+              </a:ext>
+            </a:extLst>
+          </a:blip>
+          <a:srcRect/>
+          <a:stretch>
+            <a:fillRect/>
+          </a:stretch>
+        </p:blipFill>
+        <p:spPr bwMode="auto">
+          <a:xfrm>
+            <a:off x="640080" y="914400"/>
+            <a:ext cx="330200" cy="330200"/>
+          </a:xfrm>
+          <a:prstGeom prst="rect">
+            <a:avLst/>
+          </a:prstGeom>
+          <a:noFill/>
+          <a:ln>
+            <a:noFill/>
+          </a:ln>
+          <a:extLst>
+            <a:ext uri="{909E8E84-426E-40DD-AFC4-6F175D3DCCD1}">
+              <a14:hiddenFill xmlns:a14="http://schemas.microsoft.com/office/drawing/2010/main">
+                <a:solidFill>
+                  <a:srgbClr val="FFFFFF"/>
+                </a:solidFill>
+              </a14:hiddenFill>
+            </a:ext>
+            <a:ext uri="{91240B29-F687-4F45-9708-019B960494DF}">
+              <a14:hiddenLine xmlns:a14="http://schemas.microsoft.com/office/drawing/2010/main" w="9525">
+                <a:solidFill>
+                  <a:srgbClr val="000000"/>
+                </a:solidFill>
+                <a:miter lim="800000"/>
+                <a:headEnd/>
+                <a:tailEnd/>
+              </a14:hiddenLine>
+            </a:ext>
+          </a:extLst>
+        </p:spPr>
+      </p:pic>
+      <p:pic>
+        <p:nvPicPr>
+          <p:cNvPr id="113" name="Graphic 23">
+            <a:extLst>
+              <a:ext uri="{FF2B5EF4-FFF2-40B4-BE49-F238E27FC236}">
+                <a16:creationId xmlns:a16="http://schemas.microsoft.com/office/drawing/2014/main" id="{146AF498-932B-AB46-916F-2107FD83384F}"/>
+              </a:ext>
+            </a:extLst>
+          </p:cNvPr>
+          <p:cNvPicPr>
+            <a:picLocks noChangeAspect="1" noChangeArrowheads="1"/>
+          </p:cNvPicPr>
+          <p:nvPr/>
+        </p:nvPicPr>
+        <p:blipFill>
+          <a:blip r:embed="rId27">
+            <a:extLst>
+              <a:ext uri="{28A0092B-C50C-407E-A947-70E740481C1C}">
+                <a14:useLocalDpi xmlns:a14="http://schemas.microsoft.com/office/drawing/2010/main" val="0"/>
+              </a:ext>
+            </a:extLst>
+          </a:blip>
+          <a:srcRect/>
+          <a:stretch>
+            <a:fillRect/>
+          </a:stretch>
+        </p:blipFill>
+        <p:spPr bwMode="auto">
+          <a:xfrm>
+            <a:off x="10424160" y="1920240"/>
+            <a:ext cx="762000" cy="762000"/>
+          </a:xfrm>
+          <a:prstGeom prst="rect">
+            <a:avLst/>
+          </a:prstGeom>
+          <a:noFill/>
+          <a:ln>
+            <a:noFill/>
+          </a:ln>
+          <a:extLst>
+            <a:ext uri="{909E8E84-426E-40DD-AFC4-6F175D3DCCD1}">
+              <a14:hiddenFill xmlns:a14="http://schemas.microsoft.com/office/drawing/2010/main">
+                <a:solidFill>
+                  <a:srgbClr val="FFFFFF"/>
+                </a:solidFill>
+              </a14:hiddenFill>
+            </a:ext>
+            <a:ext uri="{91240B29-F687-4F45-9708-019B960494DF}">
+              <a14:hiddenLine xmlns:a14="http://schemas.microsoft.com/office/drawing/2010/main" w="9525">
+                <a:solidFill>
+                  <a:srgbClr val="000000"/>
+                </a:solidFill>
+                <a:miter lim="800000"/>
+                <a:headEnd/>
+                <a:tailEnd/>
+              </a14:hiddenLine>
+            </a:ext>
+          </a:extLst>
+        </p:spPr>
+      </p:pic>
+      <p:sp>
+        <p:nvSpPr>
+          <p:cNvPr id="114" name="TextBox 9">
+            <a:extLst>
+              <a:ext uri="{FF2B5EF4-FFF2-40B4-BE49-F238E27FC236}">
+                <a16:creationId xmlns:a16="http://schemas.microsoft.com/office/drawing/2014/main" id="{5A05B158-B70B-5F4F-B0E2-17894FAAF34C}"/>
+              </a:ext>
+            </a:extLst>
+          </p:cNvPr>
+          <p:cNvSpPr txBox="1">
+            <a:spLocks noChangeArrowheads="1"/>
+          </p:cNvSpPr>
+          <p:nvPr/>
+        </p:nvSpPr>
+        <p:spPr bwMode="auto">
+          <a:xfrm>
+            <a:off x="10241280" y="2743200"/>
+            <a:ext cx="1097280" cy="274320"/>
+          </a:xfrm>
+          <a:prstGeom prst="rect">
+            <a:avLst/>
+          </a:prstGeom>
+          <a:noFill/>
+          <a:ln>
+            <a:noFill/>
+          </a:ln>
+          <a:extLst>
+            <a:ext uri="{909E8E84-426E-40DD-AFC4-6F175D3DCCD1}">
+              <a14:hiddenFill xmlns:a14="http://schemas.microsoft.com/office/drawing/2010/main">
+                <a:solidFill>
+                  <a:srgbClr val="FFFFFF"/>
+                </a:solidFill>
+              </a14:hiddenFill>
+            </a:ext>
+            <a:ext uri="{91240B29-F687-4F45-9708-019B960494DF}">
+              <a14:hiddenLine xmlns:a14="http://schemas.microsoft.com/office/drawing/2010/main" w="9525">
+                <a:solidFill>
+                  <a:srgbClr val="000000"/>
+                </a:solidFill>
+                <a:miter lim="800000"/>
+                <a:headEnd/>
+                <a:tailEnd/>
+              </a14:hiddenLine>
+            </a:ext>
+          </a:extLst>
+        </p:spPr>
+        <p:txBody>
+          <a:bodyPr wrap="square">
+            <a:spAutoFit/>
+          </a:bodyPr>
+          <a:lstStyle>
+            <a:lvl1pPr>
+              <a:defRPr>
+                <a:solidFill>
+                  <a:schemeClr val="tx1"/>
+                </a:solidFill>
+                <a:latin typeface="Calibri" panose="020F0502020204030204" pitchFamily="34" charset="0"/>
+              </a:defRPr>
+            </a:lvl1pPr>
+            <a:lvl2pPr marL="742950" indent="-285750">
+              <a:defRPr>
+                <a:solidFill>
+                  <a:schemeClr val="tx1"/>
+                </a:solidFill>
+                <a:latin typeface="Calibri" panose="020F0502020204030204" pitchFamily="34" charset="0"/>
+              </a:defRPr>
+            </a:lvl2pPr>
+            <a:lvl3pPr marL="1143000" indent="-228600">
+              <a:defRPr>
+                <a:solidFill>
+                  <a:schemeClr val="tx1"/>
+                </a:solidFill>
+                <a:latin typeface="Calibri" panose="020F0502020204030204" pitchFamily="34" charset="0"/>
+              </a:defRPr>
+            </a:lvl3pPr>
+            <a:lvl4pPr marL="1600200" indent="-228600">
+              <a:defRPr>
+                <a:solidFill>
+                  <a:schemeClr val="tx1"/>
+                </a:solidFill>
+                <a:latin typeface="Calibri" panose="020F0502020204030204" pitchFamily="34" charset="0"/>
+              </a:defRPr>
+            </a:lvl4pPr>
+            <a:lvl5pPr marL="2057400" indent="-228600">
+              <a:defRPr>
+                <a:solidFill>
+                  <a:schemeClr val="tx1"/>
+                </a:solidFill>
+                <a:latin typeface="Calibri" panose="020F0502020204030204" pitchFamily="34" charset="0"/>
+              </a:defRPr>
+            </a:lvl5pPr>
+            <a:lvl6pPr marL="2514600" indent="-228600" eaLnBrk="0" fontAlgn="base" hangingPunct="0">
+              <a:spcBef>
+                <a:spcPct val="0"/>
+              </a:spcBef>
+              <a:spcAft>
+                <a:spcPct val="0"/>
+              </a:spcAft>
+              <a:defRPr>
+                <a:solidFill>
+                  <a:schemeClr val="tx1"/>
+                </a:solidFill>
+                <a:latin typeface="Calibri" panose="020F0502020204030204" pitchFamily="34" charset="0"/>
+              </a:defRPr>
+            </a:lvl6pPr>
+            <a:lvl7pPr marL="2971800" indent="-228600" eaLnBrk="0" fontAlgn="base" hangingPunct="0">
+              <a:spcBef>
+                <a:spcPct val="0"/>
+              </a:spcBef>
+              <a:spcAft>
+                <a:spcPct val="0"/>
+              </a:spcAft>
+              <a:defRPr>
+                <a:solidFill>
+                  <a:schemeClr val="tx1"/>
+                </a:solidFill>
+                <a:latin typeface="Calibri" panose="020F0502020204030204" pitchFamily="34" charset="0"/>
+              </a:defRPr>
+            </a:lvl7pPr>
+            <a:lvl8pPr marL="3429000" indent="-228600" eaLnBrk="0" fontAlgn="base" hangingPunct="0">
+              <a:spcBef>
+                <a:spcPct val="0"/>
+              </a:spcBef>
+              <a:spcAft>
+                <a:spcPct val="0"/>
+              </a:spcAft>
+              <a:defRPr>
+                <a:solidFill>
+                  <a:schemeClr val="tx1"/>
+                </a:solidFill>
+                <a:latin typeface="Calibri" panose="020F0502020204030204" pitchFamily="34" charset="0"/>
+              </a:defRPr>
+            </a:lvl8pPr>
+            <a:lvl9pPr marL="3886200" indent="-228600" eaLnBrk="0" fontAlgn="base" hangingPunct="0">
+              <a:spcBef>
+                <a:spcPct val="0"/>
+              </a:spcBef>
+              <a:spcAft>
+                <a:spcPct val="0"/>
+              </a:spcAft>
+              <a:defRPr>
+                <a:solidFill>
+                  <a:schemeClr val="tx1"/>
+                </a:solidFill>
+                <a:latin typeface="Calibri" panose="020F0502020204030204" pitchFamily="34" charset="0"/>
+              </a:defRPr>
+            </a:lvl9pPr>
+          </a:lstStyle>
+          <a:p>
+            <a:pPr algn="ctr" eaLnBrk="1" hangingPunct="1"/>
+            <a:r>
+              <a:rPr lang="en-US" altLang="en-US" sz="1200" smtClean="0">
+                <a:latin typeface="Arial" panose="020B0604020202020204" pitchFamily="34" charset="0"/>
+                <a:ea typeface="Amazon Ember" panose="020B0603020204020204" pitchFamily="34" charset="0"/>
+                <a:cs typeface="Arial" panose="020B0604020202020204" pitchFamily="34" charset="0"/>
+              </a:rPr>
+              <a:t>Amazon EKS</a:t>
+            </a:r>
+            <a:endParaRPr lang="en-US" altLang="en-US" sz="1200" dirty="0">
+              <a:latin typeface="Arial" panose="020B0604020202020204" pitchFamily="34" charset="0"/>
+              <a:ea typeface="Amazon Ember" panose="020B0603020204020204" pitchFamily="34" charset="0"/>
+              <a:cs typeface="Arial" panose="020B0604020202020204" pitchFamily="34" charset="0"/>
+            </a:endParaRPr>
+          </a:p>
+        </p:txBody>
+      </p:sp>
+      <p:pic>
+        <p:nvPicPr>
+          <p:cNvPr id="115" name="Graphic 32">
+            <a:extLst>
+              <a:ext uri="{FF2B5EF4-FFF2-40B4-BE49-F238E27FC236}">
+                <a16:creationId xmlns:a16="http://schemas.microsoft.com/office/drawing/2014/main" id="{C327E70E-44D3-764E-8F2B-2AF2A8D5CCC1}"/>
+              </a:ext>
+            </a:extLst>
+          </p:cNvPr>
+          <p:cNvPicPr>
+            <a:picLocks noChangeAspect="1" noChangeArrowheads="1"/>
+          </p:cNvPicPr>
+          <p:nvPr/>
+        </p:nvPicPr>
+        <p:blipFill>
+          <a:blip r:embed="rId28">
+            <a:extLst>
+              <a:ext uri="{28A0092B-C50C-407E-A947-70E740481C1C}">
+                <a14:useLocalDpi xmlns:a14="http://schemas.microsoft.com/office/drawing/2010/main" val="0"/>
+              </a:ext>
+            </a:extLst>
+          </a:blip>
+          <a:srcRect/>
+          <a:stretch>
+            <a:fillRect/>
+          </a:stretch>
+        </p:blipFill>
+        <p:spPr bwMode="auto">
+          <a:xfrm>
+            <a:off x="10515600" y="4663440"/>
+            <a:ext cx="457200" cy="457200"/>
+          </a:xfrm>
+          <a:prstGeom prst="rect">
+            <a:avLst/>
+          </a:prstGeom>
+          <a:noFill/>
+          <a:ln>
+            <a:noFill/>
+          </a:ln>
+          <a:extLst>
+            <a:ext uri="{909E8E84-426E-40DD-AFC4-6F175D3DCCD1}">
+              <a14:hiddenFill xmlns:a14="http://schemas.microsoft.com/office/drawing/2010/main">
+                <a:solidFill>
+                  <a:srgbClr val="FFFFFF"/>
+                </a:solidFill>
+              </a14:hiddenFill>
+            </a:ext>
+            <a:ext uri="{91240B29-F687-4F45-9708-019B960494DF}">
+              <a14:hiddenLine xmlns:a14="http://schemas.microsoft.com/office/drawing/2010/main" w="9525">
+                <a:solidFill>
+                  <a:srgbClr val="000000"/>
+                </a:solidFill>
+                <a:miter lim="800000"/>
+                <a:headEnd/>
+                <a:tailEnd/>
+              </a14:hiddenLine>
+            </a:ext>
+          </a:extLst>
+        </p:spPr>
+      </p:pic>
+      <p:pic>
+        <p:nvPicPr>
+          <p:cNvPr id="116" name="Graphic 62">
+            <a:extLst>
+              <a:ext uri="{FF2B5EF4-FFF2-40B4-BE49-F238E27FC236}">
+                <a16:creationId xmlns:a16="http://schemas.microsoft.com/office/drawing/2014/main" id="{8B47AFFF-81D9-C348-90A5-553E82D08748}"/>
+              </a:ext>
+            </a:extLst>
+          </p:cNvPr>
+          <p:cNvPicPr>
+            <a:picLocks noChangeAspect="1" noChangeArrowheads="1"/>
+          </p:cNvPicPr>
+          <p:nvPr/>
+        </p:nvPicPr>
+        <p:blipFill>
+          <a:blip r:embed="rId29">
+            <a:extLst>
+              <a:ext uri="{28A0092B-C50C-407E-A947-70E740481C1C}">
+                <a14:useLocalDpi xmlns:a14="http://schemas.microsoft.com/office/drawing/2010/main" val="0"/>
+              </a:ext>
+            </a:extLst>
+          </a:blip>
+          <a:srcRect/>
+          <a:stretch>
+            <a:fillRect/>
+          </a:stretch>
+        </p:blipFill>
+        <p:spPr bwMode="auto">
+          <a:xfrm>
+            <a:off x="3383280" y="4937760"/>
+            <a:ext cx="457200" cy="457200"/>
+          </a:xfrm>
+          <a:prstGeom prst="rect">
+            <a:avLst/>
+          </a:prstGeom>
+          <a:noFill/>
+          <a:ln>
+            <a:noFill/>
+          </a:ln>
+          <a:extLst>
+            <a:ext uri="{909E8E84-426E-40DD-AFC4-6F175D3DCCD1}">
+              <a14:hiddenFill xmlns:a14="http://schemas.microsoft.com/office/drawing/2010/main">
+                <a:solidFill>
+                  <a:srgbClr val="FFFFFF"/>
+                </a:solidFill>
+              </a14:hiddenFill>
+            </a:ext>
+            <a:ext uri="{91240B29-F687-4F45-9708-019B960494DF}">
+              <a14:hiddenLine xmlns:a14="http://schemas.microsoft.com/office/drawing/2010/main" w="9525">
+                <a:solidFill>
+                  <a:srgbClr val="000000"/>
+                </a:solidFill>
+                <a:miter lim="800000"/>
+                <a:headEnd/>
+                <a:tailEnd/>
+              </a14:hiddenLine>
+            </a:ext>
+          </a:extLst>
+        </p:spPr>
+      </p:pic>
+      <p:pic>
+        <p:nvPicPr>
+          <p:cNvPr id="117" name="Graphic 62">
+            <a:extLst>
+              <a:ext uri="{FF2B5EF4-FFF2-40B4-BE49-F238E27FC236}">
+                <a16:creationId xmlns:a16="http://schemas.microsoft.com/office/drawing/2014/main" id="{8B47AFFF-81D9-C348-90A5-553E82D08748}"/>
+              </a:ext>
+            </a:extLst>
+          </p:cNvPr>
+          <p:cNvPicPr>
+            <a:picLocks noChangeAspect="1" noChangeArrowheads="1"/>
+          </p:cNvPicPr>
+          <p:nvPr/>
+        </p:nvPicPr>
+        <p:blipFill>
+          <a:blip r:embed="rId29">
+            <a:extLst>
+              <a:ext uri="{28A0092B-C50C-407E-A947-70E740481C1C}">
+                <a14:useLocalDpi xmlns:a14="http://schemas.microsoft.com/office/drawing/2010/main" val="0"/>
+              </a:ext>
+            </a:extLst>
+          </a:blip>
+          <a:srcRect/>
+          <a:stretch>
+            <a:fillRect/>
+          </a:stretch>
+        </p:blipFill>
+        <p:spPr bwMode="auto">
+          <a:xfrm>
+            <a:off x="6492240" y="4937760"/>
+            <a:ext cx="457200" cy="457200"/>
+          </a:xfrm>
+          <a:prstGeom prst="rect">
+            <a:avLst/>
+          </a:prstGeom>
+          <a:noFill/>
+          <a:ln>
+            <a:noFill/>
+          </a:ln>
+          <a:extLst>
+            <a:ext uri="{909E8E84-426E-40DD-AFC4-6F175D3DCCD1}">
+              <a14:hiddenFill xmlns:a14="http://schemas.microsoft.com/office/drawing/2010/main">
+                <a:solidFill>
+                  <a:srgbClr val="FFFFFF"/>
+                </a:solidFill>
+              </a14:hiddenFill>
+            </a:ext>
+            <a:ext uri="{91240B29-F687-4F45-9708-019B960494DF}">
+              <a14:hiddenLine xmlns:a14="http://schemas.microsoft.com/office/drawing/2010/main" w="9525">
+                <a:solidFill>
+                  <a:srgbClr val="000000"/>
+                </a:solidFill>
+                <a:miter lim="800000"/>
+                <a:headEnd/>
+                <a:tailEnd/>
+              </a14:hiddenLine>
+            </a:ext>
+          </a:extLst>
+        </p:spPr>
+      </p:pic>
+      <p:pic>
+        <p:nvPicPr>
+          <p:cNvPr id="118" name="Graphic 62">
+            <a:extLst>
+              <a:ext uri="{FF2B5EF4-FFF2-40B4-BE49-F238E27FC236}">
+                <a16:creationId xmlns:a16="http://schemas.microsoft.com/office/drawing/2014/main" id="{8B47AFFF-81D9-C348-90A5-553E82D08748}"/>
+              </a:ext>
+            </a:extLst>
+          </p:cNvPr>
+          <p:cNvPicPr>
+            <a:picLocks noChangeAspect="1" noChangeArrowheads="1"/>
+          </p:cNvPicPr>
+          <p:nvPr/>
+        </p:nvPicPr>
+        <p:blipFill>
+          <a:blip r:embed="rId29">
+            <a:extLst>
+              <a:ext uri="{28A0092B-C50C-407E-A947-70E740481C1C}">
+                <a14:useLocalDpi xmlns:a14="http://schemas.microsoft.com/office/drawing/2010/main" val="0"/>
+              </a:ext>
+            </a:extLst>
+          </a:blip>
+          <a:srcRect/>
+          <a:stretch>
+            <a:fillRect/>
+          </a:stretch>
+        </p:blipFill>
+        <p:spPr bwMode="auto">
+          <a:xfrm>
+            <a:off x="8686800" y="4937760"/>
+            <a:ext cx="457200" cy="457200"/>
+          </a:xfrm>
+          <a:prstGeom prst="rect">
+            <a:avLst/>
+          </a:prstGeom>
+          <a:noFill/>
+          <a:ln>
+            <a:noFill/>
+          </a:ln>
+          <a:extLst>
+            <a:ext uri="{909E8E84-426E-40DD-AFC4-6F175D3DCCD1}">
+              <a14:hiddenFill xmlns:a14="http://schemas.microsoft.com/office/drawing/2010/main">
+                <a:solidFill>
+                  <a:srgbClr val="FFFFFF"/>
+                </a:solidFill>
+              </a14:hiddenFill>
+            </a:ext>
+            <a:ext uri="{91240B29-F687-4F45-9708-019B960494DF}">
+              <a14:hiddenLine xmlns:a14="http://schemas.microsoft.com/office/drawing/2010/main" w="9525">
+                <a:solidFill>
+                  <a:srgbClr val="000000"/>
+                </a:solidFill>
+                <a:miter lim="800000"/>
+                <a:headEnd/>
+                <a:tailEnd/>
+              </a14:hiddenLine>
+            </a:ext>
+          </a:extLst>
+        </p:spPr>
+      </p:pic>
+      <p:pic>
+        <p:nvPicPr>
+          <p:cNvPr id="119" name="Graphic 28">
+            <a:extLst>
+              <a:ext uri="{FF2B5EF4-FFF2-40B4-BE49-F238E27FC236}">
+                <a16:creationId xmlns:a16="http://schemas.microsoft.com/office/drawing/2014/main" id="{88C69878-A4A8-CE45-B624-0223CB16619E}"/>
+              </a:ext>
+            </a:extLst>
+          </p:cNvPr>
+          <p:cNvPicPr>
+            <a:picLocks noChangeAspect="1" noChangeArrowheads="1"/>
+          </p:cNvPicPr>
+          <p:nvPr/>
+        </p:nvPicPr>
+        <p:blipFill>
+          <a:blip r:embed="rId30">
+            <a:extLst>
+              <a:ext uri="{28A0092B-C50C-407E-A947-70E740481C1C}">
+                <a14:useLocalDpi xmlns:a14="http://schemas.microsoft.com/office/drawing/2010/main" val="0"/>
+              </a:ext>
+            </a:extLst>
+          </a:blip>
+          <a:srcRect/>
+          <a:stretch>
+            <a:fillRect/>
+          </a:stretch>
+        </p:blipFill>
+        <p:spPr bwMode="auto">
+          <a:xfrm>
+            <a:off x="1737360" y="1645920"/>
+            <a:ext cx="330200" cy="330200"/>
+          </a:xfrm>
+          <a:prstGeom prst="rect">
+            <a:avLst/>
+          </a:prstGeom>
+          <a:noFill/>
+          <a:ln>
+            <a:noFill/>
+          </a:ln>
+          <a:extLst>
+            <a:ext uri="{909E8E84-426E-40DD-AFC4-6F175D3DCCD1}">
+              <a14:hiddenFill xmlns:a14="http://schemas.microsoft.com/office/drawing/2010/main">
+                <a:solidFill>
+                  <a:srgbClr val="FFFFFF"/>
+                </a:solidFill>
+              </a14:hiddenFill>
+            </a:ext>
+            <a:ext uri="{91240B29-F687-4F45-9708-019B960494DF}">
+              <a14:hiddenLine xmlns:a14="http://schemas.microsoft.com/office/drawing/2010/main" w="9525">
+                <a:solidFill>
+                  <a:srgbClr val="000000"/>
+                </a:solidFill>
+                <a:miter lim="800000"/>
+                <a:headEnd/>
+                <a:tailEnd/>
+              </a14:hiddenLine>
+            </a:ext>
+          </a:extLst>
+        </p:spPr>
+      </p:pic>
+      <p:pic>
+        <p:nvPicPr>
+          <p:cNvPr id="120" name="Graphic 35">
+            <a:extLst>
+              <a:ext uri="{FF2B5EF4-FFF2-40B4-BE49-F238E27FC236}">
+                <a16:creationId xmlns:a16="http://schemas.microsoft.com/office/drawing/2014/main" id="{6FC3D56A-1081-9B43-9B9C-251CDE8593F4}"/>
+              </a:ext>
+            </a:extLst>
+          </p:cNvPr>
+          <p:cNvPicPr>
+            <a:picLocks noChangeAspect="1" noChangeArrowheads="1"/>
+          </p:cNvPicPr>
+          <p:nvPr/>
+        </p:nvPicPr>
+        <p:blipFill>
+          <a:blip r:embed="rId31">
+            <a:extLst>
+              <a:ext uri="{28A0092B-C50C-407E-A947-70E740481C1C}">
+                <a14:useLocalDpi xmlns:a14="http://schemas.microsoft.com/office/drawing/2010/main" val="0"/>
+              </a:ext>
+            </a:extLst>
+          </a:blip>
+          <a:srcRect/>
+          <a:stretch>
+            <a:fillRect/>
+          </a:stretch>
+        </p:blipFill>
+        <p:spPr bwMode="auto">
+          <a:xfrm>
+            <a:off x="2743200" y="4389120"/>
+            <a:ext cx="274637" cy="274638"/>
+          </a:xfrm>
+          <a:prstGeom prst="rect">
+            <a:avLst/>
+          </a:prstGeom>
+          <a:noFill/>
+          <a:ln>
+            <a:noFill/>
+          </a:ln>
+          <a:extLst>
+            <a:ext uri="{909E8E84-426E-40DD-AFC4-6F175D3DCCD1}">
+              <a14:hiddenFill xmlns:a14="http://schemas.microsoft.com/office/drawing/2010/main">
+                <a:solidFill>
+                  <a:srgbClr val="FFFFFF"/>
+                </a:solidFill>
+              </a14:hiddenFill>
+            </a:ext>
+            <a:ext uri="{91240B29-F687-4F45-9708-019B960494DF}">
+              <a14:hiddenLine xmlns:a14="http://schemas.microsoft.com/office/drawing/2010/main" w="9525">
+                <a:solidFill>
+                  <a:srgbClr val="000000"/>
+                </a:solidFill>
+                <a:miter lim="800000"/>
+                <a:headEnd/>
+                <a:tailEnd/>
+              </a14:hiddenLine>
+            </a:ext>
+          </a:extLst>
+        </p:spPr>
+      </p:pic>
+      <p:pic>
+        <p:nvPicPr>
+          <p:cNvPr id="121" name="Graphic 35">
+            <a:extLst>
+              <a:ext uri="{FF2B5EF4-FFF2-40B4-BE49-F238E27FC236}">
+                <a16:creationId xmlns:a16="http://schemas.microsoft.com/office/drawing/2014/main" id="{6FC3D56A-1081-9B43-9B9C-251CDE8593F4}"/>
+              </a:ext>
+            </a:extLst>
+          </p:cNvPr>
+          <p:cNvPicPr>
+            <a:picLocks noChangeAspect="1" noChangeArrowheads="1"/>
+          </p:cNvPicPr>
+          <p:nvPr/>
+        </p:nvPicPr>
+        <p:blipFill>
+          <a:blip r:embed="rId31">
+            <a:extLst>
+              <a:ext uri="{28A0092B-C50C-407E-A947-70E740481C1C}">
+                <a14:useLocalDpi xmlns:a14="http://schemas.microsoft.com/office/drawing/2010/main" val="0"/>
+              </a:ext>
+            </a:extLst>
+          </a:blip>
+          <a:srcRect/>
+          <a:stretch>
+            <a:fillRect/>
+          </a:stretch>
+        </p:blipFill>
+        <p:spPr bwMode="auto">
+          <a:xfrm>
+            <a:off x="5852160" y="4389120"/>
+            <a:ext cx="274637" cy="274638"/>
+          </a:xfrm>
+          <a:prstGeom prst="rect">
+            <a:avLst/>
+          </a:prstGeom>
+          <a:noFill/>
+          <a:ln>
+            <a:noFill/>
+          </a:ln>
+          <a:extLst>
+            <a:ext uri="{909E8E84-426E-40DD-AFC4-6F175D3DCCD1}">
+              <a14:hiddenFill xmlns:a14="http://schemas.microsoft.com/office/drawing/2010/main">
+                <a:solidFill>
+                  <a:srgbClr val="FFFFFF"/>
+                </a:solidFill>
+              </a14:hiddenFill>
+            </a:ext>
+            <a:ext uri="{91240B29-F687-4F45-9708-019B960494DF}">
+              <a14:hiddenLine xmlns:a14="http://schemas.microsoft.com/office/drawing/2010/main" w="9525">
+                <a:solidFill>
+                  <a:srgbClr val="000000"/>
+                </a:solidFill>
+                <a:miter lim="800000"/>
+                <a:headEnd/>
+                <a:tailEnd/>
+              </a14:hiddenLine>
+            </a:ext>
+          </a:extLst>
+        </p:spPr>
+      </p:pic>
+      <p:pic>
+        <p:nvPicPr>
+          <p:cNvPr id="122" name="Graphic 35">
+            <a:extLst>
+              <a:ext uri="{FF2B5EF4-FFF2-40B4-BE49-F238E27FC236}">
+                <a16:creationId xmlns:a16="http://schemas.microsoft.com/office/drawing/2014/main" id="{6FC3D56A-1081-9B43-9B9C-251CDE8593F4}"/>
+              </a:ext>
+            </a:extLst>
+          </p:cNvPr>
+          <p:cNvPicPr>
+            <a:picLocks noChangeAspect="1" noChangeArrowheads="1"/>
+          </p:cNvPicPr>
+          <p:nvPr/>
+        </p:nvPicPr>
+        <p:blipFill>
+          <a:blip r:embed="rId31">
+            <a:extLst>
+              <a:ext uri="{28A0092B-C50C-407E-A947-70E740481C1C}">
+                <a14:useLocalDpi xmlns:a14="http://schemas.microsoft.com/office/drawing/2010/main" val="0"/>
+              </a:ext>
+            </a:extLst>
+          </a:blip>
+          <a:srcRect/>
+          <a:stretch>
+            <a:fillRect/>
+          </a:stretch>
+        </p:blipFill>
+        <p:spPr bwMode="auto">
+          <a:xfrm>
+            <a:off x="8138400" y="4389120"/>
+            <a:ext cx="274637" cy="274638"/>
+          </a:xfrm>
+          <a:prstGeom prst="rect">
+            <a:avLst/>
+          </a:prstGeom>
+          <a:noFill/>
+          <a:ln>
+            <a:noFill/>
+          </a:ln>
+          <a:extLst>
+            <a:ext uri="{909E8E84-426E-40DD-AFC4-6F175D3DCCD1}">
+              <a14:hiddenFill xmlns:a14="http://schemas.microsoft.com/office/drawing/2010/main">
+                <a:solidFill>
+                  <a:srgbClr val="FFFFFF"/>
+                </a:solidFill>
+              </a14:hiddenFill>
+            </a:ext>
+            <a:ext uri="{91240B29-F687-4F45-9708-019B960494DF}">
+              <a14:hiddenLine xmlns:a14="http://schemas.microsoft.com/office/drawing/2010/main" w="9525">
+                <a:solidFill>
+                  <a:srgbClr val="000000"/>
+                </a:solidFill>
+                <a:miter lim="800000"/>
+                <a:headEnd/>
+                <a:tailEnd/>
+              </a14:hiddenLine>
+            </a:ext>
+          </a:extLst>
+        </p:spPr>
+      </p:pic>
+      <p:pic>
+        <p:nvPicPr>
+          <p:cNvPr id="123" name="Graphic 34">
+            <a:extLst>
+              <a:ext uri="{FF2B5EF4-FFF2-40B4-BE49-F238E27FC236}">
+                <a16:creationId xmlns:a16="http://schemas.microsoft.com/office/drawing/2014/main" id="{41905C5A-FAE4-854F-8D41-4C3BCF9EA0F6}"/>
+              </a:ext>
+            </a:extLst>
+          </p:cNvPr>
+          <p:cNvPicPr>
+            <a:picLocks noChangeAspect="1" noChangeArrowheads="1"/>
+          </p:cNvPicPr>
+          <p:nvPr/>
+        </p:nvPicPr>
+        <p:blipFill>
+          <a:blip r:embed="rId32">
+            <a:extLst>
+              <a:ext uri="{28A0092B-C50C-407E-A947-70E740481C1C}">
+                <a14:useLocalDpi xmlns:a14="http://schemas.microsoft.com/office/drawing/2010/main" val="0"/>
+              </a:ext>
+            </a:extLst>
+          </a:blip>
+          <a:srcRect/>
+          <a:stretch>
+            <a:fillRect/>
+          </a:stretch>
+        </p:blipFill>
+        <p:spPr bwMode="auto">
+          <a:xfrm>
+            <a:off x="2743200" y="1828800"/>
+            <a:ext cx="274638" cy="274638"/>
+          </a:xfrm>
+          <a:prstGeom prst="rect">
+            <a:avLst/>
+          </a:prstGeom>
+          <a:noFill/>
+          <a:ln>
+            <a:noFill/>
+          </a:ln>
+          <a:extLst>
+            <a:ext uri="{909E8E84-426E-40DD-AFC4-6F175D3DCCD1}">
+              <a14:hiddenFill xmlns:a14="http://schemas.microsoft.com/office/drawing/2010/main">
+                <a:solidFill>
+                  <a:srgbClr val="FFFFFF"/>
+                </a:solidFill>
+              </a14:hiddenFill>
+            </a:ext>
+            <a:ext uri="{91240B29-F687-4F45-9708-019B960494DF}">
+              <a14:hiddenLine xmlns:a14="http://schemas.microsoft.com/office/drawing/2010/main" w="9525">
+                <a:solidFill>
+                  <a:srgbClr val="000000"/>
+                </a:solidFill>
+                <a:miter lim="800000"/>
+                <a:headEnd/>
+                <a:tailEnd/>
+              </a14:hiddenLine>
+            </a:ext>
+          </a:extLst>
+        </p:spPr>
+      </p:pic>
+      <p:pic>
+        <p:nvPicPr>
+          <p:cNvPr id="124" name="Graphic 34">
+            <a:extLst>
+              <a:ext uri="{FF2B5EF4-FFF2-40B4-BE49-F238E27FC236}">
+                <a16:creationId xmlns:a16="http://schemas.microsoft.com/office/drawing/2014/main" id="{41905C5A-FAE4-854F-8D41-4C3BCF9EA0F6}"/>
+              </a:ext>
+            </a:extLst>
+          </p:cNvPr>
+          <p:cNvPicPr>
+            <a:picLocks noChangeAspect="1" noChangeArrowheads="1"/>
+          </p:cNvPicPr>
+          <p:nvPr/>
+        </p:nvPicPr>
+        <p:blipFill>
+          <a:blip r:embed="rId32">
+            <a:extLst>
+              <a:ext uri="{28A0092B-C50C-407E-A947-70E740481C1C}">
+                <a14:useLocalDpi xmlns:a14="http://schemas.microsoft.com/office/drawing/2010/main" val="0"/>
+              </a:ext>
+            </a:extLst>
+          </a:blip>
+          <a:srcRect/>
+          <a:stretch>
+            <a:fillRect/>
+          </a:stretch>
+        </p:blipFill>
+        <p:spPr bwMode="auto">
+          <a:xfrm>
+            <a:off x="8138160" y="1828800"/>
+            <a:ext cx="274638" cy="274638"/>
+          </a:xfrm>
+          <a:prstGeom prst="rect">
+            <a:avLst/>
+          </a:prstGeom>
+          <a:noFill/>
+          <a:ln>
+            <a:noFill/>
+          </a:ln>
+          <a:extLst>
+            <a:ext uri="{909E8E84-426E-40DD-AFC4-6F175D3DCCD1}">
+              <a14:hiddenFill xmlns:a14="http://schemas.microsoft.com/office/drawing/2010/main">
+                <a:solidFill>
+                  <a:srgbClr val="FFFFFF"/>
+                </a:solidFill>
+              </a14:hiddenFill>
+            </a:ext>
+            <a:ext uri="{91240B29-F687-4F45-9708-019B960494DF}">
+              <a14:hiddenLine xmlns:a14="http://schemas.microsoft.com/office/drawing/2010/main" w="9525">
+                <a:solidFill>
+                  <a:srgbClr val="000000"/>
+                </a:solidFill>
+                <a:miter lim="800000"/>
+                <a:headEnd/>
+                <a:tailEnd/>
+              </a14:hiddenLine>
+            </a:ext>
+          </a:extLst>
+        </p:spPr>
+      </p:pic>
+      <p:pic>
+        <p:nvPicPr>
+          <p:cNvPr id="125" name="Graphic 34">
+            <a:extLst>
+              <a:ext uri="{FF2B5EF4-FFF2-40B4-BE49-F238E27FC236}">
+                <a16:creationId xmlns:a16="http://schemas.microsoft.com/office/drawing/2014/main" id="{41905C5A-FAE4-854F-8D41-4C3BCF9EA0F6}"/>
+              </a:ext>
+            </a:extLst>
+          </p:cNvPr>
+          <p:cNvPicPr>
+            <a:picLocks noChangeAspect="1" noChangeArrowheads="1"/>
+          </p:cNvPicPr>
+          <p:nvPr/>
+        </p:nvPicPr>
+        <p:blipFill>
+          <a:blip r:embed="rId32">
+            <a:extLst>
+              <a:ext uri="{28A0092B-C50C-407E-A947-70E740481C1C}">
+                <a14:useLocalDpi xmlns:a14="http://schemas.microsoft.com/office/drawing/2010/main" val="0"/>
+              </a:ext>
+            </a:extLst>
+          </a:blip>
+          <a:srcRect/>
+          <a:stretch>
+            <a:fillRect/>
+          </a:stretch>
+        </p:blipFill>
+        <p:spPr bwMode="auto">
+          <a:xfrm>
+            <a:off x="5852160" y="1828800"/>
+            <a:ext cx="274638" cy="274638"/>
+          </a:xfrm>
+          <a:prstGeom prst="rect">
+            <a:avLst/>
+          </a:prstGeom>
+          <a:noFill/>
+          <a:ln>
+            <a:noFill/>
+          </a:ln>
+          <a:extLst>
+            <a:ext uri="{909E8E84-426E-40DD-AFC4-6F175D3DCCD1}">
+              <a14:hiddenFill xmlns:a14="http://schemas.microsoft.com/office/drawing/2010/main">
+                <a:solidFill>
+                  <a:srgbClr val="FFFFFF"/>
+                </a:solidFill>
+              </a14:hiddenFill>
+            </a:ext>
+            <a:ext uri="{91240B29-F687-4F45-9708-019B960494DF}">
+              <a14:hiddenLine xmlns:a14="http://schemas.microsoft.com/office/drawing/2010/main" w="9525">
+                <a:solidFill>
+                  <a:srgbClr val="000000"/>
+                </a:solidFill>
+                <a:miter lim="800000"/>
+                <a:headEnd/>
+                <a:tailEnd/>
+              </a14:hiddenLine>
+            </a:ext>
+          </a:extLst>
+        </p:spPr>
+      </p:pic>
+      <p:pic>
+        <p:nvPicPr>
+          <p:cNvPr id="128" name="Graphic 18">
+            <a:extLst>
+              <a:ext uri="{FF2B5EF4-FFF2-40B4-BE49-F238E27FC236}">
+                <a16:creationId xmlns:a16="http://schemas.microsoft.com/office/drawing/2014/main" id="{48605900-BDF1-E240-87D8-954ECFA478B6}"/>
+              </a:ext>
+            </a:extLst>
+          </p:cNvPr>
+          <p:cNvPicPr>
+            <a:picLocks noChangeAspect="1" noChangeArrowheads="1"/>
+          </p:cNvPicPr>
+          <p:nvPr/>
+        </p:nvPicPr>
+        <p:blipFill>
+          <a:blip r:embed="rId33">
+            <a:extLst>
+              <a:ext uri="{28A0092B-C50C-407E-A947-70E740481C1C}">
+                <a14:useLocalDpi xmlns:a14="http://schemas.microsoft.com/office/drawing/2010/main" val="0"/>
+              </a:ext>
+            </a:extLst>
+          </a:blip>
+          <a:srcRect/>
+          <a:stretch>
+            <a:fillRect/>
+          </a:stretch>
+        </p:blipFill>
+        <p:spPr bwMode="auto">
+          <a:xfrm>
+            <a:off x="5029200" y="2194560"/>
+            <a:ext cx="330200" cy="330200"/>
+          </a:xfrm>
+          <a:prstGeom prst="rect">
+            <a:avLst/>
+          </a:prstGeom>
+          <a:noFill/>
+          <a:ln>
+            <a:noFill/>
+          </a:ln>
+          <a:extLst>
+            <a:ext uri="{909E8E84-426E-40DD-AFC4-6F175D3DCCD1}">
+              <a14:hiddenFill xmlns:a14="http://schemas.microsoft.com/office/drawing/2010/main">
+                <a:solidFill>
+                  <a:srgbClr val="FFFFFF"/>
+                </a:solidFill>
+              </a14:hiddenFill>
+            </a:ext>
+            <a:ext uri="{91240B29-F687-4F45-9708-019B960494DF}">
+              <a14:hiddenLine xmlns:a14="http://schemas.microsoft.com/office/drawing/2010/main" w="9525">
+                <a:solidFill>
+                  <a:srgbClr val="000000"/>
+                </a:solidFill>
+                <a:miter lim="800000"/>
+                <a:headEnd/>
+                <a:tailEnd/>
+              </a14:hiddenLine>
+            </a:ext>
+          </a:extLst>
+        </p:spPr>
+      </p:pic>
+      <p:pic>
+        <p:nvPicPr>
+          <p:cNvPr id="129" name="Graphic 18">
+            <a:extLst>
+              <a:ext uri="{FF2B5EF4-FFF2-40B4-BE49-F238E27FC236}">
+                <a16:creationId xmlns:a16="http://schemas.microsoft.com/office/drawing/2014/main" id="{48605900-BDF1-E240-87D8-954ECFA478B6}"/>
+              </a:ext>
+            </a:extLst>
+          </p:cNvPr>
+          <p:cNvPicPr>
+            <a:picLocks noChangeAspect="1" noChangeArrowheads="1"/>
+          </p:cNvPicPr>
+          <p:nvPr/>
+        </p:nvPicPr>
+        <p:blipFill>
+          <a:blip r:embed="rId33">
+            <a:extLst>
+              <a:ext uri="{28A0092B-C50C-407E-A947-70E740481C1C}">
+                <a14:useLocalDpi xmlns:a14="http://schemas.microsoft.com/office/drawing/2010/main" val="0"/>
+              </a:ext>
+            </a:extLst>
+          </a:blip>
+          <a:srcRect/>
+          <a:stretch>
+            <a:fillRect/>
+          </a:stretch>
+        </p:blipFill>
+        <p:spPr bwMode="auto">
+          <a:xfrm>
+            <a:off x="5029200" y="4754880"/>
+            <a:ext cx="330200" cy="330200"/>
+          </a:xfrm>
+          <a:prstGeom prst="rect">
+            <a:avLst/>
+          </a:prstGeom>
+          <a:noFill/>
+          <a:ln>
+            <a:noFill/>
+          </a:ln>
+          <a:extLst>
+            <a:ext uri="{909E8E84-426E-40DD-AFC4-6F175D3DCCD1}">
+              <a14:hiddenFill xmlns:a14="http://schemas.microsoft.com/office/drawing/2010/main">
+                <a:solidFill>
+                  <a:srgbClr val="FFFFFF"/>
+                </a:solidFill>
+              </a14:hiddenFill>
+            </a:ext>
+            <a:ext uri="{91240B29-F687-4F45-9708-019B960494DF}">
+              <a14:hiddenLine xmlns:a14="http://schemas.microsoft.com/office/drawing/2010/main" w="9525">
+                <a:solidFill>
+                  <a:srgbClr val="000000"/>
+                </a:solidFill>
+                <a:miter lim="800000"/>
+                <a:headEnd/>
+                <a:tailEnd/>
+              </a14:hiddenLine>
+            </a:ext>
+          </a:extLst>
+        </p:spPr>
+      </p:pic>
+      <p:cxnSp>
+        <p:nvCxnSpPr>
+          <p:cNvPr id="130" name="Straight Arrow Connector 129">
+            <a:extLst>
+              <a:ext uri="{FF2B5EF4-FFF2-40B4-BE49-F238E27FC236}">
+                <a16:creationId xmlns:a16="http://schemas.microsoft.com/office/drawing/2014/main" id="{9E8BEF15-E8C4-2242-949A-672EF8C74E91}"/>
+              </a:ext>
+            </a:extLst>
+          </p:cNvPr>
+          <p:cNvCxnSpPr>
+            <a:cxnSpLocks/>
+            <a:stCxn id="115" idx="3"/>
+            <a:endCxn id="108" idx="1"/>
+          </p:cNvCxnSpPr>
           <p:nvPr/>
         </p:nvCxnSpPr>
         <p:spPr>
           <a:xfrm>
-            <a:off x="1353015" y="2620548"/>
-            <a:ext cx="1864499" cy="0"/>
+            <a:off x="10972800" y="4892040"/>
+            <a:ext cx="1645920" cy="0"/>
           </a:xfrm>
           <a:prstGeom prst="straightConnector1">
             <a:avLst/>
@@ -4018,7 +7636,7 @@
               <a:srgbClr val="545B64"/>
             </a:solidFill>
             <a:headEnd type="none" w="med" len="sm"/>
-            <a:tailEnd type="triangle"/>
+            <a:tailEnd type="arrow" w="med" len="sm"/>
           </a:ln>
         </p:spPr>
         <p:style>
@@ -4038,22 +7656,24 @@
       </p:cxnSp>
       <p:cxnSp>
         <p:nvCxnSpPr>
-          <p:cNvPr id="70" name="Straight Arrow Connector 69">
+          <p:cNvPr id="131" name="Straight Arrow Connector 130">
             <a:extLst>
               <a:ext uri="{FF2B5EF4-FFF2-40B4-BE49-F238E27FC236}">
-                <a16:creationId xmlns:a16="http://schemas.microsoft.com/office/drawing/2014/main" id="{0D6F7BFE-904C-5A44-BC10-8615617AF0C8}"/>
+                <a16:creationId xmlns:a16="http://schemas.microsoft.com/office/drawing/2014/main" id="{9E8BEF15-E8C4-2242-949A-672EF8C74E91}"/>
               </a:ext>
             </a:extLst>
           </p:cNvPr>
           <p:cNvCxnSpPr>
             <a:cxnSpLocks/>
+            <a:stCxn id="74" idx="3"/>
+            <a:endCxn id="93" idx="1"/>
           </p:cNvCxnSpPr>
           <p:nvPr/>
         </p:nvCxnSpPr>
         <p:spPr>
-          <a:xfrm flipV="1">
-            <a:off x="1230955" y="4358251"/>
-            <a:ext cx="1344805" cy="8416"/>
+          <a:xfrm>
+            <a:off x="1530930" y="2697053"/>
+            <a:ext cx="1395150" cy="427"/>
           </a:xfrm>
           <a:prstGeom prst="straightConnector1">
             <a:avLst/>
@@ -4063,7 +7683,7 @@
               <a:srgbClr val="545B64"/>
             </a:solidFill>
             <a:headEnd type="none" w="med" len="sm"/>
-            <a:tailEnd type="triangle"/>
+            <a:tailEnd type="arrow" w="med" len="sm"/>
           </a:ln>
         </p:spPr>
         <p:style>
@@ -4081,206 +7701,26 @@
           </a:fontRef>
         </p:style>
       </p:cxnSp>
-      <p:pic>
-        <p:nvPicPr>
-          <p:cNvPr id="15" name="Picture 14">
+      <p:cxnSp>
+        <p:nvCxnSpPr>
+          <p:cNvPr id="132" name="Straight Arrow Connector 131">
             <a:extLst>
               <a:ext uri="{FF2B5EF4-FFF2-40B4-BE49-F238E27FC236}">
-                <a16:creationId xmlns:a16="http://schemas.microsoft.com/office/drawing/2014/main" id="{238E6DAD-98A2-8048-A9F2-FC2D4551A397}"/>
-              </a:ext>
-            </a:extLst>
-          </p:cNvPr>
-          <p:cNvPicPr>
-            <a:picLocks noChangeAspect="1"/>
-          </p:cNvPicPr>
-          <p:nvPr/>
-        </p:nvPicPr>
-        <p:blipFill>
-          <a:blip r:embed="rId23"/>
-          <a:stretch>
-            <a:fillRect/>
-          </a:stretch>
-        </p:blipFill>
-        <p:spPr>
-          <a:xfrm>
-            <a:off x="3978940" y="5989123"/>
-            <a:ext cx="152400" cy="177800"/>
-          </a:xfrm>
-          <a:prstGeom prst="rect">
-            <a:avLst/>
-          </a:prstGeom>
-        </p:spPr>
-      </p:pic>
-      <p:sp>
-        <p:nvSpPr>
-          <p:cNvPr id="16" name="TextBox 15">
-            <a:extLst>
-              <a:ext uri="{FF2B5EF4-FFF2-40B4-BE49-F238E27FC236}">
-                <a16:creationId xmlns:a16="http://schemas.microsoft.com/office/drawing/2014/main" id="{57A38B41-F8E0-4F4E-B625-3732467DC25C}"/>
-              </a:ext>
-            </a:extLst>
-          </p:cNvPr>
-          <p:cNvSpPr txBox="1"/>
-          <p:nvPr/>
-        </p:nvSpPr>
-        <p:spPr>
-          <a:xfrm>
-            <a:off x="4206466" y="5975846"/>
-            <a:ext cx="1650713" cy="246221"/>
-          </a:xfrm>
-          <a:prstGeom prst="rect">
-            <a:avLst/>
-          </a:prstGeom>
-          <a:noFill/>
-        </p:spPr>
-        <p:txBody>
-          <a:bodyPr wrap="square" rtlCol="0">
-            <a:spAutoFit/>
-          </a:bodyPr>
-          <a:lstStyle/>
-          <a:p>
-            <a:r>
-              <a:rPr lang="en-US" sz="1000" dirty="0"/>
-              <a:t>Contains Spinnaker Pods</a:t>
-            </a:r>
-          </a:p>
-        </p:txBody>
-      </p:sp>
-      <p:grpSp>
-        <p:nvGrpSpPr>
-          <p:cNvPr id="19" name="Group 18">
-            <a:extLst>
-              <a:ext uri="{FF2B5EF4-FFF2-40B4-BE49-F238E27FC236}">
-                <a16:creationId xmlns:a16="http://schemas.microsoft.com/office/drawing/2014/main" id="{38D5EFC7-9EA6-264C-80C0-5A083E5A23EA}"/>
-              </a:ext>
-            </a:extLst>
-          </p:cNvPr>
-          <p:cNvGrpSpPr/>
-          <p:nvPr/>
-        </p:nvGrpSpPr>
-        <p:grpSpPr>
-          <a:xfrm>
-            <a:off x="831557" y="5106289"/>
-            <a:ext cx="365884" cy="551021"/>
-            <a:chOff x="831557" y="5106289"/>
-            <a:chExt cx="365884" cy="551021"/>
-          </a:xfrm>
-        </p:grpSpPr>
-        <p:pic>
-          <p:nvPicPr>
-            <p:cNvPr id="17" name="Picture 16">
-              <a:extLst>
-                <a:ext uri="{FF2B5EF4-FFF2-40B4-BE49-F238E27FC236}">
-                  <a16:creationId xmlns:a16="http://schemas.microsoft.com/office/drawing/2014/main" id="{E89BD07B-5A8F-7E43-A513-CDA3BEC5F2A5}"/>
-                </a:ext>
-              </a:extLst>
-            </p:cNvPr>
-            <p:cNvPicPr>
-              <a:picLocks noChangeAspect="1"/>
-            </p:cNvPicPr>
-            <p:nvPr/>
-          </p:nvPicPr>
-          <p:blipFill>
-            <a:blip r:embed="rId24"/>
-            <a:stretch>
-              <a:fillRect/>
-            </a:stretch>
-          </p:blipFill>
-          <p:spPr>
-            <a:xfrm>
-              <a:off x="850319" y="5106289"/>
-              <a:ext cx="304800" cy="304800"/>
-            </a:xfrm>
-            <a:prstGeom prst="rect">
-              <a:avLst/>
-            </a:prstGeom>
-          </p:spPr>
-        </p:pic>
-        <p:sp>
-          <p:nvSpPr>
-            <p:cNvPr id="18" name="TextBox 17">
-              <a:extLst>
-                <a:ext uri="{FF2B5EF4-FFF2-40B4-BE49-F238E27FC236}">
-                  <a16:creationId xmlns:a16="http://schemas.microsoft.com/office/drawing/2014/main" id="{789606AB-60AB-3849-8365-EB86BD2BDEE3}"/>
-                </a:ext>
-              </a:extLst>
-            </p:cNvPr>
-            <p:cNvSpPr txBox="1"/>
-            <p:nvPr/>
-          </p:nvSpPr>
-          <p:spPr>
-            <a:xfrm>
-              <a:off x="831557" y="5411089"/>
-              <a:ext cx="365884" cy="246221"/>
-            </a:xfrm>
-            <a:prstGeom prst="rect">
-              <a:avLst/>
-            </a:prstGeom>
-            <a:noFill/>
-          </p:spPr>
-          <p:txBody>
-            <a:bodyPr wrap="square" rtlCol="0">
-              <a:spAutoFit/>
-            </a:bodyPr>
-            <a:lstStyle/>
-            <a:p>
-              <a:r>
-                <a:rPr lang="en-US" sz="1000" dirty="0"/>
-                <a:t>S3</a:t>
-              </a:r>
-            </a:p>
-          </p:txBody>
-        </p:sp>
-      </p:grpSp>
-      <p:pic>
-        <p:nvPicPr>
-          <p:cNvPr id="20" name="Picture 19">
-            <a:extLst>
-              <a:ext uri="{FF2B5EF4-FFF2-40B4-BE49-F238E27FC236}">
-                <a16:creationId xmlns:a16="http://schemas.microsoft.com/office/drawing/2014/main" id="{851E0FA0-3459-0446-9A49-19525B479167}"/>
-              </a:ext>
-            </a:extLst>
-          </p:cNvPr>
-          <p:cNvPicPr>
-            <a:picLocks noChangeAspect="1"/>
-          </p:cNvPicPr>
-          <p:nvPr/>
-        </p:nvPicPr>
-        <p:blipFill>
-          <a:blip r:embed="rId25"/>
-          <a:stretch>
-            <a:fillRect/>
-          </a:stretch>
-        </p:blipFill>
-        <p:spPr>
-          <a:xfrm>
-            <a:off x="9968218" y="6424900"/>
-            <a:ext cx="359941" cy="298237"/>
-          </a:xfrm>
-          <a:prstGeom prst="rect">
-            <a:avLst/>
-          </a:prstGeom>
-        </p:spPr>
-      </p:pic>
-      <p:cxnSp>
-        <p:nvCxnSpPr>
-          <p:cNvPr id="22" name="Straight Arrow Connector 21">
-            <a:extLst>
-              <a:ext uri="{FF2B5EF4-FFF2-40B4-BE49-F238E27FC236}">
-                <a16:creationId xmlns:a16="http://schemas.microsoft.com/office/drawing/2014/main" id="{9592287A-3A6E-1E4B-9B37-0C857199820A}"/>
+                <a16:creationId xmlns:a16="http://schemas.microsoft.com/office/drawing/2014/main" id="{9E8BEF15-E8C4-2242-949A-672EF8C74E91}"/>
               </a:ext>
             </a:extLst>
           </p:cNvPr>
           <p:cNvCxnSpPr>
             <a:cxnSpLocks/>
-            <a:endCxn id="20" idx="0"/>
+            <a:stCxn id="75" idx="1"/>
+            <a:endCxn id="88" idx="1"/>
           </p:cNvCxnSpPr>
           <p:nvPr/>
         </p:nvCxnSpPr>
         <p:spPr>
           <a:xfrm>
-            <a:off x="10137997" y="4861599"/>
-            <a:ext cx="10192" cy="1563301"/>
+            <a:off x="1445576" y="5256152"/>
+            <a:ext cx="1480504" cy="1648"/>
           </a:xfrm>
           <a:prstGeom prst="straightConnector1">
             <a:avLst/>
@@ -4290,7 +7730,7 @@
               <a:srgbClr val="545B64"/>
             </a:solidFill>
             <a:headEnd type="none" w="med" len="sm"/>
-            <a:tailEnd type="triangle"/>
+            <a:tailEnd type="arrow" w="med" len="sm"/>
           </a:ln>
         </p:spPr>
         <p:style>
@@ -4308,41 +7748,6 @@
           </a:fontRef>
         </p:style>
       </p:cxnSp>
-      <p:sp>
-        <p:nvSpPr>
-          <p:cNvPr id="87" name="TextBox 86">
-            <a:extLst>
-              <a:ext uri="{FF2B5EF4-FFF2-40B4-BE49-F238E27FC236}">
-                <a16:creationId xmlns:a16="http://schemas.microsoft.com/office/drawing/2014/main" id="{C34AC1D4-E32E-A547-AFD7-EA032C7DA8FC}"/>
-              </a:ext>
-            </a:extLst>
-          </p:cNvPr>
-          <p:cNvSpPr txBox="1"/>
-          <p:nvPr/>
-        </p:nvSpPr>
-        <p:spPr>
-          <a:xfrm>
-            <a:off x="10335156" y="6456244"/>
-            <a:ext cx="1650713" cy="246221"/>
-          </a:xfrm>
-          <a:prstGeom prst="rect">
-            <a:avLst/>
-          </a:prstGeom>
-          <a:noFill/>
-        </p:spPr>
-        <p:txBody>
-          <a:bodyPr wrap="square" rtlCol="0">
-            <a:spAutoFit/>
-          </a:bodyPr>
-          <a:lstStyle/>
-          <a:p>
-            <a:r>
-              <a:rPr lang="en-US" sz="1000" dirty="0"/>
-              <a:t>GitHub</a:t>
-            </a:r>
-          </a:p>
-        </p:txBody>
-      </p:sp>
     </p:spTree>
     <p:extLst>
       <p:ext uri="{BB962C8B-B14F-4D97-AF65-F5344CB8AC3E}">
@@ -4687,9 +8092,9 @@
 </file>
 
 <file path=ppt/theme/theme2.xml><?xml version="1.0" encoding="utf-8"?>
-<a:theme xmlns:a="http://schemas.openxmlformats.org/drawingml/2006/main" name="Office Theme">
+<a:theme xmlns:a="http://schemas.openxmlformats.org/drawingml/2006/main" name="3_Office Theme">
   <a:themeElements>
-    <a:clrScheme name="Office">
+    <a:clrScheme name="Office Theme">
       <a:dk1>
         <a:sysClr val="windowText" lastClr="000000"/>
       </a:dk1>
@@ -4703,7 +8108,7 @@
         <a:srgbClr val="E7E6E6"/>
       </a:lt2>
       <a:accent1>
-        <a:srgbClr val="4472C4"/>
+        <a:srgbClr val="5B9BD5"/>
       </a:accent1>
       <a:accent2>
         <a:srgbClr val="ED7D31"/>
@@ -4715,7 +8120,7 @@
         <a:srgbClr val="FFC000"/>
       </a:accent4>
       <a:accent5>
-        <a:srgbClr val="5B9BD5"/>
+        <a:srgbClr val="4472C4"/>
       </a:accent5>
       <a:accent6>
         <a:srgbClr val="70AD47"/>
@@ -4727,7 +8132,7 @@
         <a:srgbClr val="954F72"/>
       </a:folHlink>
     </a:clrScheme>
-    <a:fontScheme name="Office">
+    <a:fontScheme name="Office Theme">
       <a:majorFont>
         <a:latin typeface="Calibri Light" panose="020F0302020204030204"/>
         <a:ea typeface=""/>
@@ -4762,23 +8167,6 @@
         <a:font script="Viet" typeface="Times New Roman"/>
         <a:font script="Uigh" typeface="Microsoft Uighur"/>
         <a:font script="Geor" typeface="Sylfaen"/>
-        <a:font script="Armn" typeface="Arial"/>
-        <a:font script="Bugi" typeface="Leelawadee UI"/>
-        <a:font script="Bopo" typeface="Microsoft JhengHei"/>
-        <a:font script="Java" typeface="Javanese Text"/>
-        <a:font script="Lisu" typeface="Segoe UI"/>
-        <a:font script="Mymr" typeface="Myanmar Text"/>
-        <a:font script="Nkoo" typeface="Ebrima"/>
-        <a:font script="Olck" typeface="Nirmala UI"/>
-        <a:font script="Osma" typeface="Ebrima"/>
-        <a:font script="Phag" typeface="Phagspa"/>
-        <a:font script="Syrn" typeface="Estrangelo Edessa"/>
-        <a:font script="Syrj" typeface="Estrangelo Edessa"/>
-        <a:font script="Syre" typeface="Estrangelo Edessa"/>
-        <a:font script="Sora" typeface="Nirmala UI"/>
-        <a:font script="Tale" typeface="Microsoft Tai Le"/>
-        <a:font script="Talu" typeface="Microsoft New Tai Lue"/>
-        <a:font script="Tfng" typeface="Ebrima"/>
       </a:majorFont>
       <a:minorFont>
         <a:latin typeface="Calibri" panose="020F0502020204030204"/>
@@ -4814,26 +8202,9 @@
         <a:font script="Viet" typeface="Arial"/>
         <a:font script="Uigh" typeface="Microsoft Uighur"/>
         <a:font script="Geor" typeface="Sylfaen"/>
-        <a:font script="Armn" typeface="Arial"/>
-        <a:font script="Bugi" typeface="Leelawadee UI"/>
-        <a:font script="Bopo" typeface="Microsoft JhengHei"/>
-        <a:font script="Java" typeface="Javanese Text"/>
-        <a:font script="Lisu" typeface="Segoe UI"/>
-        <a:font script="Mymr" typeface="Myanmar Text"/>
-        <a:font script="Nkoo" typeface="Ebrima"/>
-        <a:font script="Olck" typeface="Nirmala UI"/>
-        <a:font script="Osma" typeface="Ebrima"/>
-        <a:font script="Phag" typeface="Phagspa"/>
-        <a:font script="Syrn" typeface="Estrangelo Edessa"/>
-        <a:font script="Syrj" typeface="Estrangelo Edessa"/>
-        <a:font script="Syre" typeface="Estrangelo Edessa"/>
-        <a:font script="Sora" typeface="Nirmala UI"/>
-        <a:font script="Tale" typeface="Microsoft Tai Le"/>
-        <a:font script="Talu" typeface="Microsoft New Tai Lue"/>
-        <a:font script="Tfng" typeface="Ebrima"/>
       </a:minorFont>
     </a:fontScheme>
-    <a:fmtScheme name="Office">
+    <a:fmtScheme name="Office Theme">
       <a:fillStyleLst>
         <a:solidFill>
           <a:schemeClr val="phClr"/>
@@ -5274,4 +8645,299 @@
     </a:ext>
   </a:extLst>
 </a:theme>
+</file>
+
+<file path=ppt/theme/theme4.xml><?xml version="1.0" encoding="utf-8"?>
+<a:theme xmlns:a="http://schemas.openxmlformats.org/drawingml/2006/main" name="Office Theme">
+  <a:themeElements>
+    <a:clrScheme name="Office">
+      <a:dk1>
+        <a:sysClr val="windowText" lastClr="000000"/>
+      </a:dk1>
+      <a:lt1>
+        <a:sysClr val="window" lastClr="FFFFFF"/>
+      </a:lt1>
+      <a:dk2>
+        <a:srgbClr val="44546A"/>
+      </a:dk2>
+      <a:lt2>
+        <a:srgbClr val="E7E6E6"/>
+      </a:lt2>
+      <a:accent1>
+        <a:srgbClr val="4472C4"/>
+      </a:accent1>
+      <a:accent2>
+        <a:srgbClr val="ED7D31"/>
+      </a:accent2>
+      <a:accent3>
+        <a:srgbClr val="A5A5A5"/>
+      </a:accent3>
+      <a:accent4>
+        <a:srgbClr val="FFC000"/>
+      </a:accent4>
+      <a:accent5>
+        <a:srgbClr val="5B9BD5"/>
+      </a:accent5>
+      <a:accent6>
+        <a:srgbClr val="70AD47"/>
+      </a:accent6>
+      <a:hlink>
+        <a:srgbClr val="0563C1"/>
+      </a:hlink>
+      <a:folHlink>
+        <a:srgbClr val="954F72"/>
+      </a:folHlink>
+    </a:clrScheme>
+    <a:fontScheme name="Office">
+      <a:majorFont>
+        <a:latin typeface="Calibri Light" panose="020F0302020204030204"/>
+        <a:ea typeface=""/>
+        <a:cs typeface=""/>
+        <a:font script="Jpan" typeface="游ゴシック Light"/>
+        <a:font script="Hang" typeface="맑은 고딕"/>
+        <a:font script="Hans" typeface="等线 Light"/>
+        <a:font script="Hant" typeface="新細明體"/>
+        <a:font script="Arab" typeface="Times New Roman"/>
+        <a:font script="Hebr" typeface="Times New Roman"/>
+        <a:font script="Thai" typeface="Angsana New"/>
+        <a:font script="Ethi" typeface="Nyala"/>
+        <a:font script="Beng" typeface="Vrinda"/>
+        <a:font script="Gujr" typeface="Shruti"/>
+        <a:font script="Khmr" typeface="MoolBoran"/>
+        <a:font script="Knda" typeface="Tunga"/>
+        <a:font script="Guru" typeface="Raavi"/>
+        <a:font script="Cans" typeface="Euphemia"/>
+        <a:font script="Cher" typeface="Plantagenet Cherokee"/>
+        <a:font script="Yiii" typeface="Microsoft Yi Baiti"/>
+        <a:font script="Tibt" typeface="Microsoft Himalaya"/>
+        <a:font script="Thaa" typeface="MV Boli"/>
+        <a:font script="Deva" typeface="Mangal"/>
+        <a:font script="Telu" typeface="Gautami"/>
+        <a:font script="Taml" typeface="Latha"/>
+        <a:font script="Syrc" typeface="Estrangelo Edessa"/>
+        <a:font script="Orya" typeface="Kalinga"/>
+        <a:font script="Mlym" typeface="Kartika"/>
+        <a:font script="Laoo" typeface="DokChampa"/>
+        <a:font script="Sinh" typeface="Iskoola Pota"/>
+        <a:font script="Mong" typeface="Mongolian Baiti"/>
+        <a:font script="Viet" typeface="Times New Roman"/>
+        <a:font script="Uigh" typeface="Microsoft Uighur"/>
+        <a:font script="Geor" typeface="Sylfaen"/>
+        <a:font script="Armn" typeface="Arial"/>
+        <a:font script="Bugi" typeface="Leelawadee UI"/>
+        <a:font script="Bopo" typeface="Microsoft JhengHei"/>
+        <a:font script="Java" typeface="Javanese Text"/>
+        <a:font script="Lisu" typeface="Segoe UI"/>
+        <a:font script="Mymr" typeface="Myanmar Text"/>
+        <a:font script="Nkoo" typeface="Ebrima"/>
+        <a:font script="Olck" typeface="Nirmala UI"/>
+        <a:font script="Osma" typeface="Ebrima"/>
+        <a:font script="Phag" typeface="Phagspa"/>
+        <a:font script="Syrn" typeface="Estrangelo Edessa"/>
+        <a:font script="Syrj" typeface="Estrangelo Edessa"/>
+        <a:font script="Syre" typeface="Estrangelo Edessa"/>
+        <a:font script="Sora" typeface="Nirmala UI"/>
+        <a:font script="Tale" typeface="Microsoft Tai Le"/>
+        <a:font script="Talu" typeface="Microsoft New Tai Lue"/>
+        <a:font script="Tfng" typeface="Ebrima"/>
+      </a:majorFont>
+      <a:minorFont>
+        <a:latin typeface="Calibri" panose="020F0502020204030204"/>
+        <a:ea typeface=""/>
+        <a:cs typeface=""/>
+        <a:font script="Jpan" typeface="游ゴシック"/>
+        <a:font script="Hang" typeface="맑은 고딕"/>
+        <a:font script="Hans" typeface="等线"/>
+        <a:font script="Hant" typeface="新細明體"/>
+        <a:font script="Arab" typeface="Arial"/>
+        <a:font script="Hebr" typeface="Arial"/>
+        <a:font script="Thai" typeface="Cordia New"/>
+        <a:font script="Ethi" typeface="Nyala"/>
+        <a:font script="Beng" typeface="Vrinda"/>
+        <a:font script="Gujr" typeface="Shruti"/>
+        <a:font script="Khmr" typeface="DaunPenh"/>
+        <a:font script="Knda" typeface="Tunga"/>
+        <a:font script="Guru" typeface="Raavi"/>
+        <a:font script="Cans" typeface="Euphemia"/>
+        <a:font script="Cher" typeface="Plantagenet Cherokee"/>
+        <a:font script="Yiii" typeface="Microsoft Yi Baiti"/>
+        <a:font script="Tibt" typeface="Microsoft Himalaya"/>
+        <a:font script="Thaa" typeface="MV Boli"/>
+        <a:font script="Deva" typeface="Mangal"/>
+        <a:font script="Telu" typeface="Gautami"/>
+        <a:font script="Taml" typeface="Latha"/>
+        <a:font script="Syrc" typeface="Estrangelo Edessa"/>
+        <a:font script="Orya" typeface="Kalinga"/>
+        <a:font script="Mlym" typeface="Kartika"/>
+        <a:font script="Laoo" typeface="DokChampa"/>
+        <a:font script="Sinh" typeface="Iskoola Pota"/>
+        <a:font script="Mong" typeface="Mongolian Baiti"/>
+        <a:font script="Viet" typeface="Arial"/>
+        <a:font script="Uigh" typeface="Microsoft Uighur"/>
+        <a:font script="Geor" typeface="Sylfaen"/>
+        <a:font script="Armn" typeface="Arial"/>
+        <a:font script="Bugi" typeface="Leelawadee UI"/>
+        <a:font script="Bopo" typeface="Microsoft JhengHei"/>
+        <a:font script="Java" typeface="Javanese Text"/>
+        <a:font script="Lisu" typeface="Segoe UI"/>
+        <a:font script="Mymr" typeface="Myanmar Text"/>
+        <a:font script="Nkoo" typeface="Ebrima"/>
+        <a:font script="Olck" typeface="Nirmala UI"/>
+        <a:font script="Osma" typeface="Ebrima"/>
+        <a:font script="Phag" typeface="Phagspa"/>
+        <a:font script="Syrn" typeface="Estrangelo Edessa"/>
+        <a:font script="Syrj" typeface="Estrangelo Edessa"/>
+        <a:font script="Syre" typeface="Estrangelo Edessa"/>
+        <a:font script="Sora" typeface="Nirmala UI"/>
+        <a:font script="Tale" typeface="Microsoft Tai Le"/>
+        <a:font script="Talu" typeface="Microsoft New Tai Lue"/>
+        <a:font script="Tfng" typeface="Ebrima"/>
+      </a:minorFont>
+    </a:fontScheme>
+    <a:fmtScheme name="Office">
+      <a:fillStyleLst>
+        <a:solidFill>
+          <a:schemeClr val="phClr"/>
+        </a:solidFill>
+        <a:gradFill rotWithShape="1">
+          <a:gsLst>
+            <a:gs pos="0">
+              <a:schemeClr val="phClr">
+                <a:lumMod val="110000"/>
+                <a:satMod val="105000"/>
+                <a:tint val="67000"/>
+              </a:schemeClr>
+            </a:gs>
+            <a:gs pos="50000">
+              <a:schemeClr val="phClr">
+                <a:lumMod val="105000"/>
+                <a:satMod val="103000"/>
+                <a:tint val="73000"/>
+              </a:schemeClr>
+            </a:gs>
+            <a:gs pos="100000">
+              <a:schemeClr val="phClr">
+                <a:lumMod val="105000"/>
+                <a:satMod val="109000"/>
+                <a:tint val="81000"/>
+              </a:schemeClr>
+            </a:gs>
+          </a:gsLst>
+          <a:lin ang="5400000" scaled="0"/>
+        </a:gradFill>
+        <a:gradFill rotWithShape="1">
+          <a:gsLst>
+            <a:gs pos="0">
+              <a:schemeClr val="phClr">
+                <a:satMod val="103000"/>
+                <a:lumMod val="102000"/>
+                <a:tint val="94000"/>
+              </a:schemeClr>
+            </a:gs>
+            <a:gs pos="50000">
+              <a:schemeClr val="phClr">
+                <a:satMod val="110000"/>
+                <a:lumMod val="100000"/>
+                <a:shade val="100000"/>
+              </a:schemeClr>
+            </a:gs>
+            <a:gs pos="100000">
+              <a:schemeClr val="phClr">
+                <a:lumMod val="99000"/>
+                <a:satMod val="120000"/>
+                <a:shade val="78000"/>
+              </a:schemeClr>
+            </a:gs>
+          </a:gsLst>
+          <a:lin ang="5400000" scaled="0"/>
+        </a:gradFill>
+      </a:fillStyleLst>
+      <a:lnStyleLst>
+        <a:ln w="6350" cap="flat" cmpd="sng" algn="ctr">
+          <a:solidFill>
+            <a:schemeClr val="phClr"/>
+          </a:solidFill>
+          <a:prstDash val="solid"/>
+          <a:miter lim="800000"/>
+        </a:ln>
+        <a:ln w="12700" cap="flat" cmpd="sng" algn="ctr">
+          <a:solidFill>
+            <a:schemeClr val="phClr"/>
+          </a:solidFill>
+          <a:prstDash val="solid"/>
+          <a:miter lim="800000"/>
+        </a:ln>
+        <a:ln w="19050" cap="flat" cmpd="sng" algn="ctr">
+          <a:solidFill>
+            <a:schemeClr val="phClr"/>
+          </a:solidFill>
+          <a:prstDash val="solid"/>
+          <a:miter lim="800000"/>
+        </a:ln>
+      </a:lnStyleLst>
+      <a:effectStyleLst>
+        <a:effectStyle>
+          <a:effectLst/>
+        </a:effectStyle>
+        <a:effectStyle>
+          <a:effectLst/>
+        </a:effectStyle>
+        <a:effectStyle>
+          <a:effectLst>
+            <a:outerShdw blurRad="57150" dist="19050" dir="5400000" algn="ctr" rotWithShape="0">
+              <a:srgbClr val="000000">
+                <a:alpha val="63000"/>
+              </a:srgbClr>
+            </a:outerShdw>
+          </a:effectLst>
+        </a:effectStyle>
+      </a:effectStyleLst>
+      <a:bgFillStyleLst>
+        <a:solidFill>
+          <a:schemeClr val="phClr"/>
+        </a:solidFill>
+        <a:solidFill>
+          <a:schemeClr val="phClr">
+            <a:tint val="95000"/>
+            <a:satMod val="170000"/>
+          </a:schemeClr>
+        </a:solidFill>
+        <a:gradFill rotWithShape="1">
+          <a:gsLst>
+            <a:gs pos="0">
+              <a:schemeClr val="phClr">
+                <a:tint val="93000"/>
+                <a:satMod val="150000"/>
+                <a:shade val="98000"/>
+                <a:lumMod val="102000"/>
+              </a:schemeClr>
+            </a:gs>
+            <a:gs pos="50000">
+              <a:schemeClr val="phClr">
+                <a:tint val="98000"/>
+                <a:satMod val="130000"/>
+                <a:shade val="90000"/>
+                <a:lumMod val="103000"/>
+              </a:schemeClr>
+            </a:gs>
+            <a:gs pos="100000">
+              <a:schemeClr val="phClr">
+                <a:shade val="63000"/>
+                <a:satMod val="120000"/>
+              </a:schemeClr>
+            </a:gs>
+          </a:gsLst>
+          <a:lin ang="5400000" scaled="0"/>
+        </a:gradFill>
+      </a:bgFillStyleLst>
+    </a:fmtScheme>
+  </a:themeElements>
+  <a:objectDefaults/>
+  <a:extraClrSchemeLst/>
+  <a:extLst>
+    <a:ext uri="{05A4C25C-085E-4340-85A3-A5531E510DB2}">
+      <thm15:themeFamily xmlns:thm15="http://schemas.microsoft.com/office/thememl/2012/main" name="Office Theme" id="{62F939B6-93AF-4DB8-9C6B-D6C7DFDC589F}" vid="{4A3C46E8-61CC-4603-A589-7422A47A8E4A}"/>
+    </a:ext>
+  </a:extLst>
+</a:theme>
 </file>
--- a/docs/images/armory-architecture.pptx
+++ b/docs/images/armory-architecture.pptx
@@ -224,7 +224,7 @@
           <a:p>
             <a:fld id="{49A7721D-1176-A640-AC48-B82F78C92D56}" type="datetimeFigureOut">
               <a:rPr lang="en-US" smtClean="0"/>
-              <a:t>6/28/2021</a:t>
+              <a:t>6/30/2021</a:t>
             </a:fld>
             <a:endParaRPr lang="en-US" dirty="0"/>
           </a:p>
@@ -401,7 +401,7 @@
           <a:p>
             <a:fld id="{C884A089-FB25-6D46-9D21-F0F04A18BCA8}" type="datetimeFigureOut">
               <a:rPr lang="en-US" smtClean="0"/>
-              <a:t>6/28/2021</a:t>
+              <a:t>6/30/2021</a:t>
             </a:fld>
             <a:endParaRPr lang="en-US" dirty="0"/>
           </a:p>
@@ -944,7 +944,7 @@
           <a:p>
             <a:fld id="{C764DE79-268F-4C1A-8933-263129D2AF90}" type="datetimeFigureOut">
               <a:rPr lang="en-US" dirty="0"/>
-              <a:t>6/28/2021</a:t>
+              <a:t>6/30/2021</a:t>
             </a:fld>
             <a:endParaRPr lang="en-US" dirty="0"/>
           </a:p>
@@ -1115,7 +1115,7 @@
           <a:p>
             <a:fld id="{C764DE79-268F-4C1A-8933-263129D2AF90}" type="datetimeFigureOut">
               <a:rPr lang="en-US" dirty="0"/>
-              <a:t>6/28/2021</a:t>
+              <a:t>6/30/2021</a:t>
             </a:fld>
             <a:endParaRPr lang="en-US" dirty="0"/>
           </a:p>
@@ -1296,7 +1296,7 @@
           <a:p>
             <a:fld id="{C764DE79-268F-4C1A-8933-263129D2AF90}" type="datetimeFigureOut">
               <a:rPr lang="en-US" dirty="0"/>
-              <a:t>6/28/2021</a:t>
+              <a:t>6/30/2021</a:t>
             </a:fld>
             <a:endParaRPr lang="en-US" dirty="0"/>
           </a:p>
@@ -1489,7 +1489,7 @@
           <a:p>
             <a:fld id="{C764DE79-268F-4C1A-8933-263129D2AF90}" type="datetimeFigureOut">
               <a:rPr lang="en-US" dirty="0"/>
-              <a:t>6/28/2021</a:t>
+              <a:t>6/30/2021</a:t>
             </a:fld>
             <a:endParaRPr lang="en-US" dirty="0"/>
           </a:p>
@@ -1660,7 +1660,7 @@
           <a:p>
             <a:fld id="{C764DE79-268F-4C1A-8933-263129D2AF90}" type="datetimeFigureOut">
               <a:rPr lang="en-US" dirty="0"/>
-              <a:t>6/28/2021</a:t>
+              <a:t>6/30/2021</a:t>
             </a:fld>
             <a:endParaRPr lang="en-US" dirty="0"/>
           </a:p>
@@ -1905,7 +1905,7 @@
           <a:p>
             <a:fld id="{C764DE79-268F-4C1A-8933-263129D2AF90}" type="datetimeFigureOut">
               <a:rPr lang="en-US" dirty="0"/>
-              <a:t>6/28/2021</a:t>
+              <a:t>6/30/2021</a:t>
             </a:fld>
             <a:endParaRPr lang="en-US" dirty="0"/>
           </a:p>
@@ -2138,7 +2138,7 @@
           <a:p>
             <a:fld id="{C764DE79-268F-4C1A-8933-263129D2AF90}" type="datetimeFigureOut">
               <a:rPr lang="en-US" dirty="0"/>
-              <a:t>6/28/2021</a:t>
+              <a:t>6/30/2021</a:t>
             </a:fld>
             <a:endParaRPr lang="en-US" dirty="0"/>
           </a:p>
@@ -2506,7 +2506,7 @@
           <a:p>
             <a:fld id="{C764DE79-268F-4C1A-8933-263129D2AF90}" type="datetimeFigureOut">
               <a:rPr lang="en-US" dirty="0"/>
-              <a:t>6/28/2021</a:t>
+              <a:t>6/30/2021</a:t>
             </a:fld>
             <a:endParaRPr lang="en-US" dirty="0"/>
           </a:p>
@@ -2625,7 +2625,7 @@
           <a:p>
             <a:fld id="{C764DE79-268F-4C1A-8933-263129D2AF90}" type="datetimeFigureOut">
               <a:rPr lang="en-US" dirty="0"/>
-              <a:t>6/28/2021</a:t>
+              <a:t>6/30/2021</a:t>
             </a:fld>
             <a:endParaRPr lang="en-US" dirty="0"/>
           </a:p>
@@ -2994,7 +2994,7 @@
           <a:p>
             <a:fld id="{C764DE79-268F-4C1A-8933-263129D2AF90}" type="datetimeFigureOut">
               <a:rPr lang="en-US" dirty="0"/>
-              <a:t>6/28/2021</a:t>
+              <a:t>6/30/2021</a:t>
             </a:fld>
             <a:endParaRPr lang="en-US" dirty="0"/>
           </a:p>
@@ -3528,7 +3528,7 @@
           <a:p>
             <a:fld id="{C764DE79-268F-4C1A-8933-263129D2AF90}" type="datetimeFigureOut">
               <a:rPr lang="en-US" dirty="0"/>
-              <a:t>6/28/2021</a:t>
+              <a:t>6/30/2021</a:t>
             </a:fld>
             <a:endParaRPr lang="en-US" dirty="0"/>
           </a:p>
@@ -4194,8 +4194,8 @@
         </p:nvSpPr>
         <p:spPr>
           <a:xfrm>
-            <a:off x="1737360" y="1645920"/>
-            <a:ext cx="10149840" cy="4480560"/>
+            <a:off x="1828800" y="1645920"/>
+            <a:ext cx="10149840" cy="5577840"/>
           </a:xfrm>
           <a:prstGeom prst="rect">
             <a:avLst/>
@@ -4262,7 +4262,7 @@
         <p:spPr>
           <a:xfrm>
             <a:off x="2743200" y="4389120"/>
-            <a:ext cx="1737360" cy="1554480"/>
+            <a:ext cx="1737360" cy="2651760"/>
           </a:xfrm>
           <a:prstGeom prst="rect">
             <a:avLst/>
@@ -4331,7 +4331,7 @@
         <p:spPr>
           <a:xfrm>
             <a:off x="2560319" y="1280160"/>
-            <a:ext cx="2103120" cy="5029200"/>
+            <a:ext cx="2103120" cy="6126480"/>
           </a:xfrm>
           <a:prstGeom prst="rect">
             <a:avLst/>
@@ -4398,7 +4398,7 @@
         <p:spPr>
           <a:xfrm>
             <a:off x="640080" y="914400"/>
-            <a:ext cx="11704320" cy="5760720"/>
+            <a:ext cx="11704320" cy="6675120"/>
           </a:xfrm>
           <a:prstGeom prst="rect">
             <a:avLst/>
@@ -4529,10 +4529,10 @@
       </p:sp>
       <p:sp>
         <p:nvSpPr>
-          <p:cNvPr id="80" name="Rectangle 79">
+          <p:cNvPr id="81" name="Rectangle 80">
             <a:extLst>
               <a:ext uri="{FF2B5EF4-FFF2-40B4-BE49-F238E27FC236}">
-                <a16:creationId xmlns:a16="http://schemas.microsoft.com/office/drawing/2014/main" id="{E8852DB1-68FE-9F4C-8AAC-F033BE8FB59C}"/>
+                <a16:creationId xmlns:a16="http://schemas.microsoft.com/office/drawing/2014/main" id="{BCFAFE42-3485-8444-ACC9-42B82C4BBC28}"/>
               </a:ext>
             </a:extLst>
           </p:cNvPr>
@@ -4541,77 +4541,8 @@
         </p:nvSpPr>
         <p:spPr>
           <a:xfrm>
-            <a:off x="5852160" y="4389120"/>
-            <a:ext cx="1737360" cy="1554480"/>
-          </a:xfrm>
-          <a:prstGeom prst="rect">
-            <a:avLst/>
-          </a:prstGeom>
-          <a:solidFill>
-            <a:srgbClr val="007CBC">
-              <a:alpha val="9804"/>
-            </a:srgbClr>
-          </a:solidFill>
-          <a:ln w="12700">
-            <a:noFill/>
-            <a:prstDash val="solid"/>
-          </a:ln>
-        </p:spPr>
-        <p:style>
-          <a:lnRef idx="2">
-            <a:schemeClr val="accent1">
-              <a:shade val="50000"/>
-            </a:schemeClr>
-          </a:lnRef>
-          <a:fillRef idx="1">
-            <a:schemeClr val="accent1"/>
-          </a:fillRef>
-          <a:effectRef idx="0">
-            <a:schemeClr val="accent1"/>
-          </a:effectRef>
-          <a:fontRef idx="minor">
-            <a:schemeClr val="lt1"/>
-          </a:fontRef>
-        </p:style>
-        <p:txBody>
-          <a:bodyPr rot="0" spcFirstLastPara="0" vertOverflow="overflow" horzOverflow="overflow" vert="horz" wrap="square" lIns="338328" tIns="45720" rIns="91440" bIns="45720" numCol="1" spcCol="0" rtlCol="0" fromWordArt="0" anchor="t" anchorCtr="0" forceAA="0" compatLnSpc="1">
-            <a:prstTxWarp prst="textNoShape">
-              <a:avLst/>
-            </a:prstTxWarp>
-            <a:noAutofit/>
-          </a:bodyPr>
-          <a:lstStyle/>
-          <a:p>
-            <a:pPr algn="l"/>
-            <a:r>
-              <a:rPr lang="en-US" sz="1200" dirty="0">
-                <a:solidFill>
-                  <a:srgbClr val="007DBC"/>
-                </a:solidFill>
-                <a:latin typeface="Arial" panose="020B0604020202020204" pitchFamily="34" charset="0"/>
-                <a:cs typeface="Arial" panose="020B0604020202020204" pitchFamily="34" charset="0"/>
-              </a:rPr>
-              <a:t>Private subnet</a:t>
-            </a:r>
-          </a:p>
-        </p:txBody>
-      </p:sp>
-      <p:sp>
-        <p:nvSpPr>
-          <p:cNvPr id="81" name="Rectangle 80">
-            <a:extLst>
-              <a:ext uri="{FF2B5EF4-FFF2-40B4-BE49-F238E27FC236}">
-                <a16:creationId xmlns:a16="http://schemas.microsoft.com/office/drawing/2014/main" id="{BCFAFE42-3485-8444-ACC9-42B82C4BBC28}"/>
-              </a:ext>
-            </a:extLst>
-          </p:cNvPr>
-          <p:cNvSpPr/>
-          <p:nvPr/>
-        </p:nvSpPr>
-        <p:spPr>
-          <a:xfrm>
             <a:off x="5669280" y="1280160"/>
-            <a:ext cx="2103120" cy="5029200"/>
+            <a:ext cx="2103120" cy="6126480"/>
           </a:xfrm>
           <a:prstGeom prst="rect">
             <a:avLst/>
@@ -4787,7 +4718,7 @@
         <p:spPr>
           <a:xfrm>
             <a:off x="7955280" y="1280160"/>
-            <a:ext cx="2103120" cy="5029200"/>
+            <a:ext cx="2103120" cy="6126480"/>
           </a:xfrm>
           <a:prstGeom prst="rect">
             <a:avLst/>
@@ -4835,75 +4766,6 @@
                 <a:cs typeface="Arial" panose="020B0604020202020204" pitchFamily="34" charset="0"/>
               </a:rPr>
               <a:t>Availability Zone 3</a:t>
-            </a:r>
-          </a:p>
-        </p:txBody>
-      </p:sp>
-      <p:sp>
-        <p:nvSpPr>
-          <p:cNvPr id="41" name="Rectangle 40">
-            <a:extLst>
-              <a:ext uri="{FF2B5EF4-FFF2-40B4-BE49-F238E27FC236}">
-                <a16:creationId xmlns:a16="http://schemas.microsoft.com/office/drawing/2014/main" id="{C864122E-AC93-A24C-8659-4865233C9BBF}"/>
-              </a:ext>
-            </a:extLst>
-          </p:cNvPr>
-          <p:cNvSpPr/>
-          <p:nvPr/>
-        </p:nvSpPr>
-        <p:spPr>
-          <a:xfrm>
-            <a:off x="8138160" y="4389120"/>
-            <a:ext cx="1737360" cy="1554480"/>
-          </a:xfrm>
-          <a:prstGeom prst="rect">
-            <a:avLst/>
-          </a:prstGeom>
-          <a:solidFill>
-            <a:srgbClr val="007CBC">
-              <a:alpha val="9804"/>
-            </a:srgbClr>
-          </a:solidFill>
-          <a:ln w="12700">
-            <a:noFill/>
-            <a:prstDash val="solid"/>
-          </a:ln>
-        </p:spPr>
-        <p:style>
-          <a:lnRef idx="2">
-            <a:schemeClr val="accent1">
-              <a:shade val="50000"/>
-            </a:schemeClr>
-          </a:lnRef>
-          <a:fillRef idx="1">
-            <a:schemeClr val="accent1"/>
-          </a:fillRef>
-          <a:effectRef idx="0">
-            <a:schemeClr val="accent1"/>
-          </a:effectRef>
-          <a:fontRef idx="minor">
-            <a:schemeClr val="lt1"/>
-          </a:fontRef>
-        </p:style>
-        <p:txBody>
-          <a:bodyPr rot="0" spcFirstLastPara="0" vertOverflow="overflow" horzOverflow="overflow" vert="horz" wrap="square" lIns="338328" tIns="45720" rIns="91440" bIns="45720" numCol="1" spcCol="0" rtlCol="0" fromWordArt="0" anchor="t" anchorCtr="0" forceAA="0" compatLnSpc="1">
-            <a:prstTxWarp prst="textNoShape">
-              <a:avLst/>
-            </a:prstTxWarp>
-            <a:noAutofit/>
-          </a:bodyPr>
-          <a:lstStyle/>
-          <a:p>
-            <a:pPr algn="l"/>
-            <a:r>
-              <a:rPr lang="en-US" sz="1200" dirty="0">
-                <a:solidFill>
-                  <a:srgbClr val="007DBC"/>
-                </a:solidFill>
-                <a:latin typeface="Arial" panose="020B0604020202020204" pitchFamily="34" charset="0"/>
-                <a:cs typeface="Arial" panose="020B0604020202020204" pitchFamily="34" charset="0"/>
-              </a:rPr>
-              <a:t>Private subnet</a:t>
             </a:r>
           </a:p>
         </p:txBody>
@@ -5160,8 +5022,8 @@
         </p:nvSpPr>
         <p:spPr>
           <a:xfrm>
-            <a:off x="10332720" y="5120640"/>
-            <a:ext cx="921984" cy="461665"/>
+            <a:off x="10515600" y="5608320"/>
+            <a:ext cx="1005840" cy="274320"/>
           </a:xfrm>
           <a:prstGeom prst="rect">
             <a:avLst/>
@@ -5180,7 +5042,7 @@
                 <a:latin typeface="Arial" panose="020B0604020202020204" pitchFamily="34" charset="0"/>
                 <a:cs typeface="Arial" panose="020B0604020202020204" pitchFamily="34" charset="0"/>
               </a:rPr>
-              <a:t>Armory container</a:t>
+              <a:t>Containers</a:t>
             </a:r>
             <a:endParaRPr lang="en-US" sz="1200" dirty="0">
               <a:latin typeface="Arial" panose="020B0604020202020204" pitchFamily="34" charset="0"/>
@@ -5228,84 +5090,6 @@
           </a:p>
         </p:txBody>
       </p:sp>
-      <p:sp>
-        <p:nvSpPr>
-          <p:cNvPr id="109" name="TextBox 108">
-            <a:extLst>
-              <a:ext uri="{FF2B5EF4-FFF2-40B4-BE49-F238E27FC236}">
-                <a16:creationId xmlns:a16="http://schemas.microsoft.com/office/drawing/2014/main" id="{C48D5D82-8FD6-D24B-AB92-F95DBBC2EDA7}"/>
-              </a:ext>
-            </a:extLst>
-          </p:cNvPr>
-          <p:cNvSpPr txBox="1"/>
-          <p:nvPr/>
-        </p:nvSpPr>
-        <p:spPr>
-          <a:xfrm>
-            <a:off x="6035040" y="5394960"/>
-            <a:ext cx="1478121" cy="276999"/>
-          </a:xfrm>
-          <a:prstGeom prst="rect">
-            <a:avLst/>
-          </a:prstGeom>
-          <a:noFill/>
-        </p:spPr>
-        <p:txBody>
-          <a:bodyPr wrap="square" rtlCol="0" anchor="t">
-            <a:spAutoFit/>
-          </a:bodyPr>
-          <a:lstStyle/>
-          <a:p>
-            <a:pPr algn="ctr"/>
-            <a:r>
-              <a:rPr lang="en-US" sz="1200" dirty="0">
-                <a:latin typeface="Arial" panose="020B0604020202020204" pitchFamily="34" charset="0"/>
-                <a:cs typeface="Arial" panose="020B0604020202020204" pitchFamily="34" charset="0"/>
-              </a:rPr>
-              <a:t>Kubernetes nodes</a:t>
-            </a:r>
-          </a:p>
-        </p:txBody>
-      </p:sp>
-      <p:sp>
-        <p:nvSpPr>
-          <p:cNvPr id="110" name="TextBox 109">
-            <a:extLst>
-              <a:ext uri="{FF2B5EF4-FFF2-40B4-BE49-F238E27FC236}">
-                <a16:creationId xmlns:a16="http://schemas.microsoft.com/office/drawing/2014/main" id="{E95A7894-579D-C148-940E-010DD9088384}"/>
-              </a:ext>
-            </a:extLst>
-          </p:cNvPr>
-          <p:cNvSpPr txBox="1"/>
-          <p:nvPr/>
-        </p:nvSpPr>
-        <p:spPr>
-          <a:xfrm>
-            <a:off x="8229600" y="5394960"/>
-            <a:ext cx="1526302" cy="276999"/>
-          </a:xfrm>
-          <a:prstGeom prst="rect">
-            <a:avLst/>
-          </a:prstGeom>
-          <a:noFill/>
-        </p:spPr>
-        <p:txBody>
-          <a:bodyPr wrap="square" rtlCol="0" anchor="t">
-            <a:spAutoFit/>
-          </a:bodyPr>
-          <a:lstStyle/>
-          <a:p>
-            <a:pPr algn="ctr"/>
-            <a:r>
-              <a:rPr lang="en-US" sz="1200" dirty="0">
-                <a:latin typeface="Arial" panose="020B0604020202020204" pitchFamily="34" charset="0"/>
-                <a:cs typeface="Arial" panose="020B0604020202020204" pitchFamily="34" charset="0"/>
-              </a:rPr>
-              <a:t>Kubernetes nodes</a:t>
-            </a:r>
-          </a:p>
-        </p:txBody>
-      </p:sp>
       <p:pic>
         <p:nvPicPr>
           <p:cNvPr id="72" name="Graphic 8">
@@ -5335,7 +5119,7 @@
         </p:blipFill>
         <p:spPr bwMode="auto">
           <a:xfrm>
-            <a:off x="10424160" y="3291840"/>
+            <a:off x="10515600" y="3291840"/>
             <a:ext cx="762000" cy="762000"/>
           </a:xfrm>
           <a:prstGeom prst="rect">
@@ -5382,7 +5166,7 @@
         </p:nvSpPr>
         <p:spPr bwMode="auto">
           <a:xfrm>
-            <a:off x="10259189" y="4114800"/>
+            <a:off x="10370820" y="4067175"/>
             <a:ext cx="1069991" cy="276999"/>
           </a:xfrm>
           <a:prstGeom prst="rect">
@@ -6357,7 +6141,7 @@
         </p:blipFill>
         <p:spPr bwMode="auto">
           <a:xfrm>
-            <a:off x="12618720" y="4415790"/>
+            <a:off x="12618720" y="5008665"/>
             <a:ext cx="1143000" cy="952500"/>
           </a:xfrm>
           <a:prstGeom prst="rect">
@@ -6391,8 +6175,8 @@
         </p:nvSpPr>
         <p:spPr bwMode="auto">
           <a:xfrm>
-            <a:off x="12692530" y="5376032"/>
-            <a:ext cx="995379" cy="461665"/>
+            <a:off x="12692530" y="5963606"/>
+            <a:ext cx="995379" cy="276999"/>
           </a:xfrm>
           <a:prstGeom prst="rect">
             <a:avLst/>
@@ -6526,12 +6310,12 @@
           <a:p>
             <a:pPr algn="ctr" eaLnBrk="1" hangingPunct="1"/>
             <a:r>
-              <a:rPr lang="en-US" altLang="en-US" sz="1200">
+              <a:rPr lang="en-US" altLang="en-US" sz="1200" smtClean="0">
                 <a:latin typeface="Arial" panose="020B0604020202020204" pitchFamily="34" charset="0"/>
                 <a:ea typeface="Amazon Ember" panose="020B0603020204020204" pitchFamily="34" charset="0"/>
                 <a:cs typeface="Arial" panose="020B0604020202020204" pitchFamily="34" charset="0"/>
               </a:rPr>
-              <a:t>GitHub respository</a:t>
+              <a:t>GitHub</a:t>
             </a:r>
             <a:endParaRPr lang="en-US" altLang="en-US" sz="1200" dirty="0">
               <a:latin typeface="Arial" panose="020B0604020202020204" pitchFamily="34" charset="0"/>
@@ -6630,7 +6414,7 @@
         </p:blipFill>
         <p:spPr bwMode="auto">
           <a:xfrm>
-            <a:off x="10424160" y="1920240"/>
+            <a:off x="10515600" y="1920240"/>
             <a:ext cx="762000" cy="762000"/>
           </a:xfrm>
           <a:prstGeom prst="rect">
@@ -6677,7 +6461,7 @@
         </p:nvSpPr>
         <p:spPr bwMode="auto">
           <a:xfrm>
-            <a:off x="10241280" y="2743200"/>
+            <a:off x="10351770" y="2695575"/>
             <a:ext cx="1097280" cy="274320"/>
           </a:xfrm>
           <a:prstGeom prst="rect">
@@ -6856,7 +6640,7 @@
         </p:blipFill>
         <p:spPr bwMode="auto">
           <a:xfrm>
-            <a:off x="10515600" y="4663440"/>
+            <a:off x="10789920" y="5141595"/>
             <a:ext cx="457200" cy="457200"/>
           </a:xfrm>
           <a:prstGeom prst="rect">
@@ -6949,126 +6733,6 @@
       </p:pic>
       <p:pic>
         <p:nvPicPr>
-          <p:cNvPr id="117" name="Graphic 62">
-            <a:extLst>
-              <a:ext uri="{FF2B5EF4-FFF2-40B4-BE49-F238E27FC236}">
-                <a16:creationId xmlns:a16="http://schemas.microsoft.com/office/drawing/2014/main" id="{8B47AFFF-81D9-C348-90A5-553E82D08748}"/>
-              </a:ext>
-            </a:extLst>
-          </p:cNvPr>
-          <p:cNvPicPr>
-            <a:picLocks noChangeAspect="1" noChangeArrowheads="1"/>
-          </p:cNvPicPr>
-          <p:nvPr/>
-        </p:nvPicPr>
-        <p:blipFill>
-          <a:blip r:embed="rId29">
-            <a:extLst>
-              <a:ext uri="{28A0092B-C50C-407E-A947-70E740481C1C}">
-                <a14:useLocalDpi xmlns:a14="http://schemas.microsoft.com/office/drawing/2010/main" val="0"/>
-              </a:ext>
-            </a:extLst>
-          </a:blip>
-          <a:srcRect/>
-          <a:stretch>
-            <a:fillRect/>
-          </a:stretch>
-        </p:blipFill>
-        <p:spPr bwMode="auto">
-          <a:xfrm>
-            <a:off x="6492240" y="4937760"/>
-            <a:ext cx="457200" cy="457200"/>
-          </a:xfrm>
-          <a:prstGeom prst="rect">
-            <a:avLst/>
-          </a:prstGeom>
-          <a:noFill/>
-          <a:ln>
-            <a:noFill/>
-          </a:ln>
-          <a:extLst>
-            <a:ext uri="{909E8E84-426E-40DD-AFC4-6F175D3DCCD1}">
-              <a14:hiddenFill xmlns:a14="http://schemas.microsoft.com/office/drawing/2010/main">
-                <a:solidFill>
-                  <a:srgbClr val="FFFFFF"/>
-                </a:solidFill>
-              </a14:hiddenFill>
-            </a:ext>
-            <a:ext uri="{91240B29-F687-4F45-9708-019B960494DF}">
-              <a14:hiddenLine xmlns:a14="http://schemas.microsoft.com/office/drawing/2010/main" w="9525">
-                <a:solidFill>
-                  <a:srgbClr val="000000"/>
-                </a:solidFill>
-                <a:miter lim="800000"/>
-                <a:headEnd/>
-                <a:tailEnd/>
-              </a14:hiddenLine>
-            </a:ext>
-          </a:extLst>
-        </p:spPr>
-      </p:pic>
-      <p:pic>
-        <p:nvPicPr>
-          <p:cNvPr id="118" name="Graphic 62">
-            <a:extLst>
-              <a:ext uri="{FF2B5EF4-FFF2-40B4-BE49-F238E27FC236}">
-                <a16:creationId xmlns:a16="http://schemas.microsoft.com/office/drawing/2014/main" id="{8B47AFFF-81D9-C348-90A5-553E82D08748}"/>
-              </a:ext>
-            </a:extLst>
-          </p:cNvPr>
-          <p:cNvPicPr>
-            <a:picLocks noChangeAspect="1" noChangeArrowheads="1"/>
-          </p:cNvPicPr>
-          <p:nvPr/>
-        </p:nvPicPr>
-        <p:blipFill>
-          <a:blip r:embed="rId29">
-            <a:extLst>
-              <a:ext uri="{28A0092B-C50C-407E-A947-70E740481C1C}">
-                <a14:useLocalDpi xmlns:a14="http://schemas.microsoft.com/office/drawing/2010/main" val="0"/>
-              </a:ext>
-            </a:extLst>
-          </a:blip>
-          <a:srcRect/>
-          <a:stretch>
-            <a:fillRect/>
-          </a:stretch>
-        </p:blipFill>
-        <p:spPr bwMode="auto">
-          <a:xfrm>
-            <a:off x="8686800" y="4937760"/>
-            <a:ext cx="457200" cy="457200"/>
-          </a:xfrm>
-          <a:prstGeom prst="rect">
-            <a:avLst/>
-          </a:prstGeom>
-          <a:noFill/>
-          <a:ln>
-            <a:noFill/>
-          </a:ln>
-          <a:extLst>
-            <a:ext uri="{909E8E84-426E-40DD-AFC4-6F175D3DCCD1}">
-              <a14:hiddenFill xmlns:a14="http://schemas.microsoft.com/office/drawing/2010/main">
-                <a:solidFill>
-                  <a:srgbClr val="FFFFFF"/>
-                </a:solidFill>
-              </a14:hiddenFill>
-            </a:ext>
-            <a:ext uri="{91240B29-F687-4F45-9708-019B960494DF}">
-              <a14:hiddenLine xmlns:a14="http://schemas.microsoft.com/office/drawing/2010/main" w="9525">
-                <a:solidFill>
-                  <a:srgbClr val="000000"/>
-                </a:solidFill>
-                <a:miter lim="800000"/>
-                <a:headEnd/>
-                <a:tailEnd/>
-              </a14:hiddenLine>
-            </a:ext>
-          </a:extLst>
-        </p:spPr>
-      </p:pic>
-      <p:pic>
-        <p:nvPicPr>
           <p:cNvPr id="119" name="Graphic 28">
             <a:extLst>
               <a:ext uri="{FF2B5EF4-FFF2-40B4-BE49-F238E27FC236}">
@@ -7189,126 +6853,6 @@
       </p:pic>
       <p:pic>
         <p:nvPicPr>
-          <p:cNvPr id="121" name="Graphic 35">
-            <a:extLst>
-              <a:ext uri="{FF2B5EF4-FFF2-40B4-BE49-F238E27FC236}">
-                <a16:creationId xmlns:a16="http://schemas.microsoft.com/office/drawing/2014/main" id="{6FC3D56A-1081-9B43-9B9C-251CDE8593F4}"/>
-              </a:ext>
-            </a:extLst>
-          </p:cNvPr>
-          <p:cNvPicPr>
-            <a:picLocks noChangeAspect="1" noChangeArrowheads="1"/>
-          </p:cNvPicPr>
-          <p:nvPr/>
-        </p:nvPicPr>
-        <p:blipFill>
-          <a:blip r:embed="rId31">
-            <a:extLst>
-              <a:ext uri="{28A0092B-C50C-407E-A947-70E740481C1C}">
-                <a14:useLocalDpi xmlns:a14="http://schemas.microsoft.com/office/drawing/2010/main" val="0"/>
-              </a:ext>
-            </a:extLst>
-          </a:blip>
-          <a:srcRect/>
-          <a:stretch>
-            <a:fillRect/>
-          </a:stretch>
-        </p:blipFill>
-        <p:spPr bwMode="auto">
-          <a:xfrm>
-            <a:off x="5852160" y="4389120"/>
-            <a:ext cx="274637" cy="274638"/>
-          </a:xfrm>
-          <a:prstGeom prst="rect">
-            <a:avLst/>
-          </a:prstGeom>
-          <a:noFill/>
-          <a:ln>
-            <a:noFill/>
-          </a:ln>
-          <a:extLst>
-            <a:ext uri="{909E8E84-426E-40DD-AFC4-6F175D3DCCD1}">
-              <a14:hiddenFill xmlns:a14="http://schemas.microsoft.com/office/drawing/2010/main">
-                <a:solidFill>
-                  <a:srgbClr val="FFFFFF"/>
-                </a:solidFill>
-              </a14:hiddenFill>
-            </a:ext>
-            <a:ext uri="{91240B29-F687-4F45-9708-019B960494DF}">
-              <a14:hiddenLine xmlns:a14="http://schemas.microsoft.com/office/drawing/2010/main" w="9525">
-                <a:solidFill>
-                  <a:srgbClr val="000000"/>
-                </a:solidFill>
-                <a:miter lim="800000"/>
-                <a:headEnd/>
-                <a:tailEnd/>
-              </a14:hiddenLine>
-            </a:ext>
-          </a:extLst>
-        </p:spPr>
-      </p:pic>
-      <p:pic>
-        <p:nvPicPr>
-          <p:cNvPr id="122" name="Graphic 35">
-            <a:extLst>
-              <a:ext uri="{FF2B5EF4-FFF2-40B4-BE49-F238E27FC236}">
-                <a16:creationId xmlns:a16="http://schemas.microsoft.com/office/drawing/2014/main" id="{6FC3D56A-1081-9B43-9B9C-251CDE8593F4}"/>
-              </a:ext>
-            </a:extLst>
-          </p:cNvPr>
-          <p:cNvPicPr>
-            <a:picLocks noChangeAspect="1" noChangeArrowheads="1"/>
-          </p:cNvPicPr>
-          <p:nvPr/>
-        </p:nvPicPr>
-        <p:blipFill>
-          <a:blip r:embed="rId31">
-            <a:extLst>
-              <a:ext uri="{28A0092B-C50C-407E-A947-70E740481C1C}">
-                <a14:useLocalDpi xmlns:a14="http://schemas.microsoft.com/office/drawing/2010/main" val="0"/>
-              </a:ext>
-            </a:extLst>
-          </a:blip>
-          <a:srcRect/>
-          <a:stretch>
-            <a:fillRect/>
-          </a:stretch>
-        </p:blipFill>
-        <p:spPr bwMode="auto">
-          <a:xfrm>
-            <a:off x="8138400" y="4389120"/>
-            <a:ext cx="274637" cy="274638"/>
-          </a:xfrm>
-          <a:prstGeom prst="rect">
-            <a:avLst/>
-          </a:prstGeom>
-          <a:noFill/>
-          <a:ln>
-            <a:noFill/>
-          </a:ln>
-          <a:extLst>
-            <a:ext uri="{909E8E84-426E-40DD-AFC4-6F175D3DCCD1}">
-              <a14:hiddenFill xmlns:a14="http://schemas.microsoft.com/office/drawing/2010/main">
-                <a:solidFill>
-                  <a:srgbClr val="FFFFFF"/>
-                </a:solidFill>
-              </a14:hiddenFill>
-            </a:ext>
-            <a:ext uri="{91240B29-F687-4F45-9708-019B960494DF}">
-              <a14:hiddenLine xmlns:a14="http://schemas.microsoft.com/office/drawing/2010/main" w="9525">
-                <a:solidFill>
-                  <a:srgbClr val="000000"/>
-                </a:solidFill>
-                <a:miter lim="800000"/>
-                <a:headEnd/>
-                <a:tailEnd/>
-              </a14:hiddenLine>
-            </a:ext>
-          </a:extLst>
-        </p:spPr>
-      </p:pic>
-      <p:pic>
-        <p:nvPicPr>
           <p:cNvPr id="123" name="Graphic 34">
             <a:extLst>
               <a:ext uri="{FF2B5EF4-FFF2-40B4-BE49-F238E27FC236}">
@@ -7618,15 +7162,15 @@
           </p:cNvPr>
           <p:cNvCxnSpPr>
             <a:cxnSpLocks/>
-            <a:stCxn id="115" idx="3"/>
+            <a:stCxn id="82" idx="3"/>
             <a:endCxn id="108" idx="1"/>
           </p:cNvCxnSpPr>
           <p:nvPr/>
         </p:nvCxnSpPr>
         <p:spPr>
-          <a:xfrm>
-            <a:off x="10972800" y="4892040"/>
-            <a:ext cx="1645920" cy="0"/>
+          <a:xfrm flipV="1">
+            <a:off x="11704320" y="5484915"/>
+            <a:ext cx="914400" cy="1485"/>
           </a:xfrm>
           <a:prstGeom prst="straightConnector1">
             <a:avLst/>
@@ -7748,6 +7292,1922 @@
           </a:fontRef>
         </p:style>
       </p:cxnSp>
+      <p:sp>
+        <p:nvSpPr>
+          <p:cNvPr id="82" name="Rectangle 81">
+            <a:extLst>
+              <a:ext uri="{FF2B5EF4-FFF2-40B4-BE49-F238E27FC236}">
+                <a16:creationId xmlns:a16="http://schemas.microsoft.com/office/drawing/2014/main" id="{FFA89DF7-D079-0947-8E29-4EEA4975DBBD}"/>
+              </a:ext>
+            </a:extLst>
+          </p:cNvPr>
+          <p:cNvSpPr/>
+          <p:nvPr/>
+        </p:nvSpPr>
+        <p:spPr>
+          <a:xfrm>
+            <a:off x="10332720" y="4754880"/>
+            <a:ext cx="1371600" cy="1463040"/>
+          </a:xfrm>
+          <a:prstGeom prst="rect">
+            <a:avLst/>
+          </a:prstGeom>
+          <a:noFill/>
+          <a:ln w="12700">
+            <a:solidFill>
+              <a:srgbClr val="5A6B86"/>
+            </a:solidFill>
+            <a:prstDash val="dash"/>
+          </a:ln>
+        </p:spPr>
+        <p:style>
+          <a:lnRef idx="2">
+            <a:schemeClr val="accent1">
+              <a:shade val="50000"/>
+            </a:schemeClr>
+          </a:lnRef>
+          <a:fillRef idx="1">
+            <a:schemeClr val="accent1"/>
+          </a:fillRef>
+          <a:effectRef idx="0">
+            <a:schemeClr val="accent1"/>
+          </a:effectRef>
+          <a:fontRef idx="minor">
+            <a:schemeClr val="lt1"/>
+          </a:fontRef>
+        </p:style>
+        <p:txBody>
+          <a:bodyPr tIns="91440"/>
+          <a:lstStyle/>
+          <a:p>
+            <a:pPr algn="ctr" eaLnBrk="1" fontAlgn="auto" hangingPunct="1">
+              <a:spcBef>
+                <a:spcPts val="0"/>
+              </a:spcBef>
+              <a:spcAft>
+                <a:spcPts val="0"/>
+              </a:spcAft>
+              <a:defRPr/>
+            </a:pPr>
+            <a:r>
+              <a:rPr lang="en-US" sz="1200" smtClean="0">
+                <a:solidFill>
+                  <a:srgbClr val="5A6B86"/>
+                </a:solidFill>
+                <a:latin typeface="Arial" panose="020B0604020202020204" pitchFamily="34" charset="0"/>
+                <a:cs typeface="Arial" panose="020B0604020202020204" pitchFamily="34" charset="0"/>
+              </a:rPr>
+              <a:t>Armory Operator</a:t>
+            </a:r>
+            <a:endParaRPr lang="en-US" sz="1200" dirty="0">
+              <a:solidFill>
+                <a:srgbClr val="5A6B86"/>
+              </a:solidFill>
+              <a:latin typeface="Arial" panose="020B0604020202020204" pitchFamily="34" charset="0"/>
+              <a:cs typeface="Arial" panose="020B0604020202020204" pitchFamily="34" charset="0"/>
+            </a:endParaRPr>
+          </a:p>
+        </p:txBody>
+      </p:sp>
+      <p:sp>
+        <p:nvSpPr>
+          <p:cNvPr id="61" name="TextBox 17">
+            <a:extLst>
+              <a:ext uri="{FF2B5EF4-FFF2-40B4-BE49-F238E27FC236}">
+                <a16:creationId xmlns:a16="http://schemas.microsoft.com/office/drawing/2014/main" id="{D416F419-7FF9-FD42-97EF-0DDC4E5EAB21}"/>
+              </a:ext>
+            </a:extLst>
+          </p:cNvPr>
+          <p:cNvSpPr txBox="1">
+            <a:spLocks noChangeArrowheads="1"/>
+          </p:cNvSpPr>
+          <p:nvPr/>
+        </p:nvSpPr>
+        <p:spPr bwMode="auto">
+          <a:xfrm>
+            <a:off x="2682456" y="6508377"/>
+            <a:ext cx="953920" cy="430887"/>
+          </a:xfrm>
+          <a:prstGeom prst="rect">
+            <a:avLst/>
+          </a:prstGeom>
+          <a:noFill/>
+          <a:ln>
+            <a:noFill/>
+          </a:ln>
+          <a:extLst>
+            <a:ext uri="{909E8E84-426E-40DD-AFC4-6F175D3DCCD1}">
+              <a14:hiddenFill xmlns:a14="http://schemas.microsoft.com/office/drawing/2010/main">
+                <a:solidFill>
+                  <a:srgbClr val="FFFFFF"/>
+                </a:solidFill>
+              </a14:hiddenFill>
+            </a:ext>
+            <a:ext uri="{91240B29-F687-4F45-9708-019B960494DF}">
+              <a14:hiddenLine xmlns:a14="http://schemas.microsoft.com/office/drawing/2010/main" w="9525">
+                <a:solidFill>
+                  <a:srgbClr val="000000"/>
+                </a:solidFill>
+                <a:miter lim="800000"/>
+                <a:headEnd/>
+                <a:tailEnd/>
+              </a14:hiddenLine>
+            </a:ext>
+          </a:extLst>
+        </p:spPr>
+        <p:txBody>
+          <a:bodyPr wrap="square">
+            <a:spAutoFit/>
+          </a:bodyPr>
+          <a:lstStyle>
+            <a:lvl1pPr>
+              <a:defRPr>
+                <a:solidFill>
+                  <a:schemeClr val="tx1"/>
+                </a:solidFill>
+                <a:latin typeface="Calibri" panose="020F0502020204030204" pitchFamily="34" charset="0"/>
+              </a:defRPr>
+            </a:lvl1pPr>
+            <a:lvl2pPr marL="742950" indent="-285750">
+              <a:defRPr>
+                <a:solidFill>
+                  <a:schemeClr val="tx1"/>
+                </a:solidFill>
+                <a:latin typeface="Calibri" panose="020F0502020204030204" pitchFamily="34" charset="0"/>
+              </a:defRPr>
+            </a:lvl2pPr>
+            <a:lvl3pPr marL="1143000" indent="-228600">
+              <a:defRPr>
+                <a:solidFill>
+                  <a:schemeClr val="tx1"/>
+                </a:solidFill>
+                <a:latin typeface="Calibri" panose="020F0502020204030204" pitchFamily="34" charset="0"/>
+              </a:defRPr>
+            </a:lvl3pPr>
+            <a:lvl4pPr marL="1600200" indent="-228600">
+              <a:defRPr>
+                <a:solidFill>
+                  <a:schemeClr val="tx1"/>
+                </a:solidFill>
+                <a:latin typeface="Calibri" panose="020F0502020204030204" pitchFamily="34" charset="0"/>
+              </a:defRPr>
+            </a:lvl4pPr>
+            <a:lvl5pPr marL="2057400" indent="-228600">
+              <a:defRPr>
+                <a:solidFill>
+                  <a:schemeClr val="tx1"/>
+                </a:solidFill>
+                <a:latin typeface="Calibri" panose="020F0502020204030204" pitchFamily="34" charset="0"/>
+              </a:defRPr>
+            </a:lvl5pPr>
+            <a:lvl6pPr marL="2514600" indent="-228600" eaLnBrk="0" fontAlgn="base" hangingPunct="0">
+              <a:spcBef>
+                <a:spcPct val="0"/>
+              </a:spcBef>
+              <a:spcAft>
+                <a:spcPct val="0"/>
+              </a:spcAft>
+              <a:defRPr>
+                <a:solidFill>
+                  <a:schemeClr val="tx1"/>
+                </a:solidFill>
+                <a:latin typeface="Calibri" panose="020F0502020204030204" pitchFamily="34" charset="0"/>
+              </a:defRPr>
+            </a:lvl6pPr>
+            <a:lvl7pPr marL="2971800" indent="-228600" eaLnBrk="0" fontAlgn="base" hangingPunct="0">
+              <a:spcBef>
+                <a:spcPct val="0"/>
+              </a:spcBef>
+              <a:spcAft>
+                <a:spcPct val="0"/>
+              </a:spcAft>
+              <a:defRPr>
+                <a:solidFill>
+                  <a:schemeClr val="tx1"/>
+                </a:solidFill>
+                <a:latin typeface="Calibri" panose="020F0502020204030204" pitchFamily="34" charset="0"/>
+              </a:defRPr>
+            </a:lvl7pPr>
+            <a:lvl8pPr marL="3429000" indent="-228600" eaLnBrk="0" fontAlgn="base" hangingPunct="0">
+              <a:spcBef>
+                <a:spcPct val="0"/>
+              </a:spcBef>
+              <a:spcAft>
+                <a:spcPct val="0"/>
+              </a:spcAft>
+              <a:defRPr>
+                <a:solidFill>
+                  <a:schemeClr val="tx1"/>
+                </a:solidFill>
+                <a:latin typeface="Calibri" panose="020F0502020204030204" pitchFamily="34" charset="0"/>
+              </a:defRPr>
+            </a:lvl8pPr>
+            <a:lvl9pPr marL="3886200" indent="-228600" eaLnBrk="0" fontAlgn="base" hangingPunct="0">
+              <a:spcBef>
+                <a:spcPct val="0"/>
+              </a:spcBef>
+              <a:spcAft>
+                <a:spcPct val="0"/>
+              </a:spcAft>
+              <a:defRPr>
+                <a:solidFill>
+                  <a:schemeClr val="tx1"/>
+                </a:solidFill>
+                <a:latin typeface="Calibri" panose="020F0502020204030204" pitchFamily="34" charset="0"/>
+              </a:defRPr>
+            </a:lvl9pPr>
+          </a:lstStyle>
+          <a:p>
+            <a:pPr algn="ctr" eaLnBrk="1" hangingPunct="1"/>
+            <a:r>
+              <a:rPr lang="en-US" altLang="en-US" sz="1100" smtClean="0">
+                <a:latin typeface="Arial" panose="020B0604020202020204" pitchFamily="34" charset="0"/>
+                <a:ea typeface="Amazon Ember" panose="020B0603020204020204" pitchFamily="34" charset="0"/>
+                <a:cs typeface="Arial" panose="020B0604020202020204" pitchFamily="34" charset="0"/>
+              </a:rPr>
+              <a:t>ElastiCache Redis </a:t>
+            </a:r>
+            <a:r>
+              <a:rPr lang="en-US" altLang="en-US" sz="1100" dirty="0">
+                <a:latin typeface="Arial" panose="020B0604020202020204" pitchFamily="34" charset="0"/>
+                <a:ea typeface="Amazon Ember" panose="020B0603020204020204" pitchFamily="34" charset="0"/>
+                <a:cs typeface="Arial" panose="020B0604020202020204" pitchFamily="34" charset="0"/>
+              </a:rPr>
+              <a:t>node</a:t>
+            </a:r>
+          </a:p>
+        </p:txBody>
+      </p:sp>
+      <p:sp>
+        <p:nvSpPr>
+          <p:cNvPr id="63" name="TextBox 8">
+            <a:extLst>
+              <a:ext uri="{FF2B5EF4-FFF2-40B4-BE49-F238E27FC236}">
+                <a16:creationId xmlns:a16="http://schemas.microsoft.com/office/drawing/2014/main" id="{9A51BFEC-955C-E444-A046-8E4A45B6EFDA}"/>
+              </a:ext>
+            </a:extLst>
+          </p:cNvPr>
+          <p:cNvSpPr txBox="1">
+            <a:spLocks noChangeArrowheads="1"/>
+          </p:cNvSpPr>
+          <p:nvPr/>
+        </p:nvSpPr>
+        <p:spPr bwMode="auto">
+          <a:xfrm>
+            <a:off x="3670935" y="6510528"/>
+            <a:ext cx="801100" cy="430887"/>
+          </a:xfrm>
+          <a:prstGeom prst="rect">
+            <a:avLst/>
+          </a:prstGeom>
+          <a:noFill/>
+          <a:ln>
+            <a:noFill/>
+          </a:ln>
+          <a:extLst>
+            <a:ext uri="{909E8E84-426E-40DD-AFC4-6F175D3DCCD1}">
+              <a14:hiddenFill xmlns:a14="http://schemas.microsoft.com/office/drawing/2010/main">
+                <a:solidFill>
+                  <a:srgbClr val="FFFFFF"/>
+                </a:solidFill>
+              </a14:hiddenFill>
+            </a:ext>
+            <a:ext uri="{91240B29-F687-4F45-9708-019B960494DF}">
+              <a14:hiddenLine xmlns:a14="http://schemas.microsoft.com/office/drawing/2010/main" w="9525">
+                <a:solidFill>
+                  <a:srgbClr val="000000"/>
+                </a:solidFill>
+                <a:miter lim="800000"/>
+                <a:headEnd/>
+                <a:tailEnd/>
+              </a14:hiddenLine>
+            </a:ext>
+          </a:extLst>
+        </p:spPr>
+        <p:txBody>
+          <a:bodyPr wrap="square">
+            <a:spAutoFit/>
+          </a:bodyPr>
+          <a:lstStyle>
+            <a:lvl1pPr>
+              <a:defRPr>
+                <a:solidFill>
+                  <a:schemeClr val="tx1"/>
+                </a:solidFill>
+                <a:latin typeface="Calibri" panose="020F0502020204030204" pitchFamily="34" charset="0"/>
+              </a:defRPr>
+            </a:lvl1pPr>
+            <a:lvl2pPr marL="742950" indent="-285750">
+              <a:defRPr>
+                <a:solidFill>
+                  <a:schemeClr val="tx1"/>
+                </a:solidFill>
+                <a:latin typeface="Calibri" panose="020F0502020204030204" pitchFamily="34" charset="0"/>
+              </a:defRPr>
+            </a:lvl2pPr>
+            <a:lvl3pPr marL="1143000" indent="-228600">
+              <a:defRPr>
+                <a:solidFill>
+                  <a:schemeClr val="tx1"/>
+                </a:solidFill>
+                <a:latin typeface="Calibri" panose="020F0502020204030204" pitchFamily="34" charset="0"/>
+              </a:defRPr>
+            </a:lvl3pPr>
+            <a:lvl4pPr marL="1600200" indent="-228600">
+              <a:defRPr>
+                <a:solidFill>
+                  <a:schemeClr val="tx1"/>
+                </a:solidFill>
+                <a:latin typeface="Calibri" panose="020F0502020204030204" pitchFamily="34" charset="0"/>
+              </a:defRPr>
+            </a:lvl4pPr>
+            <a:lvl5pPr marL="2057400" indent="-228600">
+              <a:defRPr>
+                <a:solidFill>
+                  <a:schemeClr val="tx1"/>
+                </a:solidFill>
+                <a:latin typeface="Calibri" panose="020F0502020204030204" pitchFamily="34" charset="0"/>
+              </a:defRPr>
+            </a:lvl5pPr>
+            <a:lvl6pPr marL="2514600" indent="-228600" eaLnBrk="0" fontAlgn="base" hangingPunct="0">
+              <a:spcBef>
+                <a:spcPct val="0"/>
+              </a:spcBef>
+              <a:spcAft>
+                <a:spcPct val="0"/>
+              </a:spcAft>
+              <a:defRPr>
+                <a:solidFill>
+                  <a:schemeClr val="tx1"/>
+                </a:solidFill>
+                <a:latin typeface="Calibri" panose="020F0502020204030204" pitchFamily="34" charset="0"/>
+              </a:defRPr>
+            </a:lvl6pPr>
+            <a:lvl7pPr marL="2971800" indent="-228600" eaLnBrk="0" fontAlgn="base" hangingPunct="0">
+              <a:spcBef>
+                <a:spcPct val="0"/>
+              </a:spcBef>
+              <a:spcAft>
+                <a:spcPct val="0"/>
+              </a:spcAft>
+              <a:defRPr>
+                <a:solidFill>
+                  <a:schemeClr val="tx1"/>
+                </a:solidFill>
+                <a:latin typeface="Calibri" panose="020F0502020204030204" pitchFamily="34" charset="0"/>
+              </a:defRPr>
+            </a:lvl7pPr>
+            <a:lvl8pPr marL="3429000" indent="-228600" eaLnBrk="0" fontAlgn="base" hangingPunct="0">
+              <a:spcBef>
+                <a:spcPct val="0"/>
+              </a:spcBef>
+              <a:spcAft>
+                <a:spcPct val="0"/>
+              </a:spcAft>
+              <a:defRPr>
+                <a:solidFill>
+                  <a:schemeClr val="tx1"/>
+                </a:solidFill>
+                <a:latin typeface="Calibri" panose="020F0502020204030204" pitchFamily="34" charset="0"/>
+              </a:defRPr>
+            </a:lvl8pPr>
+            <a:lvl9pPr marL="3886200" indent="-228600" eaLnBrk="0" fontAlgn="base" hangingPunct="0">
+              <a:spcBef>
+                <a:spcPct val="0"/>
+              </a:spcBef>
+              <a:spcAft>
+                <a:spcPct val="0"/>
+              </a:spcAft>
+              <a:defRPr>
+                <a:solidFill>
+                  <a:schemeClr val="tx1"/>
+                </a:solidFill>
+                <a:latin typeface="Calibri" panose="020F0502020204030204" pitchFamily="34" charset="0"/>
+              </a:defRPr>
+            </a:lvl9pPr>
+          </a:lstStyle>
+          <a:p>
+            <a:pPr algn="ctr" eaLnBrk="1" hangingPunct="1"/>
+            <a:r>
+              <a:rPr lang="en-US" altLang="en-US" sz="1100" dirty="0">
+                <a:latin typeface="Arial" panose="020B0604020202020204" pitchFamily="34" charset="0"/>
+                <a:ea typeface="Amazon Ember" panose="020B0603020204020204" pitchFamily="34" charset="0"/>
+                <a:cs typeface="Arial" panose="020B0604020202020204" pitchFamily="34" charset="0"/>
+              </a:rPr>
+              <a:t>MySQL</a:t>
+            </a:r>
+          </a:p>
+          <a:p>
+            <a:pPr algn="ctr" eaLnBrk="1" hangingPunct="1"/>
+            <a:r>
+              <a:rPr lang="en-US" altLang="en-US" sz="1100" dirty="0">
+                <a:latin typeface="Arial" panose="020B0604020202020204" pitchFamily="34" charset="0"/>
+                <a:ea typeface="Amazon Ember" panose="020B0603020204020204" pitchFamily="34" charset="0"/>
+                <a:cs typeface="Arial" panose="020B0604020202020204" pitchFamily="34" charset="0"/>
+              </a:rPr>
+              <a:t>instance</a:t>
+            </a:r>
+          </a:p>
+        </p:txBody>
+      </p:sp>
+      <p:pic>
+        <p:nvPicPr>
+          <p:cNvPr id="65" name="Graphic 24">
+            <a:extLst>
+              <a:ext uri="{FF2B5EF4-FFF2-40B4-BE49-F238E27FC236}">
+                <a16:creationId xmlns:a16="http://schemas.microsoft.com/office/drawing/2014/main" id="{1BB1A929-4B62-3040-9466-CB51DB3ACE7D}"/>
+              </a:ext>
+            </a:extLst>
+          </p:cNvPr>
+          <p:cNvPicPr>
+            <a:picLocks noChangeAspect="1" noChangeArrowheads="1"/>
+          </p:cNvPicPr>
+          <p:nvPr/>
+        </p:nvPicPr>
+        <p:blipFill>
+          <a:blip r:embed="rId34">
+            <a:extLst>
+              <a:ext uri="{28A0092B-C50C-407E-A947-70E740481C1C}">
+                <a14:useLocalDpi xmlns:a14="http://schemas.microsoft.com/office/drawing/2010/main" val="0"/>
+              </a:ext>
+            </a:extLst>
+          </a:blip>
+          <a:srcRect/>
+          <a:stretch>
+            <a:fillRect/>
+          </a:stretch>
+        </p:blipFill>
+        <p:spPr bwMode="auto">
+          <a:xfrm>
+            <a:off x="2926080" y="6035040"/>
+            <a:ext cx="457200" cy="457200"/>
+          </a:xfrm>
+          <a:prstGeom prst="rect">
+            <a:avLst/>
+          </a:prstGeom>
+          <a:noFill/>
+          <a:ln>
+            <a:noFill/>
+          </a:ln>
+          <a:extLst>
+            <a:ext uri="{909E8E84-426E-40DD-AFC4-6F175D3DCCD1}">
+              <a14:hiddenFill xmlns:a14="http://schemas.microsoft.com/office/drawing/2010/main">
+                <a:solidFill>
+                  <a:srgbClr val="FFFFFF"/>
+                </a:solidFill>
+              </a14:hiddenFill>
+            </a:ext>
+            <a:ext uri="{91240B29-F687-4F45-9708-019B960494DF}">
+              <a14:hiddenLine xmlns:a14="http://schemas.microsoft.com/office/drawing/2010/main" w="9525">
+                <a:solidFill>
+                  <a:srgbClr val="000000"/>
+                </a:solidFill>
+                <a:miter lim="800000"/>
+                <a:headEnd/>
+                <a:tailEnd/>
+              </a14:hiddenLine>
+            </a:ext>
+          </a:extLst>
+        </p:spPr>
+      </p:pic>
+      <p:sp>
+        <p:nvSpPr>
+          <p:cNvPr id="67" name="Rectangle 66">
+            <a:extLst>
+              <a:ext uri="{FF2B5EF4-FFF2-40B4-BE49-F238E27FC236}">
+                <a16:creationId xmlns:a16="http://schemas.microsoft.com/office/drawing/2014/main" id="{CA9FC015-58A6-074B-8C1E-732DA3337466}"/>
+              </a:ext>
+            </a:extLst>
+          </p:cNvPr>
+          <p:cNvSpPr/>
+          <p:nvPr/>
+        </p:nvSpPr>
+        <p:spPr>
+          <a:xfrm>
+            <a:off x="5852160" y="4389120"/>
+            <a:ext cx="1737360" cy="2651760"/>
+          </a:xfrm>
+          <a:prstGeom prst="rect">
+            <a:avLst/>
+          </a:prstGeom>
+          <a:solidFill>
+            <a:srgbClr val="007CBC">
+              <a:alpha val="9804"/>
+            </a:srgbClr>
+          </a:solidFill>
+          <a:ln w="12700">
+            <a:noFill/>
+            <a:prstDash val="solid"/>
+          </a:ln>
+        </p:spPr>
+        <p:style>
+          <a:lnRef idx="2">
+            <a:schemeClr val="accent1">
+              <a:shade val="50000"/>
+            </a:schemeClr>
+          </a:lnRef>
+          <a:fillRef idx="1">
+            <a:schemeClr val="accent1"/>
+          </a:fillRef>
+          <a:effectRef idx="0">
+            <a:schemeClr val="accent1"/>
+          </a:effectRef>
+          <a:fontRef idx="minor">
+            <a:schemeClr val="lt1"/>
+          </a:fontRef>
+        </p:style>
+        <p:txBody>
+          <a:bodyPr rot="0" spcFirstLastPara="0" vertOverflow="overflow" horzOverflow="overflow" vert="horz" wrap="square" lIns="338328" tIns="45720" rIns="91440" bIns="45720" numCol="1" spcCol="0" rtlCol="0" fromWordArt="0" anchor="t" anchorCtr="0" forceAA="0" compatLnSpc="1">
+            <a:prstTxWarp prst="textNoShape">
+              <a:avLst/>
+            </a:prstTxWarp>
+            <a:noAutofit/>
+          </a:bodyPr>
+          <a:lstStyle/>
+          <a:p>
+            <a:pPr algn="l"/>
+            <a:r>
+              <a:rPr lang="en-US" sz="1200" dirty="0">
+                <a:solidFill>
+                  <a:srgbClr val="007DBC"/>
+                </a:solidFill>
+                <a:latin typeface="Arial" panose="020B0604020202020204" pitchFamily="34" charset="0"/>
+                <a:cs typeface="Arial" panose="020B0604020202020204" pitchFamily="34" charset="0"/>
+              </a:rPr>
+              <a:t>Private subnet</a:t>
+            </a:r>
+          </a:p>
+        </p:txBody>
+      </p:sp>
+      <p:sp>
+        <p:nvSpPr>
+          <p:cNvPr id="68" name="TextBox 67">
+            <a:extLst>
+              <a:ext uri="{FF2B5EF4-FFF2-40B4-BE49-F238E27FC236}">
+                <a16:creationId xmlns:a16="http://schemas.microsoft.com/office/drawing/2014/main" id="{BB0FED51-F4D8-A643-8438-DC2ADE8AA465}"/>
+              </a:ext>
+            </a:extLst>
+          </p:cNvPr>
+          <p:cNvSpPr txBox="1"/>
+          <p:nvPr/>
+        </p:nvSpPr>
+        <p:spPr>
+          <a:xfrm>
+            <a:off x="6002237" y="5404485"/>
+            <a:ext cx="1440910" cy="276999"/>
+          </a:xfrm>
+          <a:prstGeom prst="rect">
+            <a:avLst/>
+          </a:prstGeom>
+          <a:noFill/>
+        </p:spPr>
+        <p:txBody>
+          <a:bodyPr wrap="square" rtlCol="0" anchor="t">
+            <a:spAutoFit/>
+          </a:bodyPr>
+          <a:lstStyle/>
+          <a:p>
+            <a:pPr algn="ctr"/>
+            <a:r>
+              <a:rPr lang="en-US" sz="1200" dirty="0">
+                <a:latin typeface="Arial" panose="020B0604020202020204" pitchFamily="34" charset="0"/>
+                <a:cs typeface="Arial" panose="020B0604020202020204" pitchFamily="34" charset="0"/>
+              </a:rPr>
+              <a:t>Kubernetes nodes</a:t>
+            </a:r>
+          </a:p>
+        </p:txBody>
+      </p:sp>
+      <p:pic>
+        <p:nvPicPr>
+          <p:cNvPr id="69" name="Graphic 62">
+            <a:extLst>
+              <a:ext uri="{FF2B5EF4-FFF2-40B4-BE49-F238E27FC236}">
+                <a16:creationId xmlns:a16="http://schemas.microsoft.com/office/drawing/2014/main" id="{8B47AFFF-81D9-C348-90A5-553E82D08748}"/>
+              </a:ext>
+            </a:extLst>
+          </p:cNvPr>
+          <p:cNvPicPr>
+            <a:picLocks noChangeAspect="1" noChangeArrowheads="1"/>
+          </p:cNvPicPr>
+          <p:nvPr/>
+        </p:nvPicPr>
+        <p:blipFill>
+          <a:blip r:embed="rId29">
+            <a:extLst>
+              <a:ext uri="{28A0092B-C50C-407E-A947-70E740481C1C}">
+                <a14:useLocalDpi xmlns:a14="http://schemas.microsoft.com/office/drawing/2010/main" val="0"/>
+              </a:ext>
+            </a:extLst>
+          </a:blip>
+          <a:srcRect/>
+          <a:stretch>
+            <a:fillRect/>
+          </a:stretch>
+        </p:blipFill>
+        <p:spPr bwMode="auto">
+          <a:xfrm>
+            <a:off x="6492240" y="4937760"/>
+            <a:ext cx="457200" cy="457200"/>
+          </a:xfrm>
+          <a:prstGeom prst="rect">
+            <a:avLst/>
+          </a:prstGeom>
+          <a:noFill/>
+          <a:ln>
+            <a:noFill/>
+          </a:ln>
+          <a:extLst>
+            <a:ext uri="{909E8E84-426E-40DD-AFC4-6F175D3DCCD1}">
+              <a14:hiddenFill xmlns:a14="http://schemas.microsoft.com/office/drawing/2010/main">
+                <a:solidFill>
+                  <a:srgbClr val="FFFFFF"/>
+                </a:solidFill>
+              </a14:hiddenFill>
+            </a:ext>
+            <a:ext uri="{91240B29-F687-4F45-9708-019B960494DF}">
+              <a14:hiddenLine xmlns:a14="http://schemas.microsoft.com/office/drawing/2010/main" w="9525">
+                <a:solidFill>
+                  <a:srgbClr val="000000"/>
+                </a:solidFill>
+                <a:miter lim="800000"/>
+                <a:headEnd/>
+                <a:tailEnd/>
+              </a14:hiddenLine>
+            </a:ext>
+          </a:extLst>
+        </p:spPr>
+      </p:pic>
+      <p:pic>
+        <p:nvPicPr>
+          <p:cNvPr id="70" name="Graphic 35">
+            <a:extLst>
+              <a:ext uri="{FF2B5EF4-FFF2-40B4-BE49-F238E27FC236}">
+                <a16:creationId xmlns:a16="http://schemas.microsoft.com/office/drawing/2014/main" id="{6FC3D56A-1081-9B43-9B9C-251CDE8593F4}"/>
+              </a:ext>
+            </a:extLst>
+          </p:cNvPr>
+          <p:cNvPicPr>
+            <a:picLocks noChangeAspect="1" noChangeArrowheads="1"/>
+          </p:cNvPicPr>
+          <p:nvPr/>
+        </p:nvPicPr>
+        <p:blipFill>
+          <a:blip r:embed="rId31">
+            <a:extLst>
+              <a:ext uri="{28A0092B-C50C-407E-A947-70E740481C1C}">
+                <a14:useLocalDpi xmlns:a14="http://schemas.microsoft.com/office/drawing/2010/main" val="0"/>
+              </a:ext>
+            </a:extLst>
+          </a:blip>
+          <a:srcRect/>
+          <a:stretch>
+            <a:fillRect/>
+          </a:stretch>
+        </p:blipFill>
+        <p:spPr bwMode="auto">
+          <a:xfrm>
+            <a:off x="5852160" y="4389120"/>
+            <a:ext cx="274637" cy="274638"/>
+          </a:xfrm>
+          <a:prstGeom prst="rect">
+            <a:avLst/>
+          </a:prstGeom>
+          <a:noFill/>
+          <a:ln>
+            <a:noFill/>
+          </a:ln>
+          <a:extLst>
+            <a:ext uri="{909E8E84-426E-40DD-AFC4-6F175D3DCCD1}">
+              <a14:hiddenFill xmlns:a14="http://schemas.microsoft.com/office/drawing/2010/main">
+                <a:solidFill>
+                  <a:srgbClr val="FFFFFF"/>
+                </a:solidFill>
+              </a14:hiddenFill>
+            </a:ext>
+            <a:ext uri="{91240B29-F687-4F45-9708-019B960494DF}">
+              <a14:hiddenLine xmlns:a14="http://schemas.microsoft.com/office/drawing/2010/main" w="9525">
+                <a:solidFill>
+                  <a:srgbClr val="000000"/>
+                </a:solidFill>
+                <a:miter lim="800000"/>
+                <a:headEnd/>
+                <a:tailEnd/>
+              </a14:hiddenLine>
+            </a:ext>
+          </a:extLst>
+        </p:spPr>
+      </p:pic>
+      <p:sp>
+        <p:nvSpPr>
+          <p:cNvPr id="78" name="TextBox 17">
+            <a:extLst>
+              <a:ext uri="{FF2B5EF4-FFF2-40B4-BE49-F238E27FC236}">
+                <a16:creationId xmlns:a16="http://schemas.microsoft.com/office/drawing/2014/main" id="{D416F419-7FF9-FD42-97EF-0DDC4E5EAB21}"/>
+              </a:ext>
+            </a:extLst>
+          </p:cNvPr>
+          <p:cNvSpPr txBox="1">
+            <a:spLocks noChangeArrowheads="1"/>
+          </p:cNvSpPr>
+          <p:nvPr/>
+        </p:nvSpPr>
+        <p:spPr bwMode="auto">
+          <a:xfrm>
+            <a:off x="5787188" y="6508377"/>
+            <a:ext cx="953920" cy="430887"/>
+          </a:xfrm>
+          <a:prstGeom prst="rect">
+            <a:avLst/>
+          </a:prstGeom>
+          <a:noFill/>
+          <a:ln>
+            <a:noFill/>
+          </a:ln>
+          <a:extLst>
+            <a:ext uri="{909E8E84-426E-40DD-AFC4-6F175D3DCCD1}">
+              <a14:hiddenFill xmlns:a14="http://schemas.microsoft.com/office/drawing/2010/main">
+                <a:solidFill>
+                  <a:srgbClr val="FFFFFF"/>
+                </a:solidFill>
+              </a14:hiddenFill>
+            </a:ext>
+            <a:ext uri="{91240B29-F687-4F45-9708-019B960494DF}">
+              <a14:hiddenLine xmlns:a14="http://schemas.microsoft.com/office/drawing/2010/main" w="9525">
+                <a:solidFill>
+                  <a:srgbClr val="000000"/>
+                </a:solidFill>
+                <a:miter lim="800000"/>
+                <a:headEnd/>
+                <a:tailEnd/>
+              </a14:hiddenLine>
+            </a:ext>
+          </a:extLst>
+        </p:spPr>
+        <p:txBody>
+          <a:bodyPr wrap="square">
+            <a:spAutoFit/>
+          </a:bodyPr>
+          <a:lstStyle>
+            <a:lvl1pPr>
+              <a:defRPr>
+                <a:solidFill>
+                  <a:schemeClr val="tx1"/>
+                </a:solidFill>
+                <a:latin typeface="Calibri" panose="020F0502020204030204" pitchFamily="34" charset="0"/>
+              </a:defRPr>
+            </a:lvl1pPr>
+            <a:lvl2pPr marL="742950" indent="-285750">
+              <a:defRPr>
+                <a:solidFill>
+                  <a:schemeClr val="tx1"/>
+                </a:solidFill>
+                <a:latin typeface="Calibri" panose="020F0502020204030204" pitchFamily="34" charset="0"/>
+              </a:defRPr>
+            </a:lvl2pPr>
+            <a:lvl3pPr marL="1143000" indent="-228600">
+              <a:defRPr>
+                <a:solidFill>
+                  <a:schemeClr val="tx1"/>
+                </a:solidFill>
+                <a:latin typeface="Calibri" panose="020F0502020204030204" pitchFamily="34" charset="0"/>
+              </a:defRPr>
+            </a:lvl3pPr>
+            <a:lvl4pPr marL="1600200" indent="-228600">
+              <a:defRPr>
+                <a:solidFill>
+                  <a:schemeClr val="tx1"/>
+                </a:solidFill>
+                <a:latin typeface="Calibri" panose="020F0502020204030204" pitchFamily="34" charset="0"/>
+              </a:defRPr>
+            </a:lvl4pPr>
+            <a:lvl5pPr marL="2057400" indent="-228600">
+              <a:defRPr>
+                <a:solidFill>
+                  <a:schemeClr val="tx1"/>
+                </a:solidFill>
+                <a:latin typeface="Calibri" panose="020F0502020204030204" pitchFamily="34" charset="0"/>
+              </a:defRPr>
+            </a:lvl5pPr>
+            <a:lvl6pPr marL="2514600" indent="-228600" eaLnBrk="0" fontAlgn="base" hangingPunct="0">
+              <a:spcBef>
+                <a:spcPct val="0"/>
+              </a:spcBef>
+              <a:spcAft>
+                <a:spcPct val="0"/>
+              </a:spcAft>
+              <a:defRPr>
+                <a:solidFill>
+                  <a:schemeClr val="tx1"/>
+                </a:solidFill>
+                <a:latin typeface="Calibri" panose="020F0502020204030204" pitchFamily="34" charset="0"/>
+              </a:defRPr>
+            </a:lvl6pPr>
+            <a:lvl7pPr marL="2971800" indent="-228600" eaLnBrk="0" fontAlgn="base" hangingPunct="0">
+              <a:spcBef>
+                <a:spcPct val="0"/>
+              </a:spcBef>
+              <a:spcAft>
+                <a:spcPct val="0"/>
+              </a:spcAft>
+              <a:defRPr>
+                <a:solidFill>
+                  <a:schemeClr val="tx1"/>
+                </a:solidFill>
+                <a:latin typeface="Calibri" panose="020F0502020204030204" pitchFamily="34" charset="0"/>
+              </a:defRPr>
+            </a:lvl7pPr>
+            <a:lvl8pPr marL="3429000" indent="-228600" eaLnBrk="0" fontAlgn="base" hangingPunct="0">
+              <a:spcBef>
+                <a:spcPct val="0"/>
+              </a:spcBef>
+              <a:spcAft>
+                <a:spcPct val="0"/>
+              </a:spcAft>
+              <a:defRPr>
+                <a:solidFill>
+                  <a:schemeClr val="tx1"/>
+                </a:solidFill>
+                <a:latin typeface="Calibri" panose="020F0502020204030204" pitchFamily="34" charset="0"/>
+              </a:defRPr>
+            </a:lvl8pPr>
+            <a:lvl9pPr marL="3886200" indent="-228600" eaLnBrk="0" fontAlgn="base" hangingPunct="0">
+              <a:spcBef>
+                <a:spcPct val="0"/>
+              </a:spcBef>
+              <a:spcAft>
+                <a:spcPct val="0"/>
+              </a:spcAft>
+              <a:defRPr>
+                <a:solidFill>
+                  <a:schemeClr val="tx1"/>
+                </a:solidFill>
+                <a:latin typeface="Calibri" panose="020F0502020204030204" pitchFamily="34" charset="0"/>
+              </a:defRPr>
+            </a:lvl9pPr>
+          </a:lstStyle>
+          <a:p>
+            <a:pPr algn="ctr" eaLnBrk="1" hangingPunct="1"/>
+            <a:r>
+              <a:rPr lang="en-US" altLang="en-US" sz="1100" smtClean="0">
+                <a:latin typeface="Arial" panose="020B0604020202020204" pitchFamily="34" charset="0"/>
+                <a:ea typeface="Amazon Ember" panose="020B0603020204020204" pitchFamily="34" charset="0"/>
+                <a:cs typeface="Arial" panose="020B0604020202020204" pitchFamily="34" charset="0"/>
+              </a:rPr>
+              <a:t>ElastiCache Redis </a:t>
+            </a:r>
+            <a:r>
+              <a:rPr lang="en-US" altLang="en-US" sz="1100" dirty="0">
+                <a:latin typeface="Arial" panose="020B0604020202020204" pitchFamily="34" charset="0"/>
+                <a:ea typeface="Amazon Ember" panose="020B0603020204020204" pitchFamily="34" charset="0"/>
+                <a:cs typeface="Arial" panose="020B0604020202020204" pitchFamily="34" charset="0"/>
+              </a:rPr>
+              <a:t>node</a:t>
+            </a:r>
+          </a:p>
+        </p:txBody>
+      </p:sp>
+      <p:sp>
+        <p:nvSpPr>
+          <p:cNvPr id="79" name="TextBox 8">
+            <a:extLst>
+              <a:ext uri="{FF2B5EF4-FFF2-40B4-BE49-F238E27FC236}">
+                <a16:creationId xmlns:a16="http://schemas.microsoft.com/office/drawing/2014/main" id="{9A51BFEC-955C-E444-A046-8E4A45B6EFDA}"/>
+              </a:ext>
+            </a:extLst>
+          </p:cNvPr>
+          <p:cNvSpPr txBox="1">
+            <a:spLocks noChangeArrowheads="1"/>
+          </p:cNvSpPr>
+          <p:nvPr/>
+        </p:nvSpPr>
+        <p:spPr bwMode="auto">
+          <a:xfrm>
+            <a:off x="6775667" y="6510528"/>
+            <a:ext cx="801100" cy="430887"/>
+          </a:xfrm>
+          <a:prstGeom prst="rect">
+            <a:avLst/>
+          </a:prstGeom>
+          <a:noFill/>
+          <a:ln>
+            <a:noFill/>
+          </a:ln>
+          <a:extLst>
+            <a:ext uri="{909E8E84-426E-40DD-AFC4-6F175D3DCCD1}">
+              <a14:hiddenFill xmlns:a14="http://schemas.microsoft.com/office/drawing/2010/main">
+                <a:solidFill>
+                  <a:srgbClr val="FFFFFF"/>
+                </a:solidFill>
+              </a14:hiddenFill>
+            </a:ext>
+            <a:ext uri="{91240B29-F687-4F45-9708-019B960494DF}">
+              <a14:hiddenLine xmlns:a14="http://schemas.microsoft.com/office/drawing/2010/main" w="9525">
+                <a:solidFill>
+                  <a:srgbClr val="000000"/>
+                </a:solidFill>
+                <a:miter lim="800000"/>
+                <a:headEnd/>
+                <a:tailEnd/>
+              </a14:hiddenLine>
+            </a:ext>
+          </a:extLst>
+        </p:spPr>
+        <p:txBody>
+          <a:bodyPr wrap="square">
+            <a:spAutoFit/>
+          </a:bodyPr>
+          <a:lstStyle>
+            <a:lvl1pPr>
+              <a:defRPr>
+                <a:solidFill>
+                  <a:schemeClr val="tx1"/>
+                </a:solidFill>
+                <a:latin typeface="Calibri" panose="020F0502020204030204" pitchFamily="34" charset="0"/>
+              </a:defRPr>
+            </a:lvl1pPr>
+            <a:lvl2pPr marL="742950" indent="-285750">
+              <a:defRPr>
+                <a:solidFill>
+                  <a:schemeClr val="tx1"/>
+                </a:solidFill>
+                <a:latin typeface="Calibri" panose="020F0502020204030204" pitchFamily="34" charset="0"/>
+              </a:defRPr>
+            </a:lvl2pPr>
+            <a:lvl3pPr marL="1143000" indent="-228600">
+              <a:defRPr>
+                <a:solidFill>
+                  <a:schemeClr val="tx1"/>
+                </a:solidFill>
+                <a:latin typeface="Calibri" panose="020F0502020204030204" pitchFamily="34" charset="0"/>
+              </a:defRPr>
+            </a:lvl3pPr>
+            <a:lvl4pPr marL="1600200" indent="-228600">
+              <a:defRPr>
+                <a:solidFill>
+                  <a:schemeClr val="tx1"/>
+                </a:solidFill>
+                <a:latin typeface="Calibri" panose="020F0502020204030204" pitchFamily="34" charset="0"/>
+              </a:defRPr>
+            </a:lvl4pPr>
+            <a:lvl5pPr marL="2057400" indent="-228600">
+              <a:defRPr>
+                <a:solidFill>
+                  <a:schemeClr val="tx1"/>
+                </a:solidFill>
+                <a:latin typeface="Calibri" panose="020F0502020204030204" pitchFamily="34" charset="0"/>
+              </a:defRPr>
+            </a:lvl5pPr>
+            <a:lvl6pPr marL="2514600" indent="-228600" eaLnBrk="0" fontAlgn="base" hangingPunct="0">
+              <a:spcBef>
+                <a:spcPct val="0"/>
+              </a:spcBef>
+              <a:spcAft>
+                <a:spcPct val="0"/>
+              </a:spcAft>
+              <a:defRPr>
+                <a:solidFill>
+                  <a:schemeClr val="tx1"/>
+                </a:solidFill>
+                <a:latin typeface="Calibri" panose="020F0502020204030204" pitchFamily="34" charset="0"/>
+              </a:defRPr>
+            </a:lvl6pPr>
+            <a:lvl7pPr marL="2971800" indent="-228600" eaLnBrk="0" fontAlgn="base" hangingPunct="0">
+              <a:spcBef>
+                <a:spcPct val="0"/>
+              </a:spcBef>
+              <a:spcAft>
+                <a:spcPct val="0"/>
+              </a:spcAft>
+              <a:defRPr>
+                <a:solidFill>
+                  <a:schemeClr val="tx1"/>
+                </a:solidFill>
+                <a:latin typeface="Calibri" panose="020F0502020204030204" pitchFamily="34" charset="0"/>
+              </a:defRPr>
+            </a:lvl7pPr>
+            <a:lvl8pPr marL="3429000" indent="-228600" eaLnBrk="0" fontAlgn="base" hangingPunct="0">
+              <a:spcBef>
+                <a:spcPct val="0"/>
+              </a:spcBef>
+              <a:spcAft>
+                <a:spcPct val="0"/>
+              </a:spcAft>
+              <a:defRPr>
+                <a:solidFill>
+                  <a:schemeClr val="tx1"/>
+                </a:solidFill>
+                <a:latin typeface="Calibri" panose="020F0502020204030204" pitchFamily="34" charset="0"/>
+              </a:defRPr>
+            </a:lvl8pPr>
+            <a:lvl9pPr marL="3886200" indent="-228600" eaLnBrk="0" fontAlgn="base" hangingPunct="0">
+              <a:spcBef>
+                <a:spcPct val="0"/>
+              </a:spcBef>
+              <a:spcAft>
+                <a:spcPct val="0"/>
+              </a:spcAft>
+              <a:defRPr>
+                <a:solidFill>
+                  <a:schemeClr val="tx1"/>
+                </a:solidFill>
+                <a:latin typeface="Calibri" panose="020F0502020204030204" pitchFamily="34" charset="0"/>
+              </a:defRPr>
+            </a:lvl9pPr>
+          </a:lstStyle>
+          <a:p>
+            <a:pPr algn="ctr" eaLnBrk="1" hangingPunct="1"/>
+            <a:r>
+              <a:rPr lang="en-US" altLang="en-US" sz="1100" dirty="0">
+                <a:latin typeface="Arial" panose="020B0604020202020204" pitchFamily="34" charset="0"/>
+                <a:ea typeface="Amazon Ember" panose="020B0603020204020204" pitchFamily="34" charset="0"/>
+                <a:cs typeface="Arial" panose="020B0604020202020204" pitchFamily="34" charset="0"/>
+              </a:rPr>
+              <a:t>MySQL</a:t>
+            </a:r>
+          </a:p>
+          <a:p>
+            <a:pPr algn="ctr" eaLnBrk="1" hangingPunct="1"/>
+            <a:r>
+              <a:rPr lang="en-US" altLang="en-US" sz="1100" dirty="0">
+                <a:latin typeface="Arial" panose="020B0604020202020204" pitchFamily="34" charset="0"/>
+                <a:ea typeface="Amazon Ember" panose="020B0603020204020204" pitchFamily="34" charset="0"/>
+                <a:cs typeface="Arial" panose="020B0604020202020204" pitchFamily="34" charset="0"/>
+              </a:rPr>
+              <a:t>instance</a:t>
+            </a:r>
+          </a:p>
+        </p:txBody>
+      </p:sp>
+      <p:pic>
+        <p:nvPicPr>
+          <p:cNvPr id="85" name="Graphic 24">
+            <a:extLst>
+              <a:ext uri="{FF2B5EF4-FFF2-40B4-BE49-F238E27FC236}">
+                <a16:creationId xmlns:a16="http://schemas.microsoft.com/office/drawing/2014/main" id="{1BB1A929-4B62-3040-9466-CB51DB3ACE7D}"/>
+              </a:ext>
+            </a:extLst>
+          </p:cNvPr>
+          <p:cNvPicPr>
+            <a:picLocks noChangeAspect="1" noChangeArrowheads="1"/>
+          </p:cNvPicPr>
+          <p:nvPr/>
+        </p:nvPicPr>
+        <p:blipFill>
+          <a:blip r:embed="rId34">
+            <a:extLst>
+              <a:ext uri="{28A0092B-C50C-407E-A947-70E740481C1C}">
+                <a14:useLocalDpi xmlns:a14="http://schemas.microsoft.com/office/drawing/2010/main" val="0"/>
+              </a:ext>
+            </a:extLst>
+          </a:blip>
+          <a:srcRect/>
+          <a:stretch>
+            <a:fillRect/>
+          </a:stretch>
+        </p:blipFill>
+        <p:spPr bwMode="auto">
+          <a:xfrm>
+            <a:off x="6035040" y="6035040"/>
+            <a:ext cx="457200" cy="457200"/>
+          </a:xfrm>
+          <a:prstGeom prst="rect">
+            <a:avLst/>
+          </a:prstGeom>
+          <a:noFill/>
+          <a:ln>
+            <a:noFill/>
+          </a:ln>
+          <a:extLst>
+            <a:ext uri="{909E8E84-426E-40DD-AFC4-6F175D3DCCD1}">
+              <a14:hiddenFill xmlns:a14="http://schemas.microsoft.com/office/drawing/2010/main">
+                <a:solidFill>
+                  <a:srgbClr val="FFFFFF"/>
+                </a:solidFill>
+              </a14:hiddenFill>
+            </a:ext>
+            <a:ext uri="{91240B29-F687-4F45-9708-019B960494DF}">
+              <a14:hiddenLine xmlns:a14="http://schemas.microsoft.com/office/drawing/2010/main" w="9525">
+                <a:solidFill>
+                  <a:srgbClr val="000000"/>
+                </a:solidFill>
+                <a:miter lim="800000"/>
+                <a:headEnd/>
+                <a:tailEnd/>
+              </a14:hiddenLine>
+            </a:ext>
+          </a:extLst>
+        </p:spPr>
+      </p:pic>
+      <p:sp>
+        <p:nvSpPr>
+          <p:cNvPr id="87" name="Rectangle 86">
+            <a:extLst>
+              <a:ext uri="{FF2B5EF4-FFF2-40B4-BE49-F238E27FC236}">
+                <a16:creationId xmlns:a16="http://schemas.microsoft.com/office/drawing/2014/main" id="{CA9FC015-58A6-074B-8C1E-732DA3337466}"/>
+              </a:ext>
+            </a:extLst>
+          </p:cNvPr>
+          <p:cNvSpPr/>
+          <p:nvPr/>
+        </p:nvSpPr>
+        <p:spPr>
+          <a:xfrm>
+            <a:off x="8153508" y="4391799"/>
+            <a:ext cx="1737360" cy="2651760"/>
+          </a:xfrm>
+          <a:prstGeom prst="rect">
+            <a:avLst/>
+          </a:prstGeom>
+          <a:solidFill>
+            <a:srgbClr val="007CBC">
+              <a:alpha val="9804"/>
+            </a:srgbClr>
+          </a:solidFill>
+          <a:ln w="12700">
+            <a:noFill/>
+            <a:prstDash val="solid"/>
+          </a:ln>
+        </p:spPr>
+        <p:style>
+          <a:lnRef idx="2">
+            <a:schemeClr val="accent1">
+              <a:shade val="50000"/>
+            </a:schemeClr>
+          </a:lnRef>
+          <a:fillRef idx="1">
+            <a:schemeClr val="accent1"/>
+          </a:fillRef>
+          <a:effectRef idx="0">
+            <a:schemeClr val="accent1"/>
+          </a:effectRef>
+          <a:fontRef idx="minor">
+            <a:schemeClr val="lt1"/>
+          </a:fontRef>
+        </p:style>
+        <p:txBody>
+          <a:bodyPr rot="0" spcFirstLastPara="0" vertOverflow="overflow" horzOverflow="overflow" vert="horz" wrap="square" lIns="338328" tIns="45720" rIns="91440" bIns="45720" numCol="1" spcCol="0" rtlCol="0" fromWordArt="0" anchor="t" anchorCtr="0" forceAA="0" compatLnSpc="1">
+            <a:prstTxWarp prst="textNoShape">
+              <a:avLst/>
+            </a:prstTxWarp>
+            <a:noAutofit/>
+          </a:bodyPr>
+          <a:lstStyle/>
+          <a:p>
+            <a:pPr algn="l"/>
+            <a:r>
+              <a:rPr lang="en-US" sz="1200" dirty="0">
+                <a:solidFill>
+                  <a:srgbClr val="007DBC"/>
+                </a:solidFill>
+                <a:latin typeface="Arial" panose="020B0604020202020204" pitchFamily="34" charset="0"/>
+                <a:cs typeface="Arial" panose="020B0604020202020204" pitchFamily="34" charset="0"/>
+              </a:rPr>
+              <a:t>Private subnet</a:t>
+            </a:r>
+          </a:p>
+        </p:txBody>
+      </p:sp>
+      <p:sp>
+        <p:nvSpPr>
+          <p:cNvPr id="89" name="TextBox 88">
+            <a:extLst>
+              <a:ext uri="{FF2B5EF4-FFF2-40B4-BE49-F238E27FC236}">
+                <a16:creationId xmlns:a16="http://schemas.microsoft.com/office/drawing/2014/main" id="{BB0FED51-F4D8-A643-8438-DC2ADE8AA465}"/>
+              </a:ext>
+            </a:extLst>
+          </p:cNvPr>
+          <p:cNvSpPr txBox="1"/>
+          <p:nvPr/>
+        </p:nvSpPr>
+        <p:spPr>
+          <a:xfrm>
+            <a:off x="8288763" y="5407164"/>
+            <a:ext cx="1440910" cy="276999"/>
+          </a:xfrm>
+          <a:prstGeom prst="rect">
+            <a:avLst/>
+          </a:prstGeom>
+          <a:noFill/>
+        </p:spPr>
+        <p:txBody>
+          <a:bodyPr wrap="square" rtlCol="0" anchor="t">
+            <a:spAutoFit/>
+          </a:bodyPr>
+          <a:lstStyle/>
+          <a:p>
+            <a:pPr algn="ctr"/>
+            <a:r>
+              <a:rPr lang="en-US" sz="1200" dirty="0">
+                <a:latin typeface="Arial" panose="020B0604020202020204" pitchFamily="34" charset="0"/>
+                <a:cs typeface="Arial" panose="020B0604020202020204" pitchFamily="34" charset="0"/>
+              </a:rPr>
+              <a:t>Kubernetes nodes</a:t>
+            </a:r>
+          </a:p>
+        </p:txBody>
+      </p:sp>
+      <p:pic>
+        <p:nvPicPr>
+          <p:cNvPr id="92" name="Graphic 62">
+            <a:extLst>
+              <a:ext uri="{FF2B5EF4-FFF2-40B4-BE49-F238E27FC236}">
+                <a16:creationId xmlns:a16="http://schemas.microsoft.com/office/drawing/2014/main" id="{8B47AFFF-81D9-C348-90A5-553E82D08748}"/>
+              </a:ext>
+            </a:extLst>
+          </p:cNvPr>
+          <p:cNvPicPr>
+            <a:picLocks noChangeAspect="1" noChangeArrowheads="1"/>
+          </p:cNvPicPr>
+          <p:nvPr/>
+        </p:nvPicPr>
+        <p:blipFill>
+          <a:blip r:embed="rId29">
+            <a:extLst>
+              <a:ext uri="{28A0092B-C50C-407E-A947-70E740481C1C}">
+                <a14:useLocalDpi xmlns:a14="http://schemas.microsoft.com/office/drawing/2010/main" val="0"/>
+              </a:ext>
+            </a:extLst>
+          </a:blip>
+          <a:srcRect/>
+          <a:stretch>
+            <a:fillRect/>
+          </a:stretch>
+        </p:blipFill>
+        <p:spPr bwMode="auto">
+          <a:xfrm>
+            <a:off x="8778240" y="4940439"/>
+            <a:ext cx="457200" cy="457200"/>
+          </a:xfrm>
+          <a:prstGeom prst="rect">
+            <a:avLst/>
+          </a:prstGeom>
+          <a:noFill/>
+          <a:ln>
+            <a:noFill/>
+          </a:ln>
+          <a:extLst>
+            <a:ext uri="{909E8E84-426E-40DD-AFC4-6F175D3DCCD1}">
+              <a14:hiddenFill xmlns:a14="http://schemas.microsoft.com/office/drawing/2010/main">
+                <a:solidFill>
+                  <a:srgbClr val="FFFFFF"/>
+                </a:solidFill>
+              </a14:hiddenFill>
+            </a:ext>
+            <a:ext uri="{91240B29-F687-4F45-9708-019B960494DF}">
+              <a14:hiddenLine xmlns:a14="http://schemas.microsoft.com/office/drawing/2010/main" w="9525">
+                <a:solidFill>
+                  <a:srgbClr val="000000"/>
+                </a:solidFill>
+                <a:miter lim="800000"/>
+                <a:headEnd/>
+                <a:tailEnd/>
+              </a14:hiddenLine>
+            </a:ext>
+          </a:extLst>
+        </p:spPr>
+      </p:pic>
+      <p:pic>
+        <p:nvPicPr>
+          <p:cNvPr id="94" name="Graphic 35">
+            <a:extLst>
+              <a:ext uri="{FF2B5EF4-FFF2-40B4-BE49-F238E27FC236}">
+                <a16:creationId xmlns:a16="http://schemas.microsoft.com/office/drawing/2014/main" id="{6FC3D56A-1081-9B43-9B9C-251CDE8593F4}"/>
+              </a:ext>
+            </a:extLst>
+          </p:cNvPr>
+          <p:cNvPicPr>
+            <a:picLocks noChangeAspect="1" noChangeArrowheads="1"/>
+          </p:cNvPicPr>
+          <p:nvPr/>
+        </p:nvPicPr>
+        <p:blipFill>
+          <a:blip r:embed="rId31">
+            <a:extLst>
+              <a:ext uri="{28A0092B-C50C-407E-A947-70E740481C1C}">
+                <a14:useLocalDpi xmlns:a14="http://schemas.microsoft.com/office/drawing/2010/main" val="0"/>
+              </a:ext>
+            </a:extLst>
+          </a:blip>
+          <a:srcRect/>
+          <a:stretch>
+            <a:fillRect/>
+          </a:stretch>
+        </p:blipFill>
+        <p:spPr bwMode="auto">
+          <a:xfrm>
+            <a:off x="8153508" y="4391799"/>
+            <a:ext cx="274637" cy="274638"/>
+          </a:xfrm>
+          <a:prstGeom prst="rect">
+            <a:avLst/>
+          </a:prstGeom>
+          <a:noFill/>
+          <a:ln>
+            <a:noFill/>
+          </a:ln>
+          <a:extLst>
+            <a:ext uri="{909E8E84-426E-40DD-AFC4-6F175D3DCCD1}">
+              <a14:hiddenFill xmlns:a14="http://schemas.microsoft.com/office/drawing/2010/main">
+                <a:solidFill>
+                  <a:srgbClr val="FFFFFF"/>
+                </a:solidFill>
+              </a14:hiddenFill>
+            </a:ext>
+            <a:ext uri="{91240B29-F687-4F45-9708-019B960494DF}">
+              <a14:hiddenLine xmlns:a14="http://schemas.microsoft.com/office/drawing/2010/main" w="9525">
+                <a:solidFill>
+                  <a:srgbClr val="000000"/>
+                </a:solidFill>
+                <a:miter lim="800000"/>
+                <a:headEnd/>
+                <a:tailEnd/>
+              </a14:hiddenLine>
+            </a:ext>
+          </a:extLst>
+        </p:spPr>
+      </p:pic>
+      <p:sp>
+        <p:nvSpPr>
+          <p:cNvPr id="98" name="TextBox 17">
+            <a:extLst>
+              <a:ext uri="{FF2B5EF4-FFF2-40B4-BE49-F238E27FC236}">
+                <a16:creationId xmlns:a16="http://schemas.microsoft.com/office/drawing/2014/main" id="{D416F419-7FF9-FD42-97EF-0DDC4E5EAB21}"/>
+              </a:ext>
+            </a:extLst>
+          </p:cNvPr>
+          <p:cNvSpPr txBox="1">
+            <a:spLocks noChangeArrowheads="1"/>
+          </p:cNvSpPr>
+          <p:nvPr/>
+        </p:nvSpPr>
+        <p:spPr bwMode="auto">
+          <a:xfrm>
+            <a:off x="8073714" y="6511056"/>
+            <a:ext cx="953920" cy="430887"/>
+          </a:xfrm>
+          <a:prstGeom prst="rect">
+            <a:avLst/>
+          </a:prstGeom>
+          <a:noFill/>
+          <a:ln>
+            <a:noFill/>
+          </a:ln>
+          <a:extLst>
+            <a:ext uri="{909E8E84-426E-40DD-AFC4-6F175D3DCCD1}">
+              <a14:hiddenFill xmlns:a14="http://schemas.microsoft.com/office/drawing/2010/main">
+                <a:solidFill>
+                  <a:srgbClr val="FFFFFF"/>
+                </a:solidFill>
+              </a14:hiddenFill>
+            </a:ext>
+            <a:ext uri="{91240B29-F687-4F45-9708-019B960494DF}">
+              <a14:hiddenLine xmlns:a14="http://schemas.microsoft.com/office/drawing/2010/main" w="9525">
+                <a:solidFill>
+                  <a:srgbClr val="000000"/>
+                </a:solidFill>
+                <a:miter lim="800000"/>
+                <a:headEnd/>
+                <a:tailEnd/>
+              </a14:hiddenLine>
+            </a:ext>
+          </a:extLst>
+        </p:spPr>
+        <p:txBody>
+          <a:bodyPr wrap="square">
+            <a:spAutoFit/>
+          </a:bodyPr>
+          <a:lstStyle>
+            <a:lvl1pPr>
+              <a:defRPr>
+                <a:solidFill>
+                  <a:schemeClr val="tx1"/>
+                </a:solidFill>
+                <a:latin typeface="Calibri" panose="020F0502020204030204" pitchFamily="34" charset="0"/>
+              </a:defRPr>
+            </a:lvl1pPr>
+            <a:lvl2pPr marL="742950" indent="-285750">
+              <a:defRPr>
+                <a:solidFill>
+                  <a:schemeClr val="tx1"/>
+                </a:solidFill>
+                <a:latin typeface="Calibri" panose="020F0502020204030204" pitchFamily="34" charset="0"/>
+              </a:defRPr>
+            </a:lvl2pPr>
+            <a:lvl3pPr marL="1143000" indent="-228600">
+              <a:defRPr>
+                <a:solidFill>
+                  <a:schemeClr val="tx1"/>
+                </a:solidFill>
+                <a:latin typeface="Calibri" panose="020F0502020204030204" pitchFamily="34" charset="0"/>
+              </a:defRPr>
+            </a:lvl3pPr>
+            <a:lvl4pPr marL="1600200" indent="-228600">
+              <a:defRPr>
+                <a:solidFill>
+                  <a:schemeClr val="tx1"/>
+                </a:solidFill>
+                <a:latin typeface="Calibri" panose="020F0502020204030204" pitchFamily="34" charset="0"/>
+              </a:defRPr>
+            </a:lvl4pPr>
+            <a:lvl5pPr marL="2057400" indent="-228600">
+              <a:defRPr>
+                <a:solidFill>
+                  <a:schemeClr val="tx1"/>
+                </a:solidFill>
+                <a:latin typeface="Calibri" panose="020F0502020204030204" pitchFamily="34" charset="0"/>
+              </a:defRPr>
+            </a:lvl5pPr>
+            <a:lvl6pPr marL="2514600" indent="-228600" eaLnBrk="0" fontAlgn="base" hangingPunct="0">
+              <a:spcBef>
+                <a:spcPct val="0"/>
+              </a:spcBef>
+              <a:spcAft>
+                <a:spcPct val="0"/>
+              </a:spcAft>
+              <a:defRPr>
+                <a:solidFill>
+                  <a:schemeClr val="tx1"/>
+                </a:solidFill>
+                <a:latin typeface="Calibri" panose="020F0502020204030204" pitchFamily="34" charset="0"/>
+              </a:defRPr>
+            </a:lvl6pPr>
+            <a:lvl7pPr marL="2971800" indent="-228600" eaLnBrk="0" fontAlgn="base" hangingPunct="0">
+              <a:spcBef>
+                <a:spcPct val="0"/>
+              </a:spcBef>
+              <a:spcAft>
+                <a:spcPct val="0"/>
+              </a:spcAft>
+              <a:defRPr>
+                <a:solidFill>
+                  <a:schemeClr val="tx1"/>
+                </a:solidFill>
+                <a:latin typeface="Calibri" panose="020F0502020204030204" pitchFamily="34" charset="0"/>
+              </a:defRPr>
+            </a:lvl7pPr>
+            <a:lvl8pPr marL="3429000" indent="-228600" eaLnBrk="0" fontAlgn="base" hangingPunct="0">
+              <a:spcBef>
+                <a:spcPct val="0"/>
+              </a:spcBef>
+              <a:spcAft>
+                <a:spcPct val="0"/>
+              </a:spcAft>
+              <a:defRPr>
+                <a:solidFill>
+                  <a:schemeClr val="tx1"/>
+                </a:solidFill>
+                <a:latin typeface="Calibri" panose="020F0502020204030204" pitchFamily="34" charset="0"/>
+              </a:defRPr>
+            </a:lvl8pPr>
+            <a:lvl9pPr marL="3886200" indent="-228600" eaLnBrk="0" fontAlgn="base" hangingPunct="0">
+              <a:spcBef>
+                <a:spcPct val="0"/>
+              </a:spcBef>
+              <a:spcAft>
+                <a:spcPct val="0"/>
+              </a:spcAft>
+              <a:defRPr>
+                <a:solidFill>
+                  <a:schemeClr val="tx1"/>
+                </a:solidFill>
+                <a:latin typeface="Calibri" panose="020F0502020204030204" pitchFamily="34" charset="0"/>
+              </a:defRPr>
+            </a:lvl9pPr>
+          </a:lstStyle>
+          <a:p>
+            <a:pPr algn="ctr" eaLnBrk="1" hangingPunct="1"/>
+            <a:r>
+              <a:rPr lang="en-US" altLang="en-US" sz="1100" smtClean="0">
+                <a:latin typeface="Arial" panose="020B0604020202020204" pitchFamily="34" charset="0"/>
+                <a:ea typeface="Amazon Ember" panose="020B0603020204020204" pitchFamily="34" charset="0"/>
+                <a:cs typeface="Arial" panose="020B0604020202020204" pitchFamily="34" charset="0"/>
+              </a:rPr>
+              <a:t>ElastiCache Redis </a:t>
+            </a:r>
+            <a:r>
+              <a:rPr lang="en-US" altLang="en-US" sz="1100" dirty="0">
+                <a:latin typeface="Arial" panose="020B0604020202020204" pitchFamily="34" charset="0"/>
+                <a:ea typeface="Amazon Ember" panose="020B0603020204020204" pitchFamily="34" charset="0"/>
+                <a:cs typeface="Arial" panose="020B0604020202020204" pitchFamily="34" charset="0"/>
+              </a:rPr>
+              <a:t>node</a:t>
+            </a:r>
+          </a:p>
+        </p:txBody>
+      </p:sp>
+      <p:sp>
+        <p:nvSpPr>
+          <p:cNvPr id="99" name="TextBox 8">
+            <a:extLst>
+              <a:ext uri="{FF2B5EF4-FFF2-40B4-BE49-F238E27FC236}">
+                <a16:creationId xmlns:a16="http://schemas.microsoft.com/office/drawing/2014/main" id="{9A51BFEC-955C-E444-A046-8E4A45B6EFDA}"/>
+              </a:ext>
+            </a:extLst>
+          </p:cNvPr>
+          <p:cNvSpPr txBox="1">
+            <a:spLocks noChangeArrowheads="1"/>
+          </p:cNvSpPr>
+          <p:nvPr/>
+        </p:nvSpPr>
+        <p:spPr bwMode="auto">
+          <a:xfrm>
+            <a:off x="9062193" y="6510528"/>
+            <a:ext cx="801100" cy="430887"/>
+          </a:xfrm>
+          <a:prstGeom prst="rect">
+            <a:avLst/>
+          </a:prstGeom>
+          <a:noFill/>
+          <a:ln>
+            <a:noFill/>
+          </a:ln>
+          <a:extLst>
+            <a:ext uri="{909E8E84-426E-40DD-AFC4-6F175D3DCCD1}">
+              <a14:hiddenFill xmlns:a14="http://schemas.microsoft.com/office/drawing/2010/main">
+                <a:solidFill>
+                  <a:srgbClr val="FFFFFF"/>
+                </a:solidFill>
+              </a14:hiddenFill>
+            </a:ext>
+            <a:ext uri="{91240B29-F687-4F45-9708-019B960494DF}">
+              <a14:hiddenLine xmlns:a14="http://schemas.microsoft.com/office/drawing/2010/main" w="9525">
+                <a:solidFill>
+                  <a:srgbClr val="000000"/>
+                </a:solidFill>
+                <a:miter lim="800000"/>
+                <a:headEnd/>
+                <a:tailEnd/>
+              </a14:hiddenLine>
+            </a:ext>
+          </a:extLst>
+        </p:spPr>
+        <p:txBody>
+          <a:bodyPr wrap="square">
+            <a:spAutoFit/>
+          </a:bodyPr>
+          <a:lstStyle>
+            <a:lvl1pPr>
+              <a:defRPr>
+                <a:solidFill>
+                  <a:schemeClr val="tx1"/>
+                </a:solidFill>
+                <a:latin typeface="Calibri" panose="020F0502020204030204" pitchFamily="34" charset="0"/>
+              </a:defRPr>
+            </a:lvl1pPr>
+            <a:lvl2pPr marL="742950" indent="-285750">
+              <a:defRPr>
+                <a:solidFill>
+                  <a:schemeClr val="tx1"/>
+                </a:solidFill>
+                <a:latin typeface="Calibri" panose="020F0502020204030204" pitchFamily="34" charset="0"/>
+              </a:defRPr>
+            </a:lvl2pPr>
+            <a:lvl3pPr marL="1143000" indent="-228600">
+              <a:defRPr>
+                <a:solidFill>
+                  <a:schemeClr val="tx1"/>
+                </a:solidFill>
+                <a:latin typeface="Calibri" panose="020F0502020204030204" pitchFamily="34" charset="0"/>
+              </a:defRPr>
+            </a:lvl3pPr>
+            <a:lvl4pPr marL="1600200" indent="-228600">
+              <a:defRPr>
+                <a:solidFill>
+                  <a:schemeClr val="tx1"/>
+                </a:solidFill>
+                <a:latin typeface="Calibri" panose="020F0502020204030204" pitchFamily="34" charset="0"/>
+              </a:defRPr>
+            </a:lvl4pPr>
+            <a:lvl5pPr marL="2057400" indent="-228600">
+              <a:defRPr>
+                <a:solidFill>
+                  <a:schemeClr val="tx1"/>
+                </a:solidFill>
+                <a:latin typeface="Calibri" panose="020F0502020204030204" pitchFamily="34" charset="0"/>
+              </a:defRPr>
+            </a:lvl5pPr>
+            <a:lvl6pPr marL="2514600" indent="-228600" eaLnBrk="0" fontAlgn="base" hangingPunct="0">
+              <a:spcBef>
+                <a:spcPct val="0"/>
+              </a:spcBef>
+              <a:spcAft>
+                <a:spcPct val="0"/>
+              </a:spcAft>
+              <a:defRPr>
+                <a:solidFill>
+                  <a:schemeClr val="tx1"/>
+                </a:solidFill>
+                <a:latin typeface="Calibri" panose="020F0502020204030204" pitchFamily="34" charset="0"/>
+              </a:defRPr>
+            </a:lvl6pPr>
+            <a:lvl7pPr marL="2971800" indent="-228600" eaLnBrk="0" fontAlgn="base" hangingPunct="0">
+              <a:spcBef>
+                <a:spcPct val="0"/>
+              </a:spcBef>
+              <a:spcAft>
+                <a:spcPct val="0"/>
+              </a:spcAft>
+              <a:defRPr>
+                <a:solidFill>
+                  <a:schemeClr val="tx1"/>
+                </a:solidFill>
+                <a:latin typeface="Calibri" panose="020F0502020204030204" pitchFamily="34" charset="0"/>
+              </a:defRPr>
+            </a:lvl7pPr>
+            <a:lvl8pPr marL="3429000" indent="-228600" eaLnBrk="0" fontAlgn="base" hangingPunct="0">
+              <a:spcBef>
+                <a:spcPct val="0"/>
+              </a:spcBef>
+              <a:spcAft>
+                <a:spcPct val="0"/>
+              </a:spcAft>
+              <a:defRPr>
+                <a:solidFill>
+                  <a:schemeClr val="tx1"/>
+                </a:solidFill>
+                <a:latin typeface="Calibri" panose="020F0502020204030204" pitchFamily="34" charset="0"/>
+              </a:defRPr>
+            </a:lvl8pPr>
+            <a:lvl9pPr marL="3886200" indent="-228600" eaLnBrk="0" fontAlgn="base" hangingPunct="0">
+              <a:spcBef>
+                <a:spcPct val="0"/>
+              </a:spcBef>
+              <a:spcAft>
+                <a:spcPct val="0"/>
+              </a:spcAft>
+              <a:defRPr>
+                <a:solidFill>
+                  <a:schemeClr val="tx1"/>
+                </a:solidFill>
+                <a:latin typeface="Calibri" panose="020F0502020204030204" pitchFamily="34" charset="0"/>
+              </a:defRPr>
+            </a:lvl9pPr>
+          </a:lstStyle>
+          <a:p>
+            <a:pPr algn="ctr" eaLnBrk="1" hangingPunct="1"/>
+            <a:r>
+              <a:rPr lang="en-US" altLang="en-US" sz="1100" dirty="0">
+                <a:latin typeface="Arial" panose="020B0604020202020204" pitchFamily="34" charset="0"/>
+                <a:ea typeface="Amazon Ember" panose="020B0603020204020204" pitchFamily="34" charset="0"/>
+                <a:cs typeface="Arial" panose="020B0604020202020204" pitchFamily="34" charset="0"/>
+              </a:rPr>
+              <a:t>MySQL</a:t>
+            </a:r>
+          </a:p>
+          <a:p>
+            <a:pPr algn="ctr" eaLnBrk="1" hangingPunct="1"/>
+            <a:r>
+              <a:rPr lang="en-US" altLang="en-US" sz="1100" dirty="0">
+                <a:latin typeface="Arial" panose="020B0604020202020204" pitchFamily="34" charset="0"/>
+                <a:ea typeface="Amazon Ember" panose="020B0603020204020204" pitchFamily="34" charset="0"/>
+                <a:cs typeface="Arial" panose="020B0604020202020204" pitchFamily="34" charset="0"/>
+              </a:rPr>
+              <a:t>instance</a:t>
+            </a:r>
+          </a:p>
+        </p:txBody>
+      </p:sp>
+      <p:pic>
+        <p:nvPicPr>
+          <p:cNvPr id="101" name="Graphic 24">
+            <a:extLst>
+              <a:ext uri="{FF2B5EF4-FFF2-40B4-BE49-F238E27FC236}">
+                <a16:creationId xmlns:a16="http://schemas.microsoft.com/office/drawing/2014/main" id="{1BB1A929-4B62-3040-9466-CB51DB3ACE7D}"/>
+              </a:ext>
+            </a:extLst>
+          </p:cNvPr>
+          <p:cNvPicPr>
+            <a:picLocks noChangeAspect="1" noChangeArrowheads="1"/>
+          </p:cNvPicPr>
+          <p:nvPr/>
+        </p:nvPicPr>
+        <p:blipFill>
+          <a:blip r:embed="rId34">
+            <a:extLst>
+              <a:ext uri="{28A0092B-C50C-407E-A947-70E740481C1C}">
+                <a14:useLocalDpi xmlns:a14="http://schemas.microsoft.com/office/drawing/2010/main" val="0"/>
+              </a:ext>
+            </a:extLst>
+          </a:blip>
+          <a:srcRect/>
+          <a:stretch>
+            <a:fillRect/>
+          </a:stretch>
+        </p:blipFill>
+        <p:spPr bwMode="auto">
+          <a:xfrm>
+            <a:off x="8321040" y="6037719"/>
+            <a:ext cx="457200" cy="457200"/>
+          </a:xfrm>
+          <a:prstGeom prst="rect">
+            <a:avLst/>
+          </a:prstGeom>
+          <a:noFill/>
+          <a:ln>
+            <a:noFill/>
+          </a:ln>
+          <a:extLst>
+            <a:ext uri="{909E8E84-426E-40DD-AFC4-6F175D3DCCD1}">
+              <a14:hiddenFill xmlns:a14="http://schemas.microsoft.com/office/drawing/2010/main">
+                <a:solidFill>
+                  <a:srgbClr val="FFFFFF"/>
+                </a:solidFill>
+              </a14:hiddenFill>
+            </a:ext>
+            <a:ext uri="{91240B29-F687-4F45-9708-019B960494DF}">
+              <a14:hiddenLine xmlns:a14="http://schemas.microsoft.com/office/drawing/2010/main" w="9525">
+                <a:solidFill>
+                  <a:srgbClr val="000000"/>
+                </a:solidFill>
+                <a:miter lim="800000"/>
+                <a:headEnd/>
+                <a:tailEnd/>
+              </a14:hiddenLine>
+            </a:ext>
+          </a:extLst>
+        </p:spPr>
+      </p:pic>
+      <p:pic>
+        <p:nvPicPr>
+          <p:cNvPr id="102" name="Graphic 23">
+            <a:extLst>
+              <a:ext uri="{FF2B5EF4-FFF2-40B4-BE49-F238E27FC236}">
+                <a16:creationId xmlns:a16="http://schemas.microsoft.com/office/drawing/2014/main" id="{6C7F2A04-6606-F843-89BB-7B833BB637DF}"/>
+              </a:ext>
+            </a:extLst>
+          </p:cNvPr>
+          <p:cNvPicPr>
+            <a:picLocks noChangeAspect="1" noChangeArrowheads="1"/>
+          </p:cNvPicPr>
+          <p:nvPr/>
+        </p:nvPicPr>
+        <p:blipFill>
+          <a:blip r:embed="rId35">
+            <a:extLst>
+              <a:ext uri="{28A0092B-C50C-407E-A947-70E740481C1C}">
+                <a14:useLocalDpi xmlns:a14="http://schemas.microsoft.com/office/drawing/2010/main" val="0"/>
+              </a:ext>
+            </a:extLst>
+          </a:blip>
+          <a:srcRect/>
+          <a:stretch>
+            <a:fillRect/>
+          </a:stretch>
+        </p:blipFill>
+        <p:spPr bwMode="auto">
+          <a:xfrm>
+            <a:off x="3840480" y="6035040"/>
+            <a:ext cx="457200" cy="457200"/>
+          </a:xfrm>
+          <a:prstGeom prst="rect">
+            <a:avLst/>
+          </a:prstGeom>
+          <a:noFill/>
+          <a:ln>
+            <a:noFill/>
+          </a:ln>
+          <a:extLst>
+            <a:ext uri="{909E8E84-426E-40DD-AFC4-6F175D3DCCD1}">
+              <a14:hiddenFill xmlns:a14="http://schemas.microsoft.com/office/drawing/2010/main">
+                <a:solidFill>
+                  <a:srgbClr val="FFFFFF"/>
+                </a:solidFill>
+              </a14:hiddenFill>
+            </a:ext>
+            <a:ext uri="{91240B29-F687-4F45-9708-019B960494DF}">
+              <a14:hiddenLine xmlns:a14="http://schemas.microsoft.com/office/drawing/2010/main" w="9525">
+                <a:solidFill>
+                  <a:srgbClr val="000000"/>
+                </a:solidFill>
+                <a:miter lim="800000"/>
+                <a:headEnd/>
+                <a:tailEnd/>
+              </a14:hiddenLine>
+            </a:ext>
+          </a:extLst>
+        </p:spPr>
+      </p:pic>
+      <p:pic>
+        <p:nvPicPr>
+          <p:cNvPr id="103" name="Graphic 23">
+            <a:extLst>
+              <a:ext uri="{FF2B5EF4-FFF2-40B4-BE49-F238E27FC236}">
+                <a16:creationId xmlns:a16="http://schemas.microsoft.com/office/drawing/2014/main" id="{6C7F2A04-6606-F843-89BB-7B833BB637DF}"/>
+              </a:ext>
+            </a:extLst>
+          </p:cNvPr>
+          <p:cNvPicPr>
+            <a:picLocks noChangeAspect="1" noChangeArrowheads="1"/>
+          </p:cNvPicPr>
+          <p:nvPr/>
+        </p:nvPicPr>
+        <p:blipFill>
+          <a:blip r:embed="rId35">
+            <a:extLst>
+              <a:ext uri="{28A0092B-C50C-407E-A947-70E740481C1C}">
+                <a14:useLocalDpi xmlns:a14="http://schemas.microsoft.com/office/drawing/2010/main" val="0"/>
+              </a:ext>
+            </a:extLst>
+          </a:blip>
+          <a:srcRect/>
+          <a:stretch>
+            <a:fillRect/>
+          </a:stretch>
+        </p:blipFill>
+        <p:spPr bwMode="auto">
+          <a:xfrm>
+            <a:off x="6949440" y="6035040"/>
+            <a:ext cx="457200" cy="457200"/>
+          </a:xfrm>
+          <a:prstGeom prst="rect">
+            <a:avLst/>
+          </a:prstGeom>
+          <a:noFill/>
+          <a:ln>
+            <a:noFill/>
+          </a:ln>
+          <a:extLst>
+            <a:ext uri="{909E8E84-426E-40DD-AFC4-6F175D3DCCD1}">
+              <a14:hiddenFill xmlns:a14="http://schemas.microsoft.com/office/drawing/2010/main">
+                <a:solidFill>
+                  <a:srgbClr val="FFFFFF"/>
+                </a:solidFill>
+              </a14:hiddenFill>
+            </a:ext>
+            <a:ext uri="{91240B29-F687-4F45-9708-019B960494DF}">
+              <a14:hiddenLine xmlns:a14="http://schemas.microsoft.com/office/drawing/2010/main" w="9525">
+                <a:solidFill>
+                  <a:srgbClr val="000000"/>
+                </a:solidFill>
+                <a:miter lim="800000"/>
+                <a:headEnd/>
+                <a:tailEnd/>
+              </a14:hiddenLine>
+            </a:ext>
+          </a:extLst>
+        </p:spPr>
+      </p:pic>
+      <p:pic>
+        <p:nvPicPr>
+          <p:cNvPr id="104" name="Graphic 23">
+            <a:extLst>
+              <a:ext uri="{FF2B5EF4-FFF2-40B4-BE49-F238E27FC236}">
+                <a16:creationId xmlns:a16="http://schemas.microsoft.com/office/drawing/2014/main" id="{6C7F2A04-6606-F843-89BB-7B833BB637DF}"/>
+              </a:ext>
+            </a:extLst>
+          </p:cNvPr>
+          <p:cNvPicPr>
+            <a:picLocks noChangeAspect="1" noChangeArrowheads="1"/>
+          </p:cNvPicPr>
+          <p:nvPr/>
+        </p:nvPicPr>
+        <p:blipFill>
+          <a:blip r:embed="rId35">
+            <a:extLst>
+              <a:ext uri="{28A0092B-C50C-407E-A947-70E740481C1C}">
+                <a14:useLocalDpi xmlns:a14="http://schemas.microsoft.com/office/drawing/2010/main" val="0"/>
+              </a:ext>
+            </a:extLst>
+          </a:blip>
+          <a:srcRect/>
+          <a:stretch>
+            <a:fillRect/>
+          </a:stretch>
+        </p:blipFill>
+        <p:spPr bwMode="auto">
+          <a:xfrm>
+            <a:off x="9235440" y="6031055"/>
+            <a:ext cx="457200" cy="457200"/>
+          </a:xfrm>
+          <a:prstGeom prst="rect">
+            <a:avLst/>
+          </a:prstGeom>
+          <a:noFill/>
+          <a:ln>
+            <a:noFill/>
+          </a:ln>
+          <a:extLst>
+            <a:ext uri="{909E8E84-426E-40DD-AFC4-6F175D3DCCD1}">
+              <a14:hiddenFill xmlns:a14="http://schemas.microsoft.com/office/drawing/2010/main">
+                <a:solidFill>
+                  <a:srgbClr val="FFFFFF"/>
+                </a:solidFill>
+              </a14:hiddenFill>
+            </a:ext>
+            <a:ext uri="{91240B29-F687-4F45-9708-019B960494DF}">
+              <a14:hiddenLine xmlns:a14="http://schemas.microsoft.com/office/drawing/2010/main" w="9525">
+                <a:solidFill>
+                  <a:srgbClr val="000000"/>
+                </a:solidFill>
+                <a:miter lim="800000"/>
+                <a:headEnd/>
+                <a:tailEnd/>
+              </a14:hiddenLine>
+            </a:ext>
+          </a:extLst>
+        </p:spPr>
+      </p:pic>
     </p:spTree>
     <p:extLst>
       <p:ext uri="{BB962C8B-B14F-4D97-AF65-F5344CB8AC3E}">

--- a/docs/images/armory-architecture.pptx
+++ b/docs/images/armory-architecture.pptx
@@ -224,7 +224,7 @@
           <a:p>
             <a:fld id="{49A7721D-1176-A640-AC48-B82F78C92D56}" type="datetimeFigureOut">
               <a:rPr lang="en-US" smtClean="0"/>
-              <a:t>6/30/2021</a:t>
+              <a:t>7/1/2021</a:t>
             </a:fld>
             <a:endParaRPr lang="en-US" dirty="0"/>
           </a:p>
@@ -401,7 +401,7 @@
           <a:p>
             <a:fld id="{C884A089-FB25-6D46-9D21-F0F04A18BCA8}" type="datetimeFigureOut">
               <a:rPr lang="en-US" smtClean="0"/>
-              <a:t>6/30/2021</a:t>
+              <a:t>7/1/2021</a:t>
             </a:fld>
             <a:endParaRPr lang="en-US" dirty="0"/>
           </a:p>
@@ -944,7 +944,7 @@
           <a:p>
             <a:fld id="{C764DE79-268F-4C1A-8933-263129D2AF90}" type="datetimeFigureOut">
               <a:rPr lang="en-US" dirty="0"/>
-              <a:t>6/30/2021</a:t>
+              <a:t>7/1/2021</a:t>
             </a:fld>
             <a:endParaRPr lang="en-US" dirty="0"/>
           </a:p>
@@ -1115,7 +1115,7 @@
           <a:p>
             <a:fld id="{C764DE79-268F-4C1A-8933-263129D2AF90}" type="datetimeFigureOut">
               <a:rPr lang="en-US" dirty="0"/>
-              <a:t>6/30/2021</a:t>
+              <a:t>7/1/2021</a:t>
             </a:fld>
             <a:endParaRPr lang="en-US" dirty="0"/>
           </a:p>
@@ -1296,7 +1296,7 @@
           <a:p>
             <a:fld id="{C764DE79-268F-4C1A-8933-263129D2AF90}" type="datetimeFigureOut">
               <a:rPr lang="en-US" dirty="0"/>
-              <a:t>6/30/2021</a:t>
+              <a:t>7/1/2021</a:t>
             </a:fld>
             <a:endParaRPr lang="en-US" dirty="0"/>
           </a:p>
@@ -1489,7 +1489,7 @@
           <a:p>
             <a:fld id="{C764DE79-268F-4C1A-8933-263129D2AF90}" type="datetimeFigureOut">
               <a:rPr lang="en-US" dirty="0"/>
-              <a:t>6/30/2021</a:t>
+              <a:t>7/1/2021</a:t>
             </a:fld>
             <a:endParaRPr lang="en-US" dirty="0"/>
           </a:p>
@@ -1660,7 +1660,7 @@
           <a:p>
             <a:fld id="{C764DE79-268F-4C1A-8933-263129D2AF90}" type="datetimeFigureOut">
               <a:rPr lang="en-US" dirty="0"/>
-              <a:t>6/30/2021</a:t>
+              <a:t>7/1/2021</a:t>
             </a:fld>
             <a:endParaRPr lang="en-US" dirty="0"/>
           </a:p>
@@ -1905,7 +1905,7 @@
           <a:p>
             <a:fld id="{C764DE79-268F-4C1A-8933-263129D2AF90}" type="datetimeFigureOut">
               <a:rPr lang="en-US" dirty="0"/>
-              <a:t>6/30/2021</a:t>
+              <a:t>7/1/2021</a:t>
             </a:fld>
             <a:endParaRPr lang="en-US" dirty="0"/>
           </a:p>
@@ -2138,7 +2138,7 @@
           <a:p>
             <a:fld id="{C764DE79-268F-4C1A-8933-263129D2AF90}" type="datetimeFigureOut">
               <a:rPr lang="en-US" dirty="0"/>
-              <a:t>6/30/2021</a:t>
+              <a:t>7/1/2021</a:t>
             </a:fld>
             <a:endParaRPr lang="en-US" dirty="0"/>
           </a:p>
@@ -2506,7 +2506,7 @@
           <a:p>
             <a:fld id="{C764DE79-268F-4C1A-8933-263129D2AF90}" type="datetimeFigureOut">
               <a:rPr lang="en-US" dirty="0"/>
-              <a:t>6/30/2021</a:t>
+              <a:t>7/1/2021</a:t>
             </a:fld>
             <a:endParaRPr lang="en-US" dirty="0"/>
           </a:p>
@@ -2625,7 +2625,7 @@
           <a:p>
             <a:fld id="{C764DE79-268F-4C1A-8933-263129D2AF90}" type="datetimeFigureOut">
               <a:rPr lang="en-US" dirty="0"/>
-              <a:t>6/30/2021</a:t>
+              <a:t>7/1/2021</a:t>
             </a:fld>
             <a:endParaRPr lang="en-US" dirty="0"/>
           </a:p>
@@ -2994,7 +2994,7 @@
           <a:p>
             <a:fld id="{C764DE79-268F-4C1A-8933-263129D2AF90}" type="datetimeFigureOut">
               <a:rPr lang="en-US" dirty="0"/>
-              <a:t>6/30/2021</a:t>
+              <a:t>7/1/2021</a:t>
             </a:fld>
             <a:endParaRPr lang="en-US" dirty="0"/>
           </a:p>
@@ -3528,7 +3528,7 @@
           <a:p>
             <a:fld id="{C764DE79-268F-4C1A-8933-263129D2AF90}" type="datetimeFigureOut">
               <a:rPr lang="en-US" dirty="0"/>
-              <a:t>6/30/2021</a:t>
+              <a:t>7/1/2021</a:t>
             </a:fld>
             <a:endParaRPr lang="en-US" dirty="0"/>
           </a:p>
@@ -4194,7 +4194,7 @@
         </p:nvSpPr>
         <p:spPr>
           <a:xfrm>
-            <a:off x="1828800" y="1645920"/>
+            <a:off x="1737360" y="1645920"/>
             <a:ext cx="10149840" cy="5577840"/>
           </a:xfrm>
           <a:prstGeom prst="rect">
@@ -4397,8 +4397,8 @@
         </p:nvSpPr>
         <p:spPr>
           <a:xfrm>
-            <a:off x="640080" y="914400"/>
-            <a:ext cx="11704320" cy="6675120"/>
+            <a:off x="731520" y="1005840"/>
+            <a:ext cx="11430000" cy="6583680"/>
           </a:xfrm>
           <a:prstGeom prst="rect">
             <a:avLst/>
@@ -5022,7 +5022,7 @@
         </p:nvSpPr>
         <p:spPr>
           <a:xfrm>
-            <a:off x="10515600" y="5608320"/>
+            <a:off x="10469880" y="5608320"/>
             <a:ext cx="1005840" cy="274320"/>
           </a:xfrm>
           <a:prstGeom prst="rect">
@@ -5334,7 +5334,7 @@
           <a:blip r:embed="rId3">
             <a:extLst>
               <a:ext uri="{96DAC541-7B7A-43D3-8B79-37D633B846F1}">
-                <asvg:svgBlip xmlns:asvg="http://schemas.microsoft.com/office/drawing/2016/SVG/main" xmlns="" r:embed="rId20"/>
+                <asvg:svgBlip xmlns="" xmlns:asvg="http://schemas.microsoft.com/office/drawing/2016/SVG/main" r:embed="rId20"/>
               </a:ext>
             </a:extLst>
           </a:blip>
@@ -5343,7 +5343,7 @@
         </p:blipFill>
         <p:spPr bwMode="auto">
           <a:xfrm>
-            <a:off x="1061030" y="2462103"/>
+            <a:off x="1000070" y="2462103"/>
             <a:ext cx="469900" cy="469900"/>
           </a:xfrm>
           <a:prstGeom prst="rect">
@@ -5392,7 +5392,7 @@
           <a:blip r:embed="rId21">
             <a:extLst>
               <a:ext uri="{96DAC541-7B7A-43D3-8B79-37D633B846F1}">
-                <asvg:svgBlip xmlns:asvg="http://schemas.microsoft.com/office/drawing/2016/SVG/main" xmlns="" r:embed="rId22"/>
+                <asvg:svgBlip xmlns="" xmlns:asvg="http://schemas.microsoft.com/office/drawing/2016/SVG/main" r:embed="rId22"/>
               </a:ext>
             </a:extLst>
           </a:blip>
@@ -5401,7 +5401,7 @@
         </p:blipFill>
         <p:spPr bwMode="auto">
           <a:xfrm flipH="1">
-            <a:off x="975676" y="5021202"/>
+            <a:off x="996696" y="5021202"/>
             <a:ext cx="469900" cy="469900"/>
           </a:xfrm>
           <a:prstGeom prst="rect">
@@ -5448,7 +5448,7 @@
         </p:nvSpPr>
         <p:spPr bwMode="auto">
           <a:xfrm>
-            <a:off x="673442" y="5494697"/>
+            <a:off x="696302" y="5502317"/>
             <a:ext cx="1073150" cy="261610"/>
           </a:xfrm>
           <a:prstGeom prst="rect">
@@ -5611,7 +5611,7 @@
         </p:nvSpPr>
         <p:spPr bwMode="auto">
           <a:xfrm>
-            <a:off x="760311" y="2934627"/>
+            <a:off x="699351" y="2942247"/>
             <a:ext cx="1073150" cy="261610"/>
           </a:xfrm>
           <a:prstGeom prst="rect">
@@ -6141,7 +6141,7 @@
         </p:blipFill>
         <p:spPr bwMode="auto">
           <a:xfrm>
-            <a:off x="12618720" y="5008665"/>
+            <a:off x="12496800" y="5008665"/>
             <a:ext cx="1143000" cy="952500"/>
           </a:xfrm>
           <a:prstGeom prst="rect">
@@ -6175,7 +6175,7 @@
         </p:nvSpPr>
         <p:spPr bwMode="auto">
           <a:xfrm>
-            <a:off x="12692530" y="5963606"/>
+            <a:off x="12578230" y="5963606"/>
             <a:ext cx="995379" cy="276999"/>
           </a:xfrm>
           <a:prstGeom prst="rect">
@@ -6354,7 +6354,7 @@
         </p:blipFill>
         <p:spPr bwMode="auto">
           <a:xfrm>
-            <a:off x="640080" y="914400"/>
+            <a:off x="731520" y="1005840"/>
             <a:ext cx="330200" cy="330200"/>
           </a:xfrm>
           <a:prstGeom prst="rect">
@@ -6640,7 +6640,7 @@
         </p:blipFill>
         <p:spPr bwMode="auto">
           <a:xfrm>
-            <a:off x="10789920" y="5141595"/>
+            <a:off x="10744200" y="5141595"/>
             <a:ext cx="457200" cy="457200"/>
           </a:xfrm>
           <a:prstGeom prst="rect">
@@ -7169,8 +7169,8 @@
         </p:nvCxnSpPr>
         <p:spPr>
           <a:xfrm flipV="1">
-            <a:off x="11704320" y="5484915"/>
-            <a:ext cx="914400" cy="1485"/>
+            <a:off x="11658600" y="5484915"/>
+            <a:ext cx="838200" cy="1485"/>
           </a:xfrm>
           <a:prstGeom prst="straightConnector1">
             <a:avLst/>
@@ -7216,8 +7216,8 @@
         </p:nvCxnSpPr>
         <p:spPr>
           <a:xfrm>
-            <a:off x="1530930" y="2697053"/>
-            <a:ext cx="1395150" cy="427"/>
+            <a:off x="1469970" y="2697053"/>
+            <a:ext cx="1456110" cy="427"/>
           </a:xfrm>
           <a:prstGeom prst="straightConnector1">
             <a:avLst/>
@@ -7263,8 +7263,8 @@
         </p:nvCxnSpPr>
         <p:spPr>
           <a:xfrm>
-            <a:off x="1445576" y="5256152"/>
-            <a:ext cx="1480504" cy="1648"/>
+            <a:off x="1466596" y="5256152"/>
+            <a:ext cx="1459484" cy="1648"/>
           </a:xfrm>
           <a:prstGeom prst="straightConnector1">
             <a:avLst/>
@@ -7306,7 +7306,7 @@
         </p:nvSpPr>
         <p:spPr>
           <a:xfrm>
-            <a:off x="10332720" y="4754880"/>
+            <a:off x="10287000" y="4754880"/>
             <a:ext cx="1371600" cy="1463040"/>
           </a:xfrm>
           <a:prstGeom prst="rect">
